--- a/doc/Markov Chain Lunch and Learn.pptx
+++ b/doc/Markov Chain Lunch and Learn.pptx
@@ -5,7 +5,7 @@
     <p:sldMasterId id="2147483678" r:id="rId1"/>
   </p:sldMasterIdLst>
   <p:notesMasterIdLst>
-    <p:notesMasterId r:id="rId24"/>
+    <p:notesMasterId r:id="rId27"/>
   </p:notesMasterIdLst>
   <p:sldIdLst>
     <p:sldId id="256" r:id="rId2"/>
@@ -26,10 +26,13 @@
     <p:sldId id="363" r:id="rId17"/>
     <p:sldId id="365" r:id="rId18"/>
     <p:sldId id="366" r:id="rId19"/>
-    <p:sldId id="355" r:id="rId20"/>
-    <p:sldId id="349" r:id="rId21"/>
-    <p:sldId id="359" r:id="rId22"/>
-    <p:sldId id="369" r:id="rId23"/>
+    <p:sldId id="370" r:id="rId20"/>
+    <p:sldId id="371" r:id="rId21"/>
+    <p:sldId id="355" r:id="rId22"/>
+    <p:sldId id="349" r:id="rId23"/>
+    <p:sldId id="359" r:id="rId24"/>
+    <p:sldId id="369" r:id="rId25"/>
+    <p:sldId id="372" r:id="rId26"/>
   </p:sldIdLst>
   <p:sldSz cx="12192000" cy="6858000"/>
   <p:notesSz cx="6858000" cy="9144000"/>
@@ -507,7 +510,7 @@
           <p:cNvPr id="2" name="Title 1">
             <a:extLst>
               <a:ext uri="{FF2B5EF4-FFF2-40B4-BE49-F238E27FC236}">
-                <a16:creationId xmlns:a16="http://schemas.microsoft.com/office/drawing/2014/main" id="{BC754D6F-5D97-46BE-A3EC-A81C55078D05}"/>
+                <a16:creationId xmlns:a16="http://schemas.microsoft.com/office/drawing/2014/main" xmlns="" id="{BC754D6F-5D97-46BE-A3EC-A81C55078D05}"/>
               </a:ext>
             </a:extLst>
           </p:cNvPr>
@@ -544,7 +547,7 @@
           <p:cNvPr id="3" name="Subtitle 2">
             <a:extLst>
               <a:ext uri="{FF2B5EF4-FFF2-40B4-BE49-F238E27FC236}">
-                <a16:creationId xmlns:a16="http://schemas.microsoft.com/office/drawing/2014/main" id="{A0FC17C3-48E0-46E8-B457-3189CE06D5ED}"/>
+                <a16:creationId xmlns:a16="http://schemas.microsoft.com/office/drawing/2014/main" xmlns="" id="{A0FC17C3-48E0-46E8-B457-3189CE06D5ED}"/>
               </a:ext>
             </a:extLst>
           </p:cNvPr>
@@ -614,7 +617,7 @@
           <p:cNvPr id="4" name="Date Placeholder 3">
             <a:extLst>
               <a:ext uri="{FF2B5EF4-FFF2-40B4-BE49-F238E27FC236}">
-                <a16:creationId xmlns:a16="http://schemas.microsoft.com/office/drawing/2014/main" id="{1F6D7B33-D765-402A-B692-76E1438E0375}"/>
+                <a16:creationId xmlns:a16="http://schemas.microsoft.com/office/drawing/2014/main" xmlns="" id="{1F6D7B33-D765-402A-B692-76E1438E0375}"/>
               </a:ext>
             </a:extLst>
           </p:cNvPr>
@@ -643,7 +646,7 @@
           <p:cNvPr id="5" name="Footer Placeholder 4">
             <a:extLst>
               <a:ext uri="{FF2B5EF4-FFF2-40B4-BE49-F238E27FC236}">
-                <a16:creationId xmlns:a16="http://schemas.microsoft.com/office/drawing/2014/main" id="{83BF521B-76EB-4550-B605-DCA5BE2234CB}"/>
+                <a16:creationId xmlns:a16="http://schemas.microsoft.com/office/drawing/2014/main" xmlns="" id="{83BF521B-76EB-4550-B605-DCA5BE2234CB}"/>
               </a:ext>
             </a:extLst>
           </p:cNvPr>
@@ -668,7 +671,7 @@
           <p:cNvPr id="6" name="Slide Number Placeholder 5">
             <a:extLst>
               <a:ext uri="{FF2B5EF4-FFF2-40B4-BE49-F238E27FC236}">
-                <a16:creationId xmlns:a16="http://schemas.microsoft.com/office/drawing/2014/main" id="{3FF62AB7-90D6-488E-AA7B-82525C037F66}"/>
+                <a16:creationId xmlns:a16="http://schemas.microsoft.com/office/drawing/2014/main" xmlns="" id="{3FF62AB7-90D6-488E-AA7B-82525C037F66}"/>
               </a:ext>
             </a:extLst>
           </p:cNvPr>
@@ -727,7 +730,7 @@
           <p:cNvPr id="2" name="Title 1">
             <a:extLst>
               <a:ext uri="{FF2B5EF4-FFF2-40B4-BE49-F238E27FC236}">
-                <a16:creationId xmlns:a16="http://schemas.microsoft.com/office/drawing/2014/main" id="{E150DCC7-4679-4186-A055-0B265C1F9DD3}"/>
+                <a16:creationId xmlns:a16="http://schemas.microsoft.com/office/drawing/2014/main" xmlns="" id="{E150DCC7-4679-4186-A055-0B265C1F9DD3}"/>
               </a:ext>
             </a:extLst>
           </p:cNvPr>
@@ -755,7 +758,7 @@
           <p:cNvPr id="3" name="Vertical Text Placeholder 2">
             <a:extLst>
               <a:ext uri="{FF2B5EF4-FFF2-40B4-BE49-F238E27FC236}">
-                <a16:creationId xmlns:a16="http://schemas.microsoft.com/office/drawing/2014/main" id="{7455EC75-101D-4241-9160-AF689FDF4556}"/>
+                <a16:creationId xmlns:a16="http://schemas.microsoft.com/office/drawing/2014/main" xmlns="" id="{7455EC75-101D-4241-9160-AF689FDF4556}"/>
               </a:ext>
             </a:extLst>
           </p:cNvPr>
@@ -812,7 +815,7 @@
           <p:cNvPr id="4" name="Date Placeholder 3">
             <a:extLst>
               <a:ext uri="{FF2B5EF4-FFF2-40B4-BE49-F238E27FC236}">
-                <a16:creationId xmlns:a16="http://schemas.microsoft.com/office/drawing/2014/main" id="{6FD3B271-0C9B-49D9-B7DC-A45C8A1753B8}"/>
+                <a16:creationId xmlns:a16="http://schemas.microsoft.com/office/drawing/2014/main" xmlns="" id="{6FD3B271-0C9B-49D9-B7DC-A45C8A1753B8}"/>
               </a:ext>
             </a:extLst>
           </p:cNvPr>
@@ -841,7 +844,7 @@
           <p:cNvPr id="5" name="Footer Placeholder 4">
             <a:extLst>
               <a:ext uri="{FF2B5EF4-FFF2-40B4-BE49-F238E27FC236}">
-                <a16:creationId xmlns:a16="http://schemas.microsoft.com/office/drawing/2014/main" id="{E5DA617A-E93C-4E32-97EB-2E733A1B2A72}"/>
+                <a16:creationId xmlns:a16="http://schemas.microsoft.com/office/drawing/2014/main" xmlns="" id="{E5DA617A-E93C-4E32-97EB-2E733A1B2A72}"/>
               </a:ext>
             </a:extLst>
           </p:cNvPr>
@@ -866,7 +869,7 @@
           <p:cNvPr id="6" name="Slide Number Placeholder 5">
             <a:extLst>
               <a:ext uri="{FF2B5EF4-FFF2-40B4-BE49-F238E27FC236}">
-                <a16:creationId xmlns:a16="http://schemas.microsoft.com/office/drawing/2014/main" id="{A5060307-0D38-4FC5-9B66-2CF82C1C936B}"/>
+                <a16:creationId xmlns:a16="http://schemas.microsoft.com/office/drawing/2014/main" xmlns="" id="{A5060307-0D38-4FC5-9B66-2CF82C1C936B}"/>
               </a:ext>
             </a:extLst>
           </p:cNvPr>
@@ -925,7 +928,7 @@
           <p:cNvPr id="2" name="Vertical Title 1">
             <a:extLst>
               <a:ext uri="{FF2B5EF4-FFF2-40B4-BE49-F238E27FC236}">
-                <a16:creationId xmlns:a16="http://schemas.microsoft.com/office/drawing/2014/main" id="{10B486A5-6171-413B-9EEF-7173A441987A}"/>
+                <a16:creationId xmlns:a16="http://schemas.microsoft.com/office/drawing/2014/main" xmlns="" id="{10B486A5-6171-413B-9EEF-7173A441987A}"/>
               </a:ext>
             </a:extLst>
           </p:cNvPr>
@@ -958,7 +961,7 @@
           <p:cNvPr id="3" name="Vertical Text Placeholder 2">
             <a:extLst>
               <a:ext uri="{FF2B5EF4-FFF2-40B4-BE49-F238E27FC236}">
-                <a16:creationId xmlns:a16="http://schemas.microsoft.com/office/drawing/2014/main" id="{09568CDC-77B7-4871-AB03-1146B65D4FEC}"/>
+                <a16:creationId xmlns:a16="http://schemas.microsoft.com/office/drawing/2014/main" xmlns="" id="{09568CDC-77B7-4871-AB03-1146B65D4FEC}"/>
               </a:ext>
             </a:extLst>
           </p:cNvPr>
@@ -1020,7 +1023,7 @@
           <p:cNvPr id="4" name="Date Placeholder 3">
             <a:extLst>
               <a:ext uri="{FF2B5EF4-FFF2-40B4-BE49-F238E27FC236}">
-                <a16:creationId xmlns:a16="http://schemas.microsoft.com/office/drawing/2014/main" id="{E9D40814-ACF8-406F-91E8-C0E18F5C6E69}"/>
+                <a16:creationId xmlns:a16="http://schemas.microsoft.com/office/drawing/2014/main" xmlns="" id="{E9D40814-ACF8-406F-91E8-C0E18F5C6E69}"/>
               </a:ext>
             </a:extLst>
           </p:cNvPr>
@@ -1049,7 +1052,7 @@
           <p:cNvPr id="5" name="Footer Placeholder 4">
             <a:extLst>
               <a:ext uri="{FF2B5EF4-FFF2-40B4-BE49-F238E27FC236}">
-                <a16:creationId xmlns:a16="http://schemas.microsoft.com/office/drawing/2014/main" id="{27834E7A-ED1C-430C-BCA2-0B49A5C86274}"/>
+                <a16:creationId xmlns:a16="http://schemas.microsoft.com/office/drawing/2014/main" xmlns="" id="{27834E7A-ED1C-430C-BCA2-0B49A5C86274}"/>
               </a:ext>
             </a:extLst>
           </p:cNvPr>
@@ -1074,7 +1077,7 @@
           <p:cNvPr id="6" name="Slide Number Placeholder 5">
             <a:extLst>
               <a:ext uri="{FF2B5EF4-FFF2-40B4-BE49-F238E27FC236}">
-                <a16:creationId xmlns:a16="http://schemas.microsoft.com/office/drawing/2014/main" id="{633B8D01-FF68-4A50-8963-8346F3B55474}"/>
+                <a16:creationId xmlns:a16="http://schemas.microsoft.com/office/drawing/2014/main" xmlns="" id="{633B8D01-FF68-4A50-8963-8346F3B55474}"/>
               </a:ext>
             </a:extLst>
           </p:cNvPr>
@@ -1133,7 +1136,7 @@
           <p:cNvPr id="2" name="Title 1">
             <a:extLst>
               <a:ext uri="{FF2B5EF4-FFF2-40B4-BE49-F238E27FC236}">
-                <a16:creationId xmlns:a16="http://schemas.microsoft.com/office/drawing/2014/main" id="{C8473259-488C-409B-B3DC-302C0FA1F75C}"/>
+                <a16:creationId xmlns:a16="http://schemas.microsoft.com/office/drawing/2014/main" xmlns="" id="{C8473259-488C-409B-B3DC-302C0FA1F75C}"/>
               </a:ext>
             </a:extLst>
           </p:cNvPr>
@@ -1161,7 +1164,7 @@
           <p:cNvPr id="3" name="Content Placeholder 2">
             <a:extLst>
               <a:ext uri="{FF2B5EF4-FFF2-40B4-BE49-F238E27FC236}">
-                <a16:creationId xmlns:a16="http://schemas.microsoft.com/office/drawing/2014/main" id="{C833D7D5-EB18-44E2-B922-A9263DD6EA21}"/>
+                <a16:creationId xmlns:a16="http://schemas.microsoft.com/office/drawing/2014/main" xmlns="" id="{C833D7D5-EB18-44E2-B922-A9263DD6EA21}"/>
               </a:ext>
             </a:extLst>
           </p:cNvPr>
@@ -1218,7 +1221,7 @@
           <p:cNvPr id="4" name="Date Placeholder 3">
             <a:extLst>
               <a:ext uri="{FF2B5EF4-FFF2-40B4-BE49-F238E27FC236}">
-                <a16:creationId xmlns:a16="http://schemas.microsoft.com/office/drawing/2014/main" id="{6159A0AD-C18C-4B9C-9607-AC8CCE44F154}"/>
+                <a16:creationId xmlns:a16="http://schemas.microsoft.com/office/drawing/2014/main" xmlns="" id="{6159A0AD-C18C-4B9C-9607-AC8CCE44F154}"/>
               </a:ext>
             </a:extLst>
           </p:cNvPr>
@@ -1247,7 +1250,7 @@
           <p:cNvPr id="5" name="Footer Placeholder 4">
             <a:extLst>
               <a:ext uri="{FF2B5EF4-FFF2-40B4-BE49-F238E27FC236}">
-                <a16:creationId xmlns:a16="http://schemas.microsoft.com/office/drawing/2014/main" id="{6E2F3730-7F76-4713-9E59-2581278E3821}"/>
+                <a16:creationId xmlns:a16="http://schemas.microsoft.com/office/drawing/2014/main" xmlns="" id="{6E2F3730-7F76-4713-9E59-2581278E3821}"/>
               </a:ext>
             </a:extLst>
           </p:cNvPr>
@@ -1272,7 +1275,7 @@
           <p:cNvPr id="6" name="Slide Number Placeholder 5">
             <a:extLst>
               <a:ext uri="{FF2B5EF4-FFF2-40B4-BE49-F238E27FC236}">
-                <a16:creationId xmlns:a16="http://schemas.microsoft.com/office/drawing/2014/main" id="{35C83319-7EA0-49DD-ACE5-0669C65F229E}"/>
+                <a16:creationId xmlns:a16="http://schemas.microsoft.com/office/drawing/2014/main" xmlns="" id="{35C83319-7EA0-49DD-ACE5-0669C65F229E}"/>
               </a:ext>
             </a:extLst>
           </p:cNvPr>
@@ -1331,7 +1334,7 @@
           <p:cNvPr id="2" name="Title 1">
             <a:extLst>
               <a:ext uri="{FF2B5EF4-FFF2-40B4-BE49-F238E27FC236}">
-                <a16:creationId xmlns:a16="http://schemas.microsoft.com/office/drawing/2014/main" id="{52A58309-634F-46E1-A853-C9A0042CAB6E}"/>
+                <a16:creationId xmlns:a16="http://schemas.microsoft.com/office/drawing/2014/main" xmlns="" id="{52A58309-634F-46E1-A853-C9A0042CAB6E}"/>
               </a:ext>
             </a:extLst>
           </p:cNvPr>
@@ -1368,7 +1371,7 @@
           <p:cNvPr id="3" name="Text Placeholder 2">
             <a:extLst>
               <a:ext uri="{FF2B5EF4-FFF2-40B4-BE49-F238E27FC236}">
-                <a16:creationId xmlns:a16="http://schemas.microsoft.com/office/drawing/2014/main" id="{BFC825CE-9C02-483C-81F2-6E0B3BC3A3F4}"/>
+                <a16:creationId xmlns:a16="http://schemas.microsoft.com/office/drawing/2014/main" xmlns="" id="{BFC825CE-9C02-483C-81F2-6E0B3BC3A3F4}"/>
               </a:ext>
             </a:extLst>
           </p:cNvPr>
@@ -1493,7 +1496,7 @@
           <p:cNvPr id="4" name="Date Placeholder 3">
             <a:extLst>
               <a:ext uri="{FF2B5EF4-FFF2-40B4-BE49-F238E27FC236}">
-                <a16:creationId xmlns:a16="http://schemas.microsoft.com/office/drawing/2014/main" id="{81A74808-E906-484A-A3C4-ECCBC4E8A889}"/>
+                <a16:creationId xmlns:a16="http://schemas.microsoft.com/office/drawing/2014/main" xmlns="" id="{81A74808-E906-484A-A3C4-ECCBC4E8A889}"/>
               </a:ext>
             </a:extLst>
           </p:cNvPr>
@@ -1522,7 +1525,7 @@
           <p:cNvPr id="5" name="Footer Placeholder 4">
             <a:extLst>
               <a:ext uri="{FF2B5EF4-FFF2-40B4-BE49-F238E27FC236}">
-                <a16:creationId xmlns:a16="http://schemas.microsoft.com/office/drawing/2014/main" id="{C43765D7-C2BF-4E2D-88E4-58AA3B03D3D2}"/>
+                <a16:creationId xmlns:a16="http://schemas.microsoft.com/office/drawing/2014/main" xmlns="" id="{C43765D7-C2BF-4E2D-88E4-58AA3B03D3D2}"/>
               </a:ext>
             </a:extLst>
           </p:cNvPr>
@@ -1547,7 +1550,7 @@
           <p:cNvPr id="6" name="Slide Number Placeholder 5">
             <a:extLst>
               <a:ext uri="{FF2B5EF4-FFF2-40B4-BE49-F238E27FC236}">
-                <a16:creationId xmlns:a16="http://schemas.microsoft.com/office/drawing/2014/main" id="{891A8CBF-8CFE-4E4C-AE92-E15CD995C724}"/>
+                <a16:creationId xmlns:a16="http://schemas.microsoft.com/office/drawing/2014/main" xmlns="" id="{891A8CBF-8CFE-4E4C-AE92-E15CD995C724}"/>
               </a:ext>
             </a:extLst>
           </p:cNvPr>
@@ -1606,7 +1609,7 @@
           <p:cNvPr id="2" name="Title 1">
             <a:extLst>
               <a:ext uri="{FF2B5EF4-FFF2-40B4-BE49-F238E27FC236}">
-                <a16:creationId xmlns:a16="http://schemas.microsoft.com/office/drawing/2014/main" id="{5F115196-934C-4B87-9EE3-5D939220269F}"/>
+                <a16:creationId xmlns:a16="http://schemas.microsoft.com/office/drawing/2014/main" xmlns="" id="{5F115196-934C-4B87-9EE3-5D939220269F}"/>
               </a:ext>
             </a:extLst>
           </p:cNvPr>
@@ -1634,7 +1637,7 @@
           <p:cNvPr id="3" name="Content Placeholder 2">
             <a:extLst>
               <a:ext uri="{FF2B5EF4-FFF2-40B4-BE49-F238E27FC236}">
-                <a16:creationId xmlns:a16="http://schemas.microsoft.com/office/drawing/2014/main" id="{60A1E6AB-2CB2-4BE2-8AA1-9386246320F5}"/>
+                <a16:creationId xmlns:a16="http://schemas.microsoft.com/office/drawing/2014/main" xmlns="" id="{60A1E6AB-2CB2-4BE2-8AA1-9386246320F5}"/>
               </a:ext>
             </a:extLst>
           </p:cNvPr>
@@ -1696,7 +1699,7 @@
           <p:cNvPr id="4" name="Content Placeholder 3">
             <a:extLst>
               <a:ext uri="{FF2B5EF4-FFF2-40B4-BE49-F238E27FC236}">
-                <a16:creationId xmlns:a16="http://schemas.microsoft.com/office/drawing/2014/main" id="{AF45FDDE-82E1-4376-94C0-CDB4CBDB27E8}"/>
+                <a16:creationId xmlns:a16="http://schemas.microsoft.com/office/drawing/2014/main" xmlns="" id="{AF45FDDE-82E1-4376-94C0-CDB4CBDB27E8}"/>
               </a:ext>
             </a:extLst>
           </p:cNvPr>
@@ -1758,7 +1761,7 @@
           <p:cNvPr id="5" name="Date Placeholder 4">
             <a:extLst>
               <a:ext uri="{FF2B5EF4-FFF2-40B4-BE49-F238E27FC236}">
-                <a16:creationId xmlns:a16="http://schemas.microsoft.com/office/drawing/2014/main" id="{00B7CF99-1C31-451F-ABD4-A196A0ED0BC3}"/>
+                <a16:creationId xmlns:a16="http://schemas.microsoft.com/office/drawing/2014/main" xmlns="" id="{00B7CF99-1C31-451F-ABD4-A196A0ED0BC3}"/>
               </a:ext>
             </a:extLst>
           </p:cNvPr>
@@ -1787,7 +1790,7 @@
           <p:cNvPr id="6" name="Footer Placeholder 5">
             <a:extLst>
               <a:ext uri="{FF2B5EF4-FFF2-40B4-BE49-F238E27FC236}">
-                <a16:creationId xmlns:a16="http://schemas.microsoft.com/office/drawing/2014/main" id="{B2185A26-A251-427D-B162-4B12DB13B706}"/>
+                <a16:creationId xmlns:a16="http://schemas.microsoft.com/office/drawing/2014/main" xmlns="" id="{B2185A26-A251-427D-B162-4B12DB13B706}"/>
               </a:ext>
             </a:extLst>
           </p:cNvPr>
@@ -1812,7 +1815,7 @@
           <p:cNvPr id="7" name="Slide Number Placeholder 6">
             <a:extLst>
               <a:ext uri="{FF2B5EF4-FFF2-40B4-BE49-F238E27FC236}">
-                <a16:creationId xmlns:a16="http://schemas.microsoft.com/office/drawing/2014/main" id="{609AC120-BA26-4C36-B6CB-8C67CE60EB63}"/>
+                <a16:creationId xmlns:a16="http://schemas.microsoft.com/office/drawing/2014/main" xmlns="" id="{609AC120-BA26-4C36-B6CB-8C67CE60EB63}"/>
               </a:ext>
             </a:extLst>
           </p:cNvPr>
@@ -1871,7 +1874,7 @@
           <p:cNvPr id="2" name="Title 1">
             <a:extLst>
               <a:ext uri="{FF2B5EF4-FFF2-40B4-BE49-F238E27FC236}">
-                <a16:creationId xmlns:a16="http://schemas.microsoft.com/office/drawing/2014/main" id="{894B6273-DBE0-4634-BBEB-07F2FD88D087}"/>
+                <a16:creationId xmlns:a16="http://schemas.microsoft.com/office/drawing/2014/main" xmlns="" id="{894B6273-DBE0-4634-BBEB-07F2FD88D087}"/>
               </a:ext>
             </a:extLst>
           </p:cNvPr>
@@ -1904,7 +1907,7 @@
           <p:cNvPr id="3" name="Text Placeholder 2">
             <a:extLst>
               <a:ext uri="{FF2B5EF4-FFF2-40B4-BE49-F238E27FC236}">
-                <a16:creationId xmlns:a16="http://schemas.microsoft.com/office/drawing/2014/main" id="{76BB119C-61C2-451E-843E-59EABB8D3B84}"/>
+                <a16:creationId xmlns:a16="http://schemas.microsoft.com/office/drawing/2014/main" xmlns="" id="{76BB119C-61C2-451E-843E-59EABB8D3B84}"/>
               </a:ext>
             </a:extLst>
           </p:cNvPr>
@@ -1975,7 +1978,7 @@
           <p:cNvPr id="4" name="Content Placeholder 3">
             <a:extLst>
               <a:ext uri="{FF2B5EF4-FFF2-40B4-BE49-F238E27FC236}">
-                <a16:creationId xmlns:a16="http://schemas.microsoft.com/office/drawing/2014/main" id="{5B644BCE-7C00-4E47-8964-926925D2E641}"/>
+                <a16:creationId xmlns:a16="http://schemas.microsoft.com/office/drawing/2014/main" xmlns="" id="{5B644BCE-7C00-4E47-8964-926925D2E641}"/>
               </a:ext>
             </a:extLst>
           </p:cNvPr>
@@ -2037,7 +2040,7 @@
           <p:cNvPr id="5" name="Text Placeholder 4">
             <a:extLst>
               <a:ext uri="{FF2B5EF4-FFF2-40B4-BE49-F238E27FC236}">
-                <a16:creationId xmlns:a16="http://schemas.microsoft.com/office/drawing/2014/main" id="{4AA3A4A0-DC5A-47D7-9865-D97C2CF0E72E}"/>
+                <a16:creationId xmlns:a16="http://schemas.microsoft.com/office/drawing/2014/main" xmlns="" id="{4AA3A4A0-DC5A-47D7-9865-D97C2CF0E72E}"/>
               </a:ext>
             </a:extLst>
           </p:cNvPr>
@@ -2108,7 +2111,7 @@
           <p:cNvPr id="6" name="Content Placeholder 5">
             <a:extLst>
               <a:ext uri="{FF2B5EF4-FFF2-40B4-BE49-F238E27FC236}">
-                <a16:creationId xmlns:a16="http://schemas.microsoft.com/office/drawing/2014/main" id="{4A2684E3-B8C7-4D82-9916-8A027D937879}"/>
+                <a16:creationId xmlns:a16="http://schemas.microsoft.com/office/drawing/2014/main" xmlns="" id="{4A2684E3-B8C7-4D82-9916-8A027D937879}"/>
               </a:ext>
             </a:extLst>
           </p:cNvPr>
@@ -2170,7 +2173,7 @@
           <p:cNvPr id="7" name="Date Placeholder 6">
             <a:extLst>
               <a:ext uri="{FF2B5EF4-FFF2-40B4-BE49-F238E27FC236}">
-                <a16:creationId xmlns:a16="http://schemas.microsoft.com/office/drawing/2014/main" id="{87F9B5F4-DFB9-4B13-8085-BB0E5F27F319}"/>
+                <a16:creationId xmlns:a16="http://schemas.microsoft.com/office/drawing/2014/main" xmlns="" id="{87F9B5F4-DFB9-4B13-8085-BB0E5F27F319}"/>
               </a:ext>
             </a:extLst>
           </p:cNvPr>
@@ -2199,7 +2202,7 @@
           <p:cNvPr id="8" name="Footer Placeholder 7">
             <a:extLst>
               <a:ext uri="{FF2B5EF4-FFF2-40B4-BE49-F238E27FC236}">
-                <a16:creationId xmlns:a16="http://schemas.microsoft.com/office/drawing/2014/main" id="{9AC23C11-104A-4861-988F-F1679C5037A8}"/>
+                <a16:creationId xmlns:a16="http://schemas.microsoft.com/office/drawing/2014/main" xmlns="" id="{9AC23C11-104A-4861-988F-F1679C5037A8}"/>
               </a:ext>
             </a:extLst>
           </p:cNvPr>
@@ -2224,7 +2227,7 @@
           <p:cNvPr id="9" name="Slide Number Placeholder 8">
             <a:extLst>
               <a:ext uri="{FF2B5EF4-FFF2-40B4-BE49-F238E27FC236}">
-                <a16:creationId xmlns:a16="http://schemas.microsoft.com/office/drawing/2014/main" id="{E1086FA9-F3EF-4193-BE92-5D9B8ED23AC9}"/>
+                <a16:creationId xmlns:a16="http://schemas.microsoft.com/office/drawing/2014/main" xmlns="" id="{E1086FA9-F3EF-4193-BE92-5D9B8ED23AC9}"/>
               </a:ext>
             </a:extLst>
           </p:cNvPr>
@@ -2283,7 +2286,7 @@
           <p:cNvPr id="2" name="Title 1">
             <a:extLst>
               <a:ext uri="{FF2B5EF4-FFF2-40B4-BE49-F238E27FC236}">
-                <a16:creationId xmlns:a16="http://schemas.microsoft.com/office/drawing/2014/main" id="{9B586075-2B6B-481E-A766-F8D2DF9B77D6}"/>
+                <a16:creationId xmlns:a16="http://schemas.microsoft.com/office/drawing/2014/main" xmlns="" id="{9B586075-2B6B-481E-A766-F8D2DF9B77D6}"/>
               </a:ext>
             </a:extLst>
           </p:cNvPr>
@@ -2311,7 +2314,7 @@
           <p:cNvPr id="3" name="Date Placeholder 2">
             <a:extLst>
               <a:ext uri="{FF2B5EF4-FFF2-40B4-BE49-F238E27FC236}">
-                <a16:creationId xmlns:a16="http://schemas.microsoft.com/office/drawing/2014/main" id="{25CC9C2A-3F81-469A-8EF0-572B0EE0718C}"/>
+                <a16:creationId xmlns:a16="http://schemas.microsoft.com/office/drawing/2014/main" xmlns="" id="{25CC9C2A-3F81-469A-8EF0-572B0EE0718C}"/>
               </a:ext>
             </a:extLst>
           </p:cNvPr>
@@ -2340,7 +2343,7 @@
           <p:cNvPr id="4" name="Footer Placeholder 3">
             <a:extLst>
               <a:ext uri="{FF2B5EF4-FFF2-40B4-BE49-F238E27FC236}">
-                <a16:creationId xmlns:a16="http://schemas.microsoft.com/office/drawing/2014/main" id="{C8ACD8F0-E549-4A50-8202-210C45AE3389}"/>
+                <a16:creationId xmlns:a16="http://schemas.microsoft.com/office/drawing/2014/main" xmlns="" id="{C8ACD8F0-E549-4A50-8202-210C45AE3389}"/>
               </a:ext>
             </a:extLst>
           </p:cNvPr>
@@ -2365,7 +2368,7 @@
           <p:cNvPr id="5" name="Slide Number Placeholder 4">
             <a:extLst>
               <a:ext uri="{FF2B5EF4-FFF2-40B4-BE49-F238E27FC236}">
-                <a16:creationId xmlns:a16="http://schemas.microsoft.com/office/drawing/2014/main" id="{3054D6CF-222D-4DD1-BBF4-6F768171E497}"/>
+                <a16:creationId xmlns:a16="http://schemas.microsoft.com/office/drawing/2014/main" xmlns="" id="{3054D6CF-222D-4DD1-BBF4-6F768171E497}"/>
               </a:ext>
             </a:extLst>
           </p:cNvPr>
@@ -2424,7 +2427,7 @@
           <p:cNvPr id="2" name="Date Placeholder 1">
             <a:extLst>
               <a:ext uri="{FF2B5EF4-FFF2-40B4-BE49-F238E27FC236}">
-                <a16:creationId xmlns:a16="http://schemas.microsoft.com/office/drawing/2014/main" id="{CFD2FA1E-C163-4DCF-B178-C54EF5F00014}"/>
+                <a16:creationId xmlns:a16="http://schemas.microsoft.com/office/drawing/2014/main" xmlns="" id="{CFD2FA1E-C163-4DCF-B178-C54EF5F00014}"/>
               </a:ext>
             </a:extLst>
           </p:cNvPr>
@@ -2453,7 +2456,7 @@
           <p:cNvPr id="3" name="Footer Placeholder 2">
             <a:extLst>
               <a:ext uri="{FF2B5EF4-FFF2-40B4-BE49-F238E27FC236}">
-                <a16:creationId xmlns:a16="http://schemas.microsoft.com/office/drawing/2014/main" id="{36B5DA1B-9C5C-4BAC-AC22-7CF912EAD364}"/>
+                <a16:creationId xmlns:a16="http://schemas.microsoft.com/office/drawing/2014/main" xmlns="" id="{36B5DA1B-9C5C-4BAC-AC22-7CF912EAD364}"/>
               </a:ext>
             </a:extLst>
           </p:cNvPr>
@@ -2478,7 +2481,7 @@
           <p:cNvPr id="4" name="Slide Number Placeholder 3">
             <a:extLst>
               <a:ext uri="{FF2B5EF4-FFF2-40B4-BE49-F238E27FC236}">
-                <a16:creationId xmlns:a16="http://schemas.microsoft.com/office/drawing/2014/main" id="{CDC78A88-514E-43FB-B71A-EBC9053268FD}"/>
+                <a16:creationId xmlns:a16="http://schemas.microsoft.com/office/drawing/2014/main" xmlns="" id="{CDC78A88-514E-43FB-B71A-EBC9053268FD}"/>
               </a:ext>
             </a:extLst>
           </p:cNvPr>
@@ -2537,7 +2540,7 @@
           <p:cNvPr id="2" name="Title 1">
             <a:extLst>
               <a:ext uri="{FF2B5EF4-FFF2-40B4-BE49-F238E27FC236}">
-                <a16:creationId xmlns:a16="http://schemas.microsoft.com/office/drawing/2014/main" id="{4E738847-2870-4838-9886-D06CE279EA1C}"/>
+                <a16:creationId xmlns:a16="http://schemas.microsoft.com/office/drawing/2014/main" xmlns="" id="{4E738847-2870-4838-9886-D06CE279EA1C}"/>
               </a:ext>
             </a:extLst>
           </p:cNvPr>
@@ -2574,7 +2577,7 @@
           <p:cNvPr id="3" name="Content Placeholder 2">
             <a:extLst>
               <a:ext uri="{FF2B5EF4-FFF2-40B4-BE49-F238E27FC236}">
-                <a16:creationId xmlns:a16="http://schemas.microsoft.com/office/drawing/2014/main" id="{497E1023-22D6-4EE6-9F53-595E9C7F454E}"/>
+                <a16:creationId xmlns:a16="http://schemas.microsoft.com/office/drawing/2014/main" xmlns="" id="{497E1023-22D6-4EE6-9F53-595E9C7F454E}"/>
               </a:ext>
             </a:extLst>
           </p:cNvPr>
@@ -2664,7 +2667,7 @@
           <p:cNvPr id="4" name="Text Placeholder 3">
             <a:extLst>
               <a:ext uri="{FF2B5EF4-FFF2-40B4-BE49-F238E27FC236}">
-                <a16:creationId xmlns:a16="http://schemas.microsoft.com/office/drawing/2014/main" id="{7F70149B-7194-4B21-8C4E-71D9C9EE7D7C}"/>
+                <a16:creationId xmlns:a16="http://schemas.microsoft.com/office/drawing/2014/main" xmlns="" id="{7F70149B-7194-4B21-8C4E-71D9C9EE7D7C}"/>
               </a:ext>
             </a:extLst>
           </p:cNvPr>
@@ -2735,7 +2738,7 @@
           <p:cNvPr id="5" name="Date Placeholder 4">
             <a:extLst>
               <a:ext uri="{FF2B5EF4-FFF2-40B4-BE49-F238E27FC236}">
-                <a16:creationId xmlns:a16="http://schemas.microsoft.com/office/drawing/2014/main" id="{8F5DEFFE-43D3-4754-8320-81857856D378}"/>
+                <a16:creationId xmlns:a16="http://schemas.microsoft.com/office/drawing/2014/main" xmlns="" id="{8F5DEFFE-43D3-4754-8320-81857856D378}"/>
               </a:ext>
             </a:extLst>
           </p:cNvPr>
@@ -2764,7 +2767,7 @@
           <p:cNvPr id="6" name="Footer Placeholder 5">
             <a:extLst>
               <a:ext uri="{FF2B5EF4-FFF2-40B4-BE49-F238E27FC236}">
-                <a16:creationId xmlns:a16="http://schemas.microsoft.com/office/drawing/2014/main" id="{696ECEBB-E85E-4E18-BEDB-2B28956A12A2}"/>
+                <a16:creationId xmlns:a16="http://schemas.microsoft.com/office/drawing/2014/main" xmlns="" id="{696ECEBB-E85E-4E18-BEDB-2B28956A12A2}"/>
               </a:ext>
             </a:extLst>
           </p:cNvPr>
@@ -2789,7 +2792,7 @@
           <p:cNvPr id="7" name="Slide Number Placeholder 6">
             <a:extLst>
               <a:ext uri="{FF2B5EF4-FFF2-40B4-BE49-F238E27FC236}">
-                <a16:creationId xmlns:a16="http://schemas.microsoft.com/office/drawing/2014/main" id="{6136F68E-0F7E-4AE3-B822-3DD0D61E0F62}"/>
+                <a16:creationId xmlns:a16="http://schemas.microsoft.com/office/drawing/2014/main" xmlns="" id="{6136F68E-0F7E-4AE3-B822-3DD0D61E0F62}"/>
               </a:ext>
             </a:extLst>
           </p:cNvPr>
@@ -2848,7 +2851,7 @@
           <p:cNvPr id="2" name="Title 1">
             <a:extLst>
               <a:ext uri="{FF2B5EF4-FFF2-40B4-BE49-F238E27FC236}">
-                <a16:creationId xmlns:a16="http://schemas.microsoft.com/office/drawing/2014/main" id="{2CB6787C-1DEB-4ACD-83D1-C645B9B20ADF}"/>
+                <a16:creationId xmlns:a16="http://schemas.microsoft.com/office/drawing/2014/main" xmlns="" id="{2CB6787C-1DEB-4ACD-83D1-C645B9B20ADF}"/>
               </a:ext>
             </a:extLst>
           </p:cNvPr>
@@ -2885,7 +2888,7 @@
           <p:cNvPr id="3" name="Picture Placeholder 2">
             <a:extLst>
               <a:ext uri="{FF2B5EF4-FFF2-40B4-BE49-F238E27FC236}">
-                <a16:creationId xmlns:a16="http://schemas.microsoft.com/office/drawing/2014/main" id="{25D8D90E-135C-4678-B966-DECEC97A73C1}"/>
+                <a16:creationId xmlns:a16="http://schemas.microsoft.com/office/drawing/2014/main" xmlns="" id="{25D8D90E-135C-4678-B966-DECEC97A73C1}"/>
               </a:ext>
             </a:extLst>
           </p:cNvPr>
@@ -2952,7 +2955,7 @@
           <p:cNvPr id="4" name="Text Placeholder 3">
             <a:extLst>
               <a:ext uri="{FF2B5EF4-FFF2-40B4-BE49-F238E27FC236}">
-                <a16:creationId xmlns:a16="http://schemas.microsoft.com/office/drawing/2014/main" id="{1B65D38C-EC9B-4005-828D-1119C0C672E9}"/>
+                <a16:creationId xmlns:a16="http://schemas.microsoft.com/office/drawing/2014/main" xmlns="" id="{1B65D38C-EC9B-4005-828D-1119C0C672E9}"/>
               </a:ext>
             </a:extLst>
           </p:cNvPr>
@@ -3023,7 +3026,7 @@
           <p:cNvPr id="5" name="Date Placeholder 4">
             <a:extLst>
               <a:ext uri="{FF2B5EF4-FFF2-40B4-BE49-F238E27FC236}">
-                <a16:creationId xmlns:a16="http://schemas.microsoft.com/office/drawing/2014/main" id="{4B95A212-6F02-4B08-97B3-A70494E694D9}"/>
+                <a16:creationId xmlns:a16="http://schemas.microsoft.com/office/drawing/2014/main" xmlns="" id="{4B95A212-6F02-4B08-97B3-A70494E694D9}"/>
               </a:ext>
             </a:extLst>
           </p:cNvPr>
@@ -3052,7 +3055,7 @@
           <p:cNvPr id="6" name="Footer Placeholder 5">
             <a:extLst>
               <a:ext uri="{FF2B5EF4-FFF2-40B4-BE49-F238E27FC236}">
-                <a16:creationId xmlns:a16="http://schemas.microsoft.com/office/drawing/2014/main" id="{F38C1CF9-1C4B-4615-ACC6-413B7B91236A}"/>
+                <a16:creationId xmlns:a16="http://schemas.microsoft.com/office/drawing/2014/main" xmlns="" id="{F38C1CF9-1C4B-4615-ACC6-413B7B91236A}"/>
               </a:ext>
             </a:extLst>
           </p:cNvPr>
@@ -3077,7 +3080,7 @@
           <p:cNvPr id="7" name="Slide Number Placeholder 6">
             <a:extLst>
               <a:ext uri="{FF2B5EF4-FFF2-40B4-BE49-F238E27FC236}">
-                <a16:creationId xmlns:a16="http://schemas.microsoft.com/office/drawing/2014/main" id="{2CADF763-4768-420A-8340-6D7F25F07155}"/>
+                <a16:creationId xmlns:a16="http://schemas.microsoft.com/office/drawing/2014/main" xmlns="" id="{2CADF763-4768-420A-8340-6D7F25F07155}"/>
               </a:ext>
             </a:extLst>
           </p:cNvPr>
@@ -3161,7 +3164,7 @@
           <p:cNvPr id="2" name="Title Placeholder 1">
             <a:extLst>
               <a:ext uri="{FF2B5EF4-FFF2-40B4-BE49-F238E27FC236}">
-                <a16:creationId xmlns:a16="http://schemas.microsoft.com/office/drawing/2014/main" id="{CA99828F-9622-4F31-8A08-C3C650F8FA25}"/>
+                <a16:creationId xmlns:a16="http://schemas.microsoft.com/office/drawing/2014/main" xmlns="" id="{CA99828F-9622-4F31-8A08-C3C650F8FA25}"/>
               </a:ext>
             </a:extLst>
           </p:cNvPr>
@@ -3199,7 +3202,7 @@
           <p:cNvPr id="3" name="Text Placeholder 2">
             <a:extLst>
               <a:ext uri="{FF2B5EF4-FFF2-40B4-BE49-F238E27FC236}">
-                <a16:creationId xmlns:a16="http://schemas.microsoft.com/office/drawing/2014/main" id="{03AC055B-3A12-4D31-8D45-E215DA330726}"/>
+                <a16:creationId xmlns:a16="http://schemas.microsoft.com/office/drawing/2014/main" xmlns="" id="{03AC055B-3A12-4D31-8D45-E215DA330726}"/>
               </a:ext>
             </a:extLst>
           </p:cNvPr>
@@ -3266,7 +3269,7 @@
           <p:cNvPr id="4" name="Date Placeholder 3">
             <a:extLst>
               <a:ext uri="{FF2B5EF4-FFF2-40B4-BE49-F238E27FC236}">
-                <a16:creationId xmlns:a16="http://schemas.microsoft.com/office/drawing/2014/main" id="{7B233273-21CE-4E38-A86E-23587A3A7275}"/>
+                <a16:creationId xmlns:a16="http://schemas.microsoft.com/office/drawing/2014/main" xmlns="" id="{7B233273-21CE-4E38-A86E-23587A3A7275}"/>
               </a:ext>
             </a:extLst>
           </p:cNvPr>
@@ -3313,7 +3316,7 @@
           <p:cNvPr id="5" name="Footer Placeholder 4">
             <a:extLst>
               <a:ext uri="{FF2B5EF4-FFF2-40B4-BE49-F238E27FC236}">
-                <a16:creationId xmlns:a16="http://schemas.microsoft.com/office/drawing/2014/main" id="{0017FAE1-39BB-4B15-8397-DF2659222687}"/>
+                <a16:creationId xmlns:a16="http://schemas.microsoft.com/office/drawing/2014/main" xmlns="" id="{0017FAE1-39BB-4B15-8397-DF2659222687}"/>
               </a:ext>
             </a:extLst>
           </p:cNvPr>
@@ -3356,7 +3359,7 @@
           <p:cNvPr id="6" name="Slide Number Placeholder 5">
             <a:extLst>
               <a:ext uri="{FF2B5EF4-FFF2-40B4-BE49-F238E27FC236}">
-                <a16:creationId xmlns:a16="http://schemas.microsoft.com/office/drawing/2014/main" id="{E169B93F-3358-4A1D-B209-9B7869703136}"/>
+                <a16:creationId xmlns:a16="http://schemas.microsoft.com/office/drawing/2014/main" xmlns="" id="{E169B93F-3358-4A1D-B209-9B7869703136}"/>
               </a:ext>
             </a:extLst>
           </p:cNvPr>
@@ -3724,7 +3727,7 @@
           <p:cNvPr id="2" name="Title 1">
             <a:extLst>
               <a:ext uri="{FF2B5EF4-FFF2-40B4-BE49-F238E27FC236}">
-                <a16:creationId xmlns:a16="http://schemas.microsoft.com/office/drawing/2014/main" id="{42569BCB-AB92-4CE5-8B6A-0F8EEBC1716D}"/>
+                <a16:creationId xmlns:a16="http://schemas.microsoft.com/office/drawing/2014/main" xmlns="" id="{42569BCB-AB92-4CE5-8B6A-0F8EEBC1716D}"/>
               </a:ext>
             </a:extLst>
           </p:cNvPr>
@@ -3760,7 +3763,7 @@
           <p:cNvPr id="3" name="Subtitle 2">
             <a:extLst>
               <a:ext uri="{FF2B5EF4-FFF2-40B4-BE49-F238E27FC236}">
-                <a16:creationId xmlns:a16="http://schemas.microsoft.com/office/drawing/2014/main" id="{10E1A9A7-5ADD-4611-9FCB-B4A6BCD7BBFC}"/>
+                <a16:creationId xmlns:a16="http://schemas.microsoft.com/office/drawing/2014/main" xmlns="" id="{10E1A9A7-5ADD-4611-9FCB-B4A6BCD7BBFC}"/>
               </a:ext>
             </a:extLst>
           </p:cNvPr>
@@ -3773,7 +3776,7 @@
         </p:nvSpPr>
         <p:spPr>
           <a:xfrm>
-            <a:off x="1441938" y="3429000"/>
+            <a:off x="2080742" y="3356264"/>
             <a:ext cx="8030516" cy="1096108"/>
           </a:xfrm>
         </p:spPr>
@@ -3796,7 +3799,7 @@
           <p:cNvPr id="4" name="TextBox 3">
             <a:extLst>
               <a:ext uri="{FF2B5EF4-FFF2-40B4-BE49-F238E27FC236}">
-                <a16:creationId xmlns:a16="http://schemas.microsoft.com/office/drawing/2014/main" id="{3F38199B-1610-4A0C-BDD5-2548A833A64C}"/>
+                <a16:creationId xmlns:a16="http://schemas.microsoft.com/office/drawing/2014/main" xmlns="" id="{3F38199B-1610-4A0C-BDD5-2548A833A64C}"/>
               </a:ext>
             </a:extLst>
           </p:cNvPr>
@@ -3842,6 +3845,13 @@
   <p:clrMapOvr>
     <a:masterClrMapping/>
   </p:clrMapOvr>
+  <p:timing>
+    <p:tnLst>
+      <p:par>
+        <p:cTn id="1" dur="indefinite" restart="never" nodeType="tmRoot"/>
+      </p:par>
+    </p:tnLst>
+  </p:timing>
 </p:sld>
 </file>
 
@@ -3971,6 +3981,552 @@
   <p:clrMapOvr>
     <a:masterClrMapping/>
   </p:clrMapOvr>
+  <p:timing>
+    <p:tnLst>
+      <p:par>
+        <p:cTn id="1" dur="indefinite" restart="never" nodeType="tmRoot">
+          <p:childTnLst>
+            <p:seq concurrent="1" nextAc="seek">
+              <p:cTn id="2" dur="indefinite" nodeType="mainSeq">
+                <p:childTnLst>
+                  <p:par>
+                    <p:cTn id="3" fill="hold">
+                      <p:stCondLst>
+                        <p:cond delay="indefinite"/>
+                      </p:stCondLst>
+                      <p:childTnLst>
+                        <p:par>
+                          <p:cTn id="4" fill="hold">
+                            <p:stCondLst>
+                              <p:cond delay="0"/>
+                            </p:stCondLst>
+                            <p:childTnLst>
+                              <p:par>
+                                <p:cTn id="5" presetID="22" presetClass="entr" presetSubtype="4" fill="hold" grpId="0" nodeType="clickEffect">
+                                  <p:stCondLst>
+                                    <p:cond delay="0"/>
+                                  </p:stCondLst>
+                                  <p:childTnLst>
+                                    <p:set>
+                                      <p:cBhvr>
+                                        <p:cTn id="6" dur="1" fill="hold">
+                                          <p:stCondLst>
+                                            <p:cond delay="0"/>
+                                          </p:stCondLst>
+                                        </p:cTn>
+                                        <p:tgtEl>
+                                          <p:spTgt spid="3">
+                                            <p:txEl>
+                                              <p:pRg st="0" end="0"/>
+                                            </p:txEl>
+                                          </p:spTgt>
+                                        </p:tgtEl>
+                                        <p:attrNameLst>
+                                          <p:attrName>style.visibility</p:attrName>
+                                        </p:attrNameLst>
+                                      </p:cBhvr>
+                                      <p:to>
+                                        <p:strVal val="visible"/>
+                                      </p:to>
+                                    </p:set>
+                                    <p:animEffect transition="in" filter="wipe(down)">
+                                      <p:cBhvr>
+                                        <p:cTn id="7" dur="500"/>
+                                        <p:tgtEl>
+                                          <p:spTgt spid="3">
+                                            <p:txEl>
+                                              <p:pRg st="0" end="0"/>
+                                            </p:txEl>
+                                          </p:spTgt>
+                                        </p:tgtEl>
+                                      </p:cBhvr>
+                                    </p:animEffect>
+                                  </p:childTnLst>
+                                </p:cTn>
+                              </p:par>
+                            </p:childTnLst>
+                          </p:cTn>
+                        </p:par>
+                      </p:childTnLst>
+                    </p:cTn>
+                  </p:par>
+                  <p:par>
+                    <p:cTn id="8" fill="hold">
+                      <p:stCondLst>
+                        <p:cond delay="indefinite"/>
+                      </p:stCondLst>
+                      <p:childTnLst>
+                        <p:par>
+                          <p:cTn id="9" fill="hold">
+                            <p:stCondLst>
+                              <p:cond delay="0"/>
+                            </p:stCondLst>
+                            <p:childTnLst>
+                              <p:par>
+                                <p:cTn id="10" presetID="22" presetClass="entr" presetSubtype="4" fill="hold" grpId="0" nodeType="clickEffect">
+                                  <p:stCondLst>
+                                    <p:cond delay="0"/>
+                                  </p:stCondLst>
+                                  <p:childTnLst>
+                                    <p:set>
+                                      <p:cBhvr>
+                                        <p:cTn id="11" dur="1" fill="hold">
+                                          <p:stCondLst>
+                                            <p:cond delay="0"/>
+                                          </p:stCondLst>
+                                        </p:cTn>
+                                        <p:tgtEl>
+                                          <p:spTgt spid="3">
+                                            <p:txEl>
+                                              <p:pRg st="1" end="1"/>
+                                            </p:txEl>
+                                          </p:spTgt>
+                                        </p:tgtEl>
+                                        <p:attrNameLst>
+                                          <p:attrName>style.visibility</p:attrName>
+                                        </p:attrNameLst>
+                                      </p:cBhvr>
+                                      <p:to>
+                                        <p:strVal val="visible"/>
+                                      </p:to>
+                                    </p:set>
+                                    <p:animEffect transition="in" filter="wipe(down)">
+                                      <p:cBhvr>
+                                        <p:cTn id="12" dur="500"/>
+                                        <p:tgtEl>
+                                          <p:spTgt spid="3">
+                                            <p:txEl>
+                                              <p:pRg st="1" end="1"/>
+                                            </p:txEl>
+                                          </p:spTgt>
+                                        </p:tgtEl>
+                                      </p:cBhvr>
+                                    </p:animEffect>
+                                  </p:childTnLst>
+                                </p:cTn>
+                              </p:par>
+                            </p:childTnLst>
+                          </p:cTn>
+                        </p:par>
+                      </p:childTnLst>
+                    </p:cTn>
+                  </p:par>
+                  <p:par>
+                    <p:cTn id="13" fill="hold">
+                      <p:stCondLst>
+                        <p:cond delay="indefinite"/>
+                      </p:stCondLst>
+                      <p:childTnLst>
+                        <p:par>
+                          <p:cTn id="14" fill="hold">
+                            <p:stCondLst>
+                              <p:cond delay="0"/>
+                            </p:stCondLst>
+                            <p:childTnLst>
+                              <p:par>
+                                <p:cTn id="15" presetID="22" presetClass="entr" presetSubtype="4" fill="hold" grpId="0" nodeType="clickEffect">
+                                  <p:stCondLst>
+                                    <p:cond delay="0"/>
+                                  </p:stCondLst>
+                                  <p:childTnLst>
+                                    <p:set>
+                                      <p:cBhvr>
+                                        <p:cTn id="16" dur="1" fill="hold">
+                                          <p:stCondLst>
+                                            <p:cond delay="0"/>
+                                          </p:stCondLst>
+                                        </p:cTn>
+                                        <p:tgtEl>
+                                          <p:spTgt spid="3">
+                                            <p:txEl>
+                                              <p:pRg st="2" end="2"/>
+                                            </p:txEl>
+                                          </p:spTgt>
+                                        </p:tgtEl>
+                                        <p:attrNameLst>
+                                          <p:attrName>style.visibility</p:attrName>
+                                        </p:attrNameLst>
+                                      </p:cBhvr>
+                                      <p:to>
+                                        <p:strVal val="visible"/>
+                                      </p:to>
+                                    </p:set>
+                                    <p:animEffect transition="in" filter="wipe(down)">
+                                      <p:cBhvr>
+                                        <p:cTn id="17" dur="500"/>
+                                        <p:tgtEl>
+                                          <p:spTgt spid="3">
+                                            <p:txEl>
+                                              <p:pRg st="2" end="2"/>
+                                            </p:txEl>
+                                          </p:spTgt>
+                                        </p:tgtEl>
+                                      </p:cBhvr>
+                                    </p:animEffect>
+                                  </p:childTnLst>
+                                </p:cTn>
+                              </p:par>
+                              <p:par>
+                                <p:cTn id="18" presetID="22" presetClass="entr" presetSubtype="4" fill="hold" grpId="0" nodeType="withEffect">
+                                  <p:stCondLst>
+                                    <p:cond delay="0"/>
+                                  </p:stCondLst>
+                                  <p:childTnLst>
+                                    <p:set>
+                                      <p:cBhvr>
+                                        <p:cTn id="19" dur="1" fill="hold">
+                                          <p:stCondLst>
+                                            <p:cond delay="0"/>
+                                          </p:stCondLst>
+                                        </p:cTn>
+                                        <p:tgtEl>
+                                          <p:spTgt spid="3">
+                                            <p:txEl>
+                                              <p:pRg st="3" end="3"/>
+                                            </p:txEl>
+                                          </p:spTgt>
+                                        </p:tgtEl>
+                                        <p:attrNameLst>
+                                          <p:attrName>style.visibility</p:attrName>
+                                        </p:attrNameLst>
+                                      </p:cBhvr>
+                                      <p:to>
+                                        <p:strVal val="visible"/>
+                                      </p:to>
+                                    </p:set>
+                                    <p:animEffect transition="in" filter="wipe(down)">
+                                      <p:cBhvr>
+                                        <p:cTn id="20" dur="500"/>
+                                        <p:tgtEl>
+                                          <p:spTgt spid="3">
+                                            <p:txEl>
+                                              <p:pRg st="3" end="3"/>
+                                            </p:txEl>
+                                          </p:spTgt>
+                                        </p:tgtEl>
+                                      </p:cBhvr>
+                                    </p:animEffect>
+                                  </p:childTnLst>
+                                </p:cTn>
+                              </p:par>
+                              <p:par>
+                                <p:cTn id="21" presetID="22" presetClass="entr" presetSubtype="4" fill="hold" grpId="0" nodeType="withEffect">
+                                  <p:stCondLst>
+                                    <p:cond delay="0"/>
+                                  </p:stCondLst>
+                                  <p:childTnLst>
+                                    <p:set>
+                                      <p:cBhvr>
+                                        <p:cTn id="22" dur="1" fill="hold">
+                                          <p:stCondLst>
+                                            <p:cond delay="0"/>
+                                          </p:stCondLst>
+                                        </p:cTn>
+                                        <p:tgtEl>
+                                          <p:spTgt spid="3">
+                                            <p:txEl>
+                                              <p:pRg st="4" end="4"/>
+                                            </p:txEl>
+                                          </p:spTgt>
+                                        </p:tgtEl>
+                                        <p:attrNameLst>
+                                          <p:attrName>style.visibility</p:attrName>
+                                        </p:attrNameLst>
+                                      </p:cBhvr>
+                                      <p:to>
+                                        <p:strVal val="visible"/>
+                                      </p:to>
+                                    </p:set>
+                                    <p:animEffect transition="in" filter="wipe(down)">
+                                      <p:cBhvr>
+                                        <p:cTn id="23" dur="500"/>
+                                        <p:tgtEl>
+                                          <p:spTgt spid="3">
+                                            <p:txEl>
+                                              <p:pRg st="4" end="4"/>
+                                            </p:txEl>
+                                          </p:spTgt>
+                                        </p:tgtEl>
+                                      </p:cBhvr>
+                                    </p:animEffect>
+                                  </p:childTnLst>
+                                </p:cTn>
+                              </p:par>
+                            </p:childTnLst>
+                          </p:cTn>
+                        </p:par>
+                      </p:childTnLst>
+                    </p:cTn>
+                  </p:par>
+                  <p:par>
+                    <p:cTn id="24" fill="hold">
+                      <p:stCondLst>
+                        <p:cond delay="indefinite"/>
+                      </p:stCondLst>
+                      <p:childTnLst>
+                        <p:par>
+                          <p:cTn id="25" fill="hold">
+                            <p:stCondLst>
+                              <p:cond delay="0"/>
+                            </p:stCondLst>
+                            <p:childTnLst>
+                              <p:par>
+                                <p:cTn id="26" presetID="22" presetClass="entr" presetSubtype="4" fill="hold" grpId="0" nodeType="clickEffect">
+                                  <p:stCondLst>
+                                    <p:cond delay="0"/>
+                                  </p:stCondLst>
+                                  <p:childTnLst>
+                                    <p:set>
+                                      <p:cBhvr>
+                                        <p:cTn id="27" dur="1" fill="hold">
+                                          <p:stCondLst>
+                                            <p:cond delay="0"/>
+                                          </p:stCondLst>
+                                        </p:cTn>
+                                        <p:tgtEl>
+                                          <p:spTgt spid="3">
+                                            <p:txEl>
+                                              <p:pRg st="5" end="5"/>
+                                            </p:txEl>
+                                          </p:spTgt>
+                                        </p:tgtEl>
+                                        <p:attrNameLst>
+                                          <p:attrName>style.visibility</p:attrName>
+                                        </p:attrNameLst>
+                                      </p:cBhvr>
+                                      <p:to>
+                                        <p:strVal val="visible"/>
+                                      </p:to>
+                                    </p:set>
+                                    <p:animEffect transition="in" filter="wipe(down)">
+                                      <p:cBhvr>
+                                        <p:cTn id="28" dur="500"/>
+                                        <p:tgtEl>
+                                          <p:spTgt spid="3">
+                                            <p:txEl>
+                                              <p:pRg st="5" end="5"/>
+                                            </p:txEl>
+                                          </p:spTgt>
+                                        </p:tgtEl>
+                                      </p:cBhvr>
+                                    </p:animEffect>
+                                  </p:childTnLst>
+                                </p:cTn>
+                              </p:par>
+                            </p:childTnLst>
+                          </p:cTn>
+                        </p:par>
+                      </p:childTnLst>
+                    </p:cTn>
+                  </p:par>
+                  <p:par>
+                    <p:cTn id="29" fill="hold">
+                      <p:stCondLst>
+                        <p:cond delay="indefinite"/>
+                      </p:stCondLst>
+                      <p:childTnLst>
+                        <p:par>
+                          <p:cTn id="30" fill="hold">
+                            <p:stCondLst>
+                              <p:cond delay="0"/>
+                            </p:stCondLst>
+                            <p:childTnLst>
+                              <p:par>
+                                <p:cTn id="31" presetID="22" presetClass="entr" presetSubtype="4" fill="hold" grpId="0" nodeType="clickEffect">
+                                  <p:stCondLst>
+                                    <p:cond delay="0"/>
+                                  </p:stCondLst>
+                                  <p:childTnLst>
+                                    <p:set>
+                                      <p:cBhvr>
+                                        <p:cTn id="32" dur="1" fill="hold">
+                                          <p:stCondLst>
+                                            <p:cond delay="0"/>
+                                          </p:stCondLst>
+                                        </p:cTn>
+                                        <p:tgtEl>
+                                          <p:spTgt spid="3">
+                                            <p:txEl>
+                                              <p:pRg st="6" end="6"/>
+                                            </p:txEl>
+                                          </p:spTgt>
+                                        </p:tgtEl>
+                                        <p:attrNameLst>
+                                          <p:attrName>style.visibility</p:attrName>
+                                        </p:attrNameLst>
+                                      </p:cBhvr>
+                                      <p:to>
+                                        <p:strVal val="visible"/>
+                                      </p:to>
+                                    </p:set>
+                                    <p:animEffect transition="in" filter="wipe(down)">
+                                      <p:cBhvr>
+                                        <p:cTn id="33" dur="500"/>
+                                        <p:tgtEl>
+                                          <p:spTgt spid="3">
+                                            <p:txEl>
+                                              <p:pRg st="6" end="6"/>
+                                            </p:txEl>
+                                          </p:spTgt>
+                                        </p:tgtEl>
+                                      </p:cBhvr>
+                                    </p:animEffect>
+                                  </p:childTnLst>
+                                </p:cTn>
+                              </p:par>
+                            </p:childTnLst>
+                          </p:cTn>
+                        </p:par>
+                      </p:childTnLst>
+                    </p:cTn>
+                  </p:par>
+                  <p:par>
+                    <p:cTn id="34" fill="hold">
+                      <p:stCondLst>
+                        <p:cond delay="indefinite"/>
+                      </p:stCondLst>
+                      <p:childTnLst>
+                        <p:par>
+                          <p:cTn id="35" fill="hold">
+                            <p:stCondLst>
+                              <p:cond delay="0"/>
+                            </p:stCondLst>
+                            <p:childTnLst>
+                              <p:par>
+                                <p:cTn id="36" presetID="22" presetClass="entr" presetSubtype="4" fill="hold" grpId="0" nodeType="clickEffect">
+                                  <p:stCondLst>
+                                    <p:cond delay="0"/>
+                                  </p:stCondLst>
+                                  <p:childTnLst>
+                                    <p:set>
+                                      <p:cBhvr>
+                                        <p:cTn id="37" dur="1" fill="hold">
+                                          <p:stCondLst>
+                                            <p:cond delay="0"/>
+                                          </p:stCondLst>
+                                        </p:cTn>
+                                        <p:tgtEl>
+                                          <p:spTgt spid="3">
+                                            <p:txEl>
+                                              <p:pRg st="7" end="7"/>
+                                            </p:txEl>
+                                          </p:spTgt>
+                                        </p:tgtEl>
+                                        <p:attrNameLst>
+                                          <p:attrName>style.visibility</p:attrName>
+                                        </p:attrNameLst>
+                                      </p:cBhvr>
+                                      <p:to>
+                                        <p:strVal val="visible"/>
+                                      </p:to>
+                                    </p:set>
+                                    <p:animEffect transition="in" filter="wipe(down)">
+                                      <p:cBhvr>
+                                        <p:cTn id="38" dur="500"/>
+                                        <p:tgtEl>
+                                          <p:spTgt spid="3">
+                                            <p:txEl>
+                                              <p:pRg st="7" end="7"/>
+                                            </p:txEl>
+                                          </p:spTgt>
+                                        </p:tgtEl>
+                                      </p:cBhvr>
+                                    </p:animEffect>
+                                  </p:childTnLst>
+                                </p:cTn>
+                              </p:par>
+                            </p:childTnLst>
+                          </p:cTn>
+                        </p:par>
+                      </p:childTnLst>
+                    </p:cTn>
+                  </p:par>
+                  <p:par>
+                    <p:cTn id="39" fill="hold">
+                      <p:stCondLst>
+                        <p:cond delay="indefinite"/>
+                      </p:stCondLst>
+                      <p:childTnLst>
+                        <p:par>
+                          <p:cTn id="40" fill="hold">
+                            <p:stCondLst>
+                              <p:cond delay="0"/>
+                            </p:stCondLst>
+                            <p:childTnLst>
+                              <p:par>
+                                <p:cTn id="41" presetID="22" presetClass="entr" presetSubtype="4" fill="hold" grpId="0" nodeType="clickEffect">
+                                  <p:stCondLst>
+                                    <p:cond delay="0"/>
+                                  </p:stCondLst>
+                                  <p:childTnLst>
+                                    <p:set>
+                                      <p:cBhvr>
+                                        <p:cTn id="42" dur="1" fill="hold">
+                                          <p:stCondLst>
+                                            <p:cond delay="0"/>
+                                          </p:stCondLst>
+                                        </p:cTn>
+                                        <p:tgtEl>
+                                          <p:spTgt spid="3">
+                                            <p:txEl>
+                                              <p:pRg st="8" end="8"/>
+                                            </p:txEl>
+                                          </p:spTgt>
+                                        </p:tgtEl>
+                                        <p:attrNameLst>
+                                          <p:attrName>style.visibility</p:attrName>
+                                        </p:attrNameLst>
+                                      </p:cBhvr>
+                                      <p:to>
+                                        <p:strVal val="visible"/>
+                                      </p:to>
+                                    </p:set>
+                                    <p:animEffect transition="in" filter="wipe(down)">
+                                      <p:cBhvr>
+                                        <p:cTn id="43" dur="500"/>
+                                        <p:tgtEl>
+                                          <p:spTgt spid="3">
+                                            <p:txEl>
+                                              <p:pRg st="8" end="8"/>
+                                            </p:txEl>
+                                          </p:spTgt>
+                                        </p:tgtEl>
+                                      </p:cBhvr>
+                                    </p:animEffect>
+                                  </p:childTnLst>
+                                </p:cTn>
+                              </p:par>
+                            </p:childTnLst>
+                          </p:cTn>
+                        </p:par>
+                      </p:childTnLst>
+                    </p:cTn>
+                  </p:par>
+                </p:childTnLst>
+              </p:cTn>
+              <p:prevCondLst>
+                <p:cond evt="onPrev" delay="0">
+                  <p:tgtEl>
+                    <p:sldTgt/>
+                  </p:tgtEl>
+                </p:cond>
+              </p:prevCondLst>
+              <p:nextCondLst>
+                <p:cond evt="onNext" delay="0">
+                  <p:tgtEl>
+                    <p:sldTgt/>
+                  </p:tgtEl>
+                </p:cond>
+              </p:nextCondLst>
+            </p:seq>
+          </p:childTnLst>
+        </p:cTn>
+      </p:par>
+    </p:tnLst>
+    <p:bldLst>
+      <p:bldP spid="3" grpId="0" build="p" bldLvl="2"/>
+    </p:bldLst>
+  </p:timing>
 </p:sld>
 </file>
 
@@ -3996,7 +4552,7 @@
           <p:cNvPr id="3" name="Group 2">
             <a:extLst>
               <a:ext uri="{FF2B5EF4-FFF2-40B4-BE49-F238E27FC236}">
-                <a16:creationId xmlns:a16="http://schemas.microsoft.com/office/drawing/2014/main" id="{0E01FDAE-EEFC-47A4-A304-504FB590F1A9}"/>
+                <a16:creationId xmlns:a16="http://schemas.microsoft.com/office/drawing/2014/main" xmlns="" id="{0E01FDAE-EEFC-47A4-A304-504FB590F1A9}"/>
               </a:ext>
             </a:extLst>
           </p:cNvPr>
@@ -4016,7 +4572,7 @@
             <p:cNvPr id="2" name="Oval 1">
               <a:extLst>
                 <a:ext uri="{FF2B5EF4-FFF2-40B4-BE49-F238E27FC236}">
-                  <a16:creationId xmlns:a16="http://schemas.microsoft.com/office/drawing/2014/main" id="{8C081099-4D70-403A-9F42-A7BBE687BD07}"/>
+                  <a16:creationId xmlns:a16="http://schemas.microsoft.com/office/drawing/2014/main" xmlns="" id="{8C081099-4D70-403A-9F42-A7BBE687BD07}"/>
                 </a:ext>
               </a:extLst>
             </p:cNvPr>
@@ -4063,7 +4619,7 @@
             <p:cNvPr id="4" name="TextBox 3">
               <a:extLst>
                 <a:ext uri="{FF2B5EF4-FFF2-40B4-BE49-F238E27FC236}">
-                  <a16:creationId xmlns:a16="http://schemas.microsoft.com/office/drawing/2014/main" id="{22DC4B6B-5FA4-4CBC-BBFB-5771575ABF07}"/>
+                  <a16:creationId xmlns:a16="http://schemas.microsoft.com/office/drawing/2014/main" xmlns="" id="{22DC4B6B-5FA4-4CBC-BBFB-5771575ABF07}"/>
                 </a:ext>
               </a:extLst>
             </p:cNvPr>
@@ -4098,7 +4654,7 @@
             <p:cNvPr id="14" name="Group 13">
               <a:extLst>
                 <a:ext uri="{FF2B5EF4-FFF2-40B4-BE49-F238E27FC236}">
-                  <a16:creationId xmlns:a16="http://schemas.microsoft.com/office/drawing/2014/main" id="{E21F5563-4629-466F-89EC-B135591CBF0A}"/>
+                  <a16:creationId xmlns:a16="http://schemas.microsoft.com/office/drawing/2014/main" xmlns="" id="{E21F5563-4629-466F-89EC-B135591CBF0A}"/>
                 </a:ext>
               </a:extLst>
             </p:cNvPr>
@@ -4118,7 +4674,7 @@
               <p:cNvPr id="5" name="Oval 4">
                 <a:extLst>
                   <a:ext uri="{FF2B5EF4-FFF2-40B4-BE49-F238E27FC236}">
-                    <a16:creationId xmlns:a16="http://schemas.microsoft.com/office/drawing/2014/main" id="{8EB4296C-B268-4985-B3BE-4CB3B986DD68}"/>
+                    <a16:creationId xmlns:a16="http://schemas.microsoft.com/office/drawing/2014/main" xmlns="" id="{8EB4296C-B268-4985-B3BE-4CB3B986DD68}"/>
                   </a:ext>
                 </a:extLst>
               </p:cNvPr>
@@ -4165,7 +4721,7 @@
               <p:cNvPr id="6" name="TextBox 5">
                 <a:extLst>
                   <a:ext uri="{FF2B5EF4-FFF2-40B4-BE49-F238E27FC236}">
-                    <a16:creationId xmlns:a16="http://schemas.microsoft.com/office/drawing/2014/main" id="{A766A88A-D783-431C-BE8A-FDBC943EA9B6}"/>
+                    <a16:creationId xmlns:a16="http://schemas.microsoft.com/office/drawing/2014/main" xmlns="" id="{A766A88A-D783-431C-BE8A-FDBC943EA9B6}"/>
                   </a:ext>
                 </a:extLst>
               </p:cNvPr>
@@ -4201,7 +4757,7 @@
             <p:cNvPr id="15" name="Group 14">
               <a:extLst>
                 <a:ext uri="{FF2B5EF4-FFF2-40B4-BE49-F238E27FC236}">
-                  <a16:creationId xmlns:a16="http://schemas.microsoft.com/office/drawing/2014/main" id="{2A131CE4-819D-4973-91E6-33A7F6180B5F}"/>
+                  <a16:creationId xmlns:a16="http://schemas.microsoft.com/office/drawing/2014/main" xmlns="" id="{2A131CE4-819D-4973-91E6-33A7F6180B5F}"/>
                 </a:ext>
               </a:extLst>
             </p:cNvPr>
@@ -4221,7 +4777,7 @@
               <p:cNvPr id="7" name="Oval 6">
                 <a:extLst>
                   <a:ext uri="{FF2B5EF4-FFF2-40B4-BE49-F238E27FC236}">
-                    <a16:creationId xmlns:a16="http://schemas.microsoft.com/office/drawing/2014/main" id="{C45F8DFA-8C98-46C0-8082-4D8454FBC2C9}"/>
+                    <a16:creationId xmlns:a16="http://schemas.microsoft.com/office/drawing/2014/main" xmlns="" id="{C45F8DFA-8C98-46C0-8082-4D8454FBC2C9}"/>
                   </a:ext>
                 </a:extLst>
               </p:cNvPr>
@@ -4268,7 +4824,7 @@
               <p:cNvPr id="8" name="TextBox 7">
                 <a:extLst>
                   <a:ext uri="{FF2B5EF4-FFF2-40B4-BE49-F238E27FC236}">
-                    <a16:creationId xmlns:a16="http://schemas.microsoft.com/office/drawing/2014/main" id="{EF1190F5-155F-43F9-ABD7-0252ABA8DD9F}"/>
+                    <a16:creationId xmlns:a16="http://schemas.microsoft.com/office/drawing/2014/main" xmlns="" id="{EF1190F5-155F-43F9-ABD7-0252ABA8DD9F}"/>
                   </a:ext>
                 </a:extLst>
               </p:cNvPr>
@@ -4304,7 +4860,7 @@
             <p:cNvPr id="16" name="Group 15">
               <a:extLst>
                 <a:ext uri="{FF2B5EF4-FFF2-40B4-BE49-F238E27FC236}">
-                  <a16:creationId xmlns:a16="http://schemas.microsoft.com/office/drawing/2014/main" id="{788CD783-6057-40AF-94FA-8F40AD09015A}"/>
+                  <a16:creationId xmlns:a16="http://schemas.microsoft.com/office/drawing/2014/main" xmlns="" id="{788CD783-6057-40AF-94FA-8F40AD09015A}"/>
                 </a:ext>
               </a:extLst>
             </p:cNvPr>
@@ -4324,7 +4880,7 @@
               <p:cNvPr id="9" name="Oval 8">
                 <a:extLst>
                   <a:ext uri="{FF2B5EF4-FFF2-40B4-BE49-F238E27FC236}">
-                    <a16:creationId xmlns:a16="http://schemas.microsoft.com/office/drawing/2014/main" id="{B1641F59-C4FA-47D3-B823-12D3ED4C40ED}"/>
+                    <a16:creationId xmlns:a16="http://schemas.microsoft.com/office/drawing/2014/main" xmlns="" id="{B1641F59-C4FA-47D3-B823-12D3ED4C40ED}"/>
                   </a:ext>
                 </a:extLst>
               </p:cNvPr>
@@ -4371,7 +4927,7 @@
               <p:cNvPr id="10" name="TextBox 9">
                 <a:extLst>
                   <a:ext uri="{FF2B5EF4-FFF2-40B4-BE49-F238E27FC236}">
-                    <a16:creationId xmlns:a16="http://schemas.microsoft.com/office/drawing/2014/main" id="{3BE748B4-4CB0-4AE7-9B25-89B72EE76BF0}"/>
+                    <a16:creationId xmlns:a16="http://schemas.microsoft.com/office/drawing/2014/main" xmlns="" id="{3BE748B4-4CB0-4AE7-9B25-89B72EE76BF0}"/>
                   </a:ext>
                 </a:extLst>
               </p:cNvPr>
@@ -4407,7 +4963,7 @@
             <p:cNvPr id="11" name="Oval 10">
               <a:extLst>
                 <a:ext uri="{FF2B5EF4-FFF2-40B4-BE49-F238E27FC236}">
-                  <a16:creationId xmlns:a16="http://schemas.microsoft.com/office/drawing/2014/main" id="{DB5985FE-066F-4C42-A59C-BE2B82B5D36A}"/>
+                  <a16:creationId xmlns:a16="http://schemas.microsoft.com/office/drawing/2014/main" xmlns="" id="{DB5985FE-066F-4C42-A59C-BE2B82B5D36A}"/>
                 </a:ext>
               </a:extLst>
             </p:cNvPr>
@@ -4454,7 +5010,7 @@
             <p:cNvPr id="12" name="TextBox 11">
               <a:extLst>
                 <a:ext uri="{FF2B5EF4-FFF2-40B4-BE49-F238E27FC236}">
-                  <a16:creationId xmlns:a16="http://schemas.microsoft.com/office/drawing/2014/main" id="{1FCC1B64-F373-472A-86D7-DE94C5F45CFC}"/>
+                  <a16:creationId xmlns:a16="http://schemas.microsoft.com/office/drawing/2014/main" xmlns="" id="{1FCC1B64-F373-472A-86D7-DE94C5F45CFC}"/>
                 </a:ext>
               </a:extLst>
             </p:cNvPr>
@@ -4490,7 +5046,7 @@
             <p:cNvPr id="19" name="Straight Arrow Connector 18">
               <a:extLst>
                 <a:ext uri="{FF2B5EF4-FFF2-40B4-BE49-F238E27FC236}">
-                  <a16:creationId xmlns:a16="http://schemas.microsoft.com/office/drawing/2014/main" id="{7BE97643-73F1-42B5-907F-21D6333F8AE8}"/>
+                  <a16:creationId xmlns:a16="http://schemas.microsoft.com/office/drawing/2014/main" xmlns="" id="{7BE97643-73F1-42B5-907F-21D6333F8AE8}"/>
                 </a:ext>
               </a:extLst>
             </p:cNvPr>
@@ -4537,7 +5093,7 @@
             <p:cNvPr id="33" name="TextBox 32">
               <a:extLst>
                 <a:ext uri="{FF2B5EF4-FFF2-40B4-BE49-F238E27FC236}">
-                  <a16:creationId xmlns:a16="http://schemas.microsoft.com/office/drawing/2014/main" id="{0F54E387-2CD2-473C-B9EB-B20F0BF802ED}"/>
+                  <a16:creationId xmlns:a16="http://schemas.microsoft.com/office/drawing/2014/main" xmlns="" id="{0F54E387-2CD2-473C-B9EB-B20F0BF802ED}"/>
                 </a:ext>
               </a:extLst>
             </p:cNvPr>
@@ -4581,7 +5137,7 @@
             <p:cNvPr id="34" name="Rectangle 33">
               <a:extLst>
                 <a:ext uri="{FF2B5EF4-FFF2-40B4-BE49-F238E27FC236}">
-                  <a16:creationId xmlns:a16="http://schemas.microsoft.com/office/drawing/2014/main" id="{81BE1D67-B700-4C71-8491-8E4DC1746F4A}"/>
+                  <a16:creationId xmlns:a16="http://schemas.microsoft.com/office/drawing/2014/main" xmlns="" id="{81BE1D67-B700-4C71-8491-8E4DC1746F4A}"/>
                 </a:ext>
               </a:extLst>
             </p:cNvPr>
@@ -4617,7 +5173,7 @@
             <p:cNvPr id="35" name="Rectangle 34">
               <a:extLst>
                 <a:ext uri="{FF2B5EF4-FFF2-40B4-BE49-F238E27FC236}">
-                  <a16:creationId xmlns:a16="http://schemas.microsoft.com/office/drawing/2014/main" id="{17DCE34B-BE01-48F9-BB10-3D5BA356938D}"/>
+                  <a16:creationId xmlns:a16="http://schemas.microsoft.com/office/drawing/2014/main" xmlns="" id="{17DCE34B-BE01-48F9-BB10-3D5BA356938D}"/>
                 </a:ext>
               </a:extLst>
             </p:cNvPr>
@@ -4651,7 +5207,7 @@
             <p:cNvPr id="36" name="Rectangle 35">
               <a:extLst>
                 <a:ext uri="{FF2B5EF4-FFF2-40B4-BE49-F238E27FC236}">
-                  <a16:creationId xmlns:a16="http://schemas.microsoft.com/office/drawing/2014/main" id="{D2EB93CC-794C-42DB-81E8-C6037598187E}"/>
+                  <a16:creationId xmlns:a16="http://schemas.microsoft.com/office/drawing/2014/main" xmlns="" id="{D2EB93CC-794C-42DB-81E8-C6037598187E}"/>
                 </a:ext>
               </a:extLst>
             </p:cNvPr>
@@ -4685,7 +5241,7 @@
             <p:cNvPr id="38" name="Oval 37">
               <a:extLst>
                 <a:ext uri="{FF2B5EF4-FFF2-40B4-BE49-F238E27FC236}">
-                  <a16:creationId xmlns:a16="http://schemas.microsoft.com/office/drawing/2014/main" id="{2BF3C7C3-5F83-4A2A-8047-E74704FEFB79}"/>
+                  <a16:creationId xmlns:a16="http://schemas.microsoft.com/office/drawing/2014/main" xmlns="" id="{2BF3C7C3-5F83-4A2A-8047-E74704FEFB79}"/>
                 </a:ext>
               </a:extLst>
             </p:cNvPr>
@@ -4732,7 +5288,7 @@
             <p:cNvPr id="39" name="TextBox 38">
               <a:extLst>
                 <a:ext uri="{FF2B5EF4-FFF2-40B4-BE49-F238E27FC236}">
-                  <a16:creationId xmlns:a16="http://schemas.microsoft.com/office/drawing/2014/main" id="{951D70DF-7C13-4FD3-8D5A-89419DDD978B}"/>
+                  <a16:creationId xmlns:a16="http://schemas.microsoft.com/office/drawing/2014/main" xmlns="" id="{951D70DF-7C13-4FD3-8D5A-89419DDD978B}"/>
                 </a:ext>
               </a:extLst>
             </p:cNvPr>
@@ -4767,7 +5323,7 @@
             <p:cNvPr id="41" name="Oval 40">
               <a:extLst>
                 <a:ext uri="{FF2B5EF4-FFF2-40B4-BE49-F238E27FC236}">
-                  <a16:creationId xmlns:a16="http://schemas.microsoft.com/office/drawing/2014/main" id="{D0574052-9C2C-4EDF-8163-B92EDE189F9F}"/>
+                  <a16:creationId xmlns:a16="http://schemas.microsoft.com/office/drawing/2014/main" xmlns="" id="{D0574052-9C2C-4EDF-8163-B92EDE189F9F}"/>
                 </a:ext>
               </a:extLst>
             </p:cNvPr>
@@ -4814,7 +5370,7 @@
             <p:cNvPr id="42" name="TextBox 41">
               <a:extLst>
                 <a:ext uri="{FF2B5EF4-FFF2-40B4-BE49-F238E27FC236}">
-                  <a16:creationId xmlns:a16="http://schemas.microsoft.com/office/drawing/2014/main" id="{1DFB4C47-82A1-40B8-8BF7-D8E4C7AA7801}"/>
+                  <a16:creationId xmlns:a16="http://schemas.microsoft.com/office/drawing/2014/main" xmlns="" id="{1DFB4C47-82A1-40B8-8BF7-D8E4C7AA7801}"/>
                 </a:ext>
               </a:extLst>
             </p:cNvPr>
@@ -4849,7 +5405,7 @@
             <p:cNvPr id="43" name="Oval 42">
               <a:extLst>
                 <a:ext uri="{FF2B5EF4-FFF2-40B4-BE49-F238E27FC236}">
-                  <a16:creationId xmlns:a16="http://schemas.microsoft.com/office/drawing/2014/main" id="{2722DF50-B6A9-4DA9-B043-F7D3C0245244}"/>
+                  <a16:creationId xmlns:a16="http://schemas.microsoft.com/office/drawing/2014/main" xmlns="" id="{2722DF50-B6A9-4DA9-B043-F7D3C0245244}"/>
                 </a:ext>
               </a:extLst>
             </p:cNvPr>
@@ -4896,7 +5452,7 @@
             <p:cNvPr id="44" name="TextBox 43">
               <a:extLst>
                 <a:ext uri="{FF2B5EF4-FFF2-40B4-BE49-F238E27FC236}">
-                  <a16:creationId xmlns:a16="http://schemas.microsoft.com/office/drawing/2014/main" id="{5FD21316-A9EA-456E-BDEA-F9884CD43447}"/>
+                  <a16:creationId xmlns:a16="http://schemas.microsoft.com/office/drawing/2014/main" xmlns="" id="{5FD21316-A9EA-456E-BDEA-F9884CD43447}"/>
                 </a:ext>
               </a:extLst>
             </p:cNvPr>
@@ -4931,7 +5487,7 @@
             <p:cNvPr id="45" name="Oval 44">
               <a:extLst>
                 <a:ext uri="{FF2B5EF4-FFF2-40B4-BE49-F238E27FC236}">
-                  <a16:creationId xmlns:a16="http://schemas.microsoft.com/office/drawing/2014/main" id="{A45E1B56-C2E0-4915-9173-9A42F3A94CC2}"/>
+                  <a16:creationId xmlns:a16="http://schemas.microsoft.com/office/drawing/2014/main" xmlns="" id="{A45E1B56-C2E0-4915-9173-9A42F3A94CC2}"/>
                 </a:ext>
               </a:extLst>
             </p:cNvPr>
@@ -4978,7 +5534,7 @@
             <p:cNvPr id="46" name="TextBox 45">
               <a:extLst>
                 <a:ext uri="{FF2B5EF4-FFF2-40B4-BE49-F238E27FC236}">
-                  <a16:creationId xmlns:a16="http://schemas.microsoft.com/office/drawing/2014/main" id="{6C23257E-7018-4A23-BCCE-6CC958D30C56}"/>
+                  <a16:creationId xmlns:a16="http://schemas.microsoft.com/office/drawing/2014/main" xmlns="" id="{6C23257E-7018-4A23-BCCE-6CC958D30C56}"/>
                 </a:ext>
               </a:extLst>
             </p:cNvPr>
@@ -5013,7 +5569,7 @@
             <p:cNvPr id="47" name="Oval 46">
               <a:extLst>
                 <a:ext uri="{FF2B5EF4-FFF2-40B4-BE49-F238E27FC236}">
-                  <a16:creationId xmlns:a16="http://schemas.microsoft.com/office/drawing/2014/main" id="{91FE4824-8E41-48A8-84CC-C7EBAD0DC7F8}"/>
+                  <a16:creationId xmlns:a16="http://schemas.microsoft.com/office/drawing/2014/main" xmlns="" id="{91FE4824-8E41-48A8-84CC-C7EBAD0DC7F8}"/>
                 </a:ext>
               </a:extLst>
             </p:cNvPr>
@@ -5060,7 +5616,7 @@
             <p:cNvPr id="48" name="TextBox 47">
               <a:extLst>
                 <a:ext uri="{FF2B5EF4-FFF2-40B4-BE49-F238E27FC236}">
-                  <a16:creationId xmlns:a16="http://schemas.microsoft.com/office/drawing/2014/main" id="{A9FE1ED0-6173-47A0-98CD-C5742C388D65}"/>
+                  <a16:creationId xmlns:a16="http://schemas.microsoft.com/office/drawing/2014/main" xmlns="" id="{A9FE1ED0-6173-47A0-98CD-C5742C388D65}"/>
                 </a:ext>
               </a:extLst>
             </p:cNvPr>
@@ -5095,7 +5651,7 @@
             <p:cNvPr id="51" name="TextBox 50">
               <a:extLst>
                 <a:ext uri="{FF2B5EF4-FFF2-40B4-BE49-F238E27FC236}">
-                  <a16:creationId xmlns:a16="http://schemas.microsoft.com/office/drawing/2014/main" id="{5A45519C-EC50-40CF-9CC7-881489EFA579}"/>
+                  <a16:creationId xmlns:a16="http://schemas.microsoft.com/office/drawing/2014/main" xmlns="" id="{5A45519C-EC50-40CF-9CC7-881489EFA579}"/>
                 </a:ext>
               </a:extLst>
             </p:cNvPr>
@@ -5131,7 +5687,7 @@
             <p:cNvPr id="53" name="Straight Arrow Connector 52">
               <a:extLst>
                 <a:ext uri="{FF2B5EF4-FFF2-40B4-BE49-F238E27FC236}">
-                  <a16:creationId xmlns:a16="http://schemas.microsoft.com/office/drawing/2014/main" id="{4C4985E3-11F8-4850-A6D1-8A6779B8B5BC}"/>
+                  <a16:creationId xmlns:a16="http://schemas.microsoft.com/office/drawing/2014/main" xmlns="" id="{4C4985E3-11F8-4850-A6D1-8A6779B8B5BC}"/>
                 </a:ext>
               </a:extLst>
             </p:cNvPr>
@@ -5174,7 +5730,7 @@
             <p:cNvPr id="55" name="Straight Arrow Connector 54">
               <a:extLst>
                 <a:ext uri="{FF2B5EF4-FFF2-40B4-BE49-F238E27FC236}">
-                  <a16:creationId xmlns:a16="http://schemas.microsoft.com/office/drawing/2014/main" id="{95BF4CF4-84A0-4710-BC44-13C8D37EC046}"/>
+                  <a16:creationId xmlns:a16="http://schemas.microsoft.com/office/drawing/2014/main" xmlns="" id="{95BF4CF4-84A0-4710-BC44-13C8D37EC046}"/>
                 </a:ext>
               </a:extLst>
             </p:cNvPr>
@@ -5216,7 +5772,7 @@
             <p:cNvPr id="57" name="Straight Arrow Connector 56">
               <a:extLst>
                 <a:ext uri="{FF2B5EF4-FFF2-40B4-BE49-F238E27FC236}">
-                  <a16:creationId xmlns:a16="http://schemas.microsoft.com/office/drawing/2014/main" id="{21BE449E-B4AD-43B6-95D8-0F0BC89AF75D}"/>
+                  <a16:creationId xmlns:a16="http://schemas.microsoft.com/office/drawing/2014/main" xmlns="" id="{21BE449E-B4AD-43B6-95D8-0F0BC89AF75D}"/>
                 </a:ext>
               </a:extLst>
             </p:cNvPr>
@@ -5258,7 +5814,7 @@
             <p:cNvPr id="59" name="Straight Arrow Connector 58">
               <a:extLst>
                 <a:ext uri="{FF2B5EF4-FFF2-40B4-BE49-F238E27FC236}">
-                  <a16:creationId xmlns:a16="http://schemas.microsoft.com/office/drawing/2014/main" id="{E58D19E4-B269-467D-97A3-FCD389ADC82C}"/>
+                  <a16:creationId xmlns:a16="http://schemas.microsoft.com/office/drawing/2014/main" xmlns="" id="{E58D19E4-B269-467D-97A3-FCD389ADC82C}"/>
                 </a:ext>
               </a:extLst>
             </p:cNvPr>
@@ -5301,7 +5857,7 @@
             <p:cNvPr id="61" name="Straight Arrow Connector 60">
               <a:extLst>
                 <a:ext uri="{FF2B5EF4-FFF2-40B4-BE49-F238E27FC236}">
-                  <a16:creationId xmlns:a16="http://schemas.microsoft.com/office/drawing/2014/main" id="{9CAD72FC-C638-474B-8320-EA304216281A}"/>
+                  <a16:creationId xmlns:a16="http://schemas.microsoft.com/office/drawing/2014/main" xmlns="" id="{9CAD72FC-C638-474B-8320-EA304216281A}"/>
                 </a:ext>
               </a:extLst>
             </p:cNvPr>
@@ -5342,7 +5898,7 @@
             <p:cNvPr id="63" name="Straight Arrow Connector 62">
               <a:extLst>
                 <a:ext uri="{FF2B5EF4-FFF2-40B4-BE49-F238E27FC236}">
-                  <a16:creationId xmlns:a16="http://schemas.microsoft.com/office/drawing/2014/main" id="{F09C65E7-D16E-4A65-B85E-36F2E54FE376}"/>
+                  <a16:creationId xmlns:a16="http://schemas.microsoft.com/office/drawing/2014/main" xmlns="" id="{F09C65E7-D16E-4A65-B85E-36F2E54FE376}"/>
                 </a:ext>
               </a:extLst>
             </p:cNvPr>
@@ -5384,7 +5940,7 @@
             <p:cNvPr id="64" name="Rectangle 63">
               <a:extLst>
                 <a:ext uri="{FF2B5EF4-FFF2-40B4-BE49-F238E27FC236}">
-                  <a16:creationId xmlns:a16="http://schemas.microsoft.com/office/drawing/2014/main" id="{5410A3DB-73FC-4E1C-89D3-734DDB32B1DE}"/>
+                  <a16:creationId xmlns:a16="http://schemas.microsoft.com/office/drawing/2014/main" xmlns="" id="{5410A3DB-73FC-4E1C-89D3-734DDB32B1DE}"/>
                 </a:ext>
               </a:extLst>
             </p:cNvPr>
@@ -5418,7 +5974,7 @@
             <p:cNvPr id="65" name="Rectangle 64">
               <a:extLst>
                 <a:ext uri="{FF2B5EF4-FFF2-40B4-BE49-F238E27FC236}">
-                  <a16:creationId xmlns:a16="http://schemas.microsoft.com/office/drawing/2014/main" id="{CB6D0693-3816-4237-A1AC-80169D68DD50}"/>
+                  <a16:creationId xmlns:a16="http://schemas.microsoft.com/office/drawing/2014/main" xmlns="" id="{CB6D0693-3816-4237-A1AC-80169D68DD50}"/>
                 </a:ext>
               </a:extLst>
             </p:cNvPr>
@@ -5452,7 +6008,7 @@
             <p:cNvPr id="66" name="Rectangle 65">
               <a:extLst>
                 <a:ext uri="{FF2B5EF4-FFF2-40B4-BE49-F238E27FC236}">
-                  <a16:creationId xmlns:a16="http://schemas.microsoft.com/office/drawing/2014/main" id="{0FE1FD54-F441-4770-864D-561902FFB576}"/>
+                  <a16:creationId xmlns:a16="http://schemas.microsoft.com/office/drawing/2014/main" xmlns="" id="{0FE1FD54-F441-4770-864D-561902FFB576}"/>
                 </a:ext>
               </a:extLst>
             </p:cNvPr>
@@ -5486,7 +6042,7 @@
             <p:cNvPr id="67" name="Rectangle 66">
               <a:extLst>
                 <a:ext uri="{FF2B5EF4-FFF2-40B4-BE49-F238E27FC236}">
-                  <a16:creationId xmlns:a16="http://schemas.microsoft.com/office/drawing/2014/main" id="{F977CDA1-3C11-405D-ADBB-04214BC63012}"/>
+                  <a16:creationId xmlns:a16="http://schemas.microsoft.com/office/drawing/2014/main" xmlns="" id="{F977CDA1-3C11-405D-ADBB-04214BC63012}"/>
                 </a:ext>
               </a:extLst>
             </p:cNvPr>
@@ -5520,7 +6076,7 @@
             <p:cNvPr id="68" name="Rectangle 67">
               <a:extLst>
                 <a:ext uri="{FF2B5EF4-FFF2-40B4-BE49-F238E27FC236}">
-                  <a16:creationId xmlns:a16="http://schemas.microsoft.com/office/drawing/2014/main" id="{7D33BFFB-1144-496E-AC85-9C5A73AC2C31}"/>
+                  <a16:creationId xmlns:a16="http://schemas.microsoft.com/office/drawing/2014/main" xmlns="" id="{7D33BFFB-1144-496E-AC85-9C5A73AC2C31}"/>
                 </a:ext>
               </a:extLst>
             </p:cNvPr>
@@ -5554,7 +6110,7 @@
             <p:cNvPr id="69" name="Rectangle 68">
               <a:extLst>
                 <a:ext uri="{FF2B5EF4-FFF2-40B4-BE49-F238E27FC236}">
-                  <a16:creationId xmlns:a16="http://schemas.microsoft.com/office/drawing/2014/main" id="{4881445F-D887-4830-B7D9-76850B422B6B}"/>
+                  <a16:creationId xmlns:a16="http://schemas.microsoft.com/office/drawing/2014/main" xmlns="" id="{4881445F-D887-4830-B7D9-76850B422B6B}"/>
                 </a:ext>
               </a:extLst>
             </p:cNvPr>
@@ -5588,7 +6144,7 @@
             <p:cNvPr id="71" name="Straight Arrow Connector 70">
               <a:extLst>
                 <a:ext uri="{FF2B5EF4-FFF2-40B4-BE49-F238E27FC236}">
-                  <a16:creationId xmlns:a16="http://schemas.microsoft.com/office/drawing/2014/main" id="{D8C3AB4F-D547-45EE-83FD-217C4D80F8B7}"/>
+                  <a16:creationId xmlns:a16="http://schemas.microsoft.com/office/drawing/2014/main" xmlns="" id="{D8C3AB4F-D547-45EE-83FD-217C4D80F8B7}"/>
                 </a:ext>
               </a:extLst>
             </p:cNvPr>
@@ -5631,7 +6187,7 @@
             <p:cNvPr id="73" name="Rectangle 72">
               <a:extLst>
                 <a:ext uri="{FF2B5EF4-FFF2-40B4-BE49-F238E27FC236}">
-                  <a16:creationId xmlns:a16="http://schemas.microsoft.com/office/drawing/2014/main" id="{DC43FADE-026A-4E81-814A-5784ABFF25B1}"/>
+                  <a16:creationId xmlns:a16="http://schemas.microsoft.com/office/drawing/2014/main" xmlns="" id="{DC43FADE-026A-4E81-814A-5784ABFF25B1}"/>
                 </a:ext>
               </a:extLst>
             </p:cNvPr>
@@ -5665,7 +6221,7 @@
             <p:cNvPr id="75" name="Straight Arrow Connector 74">
               <a:extLst>
                 <a:ext uri="{FF2B5EF4-FFF2-40B4-BE49-F238E27FC236}">
-                  <a16:creationId xmlns:a16="http://schemas.microsoft.com/office/drawing/2014/main" id="{9D31EFCB-A7AF-475B-A53C-AD602E04A0E6}"/>
+                  <a16:creationId xmlns:a16="http://schemas.microsoft.com/office/drawing/2014/main" xmlns="" id="{9D31EFCB-A7AF-475B-A53C-AD602E04A0E6}"/>
                 </a:ext>
               </a:extLst>
             </p:cNvPr>
@@ -5707,7 +6263,7 @@
             <p:cNvPr id="77" name="Oval 76">
               <a:extLst>
                 <a:ext uri="{FF2B5EF4-FFF2-40B4-BE49-F238E27FC236}">
-                  <a16:creationId xmlns:a16="http://schemas.microsoft.com/office/drawing/2014/main" id="{F1EE3A70-E9A3-4A83-92BA-245181046447}"/>
+                  <a16:creationId xmlns:a16="http://schemas.microsoft.com/office/drawing/2014/main" xmlns="" id="{F1EE3A70-E9A3-4A83-92BA-245181046447}"/>
                 </a:ext>
               </a:extLst>
             </p:cNvPr>
@@ -5754,7 +6310,7 @@
             <p:cNvPr id="78" name="TextBox 77">
               <a:extLst>
                 <a:ext uri="{FF2B5EF4-FFF2-40B4-BE49-F238E27FC236}">
-                  <a16:creationId xmlns:a16="http://schemas.microsoft.com/office/drawing/2014/main" id="{31CD65C3-D8F2-47D5-829B-FEBBE933A7CF}"/>
+                  <a16:creationId xmlns:a16="http://schemas.microsoft.com/office/drawing/2014/main" xmlns="" id="{31CD65C3-D8F2-47D5-829B-FEBBE933A7CF}"/>
                 </a:ext>
               </a:extLst>
             </p:cNvPr>
@@ -5789,7 +6345,7 @@
             <p:cNvPr id="80" name="Oval 79">
               <a:extLst>
                 <a:ext uri="{FF2B5EF4-FFF2-40B4-BE49-F238E27FC236}">
-                  <a16:creationId xmlns:a16="http://schemas.microsoft.com/office/drawing/2014/main" id="{5CDAECCF-CC45-4408-912C-97D318A9CDC1}"/>
+                  <a16:creationId xmlns:a16="http://schemas.microsoft.com/office/drawing/2014/main" xmlns="" id="{5CDAECCF-CC45-4408-912C-97D318A9CDC1}"/>
                 </a:ext>
               </a:extLst>
             </p:cNvPr>
@@ -5836,7 +6392,7 @@
             <p:cNvPr id="81" name="TextBox 80">
               <a:extLst>
                 <a:ext uri="{FF2B5EF4-FFF2-40B4-BE49-F238E27FC236}">
-                  <a16:creationId xmlns:a16="http://schemas.microsoft.com/office/drawing/2014/main" id="{8FED0D85-4B19-4EBD-9425-BE16D2E5B1B6}"/>
+                  <a16:creationId xmlns:a16="http://schemas.microsoft.com/office/drawing/2014/main" xmlns="" id="{8FED0D85-4B19-4EBD-9425-BE16D2E5B1B6}"/>
                 </a:ext>
               </a:extLst>
             </p:cNvPr>
@@ -5871,7 +6427,7 @@
             <p:cNvPr id="83" name="Straight Arrow Connector 82">
               <a:extLst>
                 <a:ext uri="{FF2B5EF4-FFF2-40B4-BE49-F238E27FC236}">
-                  <a16:creationId xmlns:a16="http://schemas.microsoft.com/office/drawing/2014/main" id="{982D89B2-F48E-4629-B90F-3DE35CCCA6E6}"/>
+                  <a16:creationId xmlns:a16="http://schemas.microsoft.com/office/drawing/2014/main" xmlns="" id="{982D89B2-F48E-4629-B90F-3DE35CCCA6E6}"/>
                 </a:ext>
               </a:extLst>
             </p:cNvPr>
@@ -5913,7 +6469,7 @@
             <p:cNvPr id="85" name="Straight Arrow Connector 84">
               <a:extLst>
                 <a:ext uri="{FF2B5EF4-FFF2-40B4-BE49-F238E27FC236}">
-                  <a16:creationId xmlns:a16="http://schemas.microsoft.com/office/drawing/2014/main" id="{0FD26985-DE7B-4FB0-AD31-024323C320DA}"/>
+                  <a16:creationId xmlns:a16="http://schemas.microsoft.com/office/drawing/2014/main" xmlns="" id="{0FD26985-DE7B-4FB0-AD31-024323C320DA}"/>
                 </a:ext>
               </a:extLst>
             </p:cNvPr>
@@ -5955,7 +6511,7 @@
             <p:cNvPr id="86" name="Rectangle 85">
               <a:extLst>
                 <a:ext uri="{FF2B5EF4-FFF2-40B4-BE49-F238E27FC236}">
-                  <a16:creationId xmlns:a16="http://schemas.microsoft.com/office/drawing/2014/main" id="{FB78B47B-A891-4080-A044-589D399437F0}"/>
+                  <a16:creationId xmlns:a16="http://schemas.microsoft.com/office/drawing/2014/main" xmlns="" id="{FB78B47B-A891-4080-A044-589D399437F0}"/>
                 </a:ext>
               </a:extLst>
             </p:cNvPr>
@@ -5989,7 +6545,7 @@
             <p:cNvPr id="87" name="Rectangle 86">
               <a:extLst>
                 <a:ext uri="{FF2B5EF4-FFF2-40B4-BE49-F238E27FC236}">
-                  <a16:creationId xmlns:a16="http://schemas.microsoft.com/office/drawing/2014/main" id="{08C9BA09-4DD3-4079-9544-26C766653FC6}"/>
+                  <a16:creationId xmlns:a16="http://schemas.microsoft.com/office/drawing/2014/main" xmlns="" id="{08C9BA09-4DD3-4079-9544-26C766653FC6}"/>
                 </a:ext>
               </a:extLst>
             </p:cNvPr>
@@ -6024,7 +6580,7 @@
           <p:cNvPr id="88" name="TextBox 87">
             <a:extLst>
               <a:ext uri="{FF2B5EF4-FFF2-40B4-BE49-F238E27FC236}">
-                <a16:creationId xmlns:a16="http://schemas.microsoft.com/office/drawing/2014/main" id="{1F24351D-A0C0-4441-BB85-4AF8F5EBD273}"/>
+                <a16:creationId xmlns:a16="http://schemas.microsoft.com/office/drawing/2014/main" xmlns="" id="{1F24351D-A0C0-4441-BB85-4AF8F5EBD273}"/>
               </a:ext>
             </a:extLst>
           </p:cNvPr>
@@ -6078,6 +6634,13 @@
   <p:clrMapOvr>
     <a:masterClrMapping/>
   </p:clrMapOvr>
+  <p:timing>
+    <p:tnLst>
+      <p:par>
+        <p:cTn id="1" dur="indefinite" restart="never" nodeType="tmRoot"/>
+      </p:par>
+    </p:tnLst>
+  </p:timing>
 </p:sld>
 </file>
 
@@ -6427,7 +6990,7 @@
           <p:cNvPr id="88" name="TextBox 87">
             <a:extLst>
               <a:ext uri="{FF2B5EF4-FFF2-40B4-BE49-F238E27FC236}">
-                <a16:creationId xmlns:a16="http://schemas.microsoft.com/office/drawing/2014/main" id="{1F24351D-A0C0-4441-BB85-4AF8F5EBD273}"/>
+                <a16:creationId xmlns:a16="http://schemas.microsoft.com/office/drawing/2014/main" xmlns="" id="{1F24351D-A0C0-4441-BB85-4AF8F5EBD273}"/>
               </a:ext>
             </a:extLst>
           </p:cNvPr>
@@ -6470,7 +7033,7 @@
           <p:cNvPr id="3" name="Oval 2">
             <a:extLst>
               <a:ext uri="{FF2B5EF4-FFF2-40B4-BE49-F238E27FC236}">
-                <a16:creationId xmlns:a16="http://schemas.microsoft.com/office/drawing/2014/main" id="{1C76F48A-9B82-47D0-8E65-BB39343A2536}"/>
+                <a16:creationId xmlns:a16="http://schemas.microsoft.com/office/drawing/2014/main" xmlns="" id="{1C76F48A-9B82-47D0-8E65-BB39343A2536}"/>
               </a:ext>
             </a:extLst>
           </p:cNvPr>
@@ -6553,7 +7116,7 @@
           <p:cNvPr id="13" name="TextBox 12">
             <a:extLst>
               <a:ext uri="{FF2B5EF4-FFF2-40B4-BE49-F238E27FC236}">
-                <a16:creationId xmlns:a16="http://schemas.microsoft.com/office/drawing/2014/main" id="{4EA9ADD0-210C-4FEF-84BA-237210D3D554}"/>
+                <a16:creationId xmlns:a16="http://schemas.microsoft.com/office/drawing/2014/main" xmlns="" id="{4EA9ADD0-210C-4FEF-84BA-237210D3D554}"/>
               </a:ext>
             </a:extLst>
           </p:cNvPr>
@@ -6610,7 +7173,7 @@
             <p:cNvPr id="58" name="Oval 57">
               <a:extLst>
                 <a:ext uri="{FF2B5EF4-FFF2-40B4-BE49-F238E27FC236}">
-                  <a16:creationId xmlns:a16="http://schemas.microsoft.com/office/drawing/2014/main" id="{173463BE-DC70-412B-B333-94EB261BA434}"/>
+                  <a16:creationId xmlns:a16="http://schemas.microsoft.com/office/drawing/2014/main" xmlns="" id="{173463BE-DC70-412B-B333-94EB261BA434}"/>
                 </a:ext>
               </a:extLst>
             </p:cNvPr>
@@ -6657,7 +7220,7 @@
             <p:cNvPr id="60" name="TextBox 59">
               <a:extLst>
                 <a:ext uri="{FF2B5EF4-FFF2-40B4-BE49-F238E27FC236}">
-                  <a16:creationId xmlns:a16="http://schemas.microsoft.com/office/drawing/2014/main" id="{954C49C3-FD3B-4FC8-B338-A76CC0287352}"/>
+                  <a16:creationId xmlns:a16="http://schemas.microsoft.com/office/drawing/2014/main" xmlns="" id="{954C49C3-FD3B-4FC8-B338-A76CC0287352}"/>
                 </a:ext>
               </a:extLst>
             </p:cNvPr>
@@ -6707,7 +7270,7 @@
             <p:cNvPr id="62" name="Oval 61">
               <a:extLst>
                 <a:ext uri="{FF2B5EF4-FFF2-40B4-BE49-F238E27FC236}">
-                  <a16:creationId xmlns:a16="http://schemas.microsoft.com/office/drawing/2014/main" id="{58CDE369-59DD-4DBB-A856-917AE1CD6F5F}"/>
+                  <a16:creationId xmlns:a16="http://schemas.microsoft.com/office/drawing/2014/main" xmlns="" id="{58CDE369-59DD-4DBB-A856-917AE1CD6F5F}"/>
                 </a:ext>
               </a:extLst>
             </p:cNvPr>
@@ -6754,7 +7317,7 @@
             <p:cNvPr id="72" name="TextBox 71">
               <a:extLst>
                 <a:ext uri="{FF2B5EF4-FFF2-40B4-BE49-F238E27FC236}">
-                  <a16:creationId xmlns:a16="http://schemas.microsoft.com/office/drawing/2014/main" id="{C842E078-DC57-4815-B890-4DE3C794AB59}"/>
+                  <a16:creationId xmlns:a16="http://schemas.microsoft.com/office/drawing/2014/main" xmlns="" id="{C842E078-DC57-4815-B890-4DE3C794AB59}"/>
                 </a:ext>
               </a:extLst>
             </p:cNvPr>
@@ -6804,7 +7367,7 @@
             <p:cNvPr id="70" name="Oval 69">
               <a:extLst>
                 <a:ext uri="{FF2B5EF4-FFF2-40B4-BE49-F238E27FC236}">
-                  <a16:creationId xmlns:a16="http://schemas.microsoft.com/office/drawing/2014/main" id="{ABA86987-EE51-4E50-8BC8-878E75D07E94}"/>
+                  <a16:creationId xmlns:a16="http://schemas.microsoft.com/office/drawing/2014/main" xmlns="" id="{ABA86987-EE51-4E50-8BC8-878E75D07E94}"/>
                 </a:ext>
               </a:extLst>
             </p:cNvPr>
@@ -6851,7 +7414,7 @@
             <p:cNvPr id="74" name="TextBox 73">
               <a:extLst>
                 <a:ext uri="{FF2B5EF4-FFF2-40B4-BE49-F238E27FC236}">
-                  <a16:creationId xmlns:a16="http://schemas.microsoft.com/office/drawing/2014/main" id="{7EED20C1-8506-451F-8289-31AE4A56B8C7}"/>
+                  <a16:creationId xmlns:a16="http://schemas.microsoft.com/office/drawing/2014/main" xmlns="" id="{7EED20C1-8506-451F-8289-31AE4A56B8C7}"/>
                 </a:ext>
               </a:extLst>
             </p:cNvPr>
@@ -6887,7 +7450,7 @@
           <p:cNvPr id="17" name="Rectangle 16">
             <a:extLst>
               <a:ext uri="{FF2B5EF4-FFF2-40B4-BE49-F238E27FC236}">
-                <a16:creationId xmlns:a16="http://schemas.microsoft.com/office/drawing/2014/main" id="{DCD010EB-7F65-48BE-B036-A393D8D598F8}"/>
+                <a16:creationId xmlns:a16="http://schemas.microsoft.com/office/drawing/2014/main" xmlns="" id="{DCD010EB-7F65-48BE-B036-A393D8D598F8}"/>
               </a:ext>
             </a:extLst>
           </p:cNvPr>
@@ -6921,7 +7484,7 @@
           <p:cNvPr id="18" name="Rectangle 17">
             <a:extLst>
               <a:ext uri="{FF2B5EF4-FFF2-40B4-BE49-F238E27FC236}">
-                <a16:creationId xmlns:a16="http://schemas.microsoft.com/office/drawing/2014/main" id="{6F51BC61-BED0-4705-80AE-61F6D59EDD84}"/>
+                <a16:creationId xmlns:a16="http://schemas.microsoft.com/office/drawing/2014/main" xmlns="" id="{6F51BC61-BED0-4705-80AE-61F6D59EDD84}"/>
               </a:ext>
             </a:extLst>
           </p:cNvPr>
@@ -6955,7 +7518,7 @@
           <p:cNvPr id="20" name="Rectangle 19">
             <a:extLst>
               <a:ext uri="{FF2B5EF4-FFF2-40B4-BE49-F238E27FC236}">
-                <a16:creationId xmlns:a16="http://schemas.microsoft.com/office/drawing/2014/main" id="{DF94EADD-F76A-4331-A9EB-88AF91BCB4C2}"/>
+                <a16:creationId xmlns:a16="http://schemas.microsoft.com/office/drawing/2014/main" xmlns="" id="{DF94EADD-F76A-4331-A9EB-88AF91BCB4C2}"/>
               </a:ext>
             </a:extLst>
           </p:cNvPr>
@@ -7003,7 +7566,7 @@
             <p:cNvPr id="76" name="Oval 75">
               <a:extLst>
                 <a:ext uri="{FF2B5EF4-FFF2-40B4-BE49-F238E27FC236}">
-                  <a16:creationId xmlns:a16="http://schemas.microsoft.com/office/drawing/2014/main" id="{EA756D86-97C1-41D6-BDCA-999B692D6795}"/>
+                  <a16:creationId xmlns:a16="http://schemas.microsoft.com/office/drawing/2014/main" xmlns="" id="{EA756D86-97C1-41D6-BDCA-999B692D6795}"/>
                 </a:ext>
               </a:extLst>
             </p:cNvPr>
@@ -7050,7 +7613,7 @@
             <p:cNvPr id="79" name="TextBox 78">
               <a:extLst>
                 <a:ext uri="{FF2B5EF4-FFF2-40B4-BE49-F238E27FC236}">
-                  <a16:creationId xmlns:a16="http://schemas.microsoft.com/office/drawing/2014/main" id="{73B39DC8-C972-4F76-A222-FADCE621B609}"/>
+                  <a16:creationId xmlns:a16="http://schemas.microsoft.com/office/drawing/2014/main" xmlns="" id="{73B39DC8-C972-4F76-A222-FADCE621B609}"/>
                 </a:ext>
               </a:extLst>
             </p:cNvPr>
@@ -7086,7 +7649,7 @@
           <p:cNvPr id="21" name="Rectangle 20">
             <a:extLst>
               <a:ext uri="{FF2B5EF4-FFF2-40B4-BE49-F238E27FC236}">
-                <a16:creationId xmlns:a16="http://schemas.microsoft.com/office/drawing/2014/main" id="{01E8573F-8D8F-4BAE-A44A-E6619FDA512A}"/>
+                <a16:creationId xmlns:a16="http://schemas.microsoft.com/office/drawing/2014/main" xmlns="" id="{01E8573F-8D8F-4BAE-A44A-E6619FDA512A}"/>
               </a:ext>
             </a:extLst>
           </p:cNvPr>
@@ -7134,7 +7697,7 @@
             <p:cNvPr id="82" name="Oval 81">
               <a:extLst>
                 <a:ext uri="{FF2B5EF4-FFF2-40B4-BE49-F238E27FC236}">
-                  <a16:creationId xmlns:a16="http://schemas.microsoft.com/office/drawing/2014/main" id="{BCB54856-433F-4216-987F-288F667D9EB3}"/>
+                  <a16:creationId xmlns:a16="http://schemas.microsoft.com/office/drawing/2014/main" xmlns="" id="{BCB54856-433F-4216-987F-288F667D9EB3}"/>
                 </a:ext>
               </a:extLst>
             </p:cNvPr>
@@ -7181,7 +7744,7 @@
             <p:cNvPr id="84" name="TextBox 83">
               <a:extLst>
                 <a:ext uri="{FF2B5EF4-FFF2-40B4-BE49-F238E27FC236}">
-                  <a16:creationId xmlns:a16="http://schemas.microsoft.com/office/drawing/2014/main" id="{F5CFA108-E048-464C-89F0-D041A256E480}"/>
+                  <a16:creationId xmlns:a16="http://schemas.microsoft.com/office/drawing/2014/main" xmlns="" id="{F5CFA108-E048-464C-89F0-D041A256E480}"/>
                 </a:ext>
               </a:extLst>
             </p:cNvPr>
@@ -7218,7 +7781,7 @@
           <p:cNvPr id="89" name="Rectangle 88">
             <a:extLst>
               <a:ext uri="{FF2B5EF4-FFF2-40B4-BE49-F238E27FC236}">
-                <a16:creationId xmlns:a16="http://schemas.microsoft.com/office/drawing/2014/main" id="{9D22FB84-12F0-4180-9163-B75B39214ECF}"/>
+                <a16:creationId xmlns:a16="http://schemas.microsoft.com/office/drawing/2014/main" xmlns="" id="{9D22FB84-12F0-4180-9163-B75B39214ECF}"/>
               </a:ext>
             </a:extLst>
           </p:cNvPr>
@@ -7252,7 +7815,7 @@
           <p:cNvPr id="22" name="Rectangle 21">
             <a:extLst>
               <a:ext uri="{FF2B5EF4-FFF2-40B4-BE49-F238E27FC236}">
-                <a16:creationId xmlns:a16="http://schemas.microsoft.com/office/drawing/2014/main" id="{9A925778-CC57-41A1-B61E-8071586017E7}"/>
+                <a16:creationId xmlns:a16="http://schemas.microsoft.com/office/drawing/2014/main" xmlns="" id="{9A925778-CC57-41A1-B61E-8071586017E7}"/>
               </a:ext>
             </a:extLst>
           </p:cNvPr>
@@ -7286,7 +7849,7 @@
           <p:cNvPr id="23" name="Rectangle 22">
             <a:extLst>
               <a:ext uri="{FF2B5EF4-FFF2-40B4-BE49-F238E27FC236}">
-                <a16:creationId xmlns:a16="http://schemas.microsoft.com/office/drawing/2014/main" id="{0DF6C489-2FD8-48C6-8E9A-646F614E2FFC}"/>
+                <a16:creationId xmlns:a16="http://schemas.microsoft.com/office/drawing/2014/main" xmlns="" id="{0DF6C489-2FD8-48C6-8E9A-646F614E2FFC}"/>
               </a:ext>
             </a:extLst>
           </p:cNvPr>
@@ -7320,7 +7883,7 @@
           <p:cNvPr id="90" name="Oval 89">
             <a:extLst>
               <a:ext uri="{FF2B5EF4-FFF2-40B4-BE49-F238E27FC236}">
-                <a16:creationId xmlns:a16="http://schemas.microsoft.com/office/drawing/2014/main" id="{27BE9716-770B-4BC3-A41C-831C9711DF93}"/>
+                <a16:creationId xmlns:a16="http://schemas.microsoft.com/office/drawing/2014/main" xmlns="" id="{27BE9716-770B-4BC3-A41C-831C9711DF93}"/>
               </a:ext>
             </a:extLst>
           </p:cNvPr>
@@ -7367,7 +7930,7 @@
           <p:cNvPr id="91" name="TextBox 90">
             <a:extLst>
               <a:ext uri="{FF2B5EF4-FFF2-40B4-BE49-F238E27FC236}">
-                <a16:creationId xmlns:a16="http://schemas.microsoft.com/office/drawing/2014/main" id="{EA9F95A1-668E-4483-AFDB-EEA415DDA560}"/>
+                <a16:creationId xmlns:a16="http://schemas.microsoft.com/office/drawing/2014/main" xmlns="" id="{EA9F95A1-668E-4483-AFDB-EEA415DDA560}"/>
               </a:ext>
             </a:extLst>
           </p:cNvPr>
@@ -7402,7 +7965,7 @@
           <p:cNvPr id="92" name="Oval 91">
             <a:extLst>
               <a:ext uri="{FF2B5EF4-FFF2-40B4-BE49-F238E27FC236}">
-                <a16:creationId xmlns:a16="http://schemas.microsoft.com/office/drawing/2014/main" id="{E976C92A-220E-47E4-891F-B3B87BB1B5D7}"/>
+                <a16:creationId xmlns:a16="http://schemas.microsoft.com/office/drawing/2014/main" xmlns="" id="{E976C92A-220E-47E4-891F-B3B87BB1B5D7}"/>
               </a:ext>
             </a:extLst>
           </p:cNvPr>
@@ -7449,7 +8012,7 @@
           <p:cNvPr id="93" name="TextBox 92">
             <a:extLst>
               <a:ext uri="{FF2B5EF4-FFF2-40B4-BE49-F238E27FC236}">
-                <a16:creationId xmlns:a16="http://schemas.microsoft.com/office/drawing/2014/main" id="{59E60424-AA16-4D5E-87CA-DF8299344BAF}"/>
+                <a16:creationId xmlns:a16="http://schemas.microsoft.com/office/drawing/2014/main" xmlns="" id="{59E60424-AA16-4D5E-87CA-DF8299344BAF}"/>
               </a:ext>
             </a:extLst>
           </p:cNvPr>
@@ -7484,7 +8047,7 @@
           <p:cNvPr id="25" name="Straight Arrow Connector 24">
             <a:extLst>
               <a:ext uri="{FF2B5EF4-FFF2-40B4-BE49-F238E27FC236}">
-                <a16:creationId xmlns:a16="http://schemas.microsoft.com/office/drawing/2014/main" id="{205AFF09-64ED-43C4-8DE5-05B2313B084E}"/>
+                <a16:creationId xmlns:a16="http://schemas.microsoft.com/office/drawing/2014/main" xmlns="" id="{205AFF09-64ED-43C4-8DE5-05B2313B084E}"/>
               </a:ext>
             </a:extLst>
           </p:cNvPr>
@@ -7526,7 +8089,7 @@
           <p:cNvPr id="94" name="Rectangle 93">
             <a:extLst>
               <a:ext uri="{FF2B5EF4-FFF2-40B4-BE49-F238E27FC236}">
-                <a16:creationId xmlns:a16="http://schemas.microsoft.com/office/drawing/2014/main" id="{C1B29036-B078-4987-8B14-C66E9F7398B5}"/>
+                <a16:creationId xmlns:a16="http://schemas.microsoft.com/office/drawing/2014/main" xmlns="" id="{C1B29036-B078-4987-8B14-C66E9F7398B5}"/>
               </a:ext>
             </a:extLst>
           </p:cNvPr>
@@ -7560,7 +8123,7 @@
           <p:cNvPr id="26" name="Rectangle 25">
             <a:extLst>
               <a:ext uri="{FF2B5EF4-FFF2-40B4-BE49-F238E27FC236}">
-                <a16:creationId xmlns:a16="http://schemas.microsoft.com/office/drawing/2014/main" id="{A3FCDA33-570A-4872-AE1B-9582CC378506}"/>
+                <a16:creationId xmlns:a16="http://schemas.microsoft.com/office/drawing/2014/main" xmlns="" id="{A3FCDA33-570A-4872-AE1B-9582CC378506}"/>
               </a:ext>
             </a:extLst>
           </p:cNvPr>
@@ -7594,7 +8157,7 @@
           <p:cNvPr id="28" name="Straight Arrow Connector 27">
             <a:extLst>
               <a:ext uri="{FF2B5EF4-FFF2-40B4-BE49-F238E27FC236}">
-                <a16:creationId xmlns:a16="http://schemas.microsoft.com/office/drawing/2014/main" id="{E738023C-7D09-4927-AF07-8414BB2A7F9C}"/>
+                <a16:creationId xmlns:a16="http://schemas.microsoft.com/office/drawing/2014/main" xmlns="" id="{E738023C-7D09-4927-AF07-8414BB2A7F9C}"/>
               </a:ext>
             </a:extLst>
           </p:cNvPr>
@@ -7635,7 +8198,7 @@
           <p:cNvPr id="35" name="Straight Arrow Connector 34">
             <a:extLst>
               <a:ext uri="{FF2B5EF4-FFF2-40B4-BE49-F238E27FC236}">
-                <a16:creationId xmlns:a16="http://schemas.microsoft.com/office/drawing/2014/main" id="{E738023C-7D09-4927-AF07-8414BB2A7F9C}"/>
+                <a16:creationId xmlns:a16="http://schemas.microsoft.com/office/drawing/2014/main" xmlns="" id="{E738023C-7D09-4927-AF07-8414BB2A7F9C}"/>
               </a:ext>
             </a:extLst>
           </p:cNvPr>
@@ -7674,7 +8237,7 @@
           <p:cNvPr id="38" name="Straight Arrow Connector 37">
             <a:extLst>
               <a:ext uri="{FF2B5EF4-FFF2-40B4-BE49-F238E27FC236}">
-                <a16:creationId xmlns:a16="http://schemas.microsoft.com/office/drawing/2014/main" id="{E738023C-7D09-4927-AF07-8414BB2A7F9C}"/>
+                <a16:creationId xmlns:a16="http://schemas.microsoft.com/office/drawing/2014/main" xmlns="" id="{E738023C-7D09-4927-AF07-8414BB2A7F9C}"/>
               </a:ext>
             </a:extLst>
           </p:cNvPr>
@@ -7713,7 +8276,7 @@
           <p:cNvPr id="43" name="Straight Arrow Connector 42">
             <a:extLst>
               <a:ext uri="{FF2B5EF4-FFF2-40B4-BE49-F238E27FC236}">
-                <a16:creationId xmlns:a16="http://schemas.microsoft.com/office/drawing/2014/main" id="{E738023C-7D09-4927-AF07-8414BB2A7F9C}"/>
+                <a16:creationId xmlns:a16="http://schemas.microsoft.com/office/drawing/2014/main" xmlns="" id="{E738023C-7D09-4927-AF07-8414BB2A7F9C}"/>
               </a:ext>
             </a:extLst>
           </p:cNvPr>
@@ -7752,7 +8315,7 @@
           <p:cNvPr id="45" name="Straight Arrow Connector 44">
             <a:extLst>
               <a:ext uri="{FF2B5EF4-FFF2-40B4-BE49-F238E27FC236}">
-                <a16:creationId xmlns:a16="http://schemas.microsoft.com/office/drawing/2014/main" id="{E738023C-7D09-4927-AF07-8414BB2A7F9C}"/>
+                <a16:creationId xmlns:a16="http://schemas.microsoft.com/office/drawing/2014/main" xmlns="" id="{E738023C-7D09-4927-AF07-8414BB2A7F9C}"/>
               </a:ext>
             </a:extLst>
           </p:cNvPr>
@@ -7794,7 +8357,7 @@
           <p:cNvPr id="48" name="Straight Arrow Connector 47">
             <a:extLst>
               <a:ext uri="{FF2B5EF4-FFF2-40B4-BE49-F238E27FC236}">
-                <a16:creationId xmlns:a16="http://schemas.microsoft.com/office/drawing/2014/main" id="{E738023C-7D09-4927-AF07-8414BB2A7F9C}"/>
+                <a16:creationId xmlns:a16="http://schemas.microsoft.com/office/drawing/2014/main" xmlns="" id="{E738023C-7D09-4927-AF07-8414BB2A7F9C}"/>
               </a:ext>
             </a:extLst>
           </p:cNvPr>
@@ -7840,6 +8403,13 @@
   <p:clrMapOvr>
     <a:masterClrMapping/>
   </p:clrMapOvr>
+  <p:timing>
+    <p:tnLst>
+      <p:par>
+        <p:cTn id="1" dur="indefinite" restart="never" nodeType="tmRoot"/>
+      </p:par>
+    </p:tnLst>
+  </p:timing>
 </p:sld>
 </file>
 
@@ -7865,7 +8435,7 @@
           <p:cNvPr id="2" name="Title 1">
             <a:extLst>
               <a:ext uri="{FF2B5EF4-FFF2-40B4-BE49-F238E27FC236}">
-                <a16:creationId xmlns:a16="http://schemas.microsoft.com/office/drawing/2014/main" id="{88D82110-49C1-4524-8ECE-67E8C8184D6C}"/>
+                <a16:creationId xmlns:a16="http://schemas.microsoft.com/office/drawing/2014/main" xmlns="" id="{88D82110-49C1-4524-8ECE-67E8C8184D6C}"/>
               </a:ext>
             </a:extLst>
           </p:cNvPr>
@@ -7905,7 +8475,7 @@
           <p:cNvPr id="3" name="TextBox 2">
             <a:extLst>
               <a:ext uri="{FF2B5EF4-FFF2-40B4-BE49-F238E27FC236}">
-                <a16:creationId xmlns:a16="http://schemas.microsoft.com/office/drawing/2014/main" id="{2B15EE05-61BF-424B-9317-8B72B112A15B}"/>
+                <a16:creationId xmlns:a16="http://schemas.microsoft.com/office/drawing/2014/main" xmlns="" id="{2B15EE05-61BF-424B-9317-8B72B112A15B}"/>
               </a:ext>
             </a:extLst>
           </p:cNvPr>
@@ -7915,7 +8485,7 @@
         <p:spPr>
           <a:xfrm>
             <a:off x="6782174" y="394692"/>
-            <a:ext cx="4705001" cy="6463308"/>
+            <a:ext cx="4705001" cy="5909310"/>
           </a:xfrm>
           <a:prstGeom prst="rect">
             <a:avLst/>
@@ -7932,11 +8502,13 @@
               <a:rPr lang="en-US" dirty="0"/>
               <a:t>{ "import tool configuration" : </a:t>
             </a:r>
-          </a:p>
-          <a:p>
+            <a:r>
+              <a:rPr lang="en-US" dirty="0" smtClean="0"/>
+              <a:t>  </a:t>
+            </a:r>
             <a:r>
               <a:rPr lang="en-US" dirty="0"/>
-              <a:t>  {</a:t>
+              <a:t>{</a:t>
             </a:r>
           </a:p>
           <a:p>
@@ -8112,14 +8684,13 @@
           <a:p>
             <a:r>
               <a:rPr lang="en-US" dirty="0"/>
-              <a:t>  }</a:t>
-            </a:r>
-          </a:p>
-          <a:p>
-            <a:r>
-              <a:rPr lang="en-US" dirty="0"/>
-              <a:t>}</a:t>
-            </a:r>
+              <a:t>  </a:t>
+            </a:r>
+            <a:r>
+              <a:rPr lang="en-US" dirty="0" smtClean="0"/>
+              <a:t>} }</a:t>
+            </a:r>
+            <a:endParaRPr lang="en-US" dirty="0"/>
           </a:p>
         </p:txBody>
       </p:sp>
@@ -8157,6 +8728,191 @@
   <p:clrMapOvr>
     <a:masterClrMapping/>
   </p:clrMapOvr>
+  <p:timing>
+    <p:tnLst>
+      <p:par>
+        <p:cTn id="1" dur="indefinite" restart="never" nodeType="tmRoot">
+          <p:childTnLst>
+            <p:seq concurrent="1" nextAc="seek">
+              <p:cTn id="2" dur="indefinite" nodeType="mainSeq">
+                <p:childTnLst>
+                  <p:par>
+                    <p:cTn id="3" fill="hold">
+                      <p:stCondLst>
+                        <p:cond delay="indefinite"/>
+                      </p:stCondLst>
+                      <p:childTnLst>
+                        <p:par>
+                          <p:cTn id="4" fill="hold">
+                            <p:stCondLst>
+                              <p:cond delay="0"/>
+                            </p:stCondLst>
+                            <p:childTnLst>
+                              <p:par>
+                                <p:cTn id="5" presetID="42" presetClass="entr" presetSubtype="0" fill="hold" grpId="0" nodeType="clickEffect">
+                                  <p:stCondLst>
+                                    <p:cond delay="0"/>
+                                  </p:stCondLst>
+                                  <p:childTnLst>
+                                    <p:set>
+                                      <p:cBhvr>
+                                        <p:cTn id="6" dur="1" fill="hold">
+                                          <p:stCondLst>
+                                            <p:cond delay="0"/>
+                                          </p:stCondLst>
+                                        </p:cTn>
+                                        <p:tgtEl>
+                                          <p:spTgt spid="3"/>
+                                        </p:tgtEl>
+                                        <p:attrNameLst>
+                                          <p:attrName>style.visibility</p:attrName>
+                                        </p:attrNameLst>
+                                      </p:cBhvr>
+                                      <p:to>
+                                        <p:strVal val="visible"/>
+                                      </p:to>
+                                    </p:set>
+                                    <p:animEffect transition="in" filter="fade">
+                                      <p:cBhvr>
+                                        <p:cTn id="7" dur="1000"/>
+                                        <p:tgtEl>
+                                          <p:spTgt spid="3"/>
+                                        </p:tgtEl>
+                                      </p:cBhvr>
+                                    </p:animEffect>
+                                    <p:anim calcmode="lin" valueType="num">
+                                      <p:cBhvr>
+                                        <p:cTn id="8" dur="1000" fill="hold"/>
+                                        <p:tgtEl>
+                                          <p:spTgt spid="3"/>
+                                        </p:tgtEl>
+                                        <p:attrNameLst>
+                                          <p:attrName>ppt_x</p:attrName>
+                                        </p:attrNameLst>
+                                      </p:cBhvr>
+                                      <p:tavLst>
+                                        <p:tav tm="0">
+                                          <p:val>
+                                            <p:strVal val="#ppt_x"/>
+                                          </p:val>
+                                        </p:tav>
+                                        <p:tav tm="100000">
+                                          <p:val>
+                                            <p:strVal val="#ppt_x"/>
+                                          </p:val>
+                                        </p:tav>
+                                      </p:tavLst>
+                                    </p:anim>
+                                    <p:anim calcmode="lin" valueType="num">
+                                      <p:cBhvr>
+                                        <p:cTn id="9" dur="1000" fill="hold"/>
+                                        <p:tgtEl>
+                                          <p:spTgt spid="3"/>
+                                        </p:tgtEl>
+                                        <p:attrNameLst>
+                                          <p:attrName>ppt_y</p:attrName>
+                                        </p:attrNameLst>
+                                      </p:cBhvr>
+                                      <p:tavLst>
+                                        <p:tav tm="0">
+                                          <p:val>
+                                            <p:strVal val="#ppt_y+.1"/>
+                                          </p:val>
+                                        </p:tav>
+                                        <p:tav tm="100000">
+                                          <p:val>
+                                            <p:strVal val="#ppt_y"/>
+                                          </p:val>
+                                        </p:tav>
+                                      </p:tavLst>
+                                    </p:anim>
+                                  </p:childTnLst>
+                                </p:cTn>
+                              </p:par>
+                            </p:childTnLst>
+                          </p:cTn>
+                        </p:par>
+                      </p:childTnLst>
+                    </p:cTn>
+                  </p:par>
+                  <p:par>
+                    <p:cTn id="10" fill="hold">
+                      <p:stCondLst>
+                        <p:cond delay="indefinite"/>
+                      </p:stCondLst>
+                      <p:childTnLst>
+                        <p:par>
+                          <p:cTn id="11" fill="hold">
+                            <p:stCondLst>
+                              <p:cond delay="0"/>
+                            </p:stCondLst>
+                            <p:childTnLst>
+                              <p:par>
+                                <p:cTn id="12" presetID="6" presetClass="entr" presetSubtype="32" fill="hold" nodeType="clickEffect">
+                                  <p:stCondLst>
+                                    <p:cond delay="0"/>
+                                  </p:stCondLst>
+                                  <p:childTnLst>
+                                    <p:set>
+                                      <p:cBhvr>
+                                        <p:cTn id="13" dur="1" fill="hold">
+                                          <p:stCondLst>
+                                            <p:cond delay="0"/>
+                                          </p:stCondLst>
+                                        </p:cTn>
+                                        <p:tgtEl>
+                                          <p:spTgt spid="5"/>
+                                        </p:tgtEl>
+                                        <p:attrNameLst>
+                                          <p:attrName>style.visibility</p:attrName>
+                                        </p:attrNameLst>
+                                      </p:cBhvr>
+                                      <p:to>
+                                        <p:strVal val="visible"/>
+                                      </p:to>
+                                    </p:set>
+                                    <p:animEffect transition="in" filter="circle(out)">
+                                      <p:cBhvr>
+                                        <p:cTn id="14" dur="2000"/>
+                                        <p:tgtEl>
+                                          <p:spTgt spid="5"/>
+                                        </p:tgtEl>
+                                      </p:cBhvr>
+                                    </p:animEffect>
+                                  </p:childTnLst>
+                                </p:cTn>
+                              </p:par>
+                            </p:childTnLst>
+                          </p:cTn>
+                        </p:par>
+                      </p:childTnLst>
+                    </p:cTn>
+                  </p:par>
+                </p:childTnLst>
+              </p:cTn>
+              <p:prevCondLst>
+                <p:cond evt="onPrev" delay="0">
+                  <p:tgtEl>
+                    <p:sldTgt/>
+                  </p:tgtEl>
+                </p:cond>
+              </p:prevCondLst>
+              <p:nextCondLst>
+                <p:cond evt="onNext" delay="0">
+                  <p:tgtEl>
+                    <p:sldTgt/>
+                  </p:tgtEl>
+                </p:cond>
+              </p:nextCondLst>
+            </p:seq>
+          </p:childTnLst>
+        </p:cTn>
+      </p:par>
+    </p:tnLst>
+    <p:bldLst>
+      <p:bldP spid="3" grpId="0"/>
+    </p:bldLst>
+  </p:timing>
 </p:sld>
 </file>
 
@@ -8634,7 +9390,7 @@
           <p:cNvPr id="13" name="Rectangle 12">
             <a:extLst>
               <a:ext uri="{FF2B5EF4-FFF2-40B4-BE49-F238E27FC236}">
-                <a16:creationId xmlns:a16="http://schemas.microsoft.com/office/drawing/2014/main" id="{D6CCEF5E-01E2-4941-BD1F-99CCA47D366A}"/>
+                <a16:creationId xmlns:a16="http://schemas.microsoft.com/office/drawing/2014/main" xmlns="" id="{D6CCEF5E-01E2-4941-BD1F-99CCA47D366A}"/>
               </a:ext>
             </a:extLst>
           </p:cNvPr>
@@ -9519,30 +10275,21 @@
                             </p:childTnLst>
                           </p:cTn>
                         </p:par>
-                      </p:childTnLst>
-                    </p:cTn>
-                  </p:par>
-                  <p:par>
-                    <p:cTn id="57" fill="hold">
-                      <p:stCondLst>
-                        <p:cond delay="indefinite"/>
-                      </p:stCondLst>
-                      <p:childTnLst>
                         <p:par>
-                          <p:cTn id="58" fill="hold">
+                          <p:cTn id="57" fill="hold">
                             <p:stCondLst>
-                              <p:cond delay="0"/>
+                              <p:cond delay="1000"/>
                             </p:stCondLst>
                             <p:childTnLst>
                               <p:par>
-                                <p:cTn id="59" presetID="32" presetClass="emph" presetSubtype="0" fill="hold" grpId="0" nodeType="clickEffect">
+                                <p:cTn id="58" presetID="21" presetClass="entr" presetSubtype="1" fill="hold" grpId="0" nodeType="afterEffect">
                                   <p:stCondLst>
                                     <p:cond delay="0"/>
                                   </p:stCondLst>
                                   <p:childTnLst>
-                                    <p:animRot by="120000">
+                                    <p:set>
                                       <p:cBhvr>
-                                        <p:cTn id="60" dur="100" fill="hold">
+                                        <p:cTn id="59" dur="1" fill="hold">
                                           <p:stCondLst>
                                             <p:cond delay="0"/>
                                           </p:stCondLst>
@@ -9551,70 +10298,21 @@
                                           <p:spTgt spid="13"/>
                                         </p:tgtEl>
                                         <p:attrNameLst>
-                                          <p:attrName>r</p:attrName>
+                                          <p:attrName>style.visibility</p:attrName>
                                         </p:attrNameLst>
                                       </p:cBhvr>
-                                    </p:animRot>
-                                    <p:animRot by="-240000">
+                                      <p:to>
+                                        <p:strVal val="visible"/>
+                                      </p:to>
+                                    </p:set>
+                                    <p:animEffect transition="in" filter="wheel(1)">
                                       <p:cBhvr>
-                                        <p:cTn id="61" dur="200" fill="hold">
-                                          <p:stCondLst>
-                                            <p:cond delay="200"/>
-                                          </p:stCondLst>
-                                        </p:cTn>
+                                        <p:cTn id="60" dur="2000"/>
                                         <p:tgtEl>
                                           <p:spTgt spid="13"/>
                                         </p:tgtEl>
-                                        <p:attrNameLst>
-                                          <p:attrName>r</p:attrName>
-                                        </p:attrNameLst>
-                                      </p:cBhvr>
-                                    </p:animRot>
-                                    <p:animRot by="240000">
-                                      <p:cBhvr>
-                                        <p:cTn id="62" dur="200" fill="hold">
-                                          <p:stCondLst>
-                                            <p:cond delay="400"/>
-                                          </p:stCondLst>
-                                        </p:cTn>
-                                        <p:tgtEl>
-                                          <p:spTgt spid="13"/>
-                                        </p:tgtEl>
-                                        <p:attrNameLst>
-                                          <p:attrName>r</p:attrName>
-                                        </p:attrNameLst>
-                                      </p:cBhvr>
-                                    </p:animRot>
-                                    <p:animRot by="-240000">
-                                      <p:cBhvr>
-                                        <p:cTn id="63" dur="200" fill="hold">
-                                          <p:stCondLst>
-                                            <p:cond delay="600"/>
-                                          </p:stCondLst>
-                                        </p:cTn>
-                                        <p:tgtEl>
-                                          <p:spTgt spid="13"/>
-                                        </p:tgtEl>
-                                        <p:attrNameLst>
-                                          <p:attrName>r</p:attrName>
-                                        </p:attrNameLst>
-                                      </p:cBhvr>
-                                    </p:animRot>
-                                    <p:animRot by="120000">
-                                      <p:cBhvr>
-                                        <p:cTn id="64" dur="200" fill="hold">
-                                          <p:stCondLst>
-                                            <p:cond delay="800"/>
-                                          </p:stCondLst>
-                                        </p:cTn>
-                                        <p:tgtEl>
-                                          <p:spTgt spid="13"/>
-                                        </p:tgtEl>
-                                        <p:attrNameLst>
-                                          <p:attrName>r</p:attrName>
-                                        </p:attrNameLst>
-                                      </p:cBhvr>
-                                    </p:animRot>
+                                      </p:cBhvr>
+                                    </p:animEffect>
                                   </p:childTnLst>
                                 </p:cTn>
                               </p:par>
@@ -9728,28 +10426,28 @@
                 <a:gridCol w="2611045">
                   <a:extLst>
                     <a:ext uri="{9D8B030D-6E8A-4147-A177-3AD203B41FA5}">
-                      <a16:colId xmlns:a16="http://schemas.microsoft.com/office/drawing/2014/main" val="20000"/>
+                      <a16:colId xmlns:a16="http://schemas.microsoft.com/office/drawing/2014/main" xmlns="" val="20000"/>
                     </a:ext>
                   </a:extLst>
                 </a:gridCol>
                 <a:gridCol w="3639766">
                   <a:extLst>
                     <a:ext uri="{9D8B030D-6E8A-4147-A177-3AD203B41FA5}">
-                      <a16:colId xmlns:a16="http://schemas.microsoft.com/office/drawing/2014/main" val="20001"/>
+                      <a16:colId xmlns:a16="http://schemas.microsoft.com/office/drawing/2014/main" xmlns="" val="20001"/>
                     </a:ext>
                   </a:extLst>
                 </a:gridCol>
                 <a:gridCol w="3041623">
                   <a:extLst>
                     <a:ext uri="{9D8B030D-6E8A-4147-A177-3AD203B41FA5}">
-                      <a16:colId xmlns:a16="http://schemas.microsoft.com/office/drawing/2014/main" val="20002"/>
+                      <a16:colId xmlns:a16="http://schemas.microsoft.com/office/drawing/2014/main" xmlns="" val="20002"/>
                     </a:ext>
                   </a:extLst>
                 </a:gridCol>
                 <a:gridCol w="1934421">
                   <a:extLst>
                     <a:ext uri="{9D8B030D-6E8A-4147-A177-3AD203B41FA5}">
-                      <a16:colId xmlns:a16="http://schemas.microsoft.com/office/drawing/2014/main" val="20003"/>
+                      <a16:colId xmlns:a16="http://schemas.microsoft.com/office/drawing/2014/main" xmlns="" val="20003"/>
                     </a:ext>
                   </a:extLst>
                 </a:gridCol>
@@ -9809,7 +10507,7 @@
                 </a:tc>
                 <a:extLst>
                   <a:ext uri="{0D108BD9-81ED-4DB2-BD59-A6C34878D82A}">
-                    <a16:rowId xmlns:a16="http://schemas.microsoft.com/office/drawing/2014/main" val="10000"/>
+                    <a16:rowId xmlns:a16="http://schemas.microsoft.com/office/drawing/2014/main" xmlns="" val="10000"/>
                   </a:ext>
                 </a:extLst>
               </a:tr>
@@ -9874,7 +10572,7 @@
                 </a:tc>
                 <a:extLst>
                   <a:ext uri="{0D108BD9-81ED-4DB2-BD59-A6C34878D82A}">
-                    <a16:rowId xmlns:a16="http://schemas.microsoft.com/office/drawing/2014/main" val="10001"/>
+                    <a16:rowId xmlns:a16="http://schemas.microsoft.com/office/drawing/2014/main" xmlns="" val="10001"/>
                   </a:ext>
                 </a:extLst>
               </a:tr>
@@ -9939,7 +10637,7 @@
                 </a:tc>
                 <a:extLst>
                   <a:ext uri="{0D108BD9-81ED-4DB2-BD59-A6C34878D82A}">
-                    <a16:rowId xmlns:a16="http://schemas.microsoft.com/office/drawing/2014/main" val="10002"/>
+                    <a16:rowId xmlns:a16="http://schemas.microsoft.com/office/drawing/2014/main" xmlns="" val="10002"/>
                   </a:ext>
                 </a:extLst>
               </a:tr>
@@ -10018,7 +10716,7 @@
                 </a:tc>
                 <a:extLst>
                   <a:ext uri="{0D108BD9-81ED-4DB2-BD59-A6C34878D82A}">
-                    <a16:rowId xmlns:a16="http://schemas.microsoft.com/office/drawing/2014/main" val="10003"/>
+                    <a16:rowId xmlns:a16="http://schemas.microsoft.com/office/drawing/2014/main" xmlns="" val="10003"/>
                   </a:ext>
                 </a:extLst>
               </a:tr>
@@ -10386,6 +11084,1051 @@
   <p:clrMapOvr>
     <a:masterClrMapping/>
   </p:clrMapOvr>
+  <p:timing>
+    <p:tnLst>
+      <p:par>
+        <p:cTn id="1" dur="indefinite" restart="never" nodeType="tmRoot">
+          <p:childTnLst>
+            <p:seq concurrent="1" nextAc="seek">
+              <p:cTn id="2" dur="indefinite" nodeType="mainSeq">
+                <p:childTnLst>
+                  <p:par>
+                    <p:cTn id="3" fill="hold">
+                      <p:stCondLst>
+                        <p:cond delay="indefinite"/>
+                      </p:stCondLst>
+                      <p:childTnLst>
+                        <p:par>
+                          <p:cTn id="4" fill="hold">
+                            <p:stCondLst>
+                              <p:cond delay="0"/>
+                            </p:stCondLst>
+                            <p:childTnLst>
+                              <p:par>
+                                <p:cTn id="5" presetID="22" presetClass="entr" presetSubtype="4" fill="hold" nodeType="clickEffect">
+                                  <p:stCondLst>
+                                    <p:cond delay="0"/>
+                                  </p:stCondLst>
+                                  <p:childTnLst>
+                                    <p:set>
+                                      <p:cBhvr>
+                                        <p:cTn id="6" dur="1" fill="hold">
+                                          <p:stCondLst>
+                                            <p:cond delay="0"/>
+                                          </p:stCondLst>
+                                        </p:cTn>
+                                        <p:tgtEl>
+                                          <p:spTgt spid="4"/>
+                                        </p:tgtEl>
+                                        <p:attrNameLst>
+                                          <p:attrName>style.visibility</p:attrName>
+                                        </p:attrNameLst>
+                                      </p:cBhvr>
+                                      <p:to>
+                                        <p:strVal val="visible"/>
+                                      </p:to>
+                                    </p:set>
+                                    <p:animEffect transition="in" filter="wipe(down)">
+                                      <p:cBhvr>
+                                        <p:cTn id="7" dur="500"/>
+                                        <p:tgtEl>
+                                          <p:spTgt spid="4"/>
+                                        </p:tgtEl>
+                                      </p:cBhvr>
+                                    </p:animEffect>
+                                  </p:childTnLst>
+                                </p:cTn>
+                              </p:par>
+                            </p:childTnLst>
+                          </p:cTn>
+                        </p:par>
+                      </p:childTnLst>
+                    </p:cTn>
+                  </p:par>
+                  <p:par>
+                    <p:cTn id="8" fill="hold">
+                      <p:stCondLst>
+                        <p:cond delay="indefinite"/>
+                      </p:stCondLst>
+                      <p:childTnLst>
+                        <p:par>
+                          <p:cTn id="9" fill="hold">
+                            <p:stCondLst>
+                              <p:cond delay="0"/>
+                            </p:stCondLst>
+                            <p:childTnLst>
+                              <p:par>
+                                <p:cTn id="10" presetID="2" presetClass="entr" presetSubtype="9" fill="hold" grpId="0" nodeType="clickEffect">
+                                  <p:stCondLst>
+                                    <p:cond delay="0"/>
+                                  </p:stCondLst>
+                                  <p:childTnLst>
+                                    <p:set>
+                                      <p:cBhvr>
+                                        <p:cTn id="11" dur="1" fill="hold">
+                                          <p:stCondLst>
+                                            <p:cond delay="0"/>
+                                          </p:stCondLst>
+                                        </p:cTn>
+                                        <p:tgtEl>
+                                          <p:spTgt spid="6"/>
+                                        </p:tgtEl>
+                                        <p:attrNameLst>
+                                          <p:attrName>style.visibility</p:attrName>
+                                        </p:attrNameLst>
+                                      </p:cBhvr>
+                                      <p:to>
+                                        <p:strVal val="visible"/>
+                                      </p:to>
+                                    </p:set>
+                                    <p:anim calcmode="lin" valueType="num">
+                                      <p:cBhvr additive="base">
+                                        <p:cTn id="12" dur="500" fill="hold"/>
+                                        <p:tgtEl>
+                                          <p:spTgt spid="6"/>
+                                        </p:tgtEl>
+                                        <p:attrNameLst>
+                                          <p:attrName>ppt_x</p:attrName>
+                                        </p:attrNameLst>
+                                      </p:cBhvr>
+                                      <p:tavLst>
+                                        <p:tav tm="0">
+                                          <p:val>
+                                            <p:strVal val="0-#ppt_w/2"/>
+                                          </p:val>
+                                        </p:tav>
+                                        <p:tav tm="100000">
+                                          <p:val>
+                                            <p:strVal val="#ppt_x"/>
+                                          </p:val>
+                                        </p:tav>
+                                      </p:tavLst>
+                                    </p:anim>
+                                    <p:anim calcmode="lin" valueType="num">
+                                      <p:cBhvr additive="base">
+                                        <p:cTn id="13" dur="500" fill="hold"/>
+                                        <p:tgtEl>
+                                          <p:spTgt spid="6"/>
+                                        </p:tgtEl>
+                                        <p:attrNameLst>
+                                          <p:attrName>ppt_y</p:attrName>
+                                        </p:attrNameLst>
+                                      </p:cBhvr>
+                                      <p:tavLst>
+                                        <p:tav tm="0">
+                                          <p:val>
+                                            <p:strVal val="0-#ppt_h/2"/>
+                                          </p:val>
+                                        </p:tav>
+                                        <p:tav tm="100000">
+                                          <p:val>
+                                            <p:strVal val="#ppt_y"/>
+                                          </p:val>
+                                        </p:tav>
+                                      </p:tavLst>
+                                    </p:anim>
+                                  </p:childTnLst>
+                                </p:cTn>
+                              </p:par>
+                              <p:par>
+                                <p:cTn id="14" presetID="2" presetClass="entr" presetSubtype="9" fill="hold" grpId="0" nodeType="withEffect">
+                                  <p:stCondLst>
+                                    <p:cond delay="0"/>
+                                  </p:stCondLst>
+                                  <p:childTnLst>
+                                    <p:set>
+                                      <p:cBhvr>
+                                        <p:cTn id="15" dur="1" fill="hold">
+                                          <p:stCondLst>
+                                            <p:cond delay="0"/>
+                                          </p:stCondLst>
+                                        </p:cTn>
+                                        <p:tgtEl>
+                                          <p:spTgt spid="13"/>
+                                        </p:tgtEl>
+                                        <p:attrNameLst>
+                                          <p:attrName>style.visibility</p:attrName>
+                                        </p:attrNameLst>
+                                      </p:cBhvr>
+                                      <p:to>
+                                        <p:strVal val="visible"/>
+                                      </p:to>
+                                    </p:set>
+                                    <p:anim calcmode="lin" valueType="num">
+                                      <p:cBhvr additive="base">
+                                        <p:cTn id="16" dur="500" fill="hold"/>
+                                        <p:tgtEl>
+                                          <p:spTgt spid="13"/>
+                                        </p:tgtEl>
+                                        <p:attrNameLst>
+                                          <p:attrName>ppt_x</p:attrName>
+                                        </p:attrNameLst>
+                                      </p:cBhvr>
+                                      <p:tavLst>
+                                        <p:tav tm="0">
+                                          <p:val>
+                                            <p:strVal val="0-#ppt_w/2"/>
+                                          </p:val>
+                                        </p:tav>
+                                        <p:tav tm="100000">
+                                          <p:val>
+                                            <p:strVal val="#ppt_x"/>
+                                          </p:val>
+                                        </p:tav>
+                                      </p:tavLst>
+                                    </p:anim>
+                                    <p:anim calcmode="lin" valueType="num">
+                                      <p:cBhvr additive="base">
+                                        <p:cTn id="17" dur="500" fill="hold"/>
+                                        <p:tgtEl>
+                                          <p:spTgt spid="13"/>
+                                        </p:tgtEl>
+                                        <p:attrNameLst>
+                                          <p:attrName>ppt_y</p:attrName>
+                                        </p:attrNameLst>
+                                      </p:cBhvr>
+                                      <p:tavLst>
+                                        <p:tav tm="0">
+                                          <p:val>
+                                            <p:strVal val="0-#ppt_h/2"/>
+                                          </p:val>
+                                        </p:tav>
+                                        <p:tav tm="100000">
+                                          <p:val>
+                                            <p:strVal val="#ppt_y"/>
+                                          </p:val>
+                                        </p:tav>
+                                      </p:tavLst>
+                                    </p:anim>
+                                  </p:childTnLst>
+                                </p:cTn>
+                              </p:par>
+                              <p:par>
+                                <p:cTn id="18" presetID="2" presetClass="entr" presetSubtype="9" fill="hold" grpId="0" nodeType="withEffect">
+                                  <p:stCondLst>
+                                    <p:cond delay="0"/>
+                                  </p:stCondLst>
+                                  <p:childTnLst>
+                                    <p:set>
+                                      <p:cBhvr>
+                                        <p:cTn id="19" dur="1" fill="hold">
+                                          <p:stCondLst>
+                                            <p:cond delay="0"/>
+                                          </p:stCondLst>
+                                        </p:cTn>
+                                        <p:tgtEl>
+                                          <p:spTgt spid="5"/>
+                                        </p:tgtEl>
+                                        <p:attrNameLst>
+                                          <p:attrName>style.visibility</p:attrName>
+                                        </p:attrNameLst>
+                                      </p:cBhvr>
+                                      <p:to>
+                                        <p:strVal val="visible"/>
+                                      </p:to>
+                                    </p:set>
+                                    <p:anim calcmode="lin" valueType="num">
+                                      <p:cBhvr additive="base">
+                                        <p:cTn id="20" dur="500" fill="hold"/>
+                                        <p:tgtEl>
+                                          <p:spTgt spid="5"/>
+                                        </p:tgtEl>
+                                        <p:attrNameLst>
+                                          <p:attrName>ppt_x</p:attrName>
+                                        </p:attrNameLst>
+                                      </p:cBhvr>
+                                      <p:tavLst>
+                                        <p:tav tm="0">
+                                          <p:val>
+                                            <p:strVal val="0-#ppt_w/2"/>
+                                          </p:val>
+                                        </p:tav>
+                                        <p:tav tm="100000">
+                                          <p:val>
+                                            <p:strVal val="#ppt_x"/>
+                                          </p:val>
+                                        </p:tav>
+                                      </p:tavLst>
+                                    </p:anim>
+                                    <p:anim calcmode="lin" valueType="num">
+                                      <p:cBhvr additive="base">
+                                        <p:cTn id="21" dur="500" fill="hold"/>
+                                        <p:tgtEl>
+                                          <p:spTgt spid="5"/>
+                                        </p:tgtEl>
+                                        <p:attrNameLst>
+                                          <p:attrName>ppt_y</p:attrName>
+                                        </p:attrNameLst>
+                                      </p:cBhvr>
+                                      <p:tavLst>
+                                        <p:tav tm="0">
+                                          <p:val>
+                                            <p:strVal val="0-#ppt_h/2"/>
+                                          </p:val>
+                                        </p:tav>
+                                        <p:tav tm="100000">
+                                          <p:val>
+                                            <p:strVal val="#ppt_y"/>
+                                          </p:val>
+                                        </p:tav>
+                                      </p:tavLst>
+                                    </p:anim>
+                                  </p:childTnLst>
+                                </p:cTn>
+                              </p:par>
+                            </p:childTnLst>
+                          </p:cTn>
+                        </p:par>
+                      </p:childTnLst>
+                    </p:cTn>
+                  </p:par>
+                  <p:par>
+                    <p:cTn id="22" fill="hold">
+                      <p:stCondLst>
+                        <p:cond delay="indefinite"/>
+                      </p:stCondLst>
+                      <p:childTnLst>
+                        <p:par>
+                          <p:cTn id="23" fill="hold">
+                            <p:stCondLst>
+                              <p:cond delay="0"/>
+                            </p:stCondLst>
+                            <p:childTnLst>
+                              <p:par>
+                                <p:cTn id="24" presetID="2" presetClass="entr" presetSubtype="6" fill="hold" grpId="0" nodeType="clickEffect">
+                                  <p:stCondLst>
+                                    <p:cond delay="0"/>
+                                  </p:stCondLst>
+                                  <p:childTnLst>
+                                    <p:set>
+                                      <p:cBhvr>
+                                        <p:cTn id="25" dur="1" fill="hold">
+                                          <p:stCondLst>
+                                            <p:cond delay="0"/>
+                                          </p:stCondLst>
+                                        </p:cTn>
+                                        <p:tgtEl>
+                                          <p:spTgt spid="7"/>
+                                        </p:tgtEl>
+                                        <p:attrNameLst>
+                                          <p:attrName>style.visibility</p:attrName>
+                                        </p:attrNameLst>
+                                      </p:cBhvr>
+                                      <p:to>
+                                        <p:strVal val="visible"/>
+                                      </p:to>
+                                    </p:set>
+                                    <p:anim calcmode="lin" valueType="num">
+                                      <p:cBhvr additive="base">
+                                        <p:cTn id="26" dur="500" fill="hold"/>
+                                        <p:tgtEl>
+                                          <p:spTgt spid="7"/>
+                                        </p:tgtEl>
+                                        <p:attrNameLst>
+                                          <p:attrName>ppt_x</p:attrName>
+                                        </p:attrNameLst>
+                                      </p:cBhvr>
+                                      <p:tavLst>
+                                        <p:tav tm="0">
+                                          <p:val>
+                                            <p:strVal val="1+#ppt_w/2"/>
+                                          </p:val>
+                                        </p:tav>
+                                        <p:tav tm="100000">
+                                          <p:val>
+                                            <p:strVal val="#ppt_x"/>
+                                          </p:val>
+                                        </p:tav>
+                                      </p:tavLst>
+                                    </p:anim>
+                                    <p:anim calcmode="lin" valueType="num">
+                                      <p:cBhvr additive="base">
+                                        <p:cTn id="27" dur="500" fill="hold"/>
+                                        <p:tgtEl>
+                                          <p:spTgt spid="7"/>
+                                        </p:tgtEl>
+                                        <p:attrNameLst>
+                                          <p:attrName>ppt_y</p:attrName>
+                                        </p:attrNameLst>
+                                      </p:cBhvr>
+                                      <p:tavLst>
+                                        <p:tav tm="0">
+                                          <p:val>
+                                            <p:strVal val="1+#ppt_h/2"/>
+                                          </p:val>
+                                        </p:tav>
+                                        <p:tav tm="100000">
+                                          <p:val>
+                                            <p:strVal val="#ppt_y"/>
+                                          </p:val>
+                                        </p:tav>
+                                      </p:tavLst>
+                                    </p:anim>
+                                  </p:childTnLst>
+                                </p:cTn>
+                              </p:par>
+                              <p:par>
+                                <p:cTn id="28" presetID="2" presetClass="entr" presetSubtype="6" fill="hold" grpId="0" nodeType="withEffect">
+                                  <p:stCondLst>
+                                    <p:cond delay="0"/>
+                                  </p:stCondLst>
+                                  <p:childTnLst>
+                                    <p:set>
+                                      <p:cBhvr>
+                                        <p:cTn id="29" dur="1" fill="hold">
+                                          <p:stCondLst>
+                                            <p:cond delay="0"/>
+                                          </p:stCondLst>
+                                        </p:cTn>
+                                        <p:tgtEl>
+                                          <p:spTgt spid="14"/>
+                                        </p:tgtEl>
+                                        <p:attrNameLst>
+                                          <p:attrName>style.visibility</p:attrName>
+                                        </p:attrNameLst>
+                                      </p:cBhvr>
+                                      <p:to>
+                                        <p:strVal val="visible"/>
+                                      </p:to>
+                                    </p:set>
+                                    <p:anim calcmode="lin" valueType="num">
+                                      <p:cBhvr additive="base">
+                                        <p:cTn id="30" dur="500" fill="hold"/>
+                                        <p:tgtEl>
+                                          <p:spTgt spid="14"/>
+                                        </p:tgtEl>
+                                        <p:attrNameLst>
+                                          <p:attrName>ppt_x</p:attrName>
+                                        </p:attrNameLst>
+                                      </p:cBhvr>
+                                      <p:tavLst>
+                                        <p:tav tm="0">
+                                          <p:val>
+                                            <p:strVal val="1+#ppt_w/2"/>
+                                          </p:val>
+                                        </p:tav>
+                                        <p:tav tm="100000">
+                                          <p:val>
+                                            <p:strVal val="#ppt_x"/>
+                                          </p:val>
+                                        </p:tav>
+                                      </p:tavLst>
+                                    </p:anim>
+                                    <p:anim calcmode="lin" valueType="num">
+                                      <p:cBhvr additive="base">
+                                        <p:cTn id="31" dur="500" fill="hold"/>
+                                        <p:tgtEl>
+                                          <p:spTgt spid="14"/>
+                                        </p:tgtEl>
+                                        <p:attrNameLst>
+                                          <p:attrName>ppt_y</p:attrName>
+                                        </p:attrNameLst>
+                                      </p:cBhvr>
+                                      <p:tavLst>
+                                        <p:tav tm="0">
+                                          <p:val>
+                                            <p:strVal val="1+#ppt_h/2"/>
+                                          </p:val>
+                                        </p:tav>
+                                        <p:tav tm="100000">
+                                          <p:val>
+                                            <p:strVal val="#ppt_y"/>
+                                          </p:val>
+                                        </p:tav>
+                                      </p:tavLst>
+                                    </p:anim>
+                                  </p:childTnLst>
+                                </p:cTn>
+                              </p:par>
+                              <p:par>
+                                <p:cTn id="32" presetID="2" presetClass="entr" presetSubtype="6" fill="hold" grpId="0" nodeType="withEffect">
+                                  <p:stCondLst>
+                                    <p:cond delay="0"/>
+                                  </p:stCondLst>
+                                  <p:childTnLst>
+                                    <p:set>
+                                      <p:cBhvr>
+                                        <p:cTn id="33" dur="1" fill="hold">
+                                          <p:stCondLst>
+                                            <p:cond delay="0"/>
+                                          </p:stCondLst>
+                                        </p:cTn>
+                                        <p:tgtEl>
+                                          <p:spTgt spid="8"/>
+                                        </p:tgtEl>
+                                        <p:attrNameLst>
+                                          <p:attrName>style.visibility</p:attrName>
+                                        </p:attrNameLst>
+                                      </p:cBhvr>
+                                      <p:to>
+                                        <p:strVal val="visible"/>
+                                      </p:to>
+                                    </p:set>
+                                    <p:anim calcmode="lin" valueType="num">
+                                      <p:cBhvr additive="base">
+                                        <p:cTn id="34" dur="500" fill="hold"/>
+                                        <p:tgtEl>
+                                          <p:spTgt spid="8"/>
+                                        </p:tgtEl>
+                                        <p:attrNameLst>
+                                          <p:attrName>ppt_x</p:attrName>
+                                        </p:attrNameLst>
+                                      </p:cBhvr>
+                                      <p:tavLst>
+                                        <p:tav tm="0">
+                                          <p:val>
+                                            <p:strVal val="1+#ppt_w/2"/>
+                                          </p:val>
+                                        </p:tav>
+                                        <p:tav tm="100000">
+                                          <p:val>
+                                            <p:strVal val="#ppt_x"/>
+                                          </p:val>
+                                        </p:tav>
+                                      </p:tavLst>
+                                    </p:anim>
+                                    <p:anim calcmode="lin" valueType="num">
+                                      <p:cBhvr additive="base">
+                                        <p:cTn id="35" dur="500" fill="hold"/>
+                                        <p:tgtEl>
+                                          <p:spTgt spid="8"/>
+                                        </p:tgtEl>
+                                        <p:attrNameLst>
+                                          <p:attrName>ppt_y</p:attrName>
+                                        </p:attrNameLst>
+                                      </p:cBhvr>
+                                      <p:tavLst>
+                                        <p:tav tm="0">
+                                          <p:val>
+                                            <p:strVal val="1+#ppt_h/2"/>
+                                          </p:val>
+                                        </p:tav>
+                                        <p:tav tm="100000">
+                                          <p:val>
+                                            <p:strVal val="#ppt_y"/>
+                                          </p:val>
+                                        </p:tav>
+                                      </p:tavLst>
+                                    </p:anim>
+                                  </p:childTnLst>
+                                </p:cTn>
+                              </p:par>
+                            </p:childTnLst>
+                          </p:cTn>
+                        </p:par>
+                      </p:childTnLst>
+                    </p:cTn>
+                  </p:par>
+                  <p:par>
+                    <p:cTn id="36" fill="hold">
+                      <p:stCondLst>
+                        <p:cond delay="indefinite"/>
+                      </p:stCondLst>
+                      <p:childTnLst>
+                        <p:par>
+                          <p:cTn id="37" fill="hold">
+                            <p:stCondLst>
+                              <p:cond delay="0"/>
+                            </p:stCondLst>
+                            <p:childTnLst>
+                              <p:par>
+                                <p:cTn id="38" presetID="2" presetClass="entr" presetSubtype="9" fill="hold" grpId="0" nodeType="clickEffect">
+                                  <p:stCondLst>
+                                    <p:cond delay="0"/>
+                                  </p:stCondLst>
+                                  <p:childTnLst>
+                                    <p:set>
+                                      <p:cBhvr>
+                                        <p:cTn id="39" dur="1" fill="hold">
+                                          <p:stCondLst>
+                                            <p:cond delay="0"/>
+                                          </p:stCondLst>
+                                        </p:cTn>
+                                        <p:tgtEl>
+                                          <p:spTgt spid="9"/>
+                                        </p:tgtEl>
+                                        <p:attrNameLst>
+                                          <p:attrName>style.visibility</p:attrName>
+                                        </p:attrNameLst>
+                                      </p:cBhvr>
+                                      <p:to>
+                                        <p:strVal val="visible"/>
+                                      </p:to>
+                                    </p:set>
+                                    <p:anim calcmode="lin" valueType="num">
+                                      <p:cBhvr additive="base">
+                                        <p:cTn id="40" dur="500" fill="hold"/>
+                                        <p:tgtEl>
+                                          <p:spTgt spid="9"/>
+                                        </p:tgtEl>
+                                        <p:attrNameLst>
+                                          <p:attrName>ppt_x</p:attrName>
+                                        </p:attrNameLst>
+                                      </p:cBhvr>
+                                      <p:tavLst>
+                                        <p:tav tm="0">
+                                          <p:val>
+                                            <p:strVal val="0-#ppt_w/2"/>
+                                          </p:val>
+                                        </p:tav>
+                                        <p:tav tm="100000">
+                                          <p:val>
+                                            <p:strVal val="#ppt_x"/>
+                                          </p:val>
+                                        </p:tav>
+                                      </p:tavLst>
+                                    </p:anim>
+                                    <p:anim calcmode="lin" valueType="num">
+                                      <p:cBhvr additive="base">
+                                        <p:cTn id="41" dur="500" fill="hold"/>
+                                        <p:tgtEl>
+                                          <p:spTgt spid="9"/>
+                                        </p:tgtEl>
+                                        <p:attrNameLst>
+                                          <p:attrName>ppt_y</p:attrName>
+                                        </p:attrNameLst>
+                                      </p:cBhvr>
+                                      <p:tavLst>
+                                        <p:tav tm="0">
+                                          <p:val>
+                                            <p:strVal val="0-#ppt_h/2"/>
+                                          </p:val>
+                                        </p:tav>
+                                        <p:tav tm="100000">
+                                          <p:val>
+                                            <p:strVal val="#ppt_y"/>
+                                          </p:val>
+                                        </p:tav>
+                                      </p:tavLst>
+                                    </p:anim>
+                                  </p:childTnLst>
+                                </p:cTn>
+                              </p:par>
+                              <p:par>
+                                <p:cTn id="42" presetID="2" presetClass="entr" presetSubtype="9" fill="hold" grpId="0" nodeType="withEffect">
+                                  <p:stCondLst>
+                                    <p:cond delay="0"/>
+                                  </p:stCondLst>
+                                  <p:childTnLst>
+                                    <p:set>
+                                      <p:cBhvr>
+                                        <p:cTn id="43" dur="1" fill="hold">
+                                          <p:stCondLst>
+                                            <p:cond delay="0"/>
+                                          </p:stCondLst>
+                                        </p:cTn>
+                                        <p:tgtEl>
+                                          <p:spTgt spid="15"/>
+                                        </p:tgtEl>
+                                        <p:attrNameLst>
+                                          <p:attrName>style.visibility</p:attrName>
+                                        </p:attrNameLst>
+                                      </p:cBhvr>
+                                      <p:to>
+                                        <p:strVal val="visible"/>
+                                      </p:to>
+                                    </p:set>
+                                    <p:anim calcmode="lin" valueType="num">
+                                      <p:cBhvr additive="base">
+                                        <p:cTn id="44" dur="500" fill="hold"/>
+                                        <p:tgtEl>
+                                          <p:spTgt spid="15"/>
+                                        </p:tgtEl>
+                                        <p:attrNameLst>
+                                          <p:attrName>ppt_x</p:attrName>
+                                        </p:attrNameLst>
+                                      </p:cBhvr>
+                                      <p:tavLst>
+                                        <p:tav tm="0">
+                                          <p:val>
+                                            <p:strVal val="0-#ppt_w/2"/>
+                                          </p:val>
+                                        </p:tav>
+                                        <p:tav tm="100000">
+                                          <p:val>
+                                            <p:strVal val="#ppt_x"/>
+                                          </p:val>
+                                        </p:tav>
+                                      </p:tavLst>
+                                    </p:anim>
+                                    <p:anim calcmode="lin" valueType="num">
+                                      <p:cBhvr additive="base">
+                                        <p:cTn id="45" dur="500" fill="hold"/>
+                                        <p:tgtEl>
+                                          <p:spTgt spid="15"/>
+                                        </p:tgtEl>
+                                        <p:attrNameLst>
+                                          <p:attrName>ppt_y</p:attrName>
+                                        </p:attrNameLst>
+                                      </p:cBhvr>
+                                      <p:tavLst>
+                                        <p:tav tm="0">
+                                          <p:val>
+                                            <p:strVal val="0-#ppt_h/2"/>
+                                          </p:val>
+                                        </p:tav>
+                                        <p:tav tm="100000">
+                                          <p:val>
+                                            <p:strVal val="#ppt_y"/>
+                                          </p:val>
+                                        </p:tav>
+                                      </p:tavLst>
+                                    </p:anim>
+                                  </p:childTnLst>
+                                </p:cTn>
+                              </p:par>
+                              <p:par>
+                                <p:cTn id="46" presetID="2" presetClass="entr" presetSubtype="9" fill="hold" grpId="0" nodeType="withEffect">
+                                  <p:stCondLst>
+                                    <p:cond delay="0"/>
+                                  </p:stCondLst>
+                                  <p:childTnLst>
+                                    <p:set>
+                                      <p:cBhvr>
+                                        <p:cTn id="47" dur="1" fill="hold">
+                                          <p:stCondLst>
+                                            <p:cond delay="0"/>
+                                          </p:stCondLst>
+                                        </p:cTn>
+                                        <p:tgtEl>
+                                          <p:spTgt spid="10"/>
+                                        </p:tgtEl>
+                                        <p:attrNameLst>
+                                          <p:attrName>style.visibility</p:attrName>
+                                        </p:attrNameLst>
+                                      </p:cBhvr>
+                                      <p:to>
+                                        <p:strVal val="visible"/>
+                                      </p:to>
+                                    </p:set>
+                                    <p:anim calcmode="lin" valueType="num">
+                                      <p:cBhvr additive="base">
+                                        <p:cTn id="48" dur="500" fill="hold"/>
+                                        <p:tgtEl>
+                                          <p:spTgt spid="10"/>
+                                        </p:tgtEl>
+                                        <p:attrNameLst>
+                                          <p:attrName>ppt_x</p:attrName>
+                                        </p:attrNameLst>
+                                      </p:cBhvr>
+                                      <p:tavLst>
+                                        <p:tav tm="0">
+                                          <p:val>
+                                            <p:strVal val="0-#ppt_w/2"/>
+                                          </p:val>
+                                        </p:tav>
+                                        <p:tav tm="100000">
+                                          <p:val>
+                                            <p:strVal val="#ppt_x"/>
+                                          </p:val>
+                                        </p:tav>
+                                      </p:tavLst>
+                                    </p:anim>
+                                    <p:anim calcmode="lin" valueType="num">
+                                      <p:cBhvr additive="base">
+                                        <p:cTn id="49" dur="500" fill="hold"/>
+                                        <p:tgtEl>
+                                          <p:spTgt spid="10"/>
+                                        </p:tgtEl>
+                                        <p:attrNameLst>
+                                          <p:attrName>ppt_y</p:attrName>
+                                        </p:attrNameLst>
+                                      </p:cBhvr>
+                                      <p:tavLst>
+                                        <p:tav tm="0">
+                                          <p:val>
+                                            <p:strVal val="0-#ppt_h/2"/>
+                                          </p:val>
+                                        </p:tav>
+                                        <p:tav tm="100000">
+                                          <p:val>
+                                            <p:strVal val="#ppt_y"/>
+                                          </p:val>
+                                        </p:tav>
+                                      </p:tavLst>
+                                    </p:anim>
+                                  </p:childTnLst>
+                                </p:cTn>
+                              </p:par>
+                            </p:childTnLst>
+                          </p:cTn>
+                        </p:par>
+                      </p:childTnLst>
+                    </p:cTn>
+                  </p:par>
+                  <p:par>
+                    <p:cTn id="50" fill="hold">
+                      <p:stCondLst>
+                        <p:cond delay="indefinite"/>
+                      </p:stCondLst>
+                      <p:childTnLst>
+                        <p:par>
+                          <p:cTn id="51" fill="hold">
+                            <p:stCondLst>
+                              <p:cond delay="0"/>
+                            </p:stCondLst>
+                            <p:childTnLst>
+                              <p:par>
+                                <p:cTn id="52" presetID="2" presetClass="entr" presetSubtype="4" fill="hold" grpId="0" nodeType="clickEffect">
+                                  <p:stCondLst>
+                                    <p:cond delay="0"/>
+                                  </p:stCondLst>
+                                  <p:childTnLst>
+                                    <p:set>
+                                      <p:cBhvr>
+                                        <p:cTn id="53" dur="1" fill="hold">
+                                          <p:stCondLst>
+                                            <p:cond delay="0"/>
+                                          </p:stCondLst>
+                                        </p:cTn>
+                                        <p:tgtEl>
+                                          <p:spTgt spid="11"/>
+                                        </p:tgtEl>
+                                        <p:attrNameLst>
+                                          <p:attrName>style.visibility</p:attrName>
+                                        </p:attrNameLst>
+                                      </p:cBhvr>
+                                      <p:to>
+                                        <p:strVal val="visible"/>
+                                      </p:to>
+                                    </p:set>
+                                    <p:anim calcmode="lin" valueType="num">
+                                      <p:cBhvr additive="base">
+                                        <p:cTn id="54" dur="500" fill="hold"/>
+                                        <p:tgtEl>
+                                          <p:spTgt spid="11"/>
+                                        </p:tgtEl>
+                                        <p:attrNameLst>
+                                          <p:attrName>ppt_x</p:attrName>
+                                        </p:attrNameLst>
+                                      </p:cBhvr>
+                                      <p:tavLst>
+                                        <p:tav tm="0">
+                                          <p:val>
+                                            <p:strVal val="#ppt_x"/>
+                                          </p:val>
+                                        </p:tav>
+                                        <p:tav tm="100000">
+                                          <p:val>
+                                            <p:strVal val="#ppt_x"/>
+                                          </p:val>
+                                        </p:tav>
+                                      </p:tavLst>
+                                    </p:anim>
+                                    <p:anim calcmode="lin" valueType="num">
+                                      <p:cBhvr additive="base">
+                                        <p:cTn id="55" dur="500" fill="hold"/>
+                                        <p:tgtEl>
+                                          <p:spTgt spid="11"/>
+                                        </p:tgtEl>
+                                        <p:attrNameLst>
+                                          <p:attrName>ppt_y</p:attrName>
+                                        </p:attrNameLst>
+                                      </p:cBhvr>
+                                      <p:tavLst>
+                                        <p:tav tm="0">
+                                          <p:val>
+                                            <p:strVal val="1+#ppt_h/2"/>
+                                          </p:val>
+                                        </p:tav>
+                                        <p:tav tm="100000">
+                                          <p:val>
+                                            <p:strVal val="#ppt_y"/>
+                                          </p:val>
+                                        </p:tav>
+                                      </p:tavLst>
+                                    </p:anim>
+                                  </p:childTnLst>
+                                </p:cTn>
+                              </p:par>
+                              <p:par>
+                                <p:cTn id="56" presetID="2" presetClass="entr" presetSubtype="4" fill="hold" grpId="0" nodeType="withEffect">
+                                  <p:stCondLst>
+                                    <p:cond delay="0"/>
+                                  </p:stCondLst>
+                                  <p:childTnLst>
+                                    <p:set>
+                                      <p:cBhvr>
+                                        <p:cTn id="57" dur="1" fill="hold">
+                                          <p:stCondLst>
+                                            <p:cond delay="0"/>
+                                          </p:stCondLst>
+                                        </p:cTn>
+                                        <p:tgtEl>
+                                          <p:spTgt spid="16"/>
+                                        </p:tgtEl>
+                                        <p:attrNameLst>
+                                          <p:attrName>style.visibility</p:attrName>
+                                        </p:attrNameLst>
+                                      </p:cBhvr>
+                                      <p:to>
+                                        <p:strVal val="visible"/>
+                                      </p:to>
+                                    </p:set>
+                                    <p:anim calcmode="lin" valueType="num">
+                                      <p:cBhvr additive="base">
+                                        <p:cTn id="58" dur="500" fill="hold"/>
+                                        <p:tgtEl>
+                                          <p:spTgt spid="16"/>
+                                        </p:tgtEl>
+                                        <p:attrNameLst>
+                                          <p:attrName>ppt_x</p:attrName>
+                                        </p:attrNameLst>
+                                      </p:cBhvr>
+                                      <p:tavLst>
+                                        <p:tav tm="0">
+                                          <p:val>
+                                            <p:strVal val="#ppt_x"/>
+                                          </p:val>
+                                        </p:tav>
+                                        <p:tav tm="100000">
+                                          <p:val>
+                                            <p:strVal val="#ppt_x"/>
+                                          </p:val>
+                                        </p:tav>
+                                      </p:tavLst>
+                                    </p:anim>
+                                    <p:anim calcmode="lin" valueType="num">
+                                      <p:cBhvr additive="base">
+                                        <p:cTn id="59" dur="500" fill="hold"/>
+                                        <p:tgtEl>
+                                          <p:spTgt spid="16"/>
+                                        </p:tgtEl>
+                                        <p:attrNameLst>
+                                          <p:attrName>ppt_y</p:attrName>
+                                        </p:attrNameLst>
+                                      </p:cBhvr>
+                                      <p:tavLst>
+                                        <p:tav tm="0">
+                                          <p:val>
+                                            <p:strVal val="1+#ppt_h/2"/>
+                                          </p:val>
+                                        </p:tav>
+                                        <p:tav tm="100000">
+                                          <p:val>
+                                            <p:strVal val="#ppt_y"/>
+                                          </p:val>
+                                        </p:tav>
+                                      </p:tavLst>
+                                    </p:anim>
+                                  </p:childTnLst>
+                                </p:cTn>
+                              </p:par>
+                              <p:par>
+                                <p:cTn id="60" presetID="2" presetClass="entr" presetSubtype="4" fill="hold" grpId="0" nodeType="withEffect">
+                                  <p:stCondLst>
+                                    <p:cond delay="0"/>
+                                  </p:stCondLst>
+                                  <p:childTnLst>
+                                    <p:set>
+                                      <p:cBhvr>
+                                        <p:cTn id="61" dur="1" fill="hold">
+                                          <p:stCondLst>
+                                            <p:cond delay="0"/>
+                                          </p:stCondLst>
+                                        </p:cTn>
+                                        <p:tgtEl>
+                                          <p:spTgt spid="12"/>
+                                        </p:tgtEl>
+                                        <p:attrNameLst>
+                                          <p:attrName>style.visibility</p:attrName>
+                                        </p:attrNameLst>
+                                      </p:cBhvr>
+                                      <p:to>
+                                        <p:strVal val="visible"/>
+                                      </p:to>
+                                    </p:set>
+                                    <p:anim calcmode="lin" valueType="num">
+                                      <p:cBhvr additive="base">
+                                        <p:cTn id="62" dur="500" fill="hold"/>
+                                        <p:tgtEl>
+                                          <p:spTgt spid="12"/>
+                                        </p:tgtEl>
+                                        <p:attrNameLst>
+                                          <p:attrName>ppt_x</p:attrName>
+                                        </p:attrNameLst>
+                                      </p:cBhvr>
+                                      <p:tavLst>
+                                        <p:tav tm="0">
+                                          <p:val>
+                                            <p:strVal val="#ppt_x"/>
+                                          </p:val>
+                                        </p:tav>
+                                        <p:tav tm="100000">
+                                          <p:val>
+                                            <p:strVal val="#ppt_x"/>
+                                          </p:val>
+                                        </p:tav>
+                                      </p:tavLst>
+                                    </p:anim>
+                                    <p:anim calcmode="lin" valueType="num">
+                                      <p:cBhvr additive="base">
+                                        <p:cTn id="63" dur="500" fill="hold"/>
+                                        <p:tgtEl>
+                                          <p:spTgt spid="12"/>
+                                        </p:tgtEl>
+                                        <p:attrNameLst>
+                                          <p:attrName>ppt_y</p:attrName>
+                                        </p:attrNameLst>
+                                      </p:cBhvr>
+                                      <p:tavLst>
+                                        <p:tav tm="0">
+                                          <p:val>
+                                            <p:strVal val="1+#ppt_h/2"/>
+                                          </p:val>
+                                        </p:tav>
+                                        <p:tav tm="100000">
+                                          <p:val>
+                                            <p:strVal val="#ppt_y"/>
+                                          </p:val>
+                                        </p:tav>
+                                      </p:tavLst>
+                                    </p:anim>
+                                  </p:childTnLst>
+                                </p:cTn>
+                              </p:par>
+                            </p:childTnLst>
+                          </p:cTn>
+                        </p:par>
+                      </p:childTnLst>
+                    </p:cTn>
+                  </p:par>
+                </p:childTnLst>
+              </p:cTn>
+              <p:prevCondLst>
+                <p:cond evt="onPrev" delay="0">
+                  <p:tgtEl>
+                    <p:sldTgt/>
+                  </p:tgtEl>
+                </p:cond>
+              </p:prevCondLst>
+              <p:nextCondLst>
+                <p:cond evt="onNext" delay="0">
+                  <p:tgtEl>
+                    <p:sldTgt/>
+                  </p:tgtEl>
+                </p:cond>
+              </p:nextCondLst>
+            </p:seq>
+          </p:childTnLst>
+        </p:cTn>
+      </p:par>
+    </p:tnLst>
+    <p:bldLst>
+      <p:bldP spid="5" grpId="0"/>
+      <p:bldP spid="6" grpId="0"/>
+      <p:bldP spid="7" grpId="0"/>
+      <p:bldP spid="8" grpId="0"/>
+      <p:bldP spid="9" grpId="0"/>
+      <p:bldP spid="10" grpId="0"/>
+      <p:bldP spid="11" grpId="0"/>
+      <p:bldP spid="12" grpId="0"/>
+      <p:bldP spid="13" grpId="0"/>
+      <p:bldP spid="14" grpId="0"/>
+      <p:bldP spid="15" grpId="0"/>
+      <p:bldP spid="16" grpId="0"/>
+    </p:bldLst>
+  </p:timing>
 </p:sld>
 </file>
 
@@ -10455,8 +12198,8 @@
         </p:blipFill>
         <p:spPr>
           <a:xfrm>
-            <a:off x="3085825" y="1173890"/>
-            <a:ext cx="5194504" cy="5449329"/>
+            <a:off x="3110539" y="1062679"/>
+            <a:ext cx="5418306" cy="5684110"/>
           </a:xfrm>
           <a:prstGeom prst="rect">
             <a:avLst/>
@@ -10475,19 +12218,21 @@
         </p:nvSpPr>
         <p:spPr>
           <a:xfrm>
-            <a:off x="714632" y="2913019"/>
-            <a:ext cx="1657865" cy="522159"/>
+            <a:off x="778476" y="3382575"/>
+            <a:ext cx="1864839" cy="522159"/>
           </a:xfrm>
         </p:spPr>
         <p:txBody>
-          <a:bodyPr/>
+          <a:bodyPr>
+            <a:noAutofit/>
+          </a:bodyPr>
           <a:lstStyle/>
           <a:p>
             <a:pPr marL="0" indent="0">
               <a:buNone/>
             </a:pPr>
             <a:r>
-              <a:rPr lang="en-US" dirty="0"/>
+              <a:rPr lang="en-US" sz="3200" dirty="0"/>
               <a:t>Collector</a:t>
             </a:r>
           </a:p>
@@ -10503,6 +12248,13 @@
   <p:clrMapOvr>
     <a:masterClrMapping/>
   </p:clrMapOvr>
+  <p:timing>
+    <p:tnLst>
+      <p:par>
+        <p:cTn id="1" dur="indefinite" restart="never" nodeType="tmRoot"/>
+      </p:par>
+    </p:tnLst>
+  </p:timing>
 </p:sld>
 </file>
 
@@ -10535,19 +12287,21 @@
         </p:nvSpPr>
         <p:spPr>
           <a:xfrm>
-            <a:off x="714632" y="2913019"/>
-            <a:ext cx="1657865" cy="522159"/>
+            <a:off x="702276" y="3649832"/>
+            <a:ext cx="1966784" cy="522159"/>
           </a:xfrm>
         </p:spPr>
         <p:txBody>
-          <a:bodyPr/>
+          <a:bodyPr>
+            <a:noAutofit/>
+          </a:bodyPr>
           <a:lstStyle/>
           <a:p>
             <a:pPr marL="0" indent="0">
               <a:buNone/>
             </a:pPr>
             <a:r>
-              <a:rPr lang="en-US" dirty="0"/>
+              <a:rPr lang="en-US" sz="3200" dirty="0"/>
               <a:t>Producer</a:t>
             </a:r>
           </a:p>
@@ -10620,6 +12374,13 @@
   <p:clrMapOvr>
     <a:masterClrMapping/>
   </p:clrMapOvr>
+  <p:timing>
+    <p:tnLst>
+      <p:par>
+        <p:cTn id="1" dur="indefinite" restart="never" nodeType="tmRoot"/>
+      </p:par>
+    </p:tnLst>
+  </p:timing>
 </p:sld>
 </file>
 
@@ -10642,13 +12403,7 @@
       </p:grpSpPr>
       <p:sp>
         <p:nvSpPr>
-          <p:cNvPr id="2" name="Title 1">
-            <a:extLst>
-              <a:ext uri="{FF2B5EF4-FFF2-40B4-BE49-F238E27FC236}">
-                <a16:creationId xmlns:a16="http://schemas.microsoft.com/office/drawing/2014/main" id="{88D82110-49C1-4524-8ECE-67E8C8184D6C}"/>
-              </a:ext>
-            </a:extLst>
-          </p:cNvPr>
+          <p:cNvPr id="2" name="Title 1"/>
           <p:cNvSpPr>
             <a:spLocks noGrp="1"/>
           </p:cNvSpPr>
@@ -10658,8 +12413,8 @@
         </p:nvSpPr>
         <p:spPr>
           <a:xfrm>
-            <a:off x="662610" y="679175"/>
-            <a:ext cx="2146852" cy="712303"/>
+            <a:off x="838200" y="365126"/>
+            <a:ext cx="10515600" cy="660486"/>
           </a:xfrm>
         </p:spPr>
         <p:txBody>
@@ -10668,281 +12423,137 @@
           </a:bodyPr>
           <a:lstStyle/>
           <a:p>
-            <a:pPr algn="l"/>
-            <a:r>
-              <a:rPr lang="en-US" sz="4000" b="1" dirty="0">
-                <a:solidFill>
-                  <a:schemeClr val="accent1"/>
-                </a:solidFill>
-              </a:rPr>
-              <a:t>Live Demo</a:t>
-            </a:r>
-            <a:endParaRPr lang="en-US" sz="3200" b="1" dirty="0">
-              <a:solidFill>
-                <a:schemeClr val="accent1"/>
-              </a:solidFill>
-            </a:endParaRPr>
+            <a:r>
+              <a:rPr lang="en-US" dirty="0" smtClean="0"/>
+              <a:t>If you’re a fan of Class Diagrams…</a:t>
+            </a:r>
+            <a:endParaRPr lang="en-US" dirty="0"/>
           </a:p>
         </p:txBody>
       </p:sp>
-      <p:sp>
-        <p:nvSpPr>
-          <p:cNvPr id="3" name="TextBox 2">
+      <p:pic>
+        <p:nvPicPr>
+          <p:cNvPr id="4" name="Picture 3"/>
+          <p:cNvPicPr>
+            <a:picLocks noChangeAspect="1"/>
+          </p:cNvPicPr>
+          <p:nvPr/>
+        </p:nvPicPr>
+        <p:blipFill>
+          <a:blip r:embed="rId2">
             <a:extLst>
-              <a:ext uri="{FF2B5EF4-FFF2-40B4-BE49-F238E27FC236}">
-                <a16:creationId xmlns:a16="http://schemas.microsoft.com/office/drawing/2014/main" id="{2B15EE05-61BF-424B-9317-8B72B112A15B}"/>
+              <a:ext uri="{28A0092B-C50C-407E-A947-70E740481C1C}">
+                <a14:useLocalDpi xmlns:a14="http://schemas.microsoft.com/office/drawing/2010/main" val="0"/>
               </a:ext>
             </a:extLst>
-          </p:cNvPr>
-          <p:cNvSpPr txBox="1"/>
-          <p:nvPr/>
-        </p:nvSpPr>
+          </a:blip>
+          <a:stretch>
+            <a:fillRect/>
+          </a:stretch>
+        </p:blipFill>
         <p:spPr>
           <a:xfrm>
-            <a:off x="4161183" y="1705955"/>
-            <a:ext cx="6771860" cy="1477328"/>
+            <a:off x="580766" y="1195429"/>
+            <a:ext cx="11214957" cy="5551360"/>
           </a:xfrm>
           <a:prstGeom prst="rect">
             <a:avLst/>
           </a:prstGeom>
-          <a:noFill/>
         </p:spPr>
-        <p:txBody>
-          <a:bodyPr wrap="square" rtlCol="0">
-            <a:spAutoFit/>
-          </a:bodyPr>
-          <a:lstStyle/>
-          <a:p>
-            <a:r>
-              <a:rPr lang="en-US" b="1" dirty="0" err="1"/>
-              <a:t>WordCollector</a:t>
-            </a:r>
-            <a:endParaRPr lang="en-US" b="1" dirty="0"/>
-          </a:p>
-          <a:p>
-            <a:pPr marL="285750" indent="-285750">
-              <a:buFont typeface="Arial" panose="020B0604020202020204" pitchFamily="34" charset="0"/>
-              <a:buChar char="•"/>
-            </a:pPr>
-            <a:r>
-              <a:rPr lang="en-US" dirty="0" err="1"/>
-              <a:t>tickets_out.json</a:t>
-            </a:r>
-            <a:r>
-              <a:rPr lang="en-US" dirty="0"/>
-              <a:t> – 666 records</a:t>
-            </a:r>
-          </a:p>
-          <a:p>
-            <a:pPr marL="285750" indent="-285750">
-              <a:buFont typeface="Arial" panose="020B0604020202020204" pitchFamily="34" charset="0"/>
-              <a:buChar char="•"/>
-            </a:pPr>
-            <a:r>
-              <a:rPr lang="en-US" dirty="0" err="1"/>
-              <a:t>tickets_sample.json</a:t>
-            </a:r>
-            <a:r>
-              <a:rPr lang="en-US" dirty="0"/>
-              <a:t> – small sample of 68 records</a:t>
-            </a:r>
-          </a:p>
-          <a:p>
-            <a:pPr marL="285750" indent="-285750">
-              <a:buFont typeface="Arial" panose="020B0604020202020204" pitchFamily="34" charset="0"/>
-              <a:buChar char="•"/>
-            </a:pPr>
-            <a:r>
-              <a:rPr lang="en-US" dirty="0" err="1"/>
-              <a:t>tickets_out</a:t>
-            </a:r>
-            <a:r>
-              <a:rPr lang="en-US" dirty="0"/>
-              <a:t> Dev-</a:t>
-            </a:r>
-            <a:r>
-              <a:rPr lang="en-US" dirty="0" err="1"/>
-              <a:t>Review.json</a:t>
-            </a:r>
-            <a:r>
-              <a:rPr lang="en-US" dirty="0"/>
-              <a:t> – 1000 records</a:t>
-            </a:r>
-          </a:p>
-          <a:p>
-            <a:pPr marL="285750" indent="-285750">
-              <a:buFont typeface="Arial" panose="020B0604020202020204" pitchFamily="34" charset="0"/>
-              <a:buChar char="•"/>
-            </a:pPr>
-            <a:r>
-              <a:rPr lang="en-US" dirty="0" err="1"/>
-              <a:t>tickets_small_sample.json</a:t>
-            </a:r>
-            <a:r>
-              <a:rPr lang="en-US" dirty="0"/>
-              <a:t> – order 2, csv output</a:t>
-            </a:r>
-          </a:p>
-        </p:txBody>
-      </p:sp>
-      <p:sp>
-        <p:nvSpPr>
-          <p:cNvPr id="4" name="TextBox 3">
-            <a:extLst>
-              <a:ext uri="{FF2B5EF4-FFF2-40B4-BE49-F238E27FC236}">
-                <a16:creationId xmlns:a16="http://schemas.microsoft.com/office/drawing/2014/main" id="{E6EF7806-70E1-4596-8535-8E26EEBAC113}"/>
-              </a:ext>
-            </a:extLst>
-          </p:cNvPr>
-          <p:cNvSpPr txBox="1"/>
-          <p:nvPr/>
-        </p:nvSpPr>
-        <p:spPr>
-          <a:xfrm>
-            <a:off x="4161183" y="562377"/>
-            <a:ext cx="6771860" cy="923330"/>
-          </a:xfrm>
-          <a:prstGeom prst="rect">
-            <a:avLst/>
-          </a:prstGeom>
-          <a:noFill/>
-        </p:spPr>
-        <p:txBody>
-          <a:bodyPr wrap="square" rtlCol="0">
-            <a:spAutoFit/>
-          </a:bodyPr>
-          <a:lstStyle/>
-          <a:p>
-            <a:r>
-              <a:rPr lang="en-US" b="1" dirty="0" err="1"/>
-              <a:t>WordProducer</a:t>
-            </a:r>
-            <a:endParaRPr lang="en-US" b="1" dirty="0"/>
-          </a:p>
-          <a:p>
-            <a:pPr marL="285750" indent="-285750">
-              <a:buFont typeface="Arial" panose="020B0604020202020204" pitchFamily="34" charset="0"/>
-              <a:buChar char="•"/>
-            </a:pPr>
-            <a:r>
-              <a:rPr lang="en-US" dirty="0"/>
-              <a:t>test sample data</a:t>
-            </a:r>
-          </a:p>
-          <a:p>
-            <a:pPr marL="285750" indent="-285750">
-              <a:buFont typeface="Arial" panose="020B0604020202020204" pitchFamily="34" charset="0"/>
-              <a:buChar char="•"/>
-            </a:pPr>
-            <a:r>
-              <a:rPr lang="en-US" dirty="0"/>
-              <a:t>drug names – order 3</a:t>
-            </a:r>
-          </a:p>
-        </p:txBody>
-      </p:sp>
-      <p:sp>
-        <p:nvSpPr>
-          <p:cNvPr id="5" name="TextBox 4">
-            <a:extLst>
-              <a:ext uri="{FF2B5EF4-FFF2-40B4-BE49-F238E27FC236}">
-                <a16:creationId xmlns:a16="http://schemas.microsoft.com/office/drawing/2014/main" id="{E351DD6E-E246-4232-A06E-5CDF51E7EF7C}"/>
-              </a:ext>
-            </a:extLst>
-          </p:cNvPr>
-          <p:cNvSpPr txBox="1"/>
-          <p:nvPr/>
-        </p:nvSpPr>
-        <p:spPr>
-          <a:xfrm>
-            <a:off x="4161183" y="3519237"/>
-            <a:ext cx="6771860" cy="646331"/>
-          </a:xfrm>
-          <a:prstGeom prst="rect">
-            <a:avLst/>
-          </a:prstGeom>
-          <a:noFill/>
-        </p:spPr>
-        <p:txBody>
-          <a:bodyPr wrap="square" rtlCol="0">
-            <a:spAutoFit/>
-          </a:bodyPr>
-          <a:lstStyle/>
-          <a:p>
-            <a:r>
-              <a:rPr lang="en-US" b="1" dirty="0" err="1"/>
-              <a:t>HarmonyChordCollector</a:t>
-            </a:r>
-            <a:endParaRPr lang="en-US" b="1" dirty="0"/>
-          </a:p>
-          <a:p>
-            <a:pPr marL="285750" indent="-285750">
-              <a:buFont typeface="Arial" panose="020B0604020202020204" pitchFamily="34" charset="0"/>
-              <a:buChar char="•"/>
-            </a:pPr>
-            <a:r>
-              <a:rPr lang="en-US" dirty="0"/>
-              <a:t>Beatles – order 2</a:t>
-            </a:r>
-          </a:p>
-        </p:txBody>
-      </p:sp>
-      <p:sp>
-        <p:nvSpPr>
-          <p:cNvPr id="6" name="TextBox 5">
-            <a:extLst>
-              <a:ext uri="{FF2B5EF4-FFF2-40B4-BE49-F238E27FC236}">
-                <a16:creationId xmlns:a16="http://schemas.microsoft.com/office/drawing/2014/main" id="{1A50E33B-B044-4E04-9267-C28F2015AD3C}"/>
-              </a:ext>
-            </a:extLst>
-          </p:cNvPr>
-          <p:cNvSpPr txBox="1"/>
-          <p:nvPr/>
-        </p:nvSpPr>
-        <p:spPr>
-          <a:xfrm>
-            <a:off x="4161183" y="4662815"/>
-            <a:ext cx="6771860" cy="646331"/>
-          </a:xfrm>
-          <a:prstGeom prst="rect">
-            <a:avLst/>
-          </a:prstGeom>
-          <a:noFill/>
-        </p:spPr>
-        <p:txBody>
-          <a:bodyPr wrap="square" rtlCol="0">
-            <a:spAutoFit/>
-          </a:bodyPr>
-          <a:lstStyle/>
-          <a:p>
-            <a:r>
-              <a:rPr lang="en-US" b="1" dirty="0" err="1"/>
-              <a:t>ChordProgressionProducer</a:t>
-            </a:r>
-            <a:endParaRPr lang="en-US" b="1" dirty="0"/>
-          </a:p>
-          <a:p>
-            <a:pPr marL="285750" indent="-285750">
-              <a:buFont typeface="Arial" panose="020B0604020202020204" pitchFamily="34" charset="0"/>
-              <a:buChar char="•"/>
-            </a:pPr>
-            <a:r>
-              <a:rPr lang="en-US" dirty="0"/>
-              <a:t>Beatles – order 3</a:t>
-            </a:r>
-          </a:p>
-        </p:txBody>
-      </p:sp>
+      </p:pic>
     </p:spTree>
     <p:extLst>
       <p:ext uri="{BB962C8B-B14F-4D97-AF65-F5344CB8AC3E}">
-        <p14:creationId xmlns:p14="http://schemas.microsoft.com/office/powerpoint/2010/main" val="3963184675"/>
+        <p14:creationId xmlns:p14="http://schemas.microsoft.com/office/powerpoint/2010/main" val="4209085460"/>
       </p:ext>
     </p:extLst>
   </p:cSld>
   <p:clrMapOvr>
     <a:masterClrMapping/>
   </p:clrMapOvr>
+  <p:timing>
+    <p:tnLst>
+      <p:par>
+        <p:cTn id="1" dur="indefinite" restart="never" nodeType="tmRoot">
+          <p:childTnLst>
+            <p:seq concurrent="1" nextAc="seek">
+              <p:cTn id="2" dur="indefinite" nodeType="mainSeq">
+                <p:childTnLst>
+                  <p:par>
+                    <p:cTn id="3" fill="hold">
+                      <p:stCondLst>
+                        <p:cond delay="indefinite"/>
+                      </p:stCondLst>
+                      <p:childTnLst>
+                        <p:par>
+                          <p:cTn id="4" fill="hold">
+                            <p:stCondLst>
+                              <p:cond delay="0"/>
+                            </p:stCondLst>
+                            <p:childTnLst>
+                              <p:par>
+                                <p:cTn id="5" presetID="22" presetClass="entr" presetSubtype="8" fill="hold" nodeType="clickEffect">
+                                  <p:stCondLst>
+                                    <p:cond delay="0"/>
+                                  </p:stCondLst>
+                                  <p:childTnLst>
+                                    <p:set>
+                                      <p:cBhvr>
+                                        <p:cTn id="6" dur="1" fill="hold">
+                                          <p:stCondLst>
+                                            <p:cond delay="0"/>
+                                          </p:stCondLst>
+                                        </p:cTn>
+                                        <p:tgtEl>
+                                          <p:spTgt spid="4"/>
+                                        </p:tgtEl>
+                                        <p:attrNameLst>
+                                          <p:attrName>style.visibility</p:attrName>
+                                        </p:attrNameLst>
+                                      </p:cBhvr>
+                                      <p:to>
+                                        <p:strVal val="visible"/>
+                                      </p:to>
+                                    </p:set>
+                                    <p:animEffect transition="in" filter="wipe(left)">
+                                      <p:cBhvr>
+                                        <p:cTn id="7" dur="500"/>
+                                        <p:tgtEl>
+                                          <p:spTgt spid="4"/>
+                                        </p:tgtEl>
+                                      </p:cBhvr>
+                                    </p:animEffect>
+                                  </p:childTnLst>
+                                </p:cTn>
+                              </p:par>
+                            </p:childTnLst>
+                          </p:cTn>
+                        </p:par>
+                      </p:childTnLst>
+                    </p:cTn>
+                  </p:par>
+                </p:childTnLst>
+              </p:cTn>
+              <p:prevCondLst>
+                <p:cond evt="onPrev" delay="0">
+                  <p:tgtEl>
+                    <p:sldTgt/>
+                  </p:tgtEl>
+                </p:cond>
+              </p:prevCondLst>
+              <p:nextCondLst>
+                <p:cond evt="onNext" delay="0">
+                  <p:tgtEl>
+                    <p:sldTgt/>
+                  </p:tgtEl>
+                </p:cond>
+              </p:nextCondLst>
+            </p:seq>
+          </p:childTnLst>
+        </p:cTn>
+      </p:par>
+    </p:tnLst>
+  </p:timing>
 </p:sld>
 </file>
 
@@ -10968,7 +12579,7 @@
           <p:cNvPr id="2" name="Title 1">
             <a:extLst>
               <a:ext uri="{FF2B5EF4-FFF2-40B4-BE49-F238E27FC236}">
-                <a16:creationId xmlns:a16="http://schemas.microsoft.com/office/drawing/2014/main" id="{711A129A-07ED-4E1B-AFEB-CF200266B6C8}"/>
+                <a16:creationId xmlns:a16="http://schemas.microsoft.com/office/drawing/2014/main" xmlns="" id="{711A129A-07ED-4E1B-AFEB-CF200266B6C8}"/>
               </a:ext>
             </a:extLst>
           </p:cNvPr>
@@ -11025,7 +12636,7 @@
           <p:cNvPr id="3" name="Content Placeholder 2">
             <a:extLst>
               <a:ext uri="{FF2B5EF4-FFF2-40B4-BE49-F238E27FC236}">
-                <a16:creationId xmlns:a16="http://schemas.microsoft.com/office/drawing/2014/main" id="{9A4A3620-412D-4C56-A812-2B1F3F305BCE}"/>
+                <a16:creationId xmlns:a16="http://schemas.microsoft.com/office/drawing/2014/main" xmlns="" id="{9A4A3620-412D-4C56-A812-2B1F3F305BCE}"/>
               </a:ext>
             </a:extLst>
           </p:cNvPr>
@@ -11039,7 +12650,7 @@
         <p:spPr>
           <a:xfrm>
             <a:off x="1523232" y="1839839"/>
-            <a:ext cx="9379229" cy="4196287"/>
+            <a:ext cx="9813250" cy="4196287"/>
           </a:xfrm>
         </p:spPr>
         <p:txBody>
@@ -11055,8 +12666,13 @@
             </a:pPr>
             <a:r>
               <a:rPr lang="en-US" dirty="0"/>
-              <a:t>What problems are we trying to solve</a:t>
-            </a:r>
+              <a:t>What problems are we trying to </a:t>
+            </a:r>
+            <a:r>
+              <a:rPr lang="en-US" dirty="0" smtClean="0"/>
+              <a:t>solve?</a:t>
+            </a:r>
+            <a:endParaRPr lang="en-US" dirty="0"/>
           </a:p>
           <a:p>
             <a:pPr>
@@ -11066,8 +12682,13 @@
             </a:pPr>
             <a:r>
               <a:rPr lang="en-US" dirty="0"/>
-              <a:t>What is a Markov Chain</a:t>
-            </a:r>
+              <a:t>What is a Markov </a:t>
+            </a:r>
+            <a:r>
+              <a:rPr lang="en-US" dirty="0" smtClean="0"/>
+              <a:t>Chain?</a:t>
+            </a:r>
+            <a:endParaRPr lang="en-US" dirty="0"/>
           </a:p>
           <a:p>
             <a:pPr lvl="1"/>
@@ -11109,7 +12730,15 @@
             <a:pPr lvl="1"/>
             <a:r>
               <a:rPr lang="en-US" dirty="0"/>
-              <a:t>Using Markov chain structure to and produce all kinds of data</a:t>
+              <a:t>Using Markov chain structure to </a:t>
+            </a:r>
+            <a:r>
+              <a:rPr lang="en-US" dirty="0" smtClean="0"/>
+              <a:t>analyze and produce </a:t>
+            </a:r>
+            <a:r>
+              <a:rPr lang="en-US" dirty="0"/>
+              <a:t>all kinds of data</a:t>
             </a:r>
           </a:p>
           <a:p>
@@ -11173,6 +12802,912 @@
   <p:clrMapOvr>
     <a:masterClrMapping/>
   </p:clrMapOvr>
+  <p:timing>
+    <p:tnLst>
+      <p:par>
+        <p:cTn id="1" dur="indefinite" restart="never" nodeType="tmRoot">
+          <p:childTnLst>
+            <p:seq concurrent="1" nextAc="seek">
+              <p:cTn id="2" dur="indefinite" nodeType="mainSeq">
+                <p:childTnLst>
+                  <p:par>
+                    <p:cTn id="3" fill="hold">
+                      <p:stCondLst>
+                        <p:cond delay="indefinite"/>
+                      </p:stCondLst>
+                      <p:childTnLst>
+                        <p:par>
+                          <p:cTn id="4" fill="hold">
+                            <p:stCondLst>
+                              <p:cond delay="0"/>
+                            </p:stCondLst>
+                            <p:childTnLst>
+                              <p:par>
+                                <p:cTn id="5" presetID="2" presetClass="entr" presetSubtype="8" fill="hold" grpId="0" nodeType="clickEffect">
+                                  <p:stCondLst>
+                                    <p:cond delay="0"/>
+                                  </p:stCondLst>
+                                  <p:childTnLst>
+                                    <p:set>
+                                      <p:cBhvr>
+                                        <p:cTn id="6" dur="1" fill="hold">
+                                          <p:stCondLst>
+                                            <p:cond delay="0"/>
+                                          </p:stCondLst>
+                                        </p:cTn>
+                                        <p:tgtEl>
+                                          <p:spTgt spid="3">
+                                            <p:txEl>
+                                              <p:pRg st="0" end="0"/>
+                                            </p:txEl>
+                                          </p:spTgt>
+                                        </p:tgtEl>
+                                        <p:attrNameLst>
+                                          <p:attrName>style.visibility</p:attrName>
+                                        </p:attrNameLst>
+                                      </p:cBhvr>
+                                      <p:to>
+                                        <p:strVal val="visible"/>
+                                      </p:to>
+                                    </p:set>
+                                    <p:anim calcmode="lin" valueType="num">
+                                      <p:cBhvr additive="base">
+                                        <p:cTn id="7" dur="500" fill="hold"/>
+                                        <p:tgtEl>
+                                          <p:spTgt spid="3">
+                                            <p:txEl>
+                                              <p:pRg st="0" end="0"/>
+                                            </p:txEl>
+                                          </p:spTgt>
+                                        </p:tgtEl>
+                                        <p:attrNameLst>
+                                          <p:attrName>ppt_x</p:attrName>
+                                        </p:attrNameLst>
+                                      </p:cBhvr>
+                                      <p:tavLst>
+                                        <p:tav tm="0">
+                                          <p:val>
+                                            <p:strVal val="0-#ppt_w/2"/>
+                                          </p:val>
+                                        </p:tav>
+                                        <p:tav tm="100000">
+                                          <p:val>
+                                            <p:strVal val="#ppt_x"/>
+                                          </p:val>
+                                        </p:tav>
+                                      </p:tavLst>
+                                    </p:anim>
+                                    <p:anim calcmode="lin" valueType="num">
+                                      <p:cBhvr additive="base">
+                                        <p:cTn id="8" dur="500" fill="hold"/>
+                                        <p:tgtEl>
+                                          <p:spTgt spid="3">
+                                            <p:txEl>
+                                              <p:pRg st="0" end="0"/>
+                                            </p:txEl>
+                                          </p:spTgt>
+                                        </p:tgtEl>
+                                        <p:attrNameLst>
+                                          <p:attrName>ppt_y</p:attrName>
+                                        </p:attrNameLst>
+                                      </p:cBhvr>
+                                      <p:tavLst>
+                                        <p:tav tm="0">
+                                          <p:val>
+                                            <p:strVal val="#ppt_y"/>
+                                          </p:val>
+                                        </p:tav>
+                                        <p:tav tm="100000">
+                                          <p:val>
+                                            <p:strVal val="#ppt_y"/>
+                                          </p:val>
+                                        </p:tav>
+                                      </p:tavLst>
+                                    </p:anim>
+                                  </p:childTnLst>
+                                </p:cTn>
+                              </p:par>
+                            </p:childTnLst>
+                          </p:cTn>
+                        </p:par>
+                      </p:childTnLst>
+                    </p:cTn>
+                  </p:par>
+                  <p:par>
+                    <p:cTn id="9" fill="hold">
+                      <p:stCondLst>
+                        <p:cond delay="indefinite"/>
+                      </p:stCondLst>
+                      <p:childTnLst>
+                        <p:par>
+                          <p:cTn id="10" fill="hold">
+                            <p:stCondLst>
+                              <p:cond delay="0"/>
+                            </p:stCondLst>
+                            <p:childTnLst>
+                              <p:par>
+                                <p:cTn id="11" presetID="2" presetClass="entr" presetSubtype="8" fill="hold" grpId="0" nodeType="clickEffect">
+                                  <p:stCondLst>
+                                    <p:cond delay="0"/>
+                                  </p:stCondLst>
+                                  <p:childTnLst>
+                                    <p:set>
+                                      <p:cBhvr>
+                                        <p:cTn id="12" dur="1" fill="hold">
+                                          <p:stCondLst>
+                                            <p:cond delay="0"/>
+                                          </p:stCondLst>
+                                        </p:cTn>
+                                        <p:tgtEl>
+                                          <p:spTgt spid="3">
+                                            <p:txEl>
+                                              <p:pRg st="1" end="1"/>
+                                            </p:txEl>
+                                          </p:spTgt>
+                                        </p:tgtEl>
+                                        <p:attrNameLst>
+                                          <p:attrName>style.visibility</p:attrName>
+                                        </p:attrNameLst>
+                                      </p:cBhvr>
+                                      <p:to>
+                                        <p:strVal val="visible"/>
+                                      </p:to>
+                                    </p:set>
+                                    <p:anim calcmode="lin" valueType="num">
+                                      <p:cBhvr additive="base">
+                                        <p:cTn id="13" dur="500" fill="hold"/>
+                                        <p:tgtEl>
+                                          <p:spTgt spid="3">
+                                            <p:txEl>
+                                              <p:pRg st="1" end="1"/>
+                                            </p:txEl>
+                                          </p:spTgt>
+                                        </p:tgtEl>
+                                        <p:attrNameLst>
+                                          <p:attrName>ppt_x</p:attrName>
+                                        </p:attrNameLst>
+                                      </p:cBhvr>
+                                      <p:tavLst>
+                                        <p:tav tm="0">
+                                          <p:val>
+                                            <p:strVal val="0-#ppt_w/2"/>
+                                          </p:val>
+                                        </p:tav>
+                                        <p:tav tm="100000">
+                                          <p:val>
+                                            <p:strVal val="#ppt_x"/>
+                                          </p:val>
+                                        </p:tav>
+                                      </p:tavLst>
+                                    </p:anim>
+                                    <p:anim calcmode="lin" valueType="num">
+                                      <p:cBhvr additive="base">
+                                        <p:cTn id="14" dur="500" fill="hold"/>
+                                        <p:tgtEl>
+                                          <p:spTgt spid="3">
+                                            <p:txEl>
+                                              <p:pRg st="1" end="1"/>
+                                            </p:txEl>
+                                          </p:spTgt>
+                                        </p:tgtEl>
+                                        <p:attrNameLst>
+                                          <p:attrName>ppt_y</p:attrName>
+                                        </p:attrNameLst>
+                                      </p:cBhvr>
+                                      <p:tavLst>
+                                        <p:tav tm="0">
+                                          <p:val>
+                                            <p:strVal val="#ppt_y"/>
+                                          </p:val>
+                                        </p:tav>
+                                        <p:tav tm="100000">
+                                          <p:val>
+                                            <p:strVal val="#ppt_y"/>
+                                          </p:val>
+                                        </p:tav>
+                                      </p:tavLst>
+                                    </p:anim>
+                                  </p:childTnLst>
+                                </p:cTn>
+                              </p:par>
+                              <p:par>
+                                <p:cTn id="15" presetID="2" presetClass="entr" presetSubtype="8" fill="hold" grpId="0" nodeType="withEffect">
+                                  <p:stCondLst>
+                                    <p:cond delay="0"/>
+                                  </p:stCondLst>
+                                  <p:childTnLst>
+                                    <p:set>
+                                      <p:cBhvr>
+                                        <p:cTn id="16" dur="1" fill="hold">
+                                          <p:stCondLst>
+                                            <p:cond delay="0"/>
+                                          </p:stCondLst>
+                                        </p:cTn>
+                                        <p:tgtEl>
+                                          <p:spTgt spid="3">
+                                            <p:txEl>
+                                              <p:pRg st="2" end="2"/>
+                                            </p:txEl>
+                                          </p:spTgt>
+                                        </p:tgtEl>
+                                        <p:attrNameLst>
+                                          <p:attrName>style.visibility</p:attrName>
+                                        </p:attrNameLst>
+                                      </p:cBhvr>
+                                      <p:to>
+                                        <p:strVal val="visible"/>
+                                      </p:to>
+                                    </p:set>
+                                    <p:anim calcmode="lin" valueType="num">
+                                      <p:cBhvr additive="base">
+                                        <p:cTn id="17" dur="500" fill="hold"/>
+                                        <p:tgtEl>
+                                          <p:spTgt spid="3">
+                                            <p:txEl>
+                                              <p:pRg st="2" end="2"/>
+                                            </p:txEl>
+                                          </p:spTgt>
+                                        </p:tgtEl>
+                                        <p:attrNameLst>
+                                          <p:attrName>ppt_x</p:attrName>
+                                        </p:attrNameLst>
+                                      </p:cBhvr>
+                                      <p:tavLst>
+                                        <p:tav tm="0">
+                                          <p:val>
+                                            <p:strVal val="0-#ppt_w/2"/>
+                                          </p:val>
+                                        </p:tav>
+                                        <p:tav tm="100000">
+                                          <p:val>
+                                            <p:strVal val="#ppt_x"/>
+                                          </p:val>
+                                        </p:tav>
+                                      </p:tavLst>
+                                    </p:anim>
+                                    <p:anim calcmode="lin" valueType="num">
+                                      <p:cBhvr additive="base">
+                                        <p:cTn id="18" dur="500" fill="hold"/>
+                                        <p:tgtEl>
+                                          <p:spTgt spid="3">
+                                            <p:txEl>
+                                              <p:pRg st="2" end="2"/>
+                                            </p:txEl>
+                                          </p:spTgt>
+                                        </p:tgtEl>
+                                        <p:attrNameLst>
+                                          <p:attrName>ppt_y</p:attrName>
+                                        </p:attrNameLst>
+                                      </p:cBhvr>
+                                      <p:tavLst>
+                                        <p:tav tm="0">
+                                          <p:val>
+                                            <p:strVal val="#ppt_y"/>
+                                          </p:val>
+                                        </p:tav>
+                                        <p:tav tm="100000">
+                                          <p:val>
+                                            <p:strVal val="#ppt_y"/>
+                                          </p:val>
+                                        </p:tav>
+                                      </p:tavLst>
+                                    </p:anim>
+                                  </p:childTnLst>
+                                </p:cTn>
+                              </p:par>
+                              <p:par>
+                                <p:cTn id="19" presetID="2" presetClass="entr" presetSubtype="8" fill="hold" grpId="0" nodeType="withEffect">
+                                  <p:stCondLst>
+                                    <p:cond delay="0"/>
+                                  </p:stCondLst>
+                                  <p:childTnLst>
+                                    <p:set>
+                                      <p:cBhvr>
+                                        <p:cTn id="20" dur="1" fill="hold">
+                                          <p:stCondLst>
+                                            <p:cond delay="0"/>
+                                          </p:stCondLst>
+                                        </p:cTn>
+                                        <p:tgtEl>
+                                          <p:spTgt spid="3">
+                                            <p:txEl>
+                                              <p:pRg st="3" end="3"/>
+                                            </p:txEl>
+                                          </p:spTgt>
+                                        </p:tgtEl>
+                                        <p:attrNameLst>
+                                          <p:attrName>style.visibility</p:attrName>
+                                        </p:attrNameLst>
+                                      </p:cBhvr>
+                                      <p:to>
+                                        <p:strVal val="visible"/>
+                                      </p:to>
+                                    </p:set>
+                                    <p:anim calcmode="lin" valueType="num">
+                                      <p:cBhvr additive="base">
+                                        <p:cTn id="21" dur="500" fill="hold"/>
+                                        <p:tgtEl>
+                                          <p:spTgt spid="3">
+                                            <p:txEl>
+                                              <p:pRg st="3" end="3"/>
+                                            </p:txEl>
+                                          </p:spTgt>
+                                        </p:tgtEl>
+                                        <p:attrNameLst>
+                                          <p:attrName>ppt_x</p:attrName>
+                                        </p:attrNameLst>
+                                      </p:cBhvr>
+                                      <p:tavLst>
+                                        <p:tav tm="0">
+                                          <p:val>
+                                            <p:strVal val="0-#ppt_w/2"/>
+                                          </p:val>
+                                        </p:tav>
+                                        <p:tav tm="100000">
+                                          <p:val>
+                                            <p:strVal val="#ppt_x"/>
+                                          </p:val>
+                                        </p:tav>
+                                      </p:tavLst>
+                                    </p:anim>
+                                    <p:anim calcmode="lin" valueType="num">
+                                      <p:cBhvr additive="base">
+                                        <p:cTn id="22" dur="500" fill="hold"/>
+                                        <p:tgtEl>
+                                          <p:spTgt spid="3">
+                                            <p:txEl>
+                                              <p:pRg st="3" end="3"/>
+                                            </p:txEl>
+                                          </p:spTgt>
+                                        </p:tgtEl>
+                                        <p:attrNameLst>
+                                          <p:attrName>ppt_y</p:attrName>
+                                        </p:attrNameLst>
+                                      </p:cBhvr>
+                                      <p:tavLst>
+                                        <p:tav tm="0">
+                                          <p:val>
+                                            <p:strVal val="#ppt_y"/>
+                                          </p:val>
+                                        </p:tav>
+                                        <p:tav tm="100000">
+                                          <p:val>
+                                            <p:strVal val="#ppt_y"/>
+                                          </p:val>
+                                        </p:tav>
+                                      </p:tavLst>
+                                    </p:anim>
+                                  </p:childTnLst>
+                                </p:cTn>
+                              </p:par>
+                            </p:childTnLst>
+                          </p:cTn>
+                        </p:par>
+                      </p:childTnLst>
+                    </p:cTn>
+                  </p:par>
+                  <p:par>
+                    <p:cTn id="23" fill="hold">
+                      <p:stCondLst>
+                        <p:cond delay="indefinite"/>
+                      </p:stCondLst>
+                      <p:childTnLst>
+                        <p:par>
+                          <p:cTn id="24" fill="hold">
+                            <p:stCondLst>
+                              <p:cond delay="0"/>
+                            </p:stCondLst>
+                            <p:childTnLst>
+                              <p:par>
+                                <p:cTn id="25" presetID="2" presetClass="entr" presetSubtype="8" fill="hold" grpId="0" nodeType="clickEffect">
+                                  <p:stCondLst>
+                                    <p:cond delay="0"/>
+                                  </p:stCondLst>
+                                  <p:childTnLst>
+                                    <p:set>
+                                      <p:cBhvr>
+                                        <p:cTn id="26" dur="1" fill="hold">
+                                          <p:stCondLst>
+                                            <p:cond delay="0"/>
+                                          </p:stCondLst>
+                                        </p:cTn>
+                                        <p:tgtEl>
+                                          <p:spTgt spid="3">
+                                            <p:txEl>
+                                              <p:pRg st="4" end="4"/>
+                                            </p:txEl>
+                                          </p:spTgt>
+                                        </p:tgtEl>
+                                        <p:attrNameLst>
+                                          <p:attrName>style.visibility</p:attrName>
+                                        </p:attrNameLst>
+                                      </p:cBhvr>
+                                      <p:to>
+                                        <p:strVal val="visible"/>
+                                      </p:to>
+                                    </p:set>
+                                    <p:anim calcmode="lin" valueType="num">
+                                      <p:cBhvr additive="base">
+                                        <p:cTn id="27" dur="500" fill="hold"/>
+                                        <p:tgtEl>
+                                          <p:spTgt spid="3">
+                                            <p:txEl>
+                                              <p:pRg st="4" end="4"/>
+                                            </p:txEl>
+                                          </p:spTgt>
+                                        </p:tgtEl>
+                                        <p:attrNameLst>
+                                          <p:attrName>ppt_x</p:attrName>
+                                        </p:attrNameLst>
+                                      </p:cBhvr>
+                                      <p:tavLst>
+                                        <p:tav tm="0">
+                                          <p:val>
+                                            <p:strVal val="0-#ppt_w/2"/>
+                                          </p:val>
+                                        </p:tav>
+                                        <p:tav tm="100000">
+                                          <p:val>
+                                            <p:strVal val="#ppt_x"/>
+                                          </p:val>
+                                        </p:tav>
+                                      </p:tavLst>
+                                    </p:anim>
+                                    <p:anim calcmode="lin" valueType="num">
+                                      <p:cBhvr additive="base">
+                                        <p:cTn id="28" dur="500" fill="hold"/>
+                                        <p:tgtEl>
+                                          <p:spTgt spid="3">
+                                            <p:txEl>
+                                              <p:pRg st="4" end="4"/>
+                                            </p:txEl>
+                                          </p:spTgt>
+                                        </p:tgtEl>
+                                        <p:attrNameLst>
+                                          <p:attrName>ppt_y</p:attrName>
+                                        </p:attrNameLst>
+                                      </p:cBhvr>
+                                      <p:tavLst>
+                                        <p:tav tm="0">
+                                          <p:val>
+                                            <p:strVal val="#ppt_y"/>
+                                          </p:val>
+                                        </p:tav>
+                                        <p:tav tm="100000">
+                                          <p:val>
+                                            <p:strVal val="#ppt_y"/>
+                                          </p:val>
+                                        </p:tav>
+                                      </p:tavLst>
+                                    </p:anim>
+                                  </p:childTnLst>
+                                </p:cTn>
+                              </p:par>
+                            </p:childTnLst>
+                          </p:cTn>
+                        </p:par>
+                      </p:childTnLst>
+                    </p:cTn>
+                  </p:par>
+                  <p:par>
+                    <p:cTn id="29" fill="hold">
+                      <p:stCondLst>
+                        <p:cond delay="indefinite"/>
+                      </p:stCondLst>
+                      <p:childTnLst>
+                        <p:par>
+                          <p:cTn id="30" fill="hold">
+                            <p:stCondLst>
+                              <p:cond delay="0"/>
+                            </p:stCondLst>
+                            <p:childTnLst>
+                              <p:par>
+                                <p:cTn id="31" presetID="2" presetClass="entr" presetSubtype="8" fill="hold" grpId="0" nodeType="clickEffect">
+                                  <p:stCondLst>
+                                    <p:cond delay="0"/>
+                                  </p:stCondLst>
+                                  <p:childTnLst>
+                                    <p:set>
+                                      <p:cBhvr>
+                                        <p:cTn id="32" dur="1" fill="hold">
+                                          <p:stCondLst>
+                                            <p:cond delay="0"/>
+                                          </p:stCondLst>
+                                        </p:cTn>
+                                        <p:tgtEl>
+                                          <p:spTgt spid="3">
+                                            <p:txEl>
+                                              <p:pRg st="5" end="5"/>
+                                            </p:txEl>
+                                          </p:spTgt>
+                                        </p:tgtEl>
+                                        <p:attrNameLst>
+                                          <p:attrName>style.visibility</p:attrName>
+                                        </p:attrNameLst>
+                                      </p:cBhvr>
+                                      <p:to>
+                                        <p:strVal val="visible"/>
+                                      </p:to>
+                                    </p:set>
+                                    <p:anim calcmode="lin" valueType="num">
+                                      <p:cBhvr additive="base">
+                                        <p:cTn id="33" dur="500" fill="hold"/>
+                                        <p:tgtEl>
+                                          <p:spTgt spid="3">
+                                            <p:txEl>
+                                              <p:pRg st="5" end="5"/>
+                                            </p:txEl>
+                                          </p:spTgt>
+                                        </p:tgtEl>
+                                        <p:attrNameLst>
+                                          <p:attrName>ppt_x</p:attrName>
+                                        </p:attrNameLst>
+                                      </p:cBhvr>
+                                      <p:tavLst>
+                                        <p:tav tm="0">
+                                          <p:val>
+                                            <p:strVal val="0-#ppt_w/2"/>
+                                          </p:val>
+                                        </p:tav>
+                                        <p:tav tm="100000">
+                                          <p:val>
+                                            <p:strVal val="#ppt_x"/>
+                                          </p:val>
+                                        </p:tav>
+                                      </p:tavLst>
+                                    </p:anim>
+                                    <p:anim calcmode="lin" valueType="num">
+                                      <p:cBhvr additive="base">
+                                        <p:cTn id="34" dur="500" fill="hold"/>
+                                        <p:tgtEl>
+                                          <p:spTgt spid="3">
+                                            <p:txEl>
+                                              <p:pRg st="5" end="5"/>
+                                            </p:txEl>
+                                          </p:spTgt>
+                                        </p:tgtEl>
+                                        <p:attrNameLst>
+                                          <p:attrName>ppt_y</p:attrName>
+                                        </p:attrNameLst>
+                                      </p:cBhvr>
+                                      <p:tavLst>
+                                        <p:tav tm="0">
+                                          <p:val>
+                                            <p:strVal val="#ppt_y"/>
+                                          </p:val>
+                                        </p:tav>
+                                        <p:tav tm="100000">
+                                          <p:val>
+                                            <p:strVal val="#ppt_y"/>
+                                          </p:val>
+                                        </p:tav>
+                                      </p:tavLst>
+                                    </p:anim>
+                                  </p:childTnLst>
+                                </p:cTn>
+                              </p:par>
+                              <p:par>
+                                <p:cTn id="35" presetID="2" presetClass="entr" presetSubtype="8" fill="hold" grpId="0" nodeType="withEffect">
+                                  <p:stCondLst>
+                                    <p:cond delay="0"/>
+                                  </p:stCondLst>
+                                  <p:childTnLst>
+                                    <p:set>
+                                      <p:cBhvr>
+                                        <p:cTn id="36" dur="1" fill="hold">
+                                          <p:stCondLst>
+                                            <p:cond delay="0"/>
+                                          </p:stCondLst>
+                                        </p:cTn>
+                                        <p:tgtEl>
+                                          <p:spTgt spid="3">
+                                            <p:txEl>
+                                              <p:pRg st="6" end="6"/>
+                                            </p:txEl>
+                                          </p:spTgt>
+                                        </p:tgtEl>
+                                        <p:attrNameLst>
+                                          <p:attrName>style.visibility</p:attrName>
+                                        </p:attrNameLst>
+                                      </p:cBhvr>
+                                      <p:to>
+                                        <p:strVal val="visible"/>
+                                      </p:to>
+                                    </p:set>
+                                    <p:anim calcmode="lin" valueType="num">
+                                      <p:cBhvr additive="base">
+                                        <p:cTn id="37" dur="500" fill="hold"/>
+                                        <p:tgtEl>
+                                          <p:spTgt spid="3">
+                                            <p:txEl>
+                                              <p:pRg st="6" end="6"/>
+                                            </p:txEl>
+                                          </p:spTgt>
+                                        </p:tgtEl>
+                                        <p:attrNameLst>
+                                          <p:attrName>ppt_x</p:attrName>
+                                        </p:attrNameLst>
+                                      </p:cBhvr>
+                                      <p:tavLst>
+                                        <p:tav tm="0">
+                                          <p:val>
+                                            <p:strVal val="0-#ppt_w/2"/>
+                                          </p:val>
+                                        </p:tav>
+                                        <p:tav tm="100000">
+                                          <p:val>
+                                            <p:strVal val="#ppt_x"/>
+                                          </p:val>
+                                        </p:tav>
+                                      </p:tavLst>
+                                    </p:anim>
+                                    <p:anim calcmode="lin" valueType="num">
+                                      <p:cBhvr additive="base">
+                                        <p:cTn id="38" dur="500" fill="hold"/>
+                                        <p:tgtEl>
+                                          <p:spTgt spid="3">
+                                            <p:txEl>
+                                              <p:pRg st="6" end="6"/>
+                                            </p:txEl>
+                                          </p:spTgt>
+                                        </p:tgtEl>
+                                        <p:attrNameLst>
+                                          <p:attrName>ppt_y</p:attrName>
+                                        </p:attrNameLst>
+                                      </p:cBhvr>
+                                      <p:tavLst>
+                                        <p:tav tm="0">
+                                          <p:val>
+                                            <p:strVal val="#ppt_y"/>
+                                          </p:val>
+                                        </p:tav>
+                                        <p:tav tm="100000">
+                                          <p:val>
+                                            <p:strVal val="#ppt_y"/>
+                                          </p:val>
+                                        </p:tav>
+                                      </p:tavLst>
+                                    </p:anim>
+                                  </p:childTnLst>
+                                </p:cTn>
+                              </p:par>
+                            </p:childTnLst>
+                          </p:cTn>
+                        </p:par>
+                      </p:childTnLst>
+                    </p:cTn>
+                  </p:par>
+                  <p:par>
+                    <p:cTn id="39" fill="hold">
+                      <p:stCondLst>
+                        <p:cond delay="indefinite"/>
+                      </p:stCondLst>
+                      <p:childTnLst>
+                        <p:par>
+                          <p:cTn id="40" fill="hold">
+                            <p:stCondLst>
+                              <p:cond delay="0"/>
+                            </p:stCondLst>
+                            <p:childTnLst>
+                              <p:par>
+                                <p:cTn id="41" presetID="2" presetClass="entr" presetSubtype="8" fill="hold" grpId="0" nodeType="clickEffect">
+                                  <p:stCondLst>
+                                    <p:cond delay="0"/>
+                                  </p:stCondLst>
+                                  <p:childTnLst>
+                                    <p:set>
+                                      <p:cBhvr>
+                                        <p:cTn id="42" dur="1" fill="hold">
+                                          <p:stCondLst>
+                                            <p:cond delay="0"/>
+                                          </p:stCondLst>
+                                        </p:cTn>
+                                        <p:tgtEl>
+                                          <p:spTgt spid="3">
+                                            <p:txEl>
+                                              <p:pRg st="7" end="7"/>
+                                            </p:txEl>
+                                          </p:spTgt>
+                                        </p:tgtEl>
+                                        <p:attrNameLst>
+                                          <p:attrName>style.visibility</p:attrName>
+                                        </p:attrNameLst>
+                                      </p:cBhvr>
+                                      <p:to>
+                                        <p:strVal val="visible"/>
+                                      </p:to>
+                                    </p:set>
+                                    <p:anim calcmode="lin" valueType="num">
+                                      <p:cBhvr additive="base">
+                                        <p:cTn id="43" dur="500" fill="hold"/>
+                                        <p:tgtEl>
+                                          <p:spTgt spid="3">
+                                            <p:txEl>
+                                              <p:pRg st="7" end="7"/>
+                                            </p:txEl>
+                                          </p:spTgt>
+                                        </p:tgtEl>
+                                        <p:attrNameLst>
+                                          <p:attrName>ppt_x</p:attrName>
+                                        </p:attrNameLst>
+                                      </p:cBhvr>
+                                      <p:tavLst>
+                                        <p:tav tm="0">
+                                          <p:val>
+                                            <p:strVal val="0-#ppt_w/2"/>
+                                          </p:val>
+                                        </p:tav>
+                                        <p:tav tm="100000">
+                                          <p:val>
+                                            <p:strVal val="#ppt_x"/>
+                                          </p:val>
+                                        </p:tav>
+                                      </p:tavLst>
+                                    </p:anim>
+                                    <p:anim calcmode="lin" valueType="num">
+                                      <p:cBhvr additive="base">
+                                        <p:cTn id="44" dur="500" fill="hold"/>
+                                        <p:tgtEl>
+                                          <p:spTgt spid="3">
+                                            <p:txEl>
+                                              <p:pRg st="7" end="7"/>
+                                            </p:txEl>
+                                          </p:spTgt>
+                                        </p:tgtEl>
+                                        <p:attrNameLst>
+                                          <p:attrName>ppt_y</p:attrName>
+                                        </p:attrNameLst>
+                                      </p:cBhvr>
+                                      <p:tavLst>
+                                        <p:tav tm="0">
+                                          <p:val>
+                                            <p:strVal val="#ppt_y"/>
+                                          </p:val>
+                                        </p:tav>
+                                        <p:tav tm="100000">
+                                          <p:val>
+                                            <p:strVal val="#ppt_y"/>
+                                          </p:val>
+                                        </p:tav>
+                                      </p:tavLst>
+                                    </p:anim>
+                                  </p:childTnLst>
+                                </p:cTn>
+                              </p:par>
+                            </p:childTnLst>
+                          </p:cTn>
+                        </p:par>
+                      </p:childTnLst>
+                    </p:cTn>
+                  </p:par>
+                  <p:par>
+                    <p:cTn id="45" fill="hold">
+                      <p:stCondLst>
+                        <p:cond delay="indefinite"/>
+                      </p:stCondLst>
+                      <p:childTnLst>
+                        <p:par>
+                          <p:cTn id="46" fill="hold">
+                            <p:stCondLst>
+                              <p:cond delay="0"/>
+                            </p:stCondLst>
+                            <p:childTnLst>
+                              <p:par>
+                                <p:cTn id="47" presetID="2" presetClass="entr" presetSubtype="8" fill="hold" grpId="0" nodeType="clickEffect">
+                                  <p:stCondLst>
+                                    <p:cond delay="0"/>
+                                  </p:stCondLst>
+                                  <p:childTnLst>
+                                    <p:set>
+                                      <p:cBhvr>
+                                        <p:cTn id="48" dur="1" fill="hold">
+                                          <p:stCondLst>
+                                            <p:cond delay="0"/>
+                                          </p:stCondLst>
+                                        </p:cTn>
+                                        <p:tgtEl>
+                                          <p:spTgt spid="3">
+                                            <p:txEl>
+                                              <p:pRg st="8" end="8"/>
+                                            </p:txEl>
+                                          </p:spTgt>
+                                        </p:tgtEl>
+                                        <p:attrNameLst>
+                                          <p:attrName>style.visibility</p:attrName>
+                                        </p:attrNameLst>
+                                      </p:cBhvr>
+                                      <p:to>
+                                        <p:strVal val="visible"/>
+                                      </p:to>
+                                    </p:set>
+                                    <p:anim calcmode="lin" valueType="num">
+                                      <p:cBhvr additive="base">
+                                        <p:cTn id="49" dur="500" fill="hold"/>
+                                        <p:tgtEl>
+                                          <p:spTgt spid="3">
+                                            <p:txEl>
+                                              <p:pRg st="8" end="8"/>
+                                            </p:txEl>
+                                          </p:spTgt>
+                                        </p:tgtEl>
+                                        <p:attrNameLst>
+                                          <p:attrName>ppt_x</p:attrName>
+                                        </p:attrNameLst>
+                                      </p:cBhvr>
+                                      <p:tavLst>
+                                        <p:tav tm="0">
+                                          <p:val>
+                                            <p:strVal val="0-#ppt_w/2"/>
+                                          </p:val>
+                                        </p:tav>
+                                        <p:tav tm="100000">
+                                          <p:val>
+                                            <p:strVal val="#ppt_x"/>
+                                          </p:val>
+                                        </p:tav>
+                                      </p:tavLst>
+                                    </p:anim>
+                                    <p:anim calcmode="lin" valueType="num">
+                                      <p:cBhvr additive="base">
+                                        <p:cTn id="50" dur="500" fill="hold"/>
+                                        <p:tgtEl>
+                                          <p:spTgt spid="3">
+                                            <p:txEl>
+                                              <p:pRg st="8" end="8"/>
+                                            </p:txEl>
+                                          </p:spTgt>
+                                        </p:tgtEl>
+                                        <p:attrNameLst>
+                                          <p:attrName>ppt_y</p:attrName>
+                                        </p:attrNameLst>
+                                      </p:cBhvr>
+                                      <p:tavLst>
+                                        <p:tav tm="0">
+                                          <p:val>
+                                            <p:strVal val="#ppt_y"/>
+                                          </p:val>
+                                        </p:tav>
+                                        <p:tav tm="100000">
+                                          <p:val>
+                                            <p:strVal val="#ppt_y"/>
+                                          </p:val>
+                                        </p:tav>
+                                      </p:tavLst>
+                                    </p:anim>
+                                  </p:childTnLst>
+                                </p:cTn>
+                              </p:par>
+                            </p:childTnLst>
+                          </p:cTn>
+                        </p:par>
+                      </p:childTnLst>
+                    </p:cTn>
+                  </p:par>
+                </p:childTnLst>
+              </p:cTn>
+              <p:prevCondLst>
+                <p:cond evt="onPrev" delay="0">
+                  <p:tgtEl>
+                    <p:sldTgt/>
+                  </p:tgtEl>
+                </p:cond>
+              </p:prevCondLst>
+              <p:nextCondLst>
+                <p:cond evt="onNext" delay="0">
+                  <p:tgtEl>
+                    <p:sldTgt/>
+                  </p:tgtEl>
+                </p:cond>
+              </p:nextCondLst>
+            </p:seq>
+          </p:childTnLst>
+        </p:cTn>
+      </p:par>
+    </p:tnLst>
+    <p:bldLst>
+      <p:bldP spid="3" grpId="0" build="p"/>
+    </p:bldLst>
+  </p:timing>
 </p:sld>
 </file>
 
@@ -11195,13 +13730,7 @@
       </p:grpSpPr>
       <p:sp>
         <p:nvSpPr>
-          <p:cNvPr id="2" name="Title 1">
-            <a:extLst>
-              <a:ext uri="{FF2B5EF4-FFF2-40B4-BE49-F238E27FC236}">
-                <a16:creationId xmlns:a16="http://schemas.microsoft.com/office/drawing/2014/main" id="{56D96A64-C11B-4546-9E2D-076A85967972}"/>
-              </a:ext>
-            </a:extLst>
-          </p:cNvPr>
+          <p:cNvPr id="2" name="Title 1"/>
           <p:cNvSpPr>
             <a:spLocks noGrp="1"/>
           </p:cNvSpPr>
@@ -11211,105 +13740,145 @@
         </p:nvSpPr>
         <p:spPr>
           <a:xfrm>
-            <a:off x="760926" y="506792"/>
-            <a:ext cx="8980482" cy="819731"/>
+            <a:off x="838200" y="365125"/>
+            <a:ext cx="10515600" cy="808767"/>
           </a:xfrm>
         </p:spPr>
         <p:txBody>
-          <a:bodyPr>
-            <a:normAutofit/>
-          </a:bodyPr>
+          <a:bodyPr/>
           <a:lstStyle/>
           <a:p>
             <a:r>
-              <a:rPr lang="en-US" dirty="0">
-                <a:latin typeface="Berlin Sans FB" panose="020E0602020502020306" pitchFamily="34" charset="0"/>
-              </a:rPr>
-              <a:t>Opportunities for improvement</a:t>
-            </a:r>
+              <a:rPr lang="en-US" dirty="0" smtClean="0"/>
+              <a:t>Word - Sentence</a:t>
+            </a:r>
+            <a:endParaRPr lang="en-US" dirty="0"/>
           </a:p>
         </p:txBody>
       </p:sp>
-      <p:sp>
-        <p:nvSpPr>
-          <p:cNvPr id="3" name="TextBox 2"/>
-          <p:cNvSpPr txBox="1"/>
+      <p:pic>
+        <p:nvPicPr>
+          <p:cNvPr id="4" name="Picture 3"/>
+          <p:cNvPicPr>
+            <a:picLocks noChangeAspect="1"/>
+          </p:cNvPicPr>
           <p:nvPr/>
-        </p:nvSpPr>
+        </p:nvPicPr>
+        <p:blipFill>
+          <a:blip r:embed="rId2">
+            <a:extLst>
+              <a:ext uri="{28A0092B-C50C-407E-A947-70E740481C1C}">
+                <a14:useLocalDpi xmlns:a14="http://schemas.microsoft.com/office/drawing/2010/main" val="0"/>
+              </a:ext>
+            </a:extLst>
+          </a:blip>
+          <a:stretch>
+            <a:fillRect/>
+          </a:stretch>
+        </p:blipFill>
         <p:spPr>
           <a:xfrm>
-            <a:off x="1685759" y="1490008"/>
-            <a:ext cx="7830355" cy="1938992"/>
+            <a:off x="518984" y="1363773"/>
+            <a:ext cx="11251626" cy="5148238"/>
           </a:xfrm>
           <a:prstGeom prst="rect">
             <a:avLst/>
           </a:prstGeom>
-          <a:noFill/>
         </p:spPr>
-        <p:txBody>
-          <a:bodyPr wrap="square" rtlCol="0">
-            <a:spAutoFit/>
-          </a:bodyPr>
-          <a:lstStyle/>
-          <a:p>
-            <a:pPr marL="285750" indent="-285750">
-              <a:buFont typeface="Arial" panose="020B0604020202020204" pitchFamily="34" charset="0"/>
-              <a:buChar char="•"/>
-            </a:pPr>
-            <a:r>
-              <a:rPr lang="en-US" sz="2400" dirty="0"/>
-              <a:t>Collection Data Preparation</a:t>
-            </a:r>
-          </a:p>
-          <a:p>
-            <a:pPr marL="285750" indent="-285750">
-              <a:buFont typeface="Arial" panose="020B0604020202020204" pitchFamily="34" charset="0"/>
-              <a:buChar char="•"/>
-            </a:pPr>
-            <a:r>
-              <a:rPr lang="en-US" sz="2400" dirty="0"/>
-              <a:t>Collector results presentation</a:t>
-            </a:r>
-          </a:p>
-          <a:p>
-            <a:pPr marL="285750" indent="-285750">
-              <a:buFont typeface="Arial" panose="020B0604020202020204" pitchFamily="34" charset="0"/>
-              <a:buChar char="•"/>
-            </a:pPr>
-            <a:r>
-              <a:rPr lang="en-US" sz="2400" dirty="0"/>
-              <a:t>Results interpretation</a:t>
-            </a:r>
-          </a:p>
-          <a:p>
-            <a:pPr marL="285750" indent="-285750">
-              <a:buFont typeface="Arial" panose="020B0604020202020204" pitchFamily="34" charset="0"/>
-              <a:buChar char="•"/>
-            </a:pPr>
-            <a:r>
-              <a:rPr lang="en-US" sz="2400" dirty="0"/>
-              <a:t>Framework flexibility</a:t>
-            </a:r>
-          </a:p>
-          <a:p>
-            <a:pPr marL="285750" indent="-285750">
-              <a:buFont typeface="Arial" panose="020B0604020202020204" pitchFamily="34" charset="0"/>
-              <a:buChar char="•"/>
-            </a:pPr>
-            <a:endParaRPr lang="en-US" sz="2400" dirty="0"/>
-          </a:p>
-        </p:txBody>
-      </p:sp>
+      </p:pic>
     </p:spTree>
     <p:extLst>
       <p:ext uri="{BB962C8B-B14F-4D97-AF65-F5344CB8AC3E}">
-        <p14:creationId xmlns:p14="http://schemas.microsoft.com/office/powerpoint/2010/main" val="4171783583"/>
+        <p14:creationId xmlns:p14="http://schemas.microsoft.com/office/powerpoint/2010/main" val="458177252"/>
       </p:ext>
     </p:extLst>
   </p:cSld>
   <p:clrMapOvr>
     <a:masterClrMapping/>
   </p:clrMapOvr>
+  <p:timing>
+    <p:tnLst>
+      <p:par>
+        <p:cTn id="1" dur="indefinite" restart="never" nodeType="tmRoot">
+          <p:childTnLst>
+            <p:seq concurrent="1" nextAc="seek">
+              <p:cTn id="2" dur="indefinite" nodeType="mainSeq">
+                <p:childTnLst>
+                  <p:par>
+                    <p:cTn id="3" fill="hold">
+                      <p:stCondLst>
+                        <p:cond delay="indefinite"/>
+                      </p:stCondLst>
+                      <p:childTnLst>
+                        <p:par>
+                          <p:cTn id="4" fill="hold">
+                            <p:stCondLst>
+                              <p:cond delay="0"/>
+                            </p:stCondLst>
+                            <p:childTnLst>
+                              <p:par>
+                                <p:cTn id="5" presetID="22" presetClass="entr" presetSubtype="8" fill="hold" nodeType="clickEffect">
+                                  <p:stCondLst>
+                                    <p:cond delay="0"/>
+                                  </p:stCondLst>
+                                  <p:childTnLst>
+                                    <p:set>
+                                      <p:cBhvr>
+                                        <p:cTn id="6" dur="1" fill="hold">
+                                          <p:stCondLst>
+                                            <p:cond delay="0"/>
+                                          </p:stCondLst>
+                                        </p:cTn>
+                                        <p:tgtEl>
+                                          <p:spTgt spid="4"/>
+                                        </p:tgtEl>
+                                        <p:attrNameLst>
+                                          <p:attrName>style.visibility</p:attrName>
+                                        </p:attrNameLst>
+                                      </p:cBhvr>
+                                      <p:to>
+                                        <p:strVal val="visible"/>
+                                      </p:to>
+                                    </p:set>
+                                    <p:animEffect transition="in" filter="wipe(left)">
+                                      <p:cBhvr>
+                                        <p:cTn id="7" dur="500"/>
+                                        <p:tgtEl>
+                                          <p:spTgt spid="4"/>
+                                        </p:tgtEl>
+                                      </p:cBhvr>
+                                    </p:animEffect>
+                                  </p:childTnLst>
+                                </p:cTn>
+                              </p:par>
+                            </p:childTnLst>
+                          </p:cTn>
+                        </p:par>
+                      </p:childTnLst>
+                    </p:cTn>
+                  </p:par>
+                </p:childTnLst>
+              </p:cTn>
+              <p:prevCondLst>
+                <p:cond evt="onPrev" delay="0">
+                  <p:tgtEl>
+                    <p:sldTgt/>
+                  </p:tgtEl>
+                </p:cond>
+              </p:prevCondLst>
+              <p:nextCondLst>
+                <p:cond evt="onNext" delay="0">
+                  <p:tgtEl>
+                    <p:sldTgt/>
+                  </p:tgtEl>
+                </p:cond>
+              </p:nextCondLst>
+            </p:seq>
+          </p:childTnLst>
+        </p:cTn>
+      </p:par>
+    </p:tnLst>
+  </p:timing>
 </p:sld>
 </file>
 
@@ -11335,7 +13904,7 @@
           <p:cNvPr id="2" name="Title 1">
             <a:extLst>
               <a:ext uri="{FF2B5EF4-FFF2-40B4-BE49-F238E27FC236}">
-                <a16:creationId xmlns:a16="http://schemas.microsoft.com/office/drawing/2014/main" id="{56D96A64-C11B-4546-9E2D-076A85967972}"/>
+                <a16:creationId xmlns:a16="http://schemas.microsoft.com/office/drawing/2014/main" xmlns="" id="{88D82110-49C1-4524-8ECE-67E8C8184D6C}"/>
               </a:ext>
             </a:extLst>
           </p:cNvPr>
@@ -11348,7 +13917,481 @@
         </p:nvSpPr>
         <p:spPr>
           <a:xfrm>
-            <a:off x="838199" y="365125"/>
+            <a:off x="749106" y="2199056"/>
+            <a:ext cx="2352439" cy="712303"/>
+          </a:xfrm>
+        </p:spPr>
+        <p:txBody>
+          <a:bodyPr>
+            <a:noAutofit/>
+          </a:bodyPr>
+          <a:lstStyle/>
+          <a:p>
+            <a:pPr algn="l"/>
+            <a:r>
+              <a:rPr lang="en-US" sz="4000" b="1" dirty="0">
+                <a:solidFill>
+                  <a:schemeClr val="accent1"/>
+                </a:solidFill>
+              </a:rPr>
+              <a:t>Live Demo</a:t>
+            </a:r>
+            <a:endParaRPr lang="en-US" sz="3200" b="1" dirty="0">
+              <a:solidFill>
+                <a:schemeClr val="accent1"/>
+              </a:solidFill>
+            </a:endParaRPr>
+          </a:p>
+        </p:txBody>
+      </p:sp>
+      <p:sp>
+        <p:nvSpPr>
+          <p:cNvPr id="3" name="TextBox 2">
+            <a:extLst>
+              <a:ext uri="{FF2B5EF4-FFF2-40B4-BE49-F238E27FC236}">
+                <a16:creationId xmlns:a16="http://schemas.microsoft.com/office/drawing/2014/main" xmlns="" id="{2B15EE05-61BF-424B-9317-8B72B112A15B}"/>
+              </a:ext>
+            </a:extLst>
+          </p:cNvPr>
+          <p:cNvSpPr txBox="1"/>
+          <p:nvPr/>
+        </p:nvSpPr>
+        <p:spPr>
+          <a:xfrm>
+            <a:off x="4161183" y="1705955"/>
+            <a:ext cx="6771860" cy="1477328"/>
+          </a:xfrm>
+          <a:prstGeom prst="rect">
+            <a:avLst/>
+          </a:prstGeom>
+          <a:noFill/>
+        </p:spPr>
+        <p:txBody>
+          <a:bodyPr wrap="square" rtlCol="0">
+            <a:spAutoFit/>
+          </a:bodyPr>
+          <a:lstStyle/>
+          <a:p>
+            <a:r>
+              <a:rPr lang="en-US" b="1" dirty="0" err="1"/>
+              <a:t>WordCollector</a:t>
+            </a:r>
+            <a:endParaRPr lang="en-US" b="1" dirty="0"/>
+          </a:p>
+          <a:p>
+            <a:pPr marL="285750" indent="-285750">
+              <a:buFont typeface="Arial" panose="020B0604020202020204" pitchFamily="34" charset="0"/>
+              <a:buChar char="•"/>
+            </a:pPr>
+            <a:r>
+              <a:rPr lang="en-US" dirty="0" err="1"/>
+              <a:t>tickets_out.json</a:t>
+            </a:r>
+            <a:r>
+              <a:rPr lang="en-US" dirty="0"/>
+              <a:t> – 666 records</a:t>
+            </a:r>
+          </a:p>
+          <a:p>
+            <a:pPr marL="285750" indent="-285750">
+              <a:buFont typeface="Arial" panose="020B0604020202020204" pitchFamily="34" charset="0"/>
+              <a:buChar char="•"/>
+            </a:pPr>
+            <a:r>
+              <a:rPr lang="en-US" dirty="0" err="1"/>
+              <a:t>tickets_sample.json</a:t>
+            </a:r>
+            <a:r>
+              <a:rPr lang="en-US" dirty="0"/>
+              <a:t> – small sample of 68 records</a:t>
+            </a:r>
+          </a:p>
+          <a:p>
+            <a:pPr marL="285750" indent="-285750">
+              <a:buFont typeface="Arial" panose="020B0604020202020204" pitchFamily="34" charset="0"/>
+              <a:buChar char="•"/>
+            </a:pPr>
+            <a:r>
+              <a:rPr lang="en-US" dirty="0" err="1"/>
+              <a:t>tickets_out</a:t>
+            </a:r>
+            <a:r>
+              <a:rPr lang="en-US" dirty="0"/>
+              <a:t> Dev-</a:t>
+            </a:r>
+            <a:r>
+              <a:rPr lang="en-US" dirty="0" err="1"/>
+              <a:t>Review.json</a:t>
+            </a:r>
+            <a:r>
+              <a:rPr lang="en-US" dirty="0"/>
+              <a:t> – 1000 records</a:t>
+            </a:r>
+          </a:p>
+          <a:p>
+            <a:pPr marL="285750" indent="-285750">
+              <a:buFont typeface="Arial" panose="020B0604020202020204" pitchFamily="34" charset="0"/>
+              <a:buChar char="•"/>
+            </a:pPr>
+            <a:r>
+              <a:rPr lang="en-US" dirty="0" err="1"/>
+              <a:t>tickets_small_sample.json</a:t>
+            </a:r>
+            <a:r>
+              <a:rPr lang="en-US" dirty="0"/>
+              <a:t> – order 2, csv output</a:t>
+            </a:r>
+          </a:p>
+        </p:txBody>
+      </p:sp>
+      <p:sp>
+        <p:nvSpPr>
+          <p:cNvPr id="4" name="TextBox 3">
+            <a:extLst>
+              <a:ext uri="{FF2B5EF4-FFF2-40B4-BE49-F238E27FC236}">
+                <a16:creationId xmlns:a16="http://schemas.microsoft.com/office/drawing/2014/main" xmlns="" id="{E6EF7806-70E1-4596-8535-8E26EEBAC113}"/>
+              </a:ext>
+            </a:extLst>
+          </p:cNvPr>
+          <p:cNvSpPr txBox="1"/>
+          <p:nvPr/>
+        </p:nvSpPr>
+        <p:spPr>
+          <a:xfrm>
+            <a:off x="4161183" y="562377"/>
+            <a:ext cx="6771860" cy="923330"/>
+          </a:xfrm>
+          <a:prstGeom prst="rect">
+            <a:avLst/>
+          </a:prstGeom>
+          <a:noFill/>
+        </p:spPr>
+        <p:txBody>
+          <a:bodyPr wrap="square" rtlCol="0">
+            <a:spAutoFit/>
+          </a:bodyPr>
+          <a:lstStyle/>
+          <a:p>
+            <a:r>
+              <a:rPr lang="en-US" b="1" dirty="0" err="1"/>
+              <a:t>WordProducer</a:t>
+            </a:r>
+            <a:endParaRPr lang="en-US" b="1" dirty="0"/>
+          </a:p>
+          <a:p>
+            <a:pPr marL="285750" indent="-285750">
+              <a:buFont typeface="Arial" panose="020B0604020202020204" pitchFamily="34" charset="0"/>
+              <a:buChar char="•"/>
+            </a:pPr>
+            <a:r>
+              <a:rPr lang="en-US" dirty="0"/>
+              <a:t>test sample data</a:t>
+            </a:r>
+          </a:p>
+          <a:p>
+            <a:pPr marL="285750" indent="-285750">
+              <a:buFont typeface="Arial" panose="020B0604020202020204" pitchFamily="34" charset="0"/>
+              <a:buChar char="•"/>
+            </a:pPr>
+            <a:r>
+              <a:rPr lang="en-US" dirty="0"/>
+              <a:t>drug names – order 3</a:t>
+            </a:r>
+          </a:p>
+        </p:txBody>
+      </p:sp>
+      <p:sp>
+        <p:nvSpPr>
+          <p:cNvPr id="5" name="TextBox 4">
+            <a:extLst>
+              <a:ext uri="{FF2B5EF4-FFF2-40B4-BE49-F238E27FC236}">
+                <a16:creationId xmlns:a16="http://schemas.microsoft.com/office/drawing/2014/main" xmlns="" id="{E351DD6E-E246-4232-A06E-5CDF51E7EF7C}"/>
+              </a:ext>
+            </a:extLst>
+          </p:cNvPr>
+          <p:cNvSpPr txBox="1"/>
+          <p:nvPr/>
+        </p:nvSpPr>
+        <p:spPr>
+          <a:xfrm>
+            <a:off x="4161183" y="3519237"/>
+            <a:ext cx="6771860" cy="646331"/>
+          </a:xfrm>
+          <a:prstGeom prst="rect">
+            <a:avLst/>
+          </a:prstGeom>
+          <a:noFill/>
+        </p:spPr>
+        <p:txBody>
+          <a:bodyPr wrap="square" rtlCol="0">
+            <a:spAutoFit/>
+          </a:bodyPr>
+          <a:lstStyle/>
+          <a:p>
+            <a:r>
+              <a:rPr lang="en-US" b="1" dirty="0" err="1"/>
+              <a:t>HarmonyChordCollector</a:t>
+            </a:r>
+            <a:endParaRPr lang="en-US" b="1" dirty="0"/>
+          </a:p>
+          <a:p>
+            <a:pPr marL="285750" indent="-285750">
+              <a:buFont typeface="Arial" panose="020B0604020202020204" pitchFamily="34" charset="0"/>
+              <a:buChar char="•"/>
+            </a:pPr>
+            <a:r>
+              <a:rPr lang="en-US" dirty="0"/>
+              <a:t>Beatles – order 2</a:t>
+            </a:r>
+          </a:p>
+        </p:txBody>
+      </p:sp>
+      <p:sp>
+        <p:nvSpPr>
+          <p:cNvPr id="6" name="TextBox 5">
+            <a:extLst>
+              <a:ext uri="{FF2B5EF4-FFF2-40B4-BE49-F238E27FC236}">
+                <a16:creationId xmlns:a16="http://schemas.microsoft.com/office/drawing/2014/main" xmlns="" id="{1A50E33B-B044-4E04-9267-C28F2015AD3C}"/>
+              </a:ext>
+            </a:extLst>
+          </p:cNvPr>
+          <p:cNvSpPr txBox="1"/>
+          <p:nvPr/>
+        </p:nvSpPr>
+        <p:spPr>
+          <a:xfrm>
+            <a:off x="4161183" y="4662815"/>
+            <a:ext cx="6771860" cy="646331"/>
+          </a:xfrm>
+          <a:prstGeom prst="rect">
+            <a:avLst/>
+          </a:prstGeom>
+          <a:noFill/>
+        </p:spPr>
+        <p:txBody>
+          <a:bodyPr wrap="square" rtlCol="0">
+            <a:spAutoFit/>
+          </a:bodyPr>
+          <a:lstStyle/>
+          <a:p>
+            <a:r>
+              <a:rPr lang="en-US" b="1" dirty="0" err="1"/>
+              <a:t>ChordProgressionProducer</a:t>
+            </a:r>
+            <a:endParaRPr lang="en-US" b="1" dirty="0"/>
+          </a:p>
+          <a:p>
+            <a:pPr marL="285750" indent="-285750">
+              <a:buFont typeface="Arial" panose="020B0604020202020204" pitchFamily="34" charset="0"/>
+              <a:buChar char="•"/>
+            </a:pPr>
+            <a:r>
+              <a:rPr lang="en-US" dirty="0"/>
+              <a:t>Beatles – order 3</a:t>
+            </a:r>
+          </a:p>
+        </p:txBody>
+      </p:sp>
+    </p:spTree>
+    <p:extLst>
+      <p:ext uri="{BB962C8B-B14F-4D97-AF65-F5344CB8AC3E}">
+        <p14:creationId xmlns:p14="http://schemas.microsoft.com/office/powerpoint/2010/main" val="3963184675"/>
+      </p:ext>
+    </p:extLst>
+  </p:cSld>
+  <p:clrMapOvr>
+    <a:masterClrMapping/>
+  </p:clrMapOvr>
+  <p:timing>
+    <p:tnLst>
+      <p:par>
+        <p:cTn id="1" dur="indefinite" restart="never" nodeType="tmRoot"/>
+      </p:par>
+    </p:tnLst>
+  </p:timing>
+</p:sld>
+</file>
+
+<file path=ppt/slides/slide22.xml><?xml version="1.0" encoding="utf-8"?>
+<p:sld xmlns:a="http://schemas.openxmlformats.org/drawingml/2006/main" xmlns:r="http://schemas.openxmlformats.org/officeDocument/2006/relationships" xmlns:p="http://schemas.openxmlformats.org/presentationml/2006/main">
+  <p:cSld>
+    <p:spTree>
+      <p:nvGrpSpPr>
+        <p:cNvPr id="1" name=""/>
+        <p:cNvGrpSpPr/>
+        <p:nvPr/>
+      </p:nvGrpSpPr>
+      <p:grpSpPr>
+        <a:xfrm>
+          <a:off x="0" y="0"/>
+          <a:ext cx="0" cy="0"/>
+          <a:chOff x="0" y="0"/>
+          <a:chExt cx="0" cy="0"/>
+        </a:xfrm>
+      </p:grpSpPr>
+      <p:sp>
+        <p:nvSpPr>
+          <p:cNvPr id="2" name="Title 1">
+            <a:extLst>
+              <a:ext uri="{FF2B5EF4-FFF2-40B4-BE49-F238E27FC236}">
+                <a16:creationId xmlns:a16="http://schemas.microsoft.com/office/drawing/2014/main" xmlns="" id="{56D96A64-C11B-4546-9E2D-076A85967972}"/>
+              </a:ext>
+            </a:extLst>
+          </p:cNvPr>
+          <p:cNvSpPr>
+            <a:spLocks noGrp="1"/>
+          </p:cNvSpPr>
+          <p:nvPr>
+            <p:ph type="title"/>
+          </p:nvPr>
+        </p:nvSpPr>
+        <p:spPr>
+          <a:xfrm>
+            <a:off x="760926" y="506792"/>
+            <a:ext cx="8980482" cy="819731"/>
+          </a:xfrm>
+        </p:spPr>
+        <p:txBody>
+          <a:bodyPr>
+            <a:normAutofit/>
+          </a:bodyPr>
+          <a:lstStyle/>
+          <a:p>
+            <a:r>
+              <a:rPr lang="en-US" dirty="0">
+                <a:latin typeface="Berlin Sans FB" panose="020E0602020502020306" pitchFamily="34" charset="0"/>
+              </a:rPr>
+              <a:t>Opportunities for improvement</a:t>
+            </a:r>
+          </a:p>
+        </p:txBody>
+      </p:sp>
+      <p:sp>
+        <p:nvSpPr>
+          <p:cNvPr id="3" name="TextBox 2"/>
+          <p:cNvSpPr txBox="1"/>
+          <p:nvPr/>
+        </p:nvSpPr>
+        <p:spPr>
+          <a:xfrm>
+            <a:off x="1685759" y="1490008"/>
+            <a:ext cx="7830355" cy="1938992"/>
+          </a:xfrm>
+          <a:prstGeom prst="rect">
+            <a:avLst/>
+          </a:prstGeom>
+          <a:noFill/>
+        </p:spPr>
+        <p:txBody>
+          <a:bodyPr wrap="square" rtlCol="0">
+            <a:spAutoFit/>
+          </a:bodyPr>
+          <a:lstStyle/>
+          <a:p>
+            <a:pPr marL="285750" indent="-285750">
+              <a:buFont typeface="Arial" panose="020B0604020202020204" pitchFamily="34" charset="0"/>
+              <a:buChar char="•"/>
+            </a:pPr>
+            <a:r>
+              <a:rPr lang="en-US" sz="2400" dirty="0"/>
+              <a:t>Collection Data Preparation</a:t>
+            </a:r>
+          </a:p>
+          <a:p>
+            <a:pPr marL="285750" indent="-285750">
+              <a:buFont typeface="Arial" panose="020B0604020202020204" pitchFamily="34" charset="0"/>
+              <a:buChar char="•"/>
+            </a:pPr>
+            <a:r>
+              <a:rPr lang="en-US" sz="2400" dirty="0"/>
+              <a:t>Collector results presentation</a:t>
+            </a:r>
+          </a:p>
+          <a:p>
+            <a:pPr marL="285750" indent="-285750">
+              <a:buFont typeface="Arial" panose="020B0604020202020204" pitchFamily="34" charset="0"/>
+              <a:buChar char="•"/>
+            </a:pPr>
+            <a:r>
+              <a:rPr lang="en-US" sz="2400" dirty="0"/>
+              <a:t>Results interpretation</a:t>
+            </a:r>
+          </a:p>
+          <a:p>
+            <a:pPr marL="285750" indent="-285750">
+              <a:buFont typeface="Arial" panose="020B0604020202020204" pitchFamily="34" charset="0"/>
+              <a:buChar char="•"/>
+            </a:pPr>
+            <a:r>
+              <a:rPr lang="en-US" sz="2400" dirty="0"/>
+              <a:t>Framework flexibility</a:t>
+            </a:r>
+          </a:p>
+          <a:p>
+            <a:pPr marL="285750" indent="-285750">
+              <a:buFont typeface="Arial" panose="020B0604020202020204" pitchFamily="34" charset="0"/>
+              <a:buChar char="•"/>
+            </a:pPr>
+            <a:endParaRPr lang="en-US" sz="2400" dirty="0"/>
+          </a:p>
+        </p:txBody>
+      </p:sp>
+    </p:spTree>
+    <p:extLst>
+      <p:ext uri="{BB962C8B-B14F-4D97-AF65-F5344CB8AC3E}">
+        <p14:creationId xmlns:p14="http://schemas.microsoft.com/office/powerpoint/2010/main" val="4171783583"/>
+      </p:ext>
+    </p:extLst>
+  </p:cSld>
+  <p:clrMapOvr>
+    <a:masterClrMapping/>
+  </p:clrMapOvr>
+  <p:timing>
+    <p:tnLst>
+      <p:par>
+        <p:cTn id="1" dur="indefinite" restart="never" nodeType="tmRoot"/>
+      </p:par>
+    </p:tnLst>
+  </p:timing>
+</p:sld>
+</file>
+
+<file path=ppt/slides/slide23.xml><?xml version="1.0" encoding="utf-8"?>
+<p:sld xmlns:a="http://schemas.openxmlformats.org/drawingml/2006/main" xmlns:r="http://schemas.openxmlformats.org/officeDocument/2006/relationships" xmlns:p="http://schemas.openxmlformats.org/presentationml/2006/main">
+  <p:cSld>
+    <p:spTree>
+      <p:nvGrpSpPr>
+        <p:cNvPr id="1" name=""/>
+        <p:cNvGrpSpPr/>
+        <p:nvPr/>
+      </p:nvGrpSpPr>
+      <p:grpSpPr>
+        <a:xfrm>
+          <a:off x="0" y="0"/>
+          <a:ext cx="0" cy="0"/>
+          <a:chOff x="0" y="0"/>
+          <a:chExt cx="0" cy="0"/>
+        </a:xfrm>
+      </p:grpSpPr>
+      <p:sp>
+        <p:nvSpPr>
+          <p:cNvPr id="2" name="Title 1">
+            <a:extLst>
+              <a:ext uri="{FF2B5EF4-FFF2-40B4-BE49-F238E27FC236}">
+                <a16:creationId xmlns:a16="http://schemas.microsoft.com/office/drawing/2014/main" xmlns="" id="{56D96A64-C11B-4546-9E2D-076A85967972}"/>
+              </a:ext>
+            </a:extLst>
+          </p:cNvPr>
+          <p:cNvSpPr>
+            <a:spLocks noGrp="1"/>
+          </p:cNvSpPr>
+          <p:nvPr>
+            <p:ph type="title"/>
+          </p:nvPr>
+        </p:nvSpPr>
+        <p:spPr>
+          <a:xfrm>
+            <a:off x="1431323" y="871752"/>
             <a:ext cx="2831123" cy="678229"/>
           </a:xfrm>
         </p:spPr>
@@ -11374,7 +14417,7 @@
           <p:cNvPr id="3" name="Title 1">
             <a:extLst>
               <a:ext uri="{FF2B5EF4-FFF2-40B4-BE49-F238E27FC236}">
-                <a16:creationId xmlns:a16="http://schemas.microsoft.com/office/drawing/2014/main" id="{A2D12ED6-176D-43F3-BDE0-7BB4B19918F3}"/>
+                <a16:creationId xmlns:a16="http://schemas.microsoft.com/office/drawing/2014/main" xmlns="" id="{A2D12ED6-176D-43F3-BDE0-7BB4B19918F3}"/>
               </a:ext>
             </a:extLst>
           </p:cNvPr>
@@ -11385,7 +14428,7 @@
         </p:nvSpPr>
         <p:spPr>
           <a:xfrm>
-            <a:off x="838199" y="3717926"/>
+            <a:off x="5360772" y="3528418"/>
             <a:ext cx="2960077" cy="537552"/>
           </a:xfrm>
           <a:prstGeom prst="rect">
@@ -11428,7 +14471,7 @@
           <p:cNvPr id="4" name="TextBox 3">
             <a:extLst>
               <a:ext uri="{FF2B5EF4-FFF2-40B4-BE49-F238E27FC236}">
-                <a16:creationId xmlns:a16="http://schemas.microsoft.com/office/drawing/2014/main" id="{A54DD422-E291-4E7B-A33E-7DF63F848E5C}"/>
+                <a16:creationId xmlns:a16="http://schemas.microsoft.com/office/drawing/2014/main" xmlns="" id="{A54DD422-E291-4E7B-A33E-7DF63F848E5C}"/>
               </a:ext>
             </a:extLst>
           </p:cNvPr>
@@ -11437,8 +14480,8 @@
         </p:nvSpPr>
         <p:spPr>
           <a:xfrm>
-            <a:off x="1735015" y="4431323"/>
-            <a:ext cx="6201508" cy="1754326"/>
+            <a:off x="5454399" y="4065970"/>
+            <a:ext cx="3862596" cy="1754326"/>
           </a:xfrm>
           <a:prstGeom prst="rect">
             <a:avLst/>
@@ -11482,9 +14525,12 @@
               <a:buChar char="•"/>
             </a:pPr>
             <a:r>
-              <a:rPr lang="en-US" dirty="0"/>
+              <a:rPr lang="en-US" dirty="0">
+                <a:hlinkClick r:id="rId3"/>
+              </a:rPr>
               <a:t>Math-lib</a:t>
             </a:r>
+            <a:endParaRPr lang="en-US" dirty="0"/>
           </a:p>
           <a:p>
             <a:pPr marL="742950" lvl="1" indent="-285750">
@@ -11492,9 +14538,12 @@
               <a:buChar char="•"/>
             </a:pPr>
             <a:r>
-              <a:rPr lang="en-US" dirty="0"/>
+              <a:rPr lang="en-US" dirty="0">
+                <a:hlinkClick r:id="rId4"/>
+              </a:rPr>
               <a:t>Music-framework</a:t>
             </a:r>
+            <a:endParaRPr lang="en-US" dirty="0"/>
           </a:p>
           <a:p>
             <a:pPr marL="742950" lvl="1" indent="-285750">
@@ -11502,8 +14551,14 @@
               <a:buChar char="•"/>
             </a:pPr>
             <a:r>
+              <a:rPr lang="en-US" dirty="0">
+                <a:hlinkClick r:id="rId5"/>
+              </a:rPr>
+              <a:t>Text-processing</a:t>
+            </a:r>
+            <a:r>
               <a:rPr lang="en-US" dirty="0"/>
-              <a:t>Text-processing </a:t>
+              <a:t> </a:t>
             </a:r>
           </a:p>
           <a:p>
@@ -11515,6 +14570,36 @@
           </a:p>
         </p:txBody>
       </p:sp>
+      <p:pic>
+        <p:nvPicPr>
+          <p:cNvPr id="5" name="Picture 4"/>
+          <p:cNvPicPr>
+            <a:picLocks noChangeAspect="1"/>
+          </p:cNvPicPr>
+          <p:nvPr/>
+        </p:nvPicPr>
+        <p:blipFill>
+          <a:blip r:embed="rId6">
+            <a:extLst>
+              <a:ext uri="{28A0092B-C50C-407E-A947-70E740481C1C}">
+                <a14:useLocalDpi xmlns:a14="http://schemas.microsoft.com/office/drawing/2010/main" val="0"/>
+              </a:ext>
+            </a:extLst>
+          </a:blip>
+          <a:stretch>
+            <a:fillRect/>
+          </a:stretch>
+        </p:blipFill>
+        <p:spPr>
+          <a:xfrm>
+            <a:off x="723780" y="145085"/>
+            <a:ext cx="3848219" cy="3383333"/>
+          </a:xfrm>
+          <a:prstGeom prst="rect">
+            <a:avLst/>
+          </a:prstGeom>
+        </p:spPr>
+      </p:pic>
     </p:spTree>
     <p:extLst>
       <p:ext uri="{BB962C8B-B14F-4D97-AF65-F5344CB8AC3E}">
@@ -11525,10 +14610,84 @@
   <p:clrMapOvr>
     <a:masterClrMapping/>
   </p:clrMapOvr>
+  <p:timing>
+    <p:tnLst>
+      <p:par>
+        <p:cTn id="1" dur="indefinite" restart="never" nodeType="tmRoot"/>
+      </p:par>
+    </p:tnLst>
+  </p:timing>
 </p:sld>
 </file>
 
-<file path=ppt/slides/slide22.xml><?xml version="1.0" encoding="utf-8"?>
+<file path=ppt/slides/slide24.xml><?xml version="1.0" encoding="utf-8"?>
+<p:sld xmlns:a="http://schemas.openxmlformats.org/drawingml/2006/main" xmlns:r="http://schemas.openxmlformats.org/officeDocument/2006/relationships" xmlns:p="http://schemas.openxmlformats.org/presentationml/2006/main">
+  <p:cSld>
+    <p:spTree>
+      <p:nvGrpSpPr>
+        <p:cNvPr id="1" name=""/>
+        <p:cNvGrpSpPr/>
+        <p:nvPr/>
+      </p:nvGrpSpPr>
+      <p:grpSpPr>
+        <a:xfrm>
+          <a:off x="0" y="0"/>
+          <a:ext cx="0" cy="0"/>
+          <a:chOff x="0" y="0"/>
+          <a:chExt cx="0" cy="0"/>
+        </a:xfrm>
+      </p:grpSpPr>
+      <p:pic>
+        <p:nvPicPr>
+          <p:cNvPr id="4" name="Picture 3"/>
+          <p:cNvPicPr>
+            <a:picLocks noChangeAspect="1"/>
+          </p:cNvPicPr>
+          <p:nvPr/>
+        </p:nvPicPr>
+        <p:blipFill>
+          <a:blip r:embed="rId2">
+            <a:extLst>
+              <a:ext uri="{28A0092B-C50C-407E-A947-70E740481C1C}">
+                <a14:useLocalDpi xmlns:a14="http://schemas.microsoft.com/office/drawing/2010/main" val="0"/>
+              </a:ext>
+            </a:extLst>
+          </a:blip>
+          <a:stretch>
+            <a:fillRect/>
+          </a:stretch>
+        </p:blipFill>
+        <p:spPr>
+          <a:xfrm>
+            <a:off x="2638185" y="0"/>
+            <a:ext cx="6915630" cy="6858000"/>
+          </a:xfrm>
+          <a:prstGeom prst="rect">
+            <a:avLst/>
+          </a:prstGeom>
+        </p:spPr>
+      </p:pic>
+    </p:spTree>
+    <p:extLst>
+      <p:ext uri="{BB962C8B-B14F-4D97-AF65-F5344CB8AC3E}">
+        <p14:creationId xmlns:p14="http://schemas.microsoft.com/office/powerpoint/2010/main" val="873321240"/>
+      </p:ext>
+    </p:extLst>
+  </p:cSld>
+  <p:clrMapOvr>
+    <a:masterClrMapping/>
+  </p:clrMapOvr>
+  <p:timing>
+    <p:tnLst>
+      <p:par>
+        <p:cTn id="1" dur="indefinite" restart="never" nodeType="tmRoot"/>
+      </p:par>
+    </p:tnLst>
+  </p:timing>
+</p:sld>
+</file>
+
+<file path=ppt/slides/slide25.xml><?xml version="1.0" encoding="utf-8"?>
 <p:sld xmlns:a="http://schemas.openxmlformats.org/drawingml/2006/main" xmlns:r="http://schemas.openxmlformats.org/officeDocument/2006/relationships" xmlns:p="http://schemas.openxmlformats.org/presentationml/2006/main">
   <p:cSld>
     <p:spTree>
@@ -11547,13 +14706,7 @@
       </p:grpSpPr>
       <p:sp>
         <p:nvSpPr>
-          <p:cNvPr id="2" name="Title 1">
-            <a:extLst>
-              <a:ext uri="{FF2B5EF4-FFF2-40B4-BE49-F238E27FC236}">
-                <a16:creationId xmlns:a16="http://schemas.microsoft.com/office/drawing/2014/main" id="{DE71B1A0-8383-4355-8F29-5C2BA5FC347A}"/>
-              </a:ext>
-            </a:extLst>
-          </p:cNvPr>
+          <p:cNvPr id="2" name="Title 1"/>
           <p:cNvSpPr>
             <a:spLocks noGrp="1"/>
           </p:cNvSpPr>
@@ -11563,33 +14716,69 @@
         </p:nvSpPr>
         <p:spPr>
           <a:xfrm>
-            <a:off x="2727960" y="596773"/>
-            <a:ext cx="6025896" cy="817499"/>
+            <a:off x="838200" y="365125"/>
+            <a:ext cx="1571368" cy="746983"/>
           </a:xfrm>
         </p:spPr>
         <p:txBody>
-          <a:bodyPr>
-            <a:normAutofit/>
-          </a:bodyPr>
+          <a:bodyPr/>
           <a:lstStyle/>
           <a:p>
             <a:r>
-              <a:rPr lang="en-US" sz="4800" dirty="0"/>
-              <a:t>Thank you very much!</a:t>
-            </a:r>
+              <a:rPr lang="en-US" dirty="0" smtClean="0"/>
+              <a:t>Extras</a:t>
+            </a:r>
+            <a:endParaRPr lang="en-US" dirty="0"/>
           </a:p>
         </p:txBody>
       </p:sp>
+      <p:pic>
+        <p:nvPicPr>
+          <p:cNvPr id="3" name="Picture 2"/>
+          <p:cNvPicPr>
+            <a:picLocks noChangeAspect="1"/>
+          </p:cNvPicPr>
+          <p:nvPr/>
+        </p:nvPicPr>
+        <p:blipFill>
+          <a:blip r:embed="rId2">
+            <a:extLst>
+              <a:ext uri="{28A0092B-C50C-407E-A947-70E740481C1C}">
+                <a14:useLocalDpi xmlns:a14="http://schemas.microsoft.com/office/drawing/2010/main" val="0"/>
+              </a:ext>
+            </a:extLst>
+          </a:blip>
+          <a:stretch>
+            <a:fillRect/>
+          </a:stretch>
+        </p:blipFill>
+        <p:spPr>
+          <a:xfrm>
+            <a:off x="2755834" y="0"/>
+            <a:ext cx="6680332" cy="6858000"/>
+          </a:xfrm>
+          <a:prstGeom prst="rect">
+            <a:avLst/>
+          </a:prstGeom>
+        </p:spPr>
+      </p:pic>
     </p:spTree>
     <p:extLst>
       <p:ext uri="{BB962C8B-B14F-4D97-AF65-F5344CB8AC3E}">
-        <p14:creationId xmlns:p14="http://schemas.microsoft.com/office/powerpoint/2010/main" val="873321240"/>
+        <p14:creationId xmlns:p14="http://schemas.microsoft.com/office/powerpoint/2010/main" val="3079519679"/>
       </p:ext>
     </p:extLst>
   </p:cSld>
   <p:clrMapOvr>
     <a:masterClrMapping/>
   </p:clrMapOvr>
+  <p:timing>
+    <p:tnLst>
+      <p:par>
+        <p:cTn id="1" dur="indefinite" restart="never" nodeType="tmRoot"/>
+      </p:par>
+    </p:tnLst>
+  </p:timing>
 </p:sld>
 </file>
 
@@ -11615,7 +14804,7 @@
           <p:cNvPr id="2" name="Title 1">
             <a:extLst>
               <a:ext uri="{FF2B5EF4-FFF2-40B4-BE49-F238E27FC236}">
-                <a16:creationId xmlns:a16="http://schemas.microsoft.com/office/drawing/2014/main" id="{74ECC5D7-F104-4F42-989D-B92A09A929C2}"/>
+                <a16:creationId xmlns:a16="http://schemas.microsoft.com/office/drawing/2014/main" xmlns="" id="{74ECC5D7-F104-4F42-989D-B92A09A929C2}"/>
               </a:ext>
             </a:extLst>
           </p:cNvPr>
@@ -11652,7 +14841,7 @@
           <p:cNvPr id="3" name="Content Placeholder 2">
             <a:extLst>
               <a:ext uri="{FF2B5EF4-FFF2-40B4-BE49-F238E27FC236}">
-                <a16:creationId xmlns:a16="http://schemas.microsoft.com/office/drawing/2014/main" id="{DEF1F8EC-EEB8-4B01-B078-1C454AD976BB}"/>
+                <a16:creationId xmlns:a16="http://schemas.microsoft.com/office/drawing/2014/main" xmlns="" id="{DEF1F8EC-EEB8-4B01-B078-1C454AD976BB}"/>
               </a:ext>
             </a:extLst>
           </p:cNvPr>
@@ -11749,6 +14938,289 @@
   <p:clrMapOvr>
     <a:masterClrMapping/>
   </p:clrMapOvr>
+  <p:timing>
+    <p:tnLst>
+      <p:par>
+        <p:cTn id="1" dur="indefinite" restart="never" nodeType="tmRoot">
+          <p:childTnLst>
+            <p:seq concurrent="1" nextAc="seek">
+              <p:cTn id="2" dur="indefinite" nodeType="mainSeq">
+                <p:childTnLst>
+                  <p:par>
+                    <p:cTn id="3" fill="hold">
+                      <p:stCondLst>
+                        <p:cond delay="indefinite"/>
+                      </p:stCondLst>
+                      <p:childTnLst>
+                        <p:par>
+                          <p:cTn id="4" fill="hold">
+                            <p:stCondLst>
+                              <p:cond delay="0"/>
+                            </p:stCondLst>
+                            <p:childTnLst>
+                              <p:par>
+                                <p:cTn id="5" presetID="42" presetClass="entr" presetSubtype="0" fill="hold" grpId="0" nodeType="clickEffect">
+                                  <p:stCondLst>
+                                    <p:cond delay="0"/>
+                                  </p:stCondLst>
+                                  <p:childTnLst>
+                                    <p:set>
+                                      <p:cBhvr>
+                                        <p:cTn id="6" dur="1" fill="hold">
+                                          <p:stCondLst>
+                                            <p:cond delay="0"/>
+                                          </p:stCondLst>
+                                        </p:cTn>
+                                        <p:tgtEl>
+                                          <p:spTgt spid="3">
+                                            <p:txEl>
+                                              <p:pRg st="0" end="0"/>
+                                            </p:txEl>
+                                          </p:spTgt>
+                                        </p:tgtEl>
+                                        <p:attrNameLst>
+                                          <p:attrName>style.visibility</p:attrName>
+                                        </p:attrNameLst>
+                                      </p:cBhvr>
+                                      <p:to>
+                                        <p:strVal val="visible"/>
+                                      </p:to>
+                                    </p:set>
+                                    <p:animEffect transition="in" filter="fade">
+                                      <p:cBhvr>
+                                        <p:cTn id="7" dur="1000"/>
+                                        <p:tgtEl>
+                                          <p:spTgt spid="3">
+                                            <p:txEl>
+                                              <p:pRg st="0" end="0"/>
+                                            </p:txEl>
+                                          </p:spTgt>
+                                        </p:tgtEl>
+                                      </p:cBhvr>
+                                    </p:animEffect>
+                                    <p:anim calcmode="lin" valueType="num">
+                                      <p:cBhvr>
+                                        <p:cTn id="8" dur="1000" fill="hold"/>
+                                        <p:tgtEl>
+                                          <p:spTgt spid="3">
+                                            <p:txEl>
+                                              <p:pRg st="0" end="0"/>
+                                            </p:txEl>
+                                          </p:spTgt>
+                                        </p:tgtEl>
+                                        <p:attrNameLst>
+                                          <p:attrName>ppt_x</p:attrName>
+                                        </p:attrNameLst>
+                                      </p:cBhvr>
+                                      <p:tavLst>
+                                        <p:tav tm="0">
+                                          <p:val>
+                                            <p:strVal val="#ppt_x"/>
+                                          </p:val>
+                                        </p:tav>
+                                        <p:tav tm="100000">
+                                          <p:val>
+                                            <p:strVal val="#ppt_x"/>
+                                          </p:val>
+                                        </p:tav>
+                                      </p:tavLst>
+                                    </p:anim>
+                                    <p:anim calcmode="lin" valueType="num">
+                                      <p:cBhvr>
+                                        <p:cTn id="9" dur="1000" fill="hold"/>
+                                        <p:tgtEl>
+                                          <p:spTgt spid="3">
+                                            <p:txEl>
+                                              <p:pRg st="0" end="0"/>
+                                            </p:txEl>
+                                          </p:spTgt>
+                                        </p:tgtEl>
+                                        <p:attrNameLst>
+                                          <p:attrName>ppt_y</p:attrName>
+                                        </p:attrNameLst>
+                                      </p:cBhvr>
+                                      <p:tavLst>
+                                        <p:tav tm="0">
+                                          <p:val>
+                                            <p:strVal val="#ppt_y+.1"/>
+                                          </p:val>
+                                        </p:tav>
+                                        <p:tav tm="100000">
+                                          <p:val>
+                                            <p:strVal val="#ppt_y"/>
+                                          </p:val>
+                                        </p:tav>
+                                      </p:tavLst>
+                                    </p:anim>
+                                  </p:childTnLst>
+                                </p:cTn>
+                              </p:par>
+                            </p:childTnLst>
+                          </p:cTn>
+                        </p:par>
+                        <p:par>
+                          <p:cTn id="10" fill="hold">
+                            <p:stCondLst>
+                              <p:cond delay="1000"/>
+                            </p:stCondLst>
+                            <p:childTnLst>
+                              <p:par>
+                                <p:cTn id="11" presetID="14" presetClass="entr" presetSubtype="10" fill="hold" nodeType="afterEffect">
+                                  <p:stCondLst>
+                                    <p:cond delay="0"/>
+                                  </p:stCondLst>
+                                  <p:childTnLst>
+                                    <p:set>
+                                      <p:cBhvr>
+                                        <p:cTn id="12" dur="1" fill="hold">
+                                          <p:stCondLst>
+                                            <p:cond delay="0"/>
+                                          </p:stCondLst>
+                                        </p:cTn>
+                                        <p:tgtEl>
+                                          <p:spTgt spid="5"/>
+                                        </p:tgtEl>
+                                        <p:attrNameLst>
+                                          <p:attrName>style.visibility</p:attrName>
+                                        </p:attrNameLst>
+                                      </p:cBhvr>
+                                      <p:to>
+                                        <p:strVal val="visible"/>
+                                      </p:to>
+                                    </p:set>
+                                    <p:animEffect transition="in" filter="randombar(horizontal)">
+                                      <p:cBhvr>
+                                        <p:cTn id="13" dur="500"/>
+                                        <p:tgtEl>
+                                          <p:spTgt spid="5"/>
+                                        </p:tgtEl>
+                                      </p:cBhvr>
+                                    </p:animEffect>
+                                  </p:childTnLst>
+                                </p:cTn>
+                              </p:par>
+                            </p:childTnLst>
+                          </p:cTn>
+                        </p:par>
+                        <p:par>
+                          <p:cTn id="14" fill="hold">
+                            <p:stCondLst>
+                              <p:cond delay="1500"/>
+                            </p:stCondLst>
+                            <p:childTnLst>
+                              <p:par>
+                                <p:cTn id="15" presetID="45" presetClass="entr" presetSubtype="0" fill="hold" grpId="0" nodeType="afterEffect">
+                                  <p:stCondLst>
+                                    <p:cond delay="0"/>
+                                  </p:stCondLst>
+                                  <p:childTnLst>
+                                    <p:set>
+                                      <p:cBhvr>
+                                        <p:cTn id="16" dur="1" fill="hold">
+                                          <p:stCondLst>
+                                            <p:cond delay="0"/>
+                                          </p:stCondLst>
+                                        </p:cTn>
+                                        <p:tgtEl>
+                                          <p:spTgt spid="4"/>
+                                        </p:tgtEl>
+                                        <p:attrNameLst>
+                                          <p:attrName>style.visibility</p:attrName>
+                                        </p:attrNameLst>
+                                      </p:cBhvr>
+                                      <p:to>
+                                        <p:strVal val="visible"/>
+                                      </p:to>
+                                    </p:set>
+                                    <p:animEffect transition="in" filter="fade">
+                                      <p:cBhvr>
+                                        <p:cTn id="17" dur="2000"/>
+                                        <p:tgtEl>
+                                          <p:spTgt spid="4"/>
+                                        </p:tgtEl>
+                                      </p:cBhvr>
+                                    </p:animEffect>
+                                    <p:anim calcmode="lin" valueType="num">
+                                      <p:cBhvr>
+                                        <p:cTn id="18" dur="2000" fill="hold"/>
+                                        <p:tgtEl>
+                                          <p:spTgt spid="4"/>
+                                        </p:tgtEl>
+                                        <p:attrNameLst>
+                                          <p:attrName>ppt_w</p:attrName>
+                                        </p:attrNameLst>
+                                      </p:cBhvr>
+                                      <p:tavLst>
+                                        <p:tav tm="0" fmla="#ppt_w*sin(2.5*pi*$)">
+                                          <p:val>
+                                            <p:fltVal val="0"/>
+                                          </p:val>
+                                        </p:tav>
+                                        <p:tav tm="100000">
+                                          <p:val>
+                                            <p:fltVal val="1"/>
+                                          </p:val>
+                                        </p:tav>
+                                      </p:tavLst>
+                                    </p:anim>
+                                    <p:anim calcmode="lin" valueType="num">
+                                      <p:cBhvr>
+                                        <p:cTn id="19" dur="2000" fill="hold"/>
+                                        <p:tgtEl>
+                                          <p:spTgt spid="4"/>
+                                        </p:tgtEl>
+                                        <p:attrNameLst>
+                                          <p:attrName>ppt_h</p:attrName>
+                                        </p:attrNameLst>
+                                      </p:cBhvr>
+                                      <p:tavLst>
+                                        <p:tav tm="0">
+                                          <p:val>
+                                            <p:strVal val="#ppt_h"/>
+                                          </p:val>
+                                        </p:tav>
+                                        <p:tav tm="100000">
+                                          <p:val>
+                                            <p:strVal val="#ppt_h"/>
+                                          </p:val>
+                                        </p:tav>
+                                      </p:tavLst>
+                                    </p:anim>
+                                  </p:childTnLst>
+                                </p:cTn>
+                              </p:par>
+                            </p:childTnLst>
+                          </p:cTn>
+                        </p:par>
+                      </p:childTnLst>
+                    </p:cTn>
+                  </p:par>
+                </p:childTnLst>
+              </p:cTn>
+              <p:prevCondLst>
+                <p:cond evt="onPrev" delay="0">
+                  <p:tgtEl>
+                    <p:sldTgt/>
+                  </p:tgtEl>
+                </p:cond>
+              </p:prevCondLst>
+              <p:nextCondLst>
+                <p:cond evt="onNext" delay="0">
+                  <p:tgtEl>
+                    <p:sldTgt/>
+                  </p:tgtEl>
+                </p:cond>
+              </p:nextCondLst>
+            </p:seq>
+          </p:childTnLst>
+        </p:cTn>
+      </p:par>
+    </p:tnLst>
+    <p:bldLst>
+      <p:bldP spid="3" grpId="0" build="p"/>
+      <p:bldP spid="4" grpId="0"/>
+    </p:bldLst>
+  </p:timing>
 </p:sld>
 </file>
 
@@ -13836,7 +17308,7 @@
                                           </p:endCondLst>
                                         </p:cTn>
                                         <p:tgtEl>
-                                          <p:sndTgt r:embed="rId2" name="applause.wav"/>
+                                          <p:sndTgt r:embed="rId2" name="HardDaysNight.wav"/>
                                         </p:tgtEl>
                                       </p:cMediaNode>
                                     </p:audio>
@@ -14155,7 +17627,7 @@
                                           </p:endCondLst>
                                         </p:cTn>
                                         <p:tgtEl>
-                                          <p:sndTgt r:embed="rId4" name="drumroll.wav"/>
+                                          <p:sndTgt r:embed="rId4" name="chimes.wav"/>
                                         </p:tgtEl>
                                       </p:cMediaNode>
                                     </p:audio>
@@ -14221,7 +17693,7 @@
           <p:cNvPr id="2" name="Title 1">
             <a:extLst>
               <a:ext uri="{FF2B5EF4-FFF2-40B4-BE49-F238E27FC236}">
-                <a16:creationId xmlns:a16="http://schemas.microsoft.com/office/drawing/2014/main" id="{EE233C90-88E7-4696-8134-7B4C91BD8F17}"/>
+                <a16:creationId xmlns:a16="http://schemas.microsoft.com/office/drawing/2014/main" xmlns="" id="{EE233C90-88E7-4696-8134-7B4C91BD8F17}"/>
               </a:ext>
             </a:extLst>
           </p:cNvPr>
@@ -14254,7 +17726,7 @@
           <p:cNvPr id="4" name="Title 1">
             <a:extLst>
               <a:ext uri="{FF2B5EF4-FFF2-40B4-BE49-F238E27FC236}">
-                <a16:creationId xmlns:a16="http://schemas.microsoft.com/office/drawing/2014/main" id="{2076CA96-9A63-4397-87A3-722D4938F3EB}"/>
+                <a16:creationId xmlns:a16="http://schemas.microsoft.com/office/drawing/2014/main" xmlns="" id="{2076CA96-9A63-4397-87A3-722D4938F3EB}"/>
               </a:ext>
             </a:extLst>
           </p:cNvPr>
@@ -14308,7 +17780,7 @@
           <p:cNvPr id="5" name="Picture 4">
             <a:extLst>
               <a:ext uri="{FF2B5EF4-FFF2-40B4-BE49-F238E27FC236}">
-                <a16:creationId xmlns:a16="http://schemas.microsoft.com/office/drawing/2014/main" id="{7DA08A62-B3D9-44E1-B189-079287BB9B58}"/>
+                <a16:creationId xmlns:a16="http://schemas.microsoft.com/office/drawing/2014/main" xmlns="" id="{7DA08A62-B3D9-44E1-B189-079287BB9B58}"/>
               </a:ext>
             </a:extLst>
           </p:cNvPr>
@@ -14318,7 +17790,7 @@
           <p:nvPr/>
         </p:nvPicPr>
         <p:blipFill>
-          <a:blip r:embed="rId2"/>
+          <a:blip r:embed="rId3"/>
           <a:stretch>
             <a:fillRect/>
           </a:stretch>
@@ -14338,7 +17810,7 @@
           <p:cNvPr id="3" name="Picture 2">
             <a:extLst>
               <a:ext uri="{FF2B5EF4-FFF2-40B4-BE49-F238E27FC236}">
-                <a16:creationId xmlns:a16="http://schemas.microsoft.com/office/drawing/2014/main" id="{8AF06C13-0192-4CD8-95B8-92DDA6413B42}"/>
+                <a16:creationId xmlns:a16="http://schemas.microsoft.com/office/drawing/2014/main" xmlns="" id="{8AF06C13-0192-4CD8-95B8-92DDA6413B42}"/>
               </a:ext>
             </a:extLst>
           </p:cNvPr>
@@ -14348,7 +17820,7 @@
           <p:nvPr/>
         </p:nvPicPr>
         <p:blipFill>
-          <a:blip r:embed="rId3"/>
+          <a:blip r:embed="rId4"/>
           <a:stretch>
             <a:fillRect/>
           </a:stretch>
@@ -14368,7 +17840,7 @@
           <p:cNvPr id="6" name="Rectangle 5">
             <a:extLst>
               <a:ext uri="{FF2B5EF4-FFF2-40B4-BE49-F238E27FC236}">
-                <a16:creationId xmlns:a16="http://schemas.microsoft.com/office/drawing/2014/main" id="{DC6EEFDB-A9FB-4663-967C-5D3D2E62A33C}"/>
+                <a16:creationId xmlns:a16="http://schemas.microsoft.com/office/drawing/2014/main" xmlns="" id="{DC6EEFDB-A9FB-4663-967C-5D3D2E62A33C}"/>
               </a:ext>
             </a:extLst>
           </p:cNvPr>
@@ -14404,7 +17876,7 @@
           <p:cNvPr id="7" name="Rectangle 6">
             <a:extLst>
               <a:ext uri="{FF2B5EF4-FFF2-40B4-BE49-F238E27FC236}">
-                <a16:creationId xmlns:a16="http://schemas.microsoft.com/office/drawing/2014/main" id="{0DB27BCE-B9C8-4785-B435-C7080088C498}"/>
+                <a16:creationId xmlns:a16="http://schemas.microsoft.com/office/drawing/2014/main" xmlns="" id="{0DB27BCE-B9C8-4785-B435-C7080088C498}"/>
               </a:ext>
             </a:extLst>
           </p:cNvPr>
@@ -14440,7 +17912,7 @@
           <p:cNvPr id="8" name="Rectangle 7">
             <a:extLst>
               <a:ext uri="{FF2B5EF4-FFF2-40B4-BE49-F238E27FC236}">
-                <a16:creationId xmlns:a16="http://schemas.microsoft.com/office/drawing/2014/main" id="{E7F1D3B6-D5EF-4012-8DDF-EB5B04FEAE2E}"/>
+                <a16:creationId xmlns:a16="http://schemas.microsoft.com/office/drawing/2014/main" xmlns="" id="{E7F1D3B6-D5EF-4012-8DDF-EB5B04FEAE2E}"/>
               </a:ext>
             </a:extLst>
           </p:cNvPr>
@@ -14933,6 +18405,29 @@
                                       </p:tavLst>
                                     </p:anim>
                                   </p:childTnLst>
+                                  <p:subTnLst>
+                                    <p:audio>
+                                      <p:cMediaNode>
+                                        <p:cTn display="0" masterRel="sameClick">
+                                          <p:stCondLst>
+                                            <p:cond evt="begin" delay="0">
+                                              <p:tn val="31"/>
+                                            </p:cond>
+                                          </p:stCondLst>
+                                          <p:endCondLst>
+                                            <p:cond evt="onStopAudio" delay="0">
+                                              <p:tgtEl>
+                                                <p:sldTgt/>
+                                              </p:tgtEl>
+                                            </p:cond>
+                                          </p:endCondLst>
+                                        </p:cTn>
+                                        <p:tgtEl>
+                                          <p:sndTgt r:embed="rId2" name="chimes.wav"/>
+                                        </p:tgtEl>
+                                      </p:cMediaNode>
+                                    </p:audio>
+                                  </p:subTnLst>
                                 </p:cTn>
                               </p:par>
                             </p:childTnLst>
@@ -15071,7 +18566,7 @@
         <p:spPr>
           <a:xfrm>
             <a:off x="5743978" y="3477296"/>
-            <a:ext cx="3709116" cy="830997"/>
+            <a:ext cx="4376206" cy="923330"/>
           </a:xfrm>
           <a:prstGeom prst="rect">
             <a:avLst/>
@@ -15085,7 +18580,7 @@
           <a:lstStyle/>
           <a:p>
             <a:r>
-              <a:rPr lang="en-US" sz="4800" dirty="0">
+              <a:rPr lang="en-US" sz="5400" dirty="0">
                 <a:solidFill>
                   <a:schemeClr val="accent6">
                     <a:lumMod val="75000"/>
@@ -15093,18 +18588,7 @@
                 </a:solidFill>
                 <a:latin typeface="Impact" panose="020B0806030902050204" pitchFamily="34" charset="0"/>
               </a:rPr>
-              <a:t>Markov</a:t>
-            </a:r>
-            <a:r>
-              <a:rPr lang="en-US" sz="4400" dirty="0">
-                <a:solidFill>
-                  <a:schemeClr val="accent6">
-                    <a:lumMod val="75000"/>
-                  </a:schemeClr>
-                </a:solidFill>
-                <a:latin typeface="Impact" panose="020B0806030902050204" pitchFamily="34" charset="0"/>
-              </a:rPr>
-              <a:t> Chain</a:t>
+              <a:t>Markov Chain</a:t>
             </a:r>
           </a:p>
         </p:txBody>
@@ -15118,7 +18602,7 @@
         <p:spPr>
           <a:xfrm>
             <a:off x="4082603" y="5743977"/>
-            <a:ext cx="3322750" cy="646331"/>
+            <a:ext cx="3322750" cy="707886"/>
           </a:xfrm>
           <a:prstGeom prst="rect">
             <a:avLst/>
@@ -15132,15 +18616,15 @@
           <a:lstStyle/>
           <a:p>
             <a:r>
-              <a:rPr lang="en-US" dirty="0"/>
+              <a:rPr lang="en-US" sz="2000" dirty="0"/>
               <a:t>Andrey </a:t>
             </a:r>
             <a:r>
-              <a:rPr lang="en-US" dirty="0" err="1"/>
+              <a:rPr lang="en-US" sz="2000" dirty="0" err="1"/>
               <a:t>Andreyevich</a:t>
             </a:r>
             <a:r>
-              <a:rPr lang="en-US" dirty="0"/>
+              <a:rPr lang="en-US" sz="2000" dirty="0"/>
               <a:t> Markov (1856 – 1922)</a:t>
             </a:r>
           </a:p>
@@ -15683,7 +19167,7 @@
           <p:cNvPr id="4" name="TextBox 3">
             <a:extLst>
               <a:ext uri="{FF2B5EF4-FFF2-40B4-BE49-F238E27FC236}">
-                <a16:creationId xmlns:a16="http://schemas.microsoft.com/office/drawing/2014/main" id="{193C1F94-3223-4B5D-9311-72B2F4428BED}"/>
+                <a16:creationId xmlns:a16="http://schemas.microsoft.com/office/drawing/2014/main" xmlns="" id="{193C1F94-3223-4B5D-9311-72B2F4428BED}"/>
               </a:ext>
             </a:extLst>
           </p:cNvPr>
@@ -15718,7 +19202,7 @@
           <p:cNvPr id="6" name="Picture 5">
             <a:extLst>
               <a:ext uri="{FF2B5EF4-FFF2-40B4-BE49-F238E27FC236}">
-                <a16:creationId xmlns:a16="http://schemas.microsoft.com/office/drawing/2014/main" id="{AC7F2288-FC11-4022-AB7C-9D67FBA93850}"/>
+                <a16:creationId xmlns:a16="http://schemas.microsoft.com/office/drawing/2014/main" xmlns="" id="{AC7F2288-FC11-4022-AB7C-9D67FBA93850}"/>
               </a:ext>
             </a:extLst>
           </p:cNvPr>
@@ -15748,7 +19232,7 @@
           <p:cNvPr id="7" name="TextBox 6">
             <a:extLst>
               <a:ext uri="{FF2B5EF4-FFF2-40B4-BE49-F238E27FC236}">
-                <a16:creationId xmlns:a16="http://schemas.microsoft.com/office/drawing/2014/main" id="{35816B5B-9BFD-4533-8088-5FD2D6611401}"/>
+                <a16:creationId xmlns:a16="http://schemas.microsoft.com/office/drawing/2014/main" xmlns="" id="{35816B5B-9BFD-4533-8088-5FD2D6611401}"/>
               </a:ext>
             </a:extLst>
           </p:cNvPr>
@@ -15788,6 +19272,13 @@
   <p:clrMapOvr>
     <a:masterClrMapping/>
   </p:clrMapOvr>
+  <p:timing>
+    <p:tnLst>
+      <p:par>
+        <p:cTn id="1" dur="indefinite" restart="never" nodeType="tmRoot"/>
+      </p:par>
+    </p:tnLst>
+  </p:timing>
 </p:sld>
 </file>
 
@@ -15813,7 +19304,7 @@
           <p:cNvPr id="2" name="Title 1">
             <a:extLst>
               <a:ext uri="{FF2B5EF4-FFF2-40B4-BE49-F238E27FC236}">
-                <a16:creationId xmlns:a16="http://schemas.microsoft.com/office/drawing/2014/main" id="{DB1EB4B3-80FB-421E-9CFA-7C3A6D284CCC}"/>
+                <a16:creationId xmlns:a16="http://schemas.microsoft.com/office/drawing/2014/main" xmlns="" id="{DB1EB4B3-80FB-421E-9CFA-7C3A6D284CCC}"/>
               </a:ext>
             </a:extLst>
           </p:cNvPr>
@@ -15851,7 +19342,7 @@
           <p:cNvPr id="3" name="Content Placeholder 2">
             <a:extLst>
               <a:ext uri="{FF2B5EF4-FFF2-40B4-BE49-F238E27FC236}">
-                <a16:creationId xmlns:a16="http://schemas.microsoft.com/office/drawing/2014/main" id="{AB6D8E7D-1590-45D1-96A9-616779A78156}"/>
+                <a16:creationId xmlns:a16="http://schemas.microsoft.com/office/drawing/2014/main" xmlns="" id="{AB6D8E7D-1590-45D1-96A9-616779A78156}"/>
               </a:ext>
             </a:extLst>
           </p:cNvPr>
@@ -15950,7 +19441,7 @@
           <p:cNvPr id="4" name="TextBox 3">
             <a:extLst>
               <a:ext uri="{FF2B5EF4-FFF2-40B4-BE49-F238E27FC236}">
-                <a16:creationId xmlns:a16="http://schemas.microsoft.com/office/drawing/2014/main" id="{7DA1E521-8F4B-4310-883E-BF747E463CF5}"/>
+                <a16:creationId xmlns:a16="http://schemas.microsoft.com/office/drawing/2014/main" xmlns="" id="{7DA1E521-8F4B-4310-883E-BF747E463CF5}"/>
               </a:ext>
             </a:extLst>
           </p:cNvPr>
@@ -16019,7 +19510,7 @@
                             </p:stCondLst>
                             <p:childTnLst>
                               <p:par>
-                                <p:cTn id="5" presetID="42" presetClass="entr" presetSubtype="0" fill="hold" grpId="0" nodeType="clickEffect">
+                                <p:cTn id="5" presetID="22" presetClass="entr" presetSubtype="4" fill="hold" grpId="0" nodeType="clickEffect">
                                   <p:stCondLst>
                                     <p:cond delay="0"/>
                                   </p:stCondLst>
@@ -16032,105 +19523,6 @@
                                           </p:stCondLst>
                                         </p:cTn>
                                         <p:tgtEl>
-                                          <p:spTgt spid="2"/>
-                                        </p:tgtEl>
-                                        <p:attrNameLst>
-                                          <p:attrName>style.visibility</p:attrName>
-                                        </p:attrNameLst>
-                                      </p:cBhvr>
-                                      <p:to>
-                                        <p:strVal val="visible"/>
-                                      </p:to>
-                                    </p:set>
-                                    <p:animEffect transition="in" filter="fade">
-                                      <p:cBhvr>
-                                        <p:cTn id="7" dur="1000"/>
-                                        <p:tgtEl>
-                                          <p:spTgt spid="2"/>
-                                        </p:tgtEl>
-                                      </p:cBhvr>
-                                    </p:animEffect>
-                                    <p:anim calcmode="lin" valueType="num">
-                                      <p:cBhvr>
-                                        <p:cTn id="8" dur="1000" fill="hold"/>
-                                        <p:tgtEl>
-                                          <p:spTgt spid="2"/>
-                                        </p:tgtEl>
-                                        <p:attrNameLst>
-                                          <p:attrName>ppt_x</p:attrName>
-                                        </p:attrNameLst>
-                                      </p:cBhvr>
-                                      <p:tavLst>
-                                        <p:tav tm="0">
-                                          <p:val>
-                                            <p:strVal val="#ppt_x"/>
-                                          </p:val>
-                                        </p:tav>
-                                        <p:tav tm="100000">
-                                          <p:val>
-                                            <p:strVal val="#ppt_x"/>
-                                          </p:val>
-                                        </p:tav>
-                                      </p:tavLst>
-                                    </p:anim>
-                                    <p:anim calcmode="lin" valueType="num">
-                                      <p:cBhvr>
-                                        <p:cTn id="9" dur="1000" fill="hold"/>
-                                        <p:tgtEl>
-                                          <p:spTgt spid="2"/>
-                                        </p:tgtEl>
-                                        <p:attrNameLst>
-                                          <p:attrName>ppt_y</p:attrName>
-                                        </p:attrNameLst>
-                                      </p:cBhvr>
-                                      <p:tavLst>
-                                        <p:tav tm="0">
-                                          <p:val>
-                                            <p:strVal val="#ppt_y+.1"/>
-                                          </p:val>
-                                        </p:tav>
-                                        <p:tav tm="100000">
-                                          <p:val>
-                                            <p:strVal val="#ppt_y"/>
-                                          </p:val>
-                                        </p:tav>
-                                      </p:tavLst>
-                                    </p:anim>
-                                  </p:childTnLst>
-                                </p:cTn>
-                              </p:par>
-                            </p:childTnLst>
-                          </p:cTn>
-                        </p:par>
-                      </p:childTnLst>
-                    </p:cTn>
-                  </p:par>
-                  <p:par>
-                    <p:cTn id="10" fill="hold">
-                      <p:stCondLst>
-                        <p:cond delay="indefinite"/>
-                      </p:stCondLst>
-                      <p:childTnLst>
-                        <p:par>
-                          <p:cTn id="11" fill="hold">
-                            <p:stCondLst>
-                              <p:cond delay="0"/>
-                            </p:stCondLst>
-                            <p:childTnLst>
-                              <p:par>
-                                <p:cTn id="12" presetID="22" presetClass="entr" presetSubtype="4" fill="hold" grpId="0" nodeType="clickEffect">
-                                  <p:stCondLst>
-                                    <p:cond delay="0"/>
-                                  </p:stCondLst>
-                                  <p:childTnLst>
-                                    <p:set>
-                                      <p:cBhvr>
-                                        <p:cTn id="13" dur="1" fill="hold">
-                                          <p:stCondLst>
-                                            <p:cond delay="0"/>
-                                          </p:stCondLst>
-                                        </p:cTn>
-                                        <p:tgtEl>
                                           <p:spTgt spid="3">
                                             <p:txEl>
                                               <p:pRg st="0" end="0"/>
@@ -16147,7 +19539,7 @@
                                     </p:set>
                                     <p:animEffect transition="in" filter="wipe(down)">
                                       <p:cBhvr>
-                                        <p:cTn id="14" dur="500"/>
+                                        <p:cTn id="7" dur="500"/>
                                         <p:tgtEl>
                                           <p:spTgt spid="3">
                                             <p:txEl>
@@ -16167,26 +19559,26 @@
                     </p:cTn>
                   </p:par>
                   <p:par>
-                    <p:cTn id="15" fill="hold">
+                    <p:cTn id="8" fill="hold">
                       <p:stCondLst>
                         <p:cond delay="indefinite"/>
                       </p:stCondLst>
                       <p:childTnLst>
                         <p:par>
-                          <p:cTn id="16" fill="hold">
+                          <p:cTn id="9" fill="hold">
                             <p:stCondLst>
                               <p:cond delay="0"/>
                             </p:stCondLst>
                             <p:childTnLst>
                               <p:par>
-                                <p:cTn id="17" presetID="22" presetClass="entr" presetSubtype="4" fill="hold" grpId="0" nodeType="clickEffect">
+                                <p:cTn id="10" presetID="22" presetClass="entr" presetSubtype="4" fill="hold" grpId="0" nodeType="clickEffect">
                                   <p:stCondLst>
                                     <p:cond delay="0"/>
                                   </p:stCondLst>
                                   <p:childTnLst>
                                     <p:set>
                                       <p:cBhvr>
-                                        <p:cTn id="18" dur="1" fill="hold">
+                                        <p:cTn id="11" dur="1" fill="hold">
                                           <p:stCondLst>
                                             <p:cond delay="0"/>
                                           </p:stCondLst>
@@ -16208,7 +19600,7 @@
                                     </p:set>
                                     <p:animEffect transition="in" filter="wipe(down)">
                                       <p:cBhvr>
-                                        <p:cTn id="19" dur="500"/>
+                                        <p:cTn id="12" dur="500"/>
                                         <p:tgtEl>
                                           <p:spTgt spid="3">
                                             <p:txEl>
@@ -16228,26 +19620,26 @@
                     </p:cTn>
                   </p:par>
                   <p:par>
-                    <p:cTn id="20" fill="hold">
+                    <p:cTn id="13" fill="hold">
                       <p:stCondLst>
                         <p:cond delay="indefinite"/>
                       </p:stCondLst>
                       <p:childTnLst>
                         <p:par>
-                          <p:cTn id="21" fill="hold">
+                          <p:cTn id="14" fill="hold">
                             <p:stCondLst>
                               <p:cond delay="0"/>
                             </p:stCondLst>
                             <p:childTnLst>
                               <p:par>
-                                <p:cTn id="22" presetID="16" presetClass="entr" presetSubtype="21" fill="hold" grpId="0" nodeType="clickEffect">
+                                <p:cTn id="15" presetID="16" presetClass="entr" presetSubtype="21" fill="hold" grpId="0" nodeType="clickEffect">
                                   <p:stCondLst>
                                     <p:cond delay="0"/>
                                   </p:stCondLst>
                                   <p:childTnLst>
                                     <p:set>
                                       <p:cBhvr>
-                                        <p:cTn id="23" dur="1" fill="hold">
+                                        <p:cTn id="16" dur="1" fill="hold">
                                           <p:stCondLst>
                                             <p:cond delay="0"/>
                                           </p:stCondLst>
@@ -16265,7 +19657,7 @@
                                     </p:set>
                                     <p:animEffect transition="in" filter="barn(inVertical)">
                                       <p:cBhvr>
-                                        <p:cTn id="24" dur="500"/>
+                                        <p:cTn id="17" dur="500"/>
                                         <p:tgtEl>
                                           <p:spTgt spid="4"/>
                                         </p:tgtEl>
@@ -16278,7 +19670,7 @@
                                         <p:cTn display="0" masterRel="sameClick">
                                           <p:stCondLst>
                                             <p:cond evt="begin" delay="0">
-                                              <p:tn val="22"/>
+                                              <p:tn val="15"/>
                                             </p:cond>
                                           </p:stCondLst>
                                           <p:endCondLst>
@@ -16325,7 +19717,6 @@
       </p:par>
     </p:tnLst>
     <p:bldLst>
-      <p:bldP spid="2" grpId="0"/>
       <p:bldP spid="3" grpId="0" build="p"/>
       <p:bldP spid="4" grpId="0"/>
     </p:bldLst>

--- a/doc/Markov Chain Lunch and Learn.pptx
+++ b/doc/Markov Chain Lunch and Learn.pptx
@@ -5,7 +5,7 @@
     <p:sldMasterId id="2147483678" r:id="rId1"/>
   </p:sldMasterIdLst>
   <p:notesMasterIdLst>
-    <p:notesMasterId r:id="rId27"/>
+    <p:notesMasterId r:id="rId30"/>
   </p:notesMasterIdLst>
   <p:sldIdLst>
     <p:sldId id="256" r:id="rId2"/>
@@ -23,16 +23,19 @@
     <p:sldId id="354" r:id="rId14"/>
     <p:sldId id="331" r:id="rId15"/>
     <p:sldId id="362" r:id="rId16"/>
-    <p:sldId id="363" r:id="rId17"/>
-    <p:sldId id="365" r:id="rId18"/>
-    <p:sldId id="366" r:id="rId19"/>
-    <p:sldId id="370" r:id="rId20"/>
-    <p:sldId id="371" r:id="rId21"/>
-    <p:sldId id="355" r:id="rId22"/>
-    <p:sldId id="349" r:id="rId23"/>
-    <p:sldId id="359" r:id="rId24"/>
-    <p:sldId id="369" r:id="rId25"/>
-    <p:sldId id="372" r:id="rId26"/>
+    <p:sldId id="375" r:id="rId17"/>
+    <p:sldId id="363" r:id="rId18"/>
+    <p:sldId id="365" r:id="rId19"/>
+    <p:sldId id="366" r:id="rId20"/>
+    <p:sldId id="370" r:id="rId21"/>
+    <p:sldId id="371" r:id="rId22"/>
+    <p:sldId id="355" r:id="rId23"/>
+    <p:sldId id="349" r:id="rId24"/>
+    <p:sldId id="374" r:id="rId25"/>
+    <p:sldId id="373" r:id="rId26"/>
+    <p:sldId id="359" r:id="rId27"/>
+    <p:sldId id="369" r:id="rId28"/>
+    <p:sldId id="372" r:id="rId29"/>
   </p:sldIdLst>
   <p:sldSz cx="12192000" cy="6858000"/>
   <p:notesSz cx="6858000" cy="9144000"/>
@@ -221,7 +224,7 @@
           <a:p>
             <a:fld id="{28BC0915-5B17-4E5F-8287-0C50086ECCA8}" type="datetimeFigureOut">
               <a:rPr lang="en-US" smtClean="0"/>
-              <a:t>11/13/2018</a:t>
+              <a:t>11/14/2018</a:t>
             </a:fld>
             <a:endParaRPr lang="en-US"/>
           </a:p>
@@ -510,7 +513,7 @@
           <p:cNvPr id="2" name="Title 1">
             <a:extLst>
               <a:ext uri="{FF2B5EF4-FFF2-40B4-BE49-F238E27FC236}">
-                <a16:creationId xmlns:a16="http://schemas.microsoft.com/office/drawing/2014/main" xmlns="" id="{BC754D6F-5D97-46BE-A3EC-A81C55078D05}"/>
+                <a16:creationId xmlns:a16="http://schemas.microsoft.com/office/drawing/2014/main" id="{BC754D6F-5D97-46BE-A3EC-A81C55078D05}"/>
               </a:ext>
             </a:extLst>
           </p:cNvPr>
@@ -547,7 +550,7 @@
           <p:cNvPr id="3" name="Subtitle 2">
             <a:extLst>
               <a:ext uri="{FF2B5EF4-FFF2-40B4-BE49-F238E27FC236}">
-                <a16:creationId xmlns:a16="http://schemas.microsoft.com/office/drawing/2014/main" xmlns="" id="{A0FC17C3-48E0-46E8-B457-3189CE06D5ED}"/>
+                <a16:creationId xmlns:a16="http://schemas.microsoft.com/office/drawing/2014/main" id="{A0FC17C3-48E0-46E8-B457-3189CE06D5ED}"/>
               </a:ext>
             </a:extLst>
           </p:cNvPr>
@@ -617,7 +620,7 @@
           <p:cNvPr id="4" name="Date Placeholder 3">
             <a:extLst>
               <a:ext uri="{FF2B5EF4-FFF2-40B4-BE49-F238E27FC236}">
-                <a16:creationId xmlns:a16="http://schemas.microsoft.com/office/drawing/2014/main" xmlns="" id="{1F6D7B33-D765-402A-B692-76E1438E0375}"/>
+                <a16:creationId xmlns:a16="http://schemas.microsoft.com/office/drawing/2014/main" id="{1F6D7B33-D765-402A-B692-76E1438E0375}"/>
               </a:ext>
             </a:extLst>
           </p:cNvPr>
@@ -635,7 +638,7 @@
           <a:p>
             <a:fld id="{57A526C2-240B-4AB0-9B61-CAAC81A366B2}" type="datetimeFigureOut">
               <a:rPr lang="en-US" smtClean="0"/>
-              <a:t>11/13/2018</a:t>
+              <a:t>11/14/2018</a:t>
             </a:fld>
             <a:endParaRPr lang="en-US"/>
           </a:p>
@@ -646,7 +649,7 @@
           <p:cNvPr id="5" name="Footer Placeholder 4">
             <a:extLst>
               <a:ext uri="{FF2B5EF4-FFF2-40B4-BE49-F238E27FC236}">
-                <a16:creationId xmlns:a16="http://schemas.microsoft.com/office/drawing/2014/main" xmlns="" id="{83BF521B-76EB-4550-B605-DCA5BE2234CB}"/>
+                <a16:creationId xmlns:a16="http://schemas.microsoft.com/office/drawing/2014/main" id="{83BF521B-76EB-4550-B605-DCA5BE2234CB}"/>
               </a:ext>
             </a:extLst>
           </p:cNvPr>
@@ -671,7 +674,7 @@
           <p:cNvPr id="6" name="Slide Number Placeholder 5">
             <a:extLst>
               <a:ext uri="{FF2B5EF4-FFF2-40B4-BE49-F238E27FC236}">
-                <a16:creationId xmlns:a16="http://schemas.microsoft.com/office/drawing/2014/main" xmlns="" id="{3FF62AB7-90D6-488E-AA7B-82525C037F66}"/>
+                <a16:creationId xmlns:a16="http://schemas.microsoft.com/office/drawing/2014/main" id="{3FF62AB7-90D6-488E-AA7B-82525C037F66}"/>
               </a:ext>
             </a:extLst>
           </p:cNvPr>
@@ -730,7 +733,7 @@
           <p:cNvPr id="2" name="Title 1">
             <a:extLst>
               <a:ext uri="{FF2B5EF4-FFF2-40B4-BE49-F238E27FC236}">
-                <a16:creationId xmlns:a16="http://schemas.microsoft.com/office/drawing/2014/main" xmlns="" id="{E150DCC7-4679-4186-A055-0B265C1F9DD3}"/>
+                <a16:creationId xmlns:a16="http://schemas.microsoft.com/office/drawing/2014/main" id="{E150DCC7-4679-4186-A055-0B265C1F9DD3}"/>
               </a:ext>
             </a:extLst>
           </p:cNvPr>
@@ -758,7 +761,7 @@
           <p:cNvPr id="3" name="Vertical Text Placeholder 2">
             <a:extLst>
               <a:ext uri="{FF2B5EF4-FFF2-40B4-BE49-F238E27FC236}">
-                <a16:creationId xmlns:a16="http://schemas.microsoft.com/office/drawing/2014/main" xmlns="" id="{7455EC75-101D-4241-9160-AF689FDF4556}"/>
+                <a16:creationId xmlns:a16="http://schemas.microsoft.com/office/drawing/2014/main" id="{7455EC75-101D-4241-9160-AF689FDF4556}"/>
               </a:ext>
             </a:extLst>
           </p:cNvPr>
@@ -815,7 +818,7 @@
           <p:cNvPr id="4" name="Date Placeholder 3">
             <a:extLst>
               <a:ext uri="{FF2B5EF4-FFF2-40B4-BE49-F238E27FC236}">
-                <a16:creationId xmlns:a16="http://schemas.microsoft.com/office/drawing/2014/main" xmlns="" id="{6FD3B271-0C9B-49D9-B7DC-A45C8A1753B8}"/>
+                <a16:creationId xmlns:a16="http://schemas.microsoft.com/office/drawing/2014/main" id="{6FD3B271-0C9B-49D9-B7DC-A45C8A1753B8}"/>
               </a:ext>
             </a:extLst>
           </p:cNvPr>
@@ -833,7 +836,7 @@
           <a:p>
             <a:fld id="{57A526C2-240B-4AB0-9B61-CAAC81A366B2}" type="datetimeFigureOut">
               <a:rPr lang="en-US" smtClean="0"/>
-              <a:t>11/13/2018</a:t>
+              <a:t>11/14/2018</a:t>
             </a:fld>
             <a:endParaRPr lang="en-US"/>
           </a:p>
@@ -844,7 +847,7 @@
           <p:cNvPr id="5" name="Footer Placeholder 4">
             <a:extLst>
               <a:ext uri="{FF2B5EF4-FFF2-40B4-BE49-F238E27FC236}">
-                <a16:creationId xmlns:a16="http://schemas.microsoft.com/office/drawing/2014/main" xmlns="" id="{E5DA617A-E93C-4E32-97EB-2E733A1B2A72}"/>
+                <a16:creationId xmlns:a16="http://schemas.microsoft.com/office/drawing/2014/main" id="{E5DA617A-E93C-4E32-97EB-2E733A1B2A72}"/>
               </a:ext>
             </a:extLst>
           </p:cNvPr>
@@ -869,7 +872,7 @@
           <p:cNvPr id="6" name="Slide Number Placeholder 5">
             <a:extLst>
               <a:ext uri="{FF2B5EF4-FFF2-40B4-BE49-F238E27FC236}">
-                <a16:creationId xmlns:a16="http://schemas.microsoft.com/office/drawing/2014/main" xmlns="" id="{A5060307-0D38-4FC5-9B66-2CF82C1C936B}"/>
+                <a16:creationId xmlns:a16="http://schemas.microsoft.com/office/drawing/2014/main" id="{A5060307-0D38-4FC5-9B66-2CF82C1C936B}"/>
               </a:ext>
             </a:extLst>
           </p:cNvPr>
@@ -928,7 +931,7 @@
           <p:cNvPr id="2" name="Vertical Title 1">
             <a:extLst>
               <a:ext uri="{FF2B5EF4-FFF2-40B4-BE49-F238E27FC236}">
-                <a16:creationId xmlns:a16="http://schemas.microsoft.com/office/drawing/2014/main" xmlns="" id="{10B486A5-6171-413B-9EEF-7173A441987A}"/>
+                <a16:creationId xmlns:a16="http://schemas.microsoft.com/office/drawing/2014/main" id="{10B486A5-6171-413B-9EEF-7173A441987A}"/>
               </a:ext>
             </a:extLst>
           </p:cNvPr>
@@ -961,7 +964,7 @@
           <p:cNvPr id="3" name="Vertical Text Placeholder 2">
             <a:extLst>
               <a:ext uri="{FF2B5EF4-FFF2-40B4-BE49-F238E27FC236}">
-                <a16:creationId xmlns:a16="http://schemas.microsoft.com/office/drawing/2014/main" xmlns="" id="{09568CDC-77B7-4871-AB03-1146B65D4FEC}"/>
+                <a16:creationId xmlns:a16="http://schemas.microsoft.com/office/drawing/2014/main" id="{09568CDC-77B7-4871-AB03-1146B65D4FEC}"/>
               </a:ext>
             </a:extLst>
           </p:cNvPr>
@@ -1023,7 +1026,7 @@
           <p:cNvPr id="4" name="Date Placeholder 3">
             <a:extLst>
               <a:ext uri="{FF2B5EF4-FFF2-40B4-BE49-F238E27FC236}">
-                <a16:creationId xmlns:a16="http://schemas.microsoft.com/office/drawing/2014/main" xmlns="" id="{E9D40814-ACF8-406F-91E8-C0E18F5C6E69}"/>
+                <a16:creationId xmlns:a16="http://schemas.microsoft.com/office/drawing/2014/main" id="{E9D40814-ACF8-406F-91E8-C0E18F5C6E69}"/>
               </a:ext>
             </a:extLst>
           </p:cNvPr>
@@ -1041,7 +1044,7 @@
           <a:p>
             <a:fld id="{57A526C2-240B-4AB0-9B61-CAAC81A366B2}" type="datetimeFigureOut">
               <a:rPr lang="en-US" smtClean="0"/>
-              <a:t>11/13/2018</a:t>
+              <a:t>11/14/2018</a:t>
             </a:fld>
             <a:endParaRPr lang="en-US"/>
           </a:p>
@@ -1052,7 +1055,7 @@
           <p:cNvPr id="5" name="Footer Placeholder 4">
             <a:extLst>
               <a:ext uri="{FF2B5EF4-FFF2-40B4-BE49-F238E27FC236}">
-                <a16:creationId xmlns:a16="http://schemas.microsoft.com/office/drawing/2014/main" xmlns="" id="{27834E7A-ED1C-430C-BCA2-0B49A5C86274}"/>
+                <a16:creationId xmlns:a16="http://schemas.microsoft.com/office/drawing/2014/main" id="{27834E7A-ED1C-430C-BCA2-0B49A5C86274}"/>
               </a:ext>
             </a:extLst>
           </p:cNvPr>
@@ -1077,7 +1080,7 @@
           <p:cNvPr id="6" name="Slide Number Placeholder 5">
             <a:extLst>
               <a:ext uri="{FF2B5EF4-FFF2-40B4-BE49-F238E27FC236}">
-                <a16:creationId xmlns:a16="http://schemas.microsoft.com/office/drawing/2014/main" xmlns="" id="{633B8D01-FF68-4A50-8963-8346F3B55474}"/>
+                <a16:creationId xmlns:a16="http://schemas.microsoft.com/office/drawing/2014/main" id="{633B8D01-FF68-4A50-8963-8346F3B55474}"/>
               </a:ext>
             </a:extLst>
           </p:cNvPr>
@@ -1136,7 +1139,7 @@
           <p:cNvPr id="2" name="Title 1">
             <a:extLst>
               <a:ext uri="{FF2B5EF4-FFF2-40B4-BE49-F238E27FC236}">
-                <a16:creationId xmlns:a16="http://schemas.microsoft.com/office/drawing/2014/main" xmlns="" id="{C8473259-488C-409B-B3DC-302C0FA1F75C}"/>
+                <a16:creationId xmlns:a16="http://schemas.microsoft.com/office/drawing/2014/main" id="{C8473259-488C-409B-B3DC-302C0FA1F75C}"/>
               </a:ext>
             </a:extLst>
           </p:cNvPr>
@@ -1164,7 +1167,7 @@
           <p:cNvPr id="3" name="Content Placeholder 2">
             <a:extLst>
               <a:ext uri="{FF2B5EF4-FFF2-40B4-BE49-F238E27FC236}">
-                <a16:creationId xmlns:a16="http://schemas.microsoft.com/office/drawing/2014/main" xmlns="" id="{C833D7D5-EB18-44E2-B922-A9263DD6EA21}"/>
+                <a16:creationId xmlns:a16="http://schemas.microsoft.com/office/drawing/2014/main" id="{C833D7D5-EB18-44E2-B922-A9263DD6EA21}"/>
               </a:ext>
             </a:extLst>
           </p:cNvPr>
@@ -1221,7 +1224,7 @@
           <p:cNvPr id="4" name="Date Placeholder 3">
             <a:extLst>
               <a:ext uri="{FF2B5EF4-FFF2-40B4-BE49-F238E27FC236}">
-                <a16:creationId xmlns:a16="http://schemas.microsoft.com/office/drawing/2014/main" xmlns="" id="{6159A0AD-C18C-4B9C-9607-AC8CCE44F154}"/>
+                <a16:creationId xmlns:a16="http://schemas.microsoft.com/office/drawing/2014/main" id="{6159A0AD-C18C-4B9C-9607-AC8CCE44F154}"/>
               </a:ext>
             </a:extLst>
           </p:cNvPr>
@@ -1239,7 +1242,7 @@
           <a:p>
             <a:fld id="{57A526C2-240B-4AB0-9B61-CAAC81A366B2}" type="datetimeFigureOut">
               <a:rPr lang="en-US" smtClean="0"/>
-              <a:t>11/13/2018</a:t>
+              <a:t>11/14/2018</a:t>
             </a:fld>
             <a:endParaRPr lang="en-US"/>
           </a:p>
@@ -1250,7 +1253,7 @@
           <p:cNvPr id="5" name="Footer Placeholder 4">
             <a:extLst>
               <a:ext uri="{FF2B5EF4-FFF2-40B4-BE49-F238E27FC236}">
-                <a16:creationId xmlns:a16="http://schemas.microsoft.com/office/drawing/2014/main" xmlns="" id="{6E2F3730-7F76-4713-9E59-2581278E3821}"/>
+                <a16:creationId xmlns:a16="http://schemas.microsoft.com/office/drawing/2014/main" id="{6E2F3730-7F76-4713-9E59-2581278E3821}"/>
               </a:ext>
             </a:extLst>
           </p:cNvPr>
@@ -1275,7 +1278,7 @@
           <p:cNvPr id="6" name="Slide Number Placeholder 5">
             <a:extLst>
               <a:ext uri="{FF2B5EF4-FFF2-40B4-BE49-F238E27FC236}">
-                <a16:creationId xmlns:a16="http://schemas.microsoft.com/office/drawing/2014/main" xmlns="" id="{35C83319-7EA0-49DD-ACE5-0669C65F229E}"/>
+                <a16:creationId xmlns:a16="http://schemas.microsoft.com/office/drawing/2014/main" id="{35C83319-7EA0-49DD-ACE5-0669C65F229E}"/>
               </a:ext>
             </a:extLst>
           </p:cNvPr>
@@ -1334,7 +1337,7 @@
           <p:cNvPr id="2" name="Title 1">
             <a:extLst>
               <a:ext uri="{FF2B5EF4-FFF2-40B4-BE49-F238E27FC236}">
-                <a16:creationId xmlns:a16="http://schemas.microsoft.com/office/drawing/2014/main" xmlns="" id="{52A58309-634F-46E1-A853-C9A0042CAB6E}"/>
+                <a16:creationId xmlns:a16="http://schemas.microsoft.com/office/drawing/2014/main" id="{52A58309-634F-46E1-A853-C9A0042CAB6E}"/>
               </a:ext>
             </a:extLst>
           </p:cNvPr>
@@ -1371,7 +1374,7 @@
           <p:cNvPr id="3" name="Text Placeholder 2">
             <a:extLst>
               <a:ext uri="{FF2B5EF4-FFF2-40B4-BE49-F238E27FC236}">
-                <a16:creationId xmlns:a16="http://schemas.microsoft.com/office/drawing/2014/main" xmlns="" id="{BFC825CE-9C02-483C-81F2-6E0B3BC3A3F4}"/>
+                <a16:creationId xmlns:a16="http://schemas.microsoft.com/office/drawing/2014/main" id="{BFC825CE-9C02-483C-81F2-6E0B3BC3A3F4}"/>
               </a:ext>
             </a:extLst>
           </p:cNvPr>
@@ -1496,7 +1499,7 @@
           <p:cNvPr id="4" name="Date Placeholder 3">
             <a:extLst>
               <a:ext uri="{FF2B5EF4-FFF2-40B4-BE49-F238E27FC236}">
-                <a16:creationId xmlns:a16="http://schemas.microsoft.com/office/drawing/2014/main" xmlns="" id="{81A74808-E906-484A-A3C4-ECCBC4E8A889}"/>
+                <a16:creationId xmlns:a16="http://schemas.microsoft.com/office/drawing/2014/main" id="{81A74808-E906-484A-A3C4-ECCBC4E8A889}"/>
               </a:ext>
             </a:extLst>
           </p:cNvPr>
@@ -1514,7 +1517,7 @@
           <a:p>
             <a:fld id="{57A526C2-240B-4AB0-9B61-CAAC81A366B2}" type="datetimeFigureOut">
               <a:rPr lang="en-US" smtClean="0"/>
-              <a:t>11/13/2018</a:t>
+              <a:t>11/14/2018</a:t>
             </a:fld>
             <a:endParaRPr lang="en-US"/>
           </a:p>
@@ -1525,7 +1528,7 @@
           <p:cNvPr id="5" name="Footer Placeholder 4">
             <a:extLst>
               <a:ext uri="{FF2B5EF4-FFF2-40B4-BE49-F238E27FC236}">
-                <a16:creationId xmlns:a16="http://schemas.microsoft.com/office/drawing/2014/main" xmlns="" id="{C43765D7-C2BF-4E2D-88E4-58AA3B03D3D2}"/>
+                <a16:creationId xmlns:a16="http://schemas.microsoft.com/office/drawing/2014/main" id="{C43765D7-C2BF-4E2D-88E4-58AA3B03D3D2}"/>
               </a:ext>
             </a:extLst>
           </p:cNvPr>
@@ -1550,7 +1553,7 @@
           <p:cNvPr id="6" name="Slide Number Placeholder 5">
             <a:extLst>
               <a:ext uri="{FF2B5EF4-FFF2-40B4-BE49-F238E27FC236}">
-                <a16:creationId xmlns:a16="http://schemas.microsoft.com/office/drawing/2014/main" xmlns="" id="{891A8CBF-8CFE-4E4C-AE92-E15CD995C724}"/>
+                <a16:creationId xmlns:a16="http://schemas.microsoft.com/office/drawing/2014/main" id="{891A8CBF-8CFE-4E4C-AE92-E15CD995C724}"/>
               </a:ext>
             </a:extLst>
           </p:cNvPr>
@@ -1609,7 +1612,7 @@
           <p:cNvPr id="2" name="Title 1">
             <a:extLst>
               <a:ext uri="{FF2B5EF4-FFF2-40B4-BE49-F238E27FC236}">
-                <a16:creationId xmlns:a16="http://schemas.microsoft.com/office/drawing/2014/main" xmlns="" id="{5F115196-934C-4B87-9EE3-5D939220269F}"/>
+                <a16:creationId xmlns:a16="http://schemas.microsoft.com/office/drawing/2014/main" id="{5F115196-934C-4B87-9EE3-5D939220269F}"/>
               </a:ext>
             </a:extLst>
           </p:cNvPr>
@@ -1637,7 +1640,7 @@
           <p:cNvPr id="3" name="Content Placeholder 2">
             <a:extLst>
               <a:ext uri="{FF2B5EF4-FFF2-40B4-BE49-F238E27FC236}">
-                <a16:creationId xmlns:a16="http://schemas.microsoft.com/office/drawing/2014/main" xmlns="" id="{60A1E6AB-2CB2-4BE2-8AA1-9386246320F5}"/>
+                <a16:creationId xmlns:a16="http://schemas.microsoft.com/office/drawing/2014/main" id="{60A1E6AB-2CB2-4BE2-8AA1-9386246320F5}"/>
               </a:ext>
             </a:extLst>
           </p:cNvPr>
@@ -1699,7 +1702,7 @@
           <p:cNvPr id="4" name="Content Placeholder 3">
             <a:extLst>
               <a:ext uri="{FF2B5EF4-FFF2-40B4-BE49-F238E27FC236}">
-                <a16:creationId xmlns:a16="http://schemas.microsoft.com/office/drawing/2014/main" xmlns="" id="{AF45FDDE-82E1-4376-94C0-CDB4CBDB27E8}"/>
+                <a16:creationId xmlns:a16="http://schemas.microsoft.com/office/drawing/2014/main" id="{AF45FDDE-82E1-4376-94C0-CDB4CBDB27E8}"/>
               </a:ext>
             </a:extLst>
           </p:cNvPr>
@@ -1761,7 +1764,7 @@
           <p:cNvPr id="5" name="Date Placeholder 4">
             <a:extLst>
               <a:ext uri="{FF2B5EF4-FFF2-40B4-BE49-F238E27FC236}">
-                <a16:creationId xmlns:a16="http://schemas.microsoft.com/office/drawing/2014/main" xmlns="" id="{00B7CF99-1C31-451F-ABD4-A196A0ED0BC3}"/>
+                <a16:creationId xmlns:a16="http://schemas.microsoft.com/office/drawing/2014/main" id="{00B7CF99-1C31-451F-ABD4-A196A0ED0BC3}"/>
               </a:ext>
             </a:extLst>
           </p:cNvPr>
@@ -1779,7 +1782,7 @@
           <a:p>
             <a:fld id="{57A526C2-240B-4AB0-9B61-CAAC81A366B2}" type="datetimeFigureOut">
               <a:rPr lang="en-US" smtClean="0"/>
-              <a:t>11/13/2018</a:t>
+              <a:t>11/14/2018</a:t>
             </a:fld>
             <a:endParaRPr lang="en-US"/>
           </a:p>
@@ -1790,7 +1793,7 @@
           <p:cNvPr id="6" name="Footer Placeholder 5">
             <a:extLst>
               <a:ext uri="{FF2B5EF4-FFF2-40B4-BE49-F238E27FC236}">
-                <a16:creationId xmlns:a16="http://schemas.microsoft.com/office/drawing/2014/main" xmlns="" id="{B2185A26-A251-427D-B162-4B12DB13B706}"/>
+                <a16:creationId xmlns:a16="http://schemas.microsoft.com/office/drawing/2014/main" id="{B2185A26-A251-427D-B162-4B12DB13B706}"/>
               </a:ext>
             </a:extLst>
           </p:cNvPr>
@@ -1815,7 +1818,7 @@
           <p:cNvPr id="7" name="Slide Number Placeholder 6">
             <a:extLst>
               <a:ext uri="{FF2B5EF4-FFF2-40B4-BE49-F238E27FC236}">
-                <a16:creationId xmlns:a16="http://schemas.microsoft.com/office/drawing/2014/main" xmlns="" id="{609AC120-BA26-4C36-B6CB-8C67CE60EB63}"/>
+                <a16:creationId xmlns:a16="http://schemas.microsoft.com/office/drawing/2014/main" id="{609AC120-BA26-4C36-B6CB-8C67CE60EB63}"/>
               </a:ext>
             </a:extLst>
           </p:cNvPr>
@@ -1874,7 +1877,7 @@
           <p:cNvPr id="2" name="Title 1">
             <a:extLst>
               <a:ext uri="{FF2B5EF4-FFF2-40B4-BE49-F238E27FC236}">
-                <a16:creationId xmlns:a16="http://schemas.microsoft.com/office/drawing/2014/main" xmlns="" id="{894B6273-DBE0-4634-BBEB-07F2FD88D087}"/>
+                <a16:creationId xmlns:a16="http://schemas.microsoft.com/office/drawing/2014/main" id="{894B6273-DBE0-4634-BBEB-07F2FD88D087}"/>
               </a:ext>
             </a:extLst>
           </p:cNvPr>
@@ -1907,7 +1910,7 @@
           <p:cNvPr id="3" name="Text Placeholder 2">
             <a:extLst>
               <a:ext uri="{FF2B5EF4-FFF2-40B4-BE49-F238E27FC236}">
-                <a16:creationId xmlns:a16="http://schemas.microsoft.com/office/drawing/2014/main" xmlns="" id="{76BB119C-61C2-451E-843E-59EABB8D3B84}"/>
+                <a16:creationId xmlns:a16="http://schemas.microsoft.com/office/drawing/2014/main" id="{76BB119C-61C2-451E-843E-59EABB8D3B84}"/>
               </a:ext>
             </a:extLst>
           </p:cNvPr>
@@ -1978,7 +1981,7 @@
           <p:cNvPr id="4" name="Content Placeholder 3">
             <a:extLst>
               <a:ext uri="{FF2B5EF4-FFF2-40B4-BE49-F238E27FC236}">
-                <a16:creationId xmlns:a16="http://schemas.microsoft.com/office/drawing/2014/main" xmlns="" id="{5B644BCE-7C00-4E47-8964-926925D2E641}"/>
+                <a16:creationId xmlns:a16="http://schemas.microsoft.com/office/drawing/2014/main" id="{5B644BCE-7C00-4E47-8964-926925D2E641}"/>
               </a:ext>
             </a:extLst>
           </p:cNvPr>
@@ -2040,7 +2043,7 @@
           <p:cNvPr id="5" name="Text Placeholder 4">
             <a:extLst>
               <a:ext uri="{FF2B5EF4-FFF2-40B4-BE49-F238E27FC236}">
-                <a16:creationId xmlns:a16="http://schemas.microsoft.com/office/drawing/2014/main" xmlns="" id="{4AA3A4A0-DC5A-47D7-9865-D97C2CF0E72E}"/>
+                <a16:creationId xmlns:a16="http://schemas.microsoft.com/office/drawing/2014/main" id="{4AA3A4A0-DC5A-47D7-9865-D97C2CF0E72E}"/>
               </a:ext>
             </a:extLst>
           </p:cNvPr>
@@ -2111,7 +2114,7 @@
           <p:cNvPr id="6" name="Content Placeholder 5">
             <a:extLst>
               <a:ext uri="{FF2B5EF4-FFF2-40B4-BE49-F238E27FC236}">
-                <a16:creationId xmlns:a16="http://schemas.microsoft.com/office/drawing/2014/main" xmlns="" id="{4A2684E3-B8C7-4D82-9916-8A027D937879}"/>
+                <a16:creationId xmlns:a16="http://schemas.microsoft.com/office/drawing/2014/main" id="{4A2684E3-B8C7-4D82-9916-8A027D937879}"/>
               </a:ext>
             </a:extLst>
           </p:cNvPr>
@@ -2173,7 +2176,7 @@
           <p:cNvPr id="7" name="Date Placeholder 6">
             <a:extLst>
               <a:ext uri="{FF2B5EF4-FFF2-40B4-BE49-F238E27FC236}">
-                <a16:creationId xmlns:a16="http://schemas.microsoft.com/office/drawing/2014/main" xmlns="" id="{87F9B5F4-DFB9-4B13-8085-BB0E5F27F319}"/>
+                <a16:creationId xmlns:a16="http://schemas.microsoft.com/office/drawing/2014/main" id="{87F9B5F4-DFB9-4B13-8085-BB0E5F27F319}"/>
               </a:ext>
             </a:extLst>
           </p:cNvPr>
@@ -2191,7 +2194,7 @@
           <a:p>
             <a:fld id="{57A526C2-240B-4AB0-9B61-CAAC81A366B2}" type="datetimeFigureOut">
               <a:rPr lang="en-US" smtClean="0"/>
-              <a:t>11/13/2018</a:t>
+              <a:t>11/14/2018</a:t>
             </a:fld>
             <a:endParaRPr lang="en-US"/>
           </a:p>
@@ -2202,7 +2205,7 @@
           <p:cNvPr id="8" name="Footer Placeholder 7">
             <a:extLst>
               <a:ext uri="{FF2B5EF4-FFF2-40B4-BE49-F238E27FC236}">
-                <a16:creationId xmlns:a16="http://schemas.microsoft.com/office/drawing/2014/main" xmlns="" id="{9AC23C11-104A-4861-988F-F1679C5037A8}"/>
+                <a16:creationId xmlns:a16="http://schemas.microsoft.com/office/drawing/2014/main" id="{9AC23C11-104A-4861-988F-F1679C5037A8}"/>
               </a:ext>
             </a:extLst>
           </p:cNvPr>
@@ -2227,7 +2230,7 @@
           <p:cNvPr id="9" name="Slide Number Placeholder 8">
             <a:extLst>
               <a:ext uri="{FF2B5EF4-FFF2-40B4-BE49-F238E27FC236}">
-                <a16:creationId xmlns:a16="http://schemas.microsoft.com/office/drawing/2014/main" xmlns="" id="{E1086FA9-F3EF-4193-BE92-5D9B8ED23AC9}"/>
+                <a16:creationId xmlns:a16="http://schemas.microsoft.com/office/drawing/2014/main" id="{E1086FA9-F3EF-4193-BE92-5D9B8ED23AC9}"/>
               </a:ext>
             </a:extLst>
           </p:cNvPr>
@@ -2286,7 +2289,7 @@
           <p:cNvPr id="2" name="Title 1">
             <a:extLst>
               <a:ext uri="{FF2B5EF4-FFF2-40B4-BE49-F238E27FC236}">
-                <a16:creationId xmlns:a16="http://schemas.microsoft.com/office/drawing/2014/main" xmlns="" id="{9B586075-2B6B-481E-A766-F8D2DF9B77D6}"/>
+                <a16:creationId xmlns:a16="http://schemas.microsoft.com/office/drawing/2014/main" id="{9B586075-2B6B-481E-A766-F8D2DF9B77D6}"/>
               </a:ext>
             </a:extLst>
           </p:cNvPr>
@@ -2314,7 +2317,7 @@
           <p:cNvPr id="3" name="Date Placeholder 2">
             <a:extLst>
               <a:ext uri="{FF2B5EF4-FFF2-40B4-BE49-F238E27FC236}">
-                <a16:creationId xmlns:a16="http://schemas.microsoft.com/office/drawing/2014/main" xmlns="" id="{25CC9C2A-3F81-469A-8EF0-572B0EE0718C}"/>
+                <a16:creationId xmlns:a16="http://schemas.microsoft.com/office/drawing/2014/main" id="{25CC9C2A-3F81-469A-8EF0-572B0EE0718C}"/>
               </a:ext>
             </a:extLst>
           </p:cNvPr>
@@ -2332,7 +2335,7 @@
           <a:p>
             <a:fld id="{57A526C2-240B-4AB0-9B61-CAAC81A366B2}" type="datetimeFigureOut">
               <a:rPr lang="en-US" smtClean="0"/>
-              <a:t>11/13/2018</a:t>
+              <a:t>11/14/2018</a:t>
             </a:fld>
             <a:endParaRPr lang="en-US"/>
           </a:p>
@@ -2343,7 +2346,7 @@
           <p:cNvPr id="4" name="Footer Placeholder 3">
             <a:extLst>
               <a:ext uri="{FF2B5EF4-FFF2-40B4-BE49-F238E27FC236}">
-                <a16:creationId xmlns:a16="http://schemas.microsoft.com/office/drawing/2014/main" xmlns="" id="{C8ACD8F0-E549-4A50-8202-210C45AE3389}"/>
+                <a16:creationId xmlns:a16="http://schemas.microsoft.com/office/drawing/2014/main" id="{C8ACD8F0-E549-4A50-8202-210C45AE3389}"/>
               </a:ext>
             </a:extLst>
           </p:cNvPr>
@@ -2368,7 +2371,7 @@
           <p:cNvPr id="5" name="Slide Number Placeholder 4">
             <a:extLst>
               <a:ext uri="{FF2B5EF4-FFF2-40B4-BE49-F238E27FC236}">
-                <a16:creationId xmlns:a16="http://schemas.microsoft.com/office/drawing/2014/main" xmlns="" id="{3054D6CF-222D-4DD1-BBF4-6F768171E497}"/>
+                <a16:creationId xmlns:a16="http://schemas.microsoft.com/office/drawing/2014/main" id="{3054D6CF-222D-4DD1-BBF4-6F768171E497}"/>
               </a:ext>
             </a:extLst>
           </p:cNvPr>
@@ -2427,7 +2430,7 @@
           <p:cNvPr id="2" name="Date Placeholder 1">
             <a:extLst>
               <a:ext uri="{FF2B5EF4-FFF2-40B4-BE49-F238E27FC236}">
-                <a16:creationId xmlns:a16="http://schemas.microsoft.com/office/drawing/2014/main" xmlns="" id="{CFD2FA1E-C163-4DCF-B178-C54EF5F00014}"/>
+                <a16:creationId xmlns:a16="http://schemas.microsoft.com/office/drawing/2014/main" id="{CFD2FA1E-C163-4DCF-B178-C54EF5F00014}"/>
               </a:ext>
             </a:extLst>
           </p:cNvPr>
@@ -2445,7 +2448,7 @@
           <a:p>
             <a:fld id="{57A526C2-240B-4AB0-9B61-CAAC81A366B2}" type="datetimeFigureOut">
               <a:rPr lang="en-US" smtClean="0"/>
-              <a:t>11/13/2018</a:t>
+              <a:t>11/14/2018</a:t>
             </a:fld>
             <a:endParaRPr lang="en-US"/>
           </a:p>
@@ -2456,7 +2459,7 @@
           <p:cNvPr id="3" name="Footer Placeholder 2">
             <a:extLst>
               <a:ext uri="{FF2B5EF4-FFF2-40B4-BE49-F238E27FC236}">
-                <a16:creationId xmlns:a16="http://schemas.microsoft.com/office/drawing/2014/main" xmlns="" id="{36B5DA1B-9C5C-4BAC-AC22-7CF912EAD364}"/>
+                <a16:creationId xmlns:a16="http://schemas.microsoft.com/office/drawing/2014/main" id="{36B5DA1B-9C5C-4BAC-AC22-7CF912EAD364}"/>
               </a:ext>
             </a:extLst>
           </p:cNvPr>
@@ -2481,7 +2484,7 @@
           <p:cNvPr id="4" name="Slide Number Placeholder 3">
             <a:extLst>
               <a:ext uri="{FF2B5EF4-FFF2-40B4-BE49-F238E27FC236}">
-                <a16:creationId xmlns:a16="http://schemas.microsoft.com/office/drawing/2014/main" xmlns="" id="{CDC78A88-514E-43FB-B71A-EBC9053268FD}"/>
+                <a16:creationId xmlns:a16="http://schemas.microsoft.com/office/drawing/2014/main" id="{CDC78A88-514E-43FB-B71A-EBC9053268FD}"/>
               </a:ext>
             </a:extLst>
           </p:cNvPr>
@@ -2540,7 +2543,7 @@
           <p:cNvPr id="2" name="Title 1">
             <a:extLst>
               <a:ext uri="{FF2B5EF4-FFF2-40B4-BE49-F238E27FC236}">
-                <a16:creationId xmlns:a16="http://schemas.microsoft.com/office/drawing/2014/main" xmlns="" id="{4E738847-2870-4838-9886-D06CE279EA1C}"/>
+                <a16:creationId xmlns:a16="http://schemas.microsoft.com/office/drawing/2014/main" id="{4E738847-2870-4838-9886-D06CE279EA1C}"/>
               </a:ext>
             </a:extLst>
           </p:cNvPr>
@@ -2577,7 +2580,7 @@
           <p:cNvPr id="3" name="Content Placeholder 2">
             <a:extLst>
               <a:ext uri="{FF2B5EF4-FFF2-40B4-BE49-F238E27FC236}">
-                <a16:creationId xmlns:a16="http://schemas.microsoft.com/office/drawing/2014/main" xmlns="" id="{497E1023-22D6-4EE6-9F53-595E9C7F454E}"/>
+                <a16:creationId xmlns:a16="http://schemas.microsoft.com/office/drawing/2014/main" id="{497E1023-22D6-4EE6-9F53-595E9C7F454E}"/>
               </a:ext>
             </a:extLst>
           </p:cNvPr>
@@ -2667,7 +2670,7 @@
           <p:cNvPr id="4" name="Text Placeholder 3">
             <a:extLst>
               <a:ext uri="{FF2B5EF4-FFF2-40B4-BE49-F238E27FC236}">
-                <a16:creationId xmlns:a16="http://schemas.microsoft.com/office/drawing/2014/main" xmlns="" id="{7F70149B-7194-4B21-8C4E-71D9C9EE7D7C}"/>
+                <a16:creationId xmlns:a16="http://schemas.microsoft.com/office/drawing/2014/main" id="{7F70149B-7194-4B21-8C4E-71D9C9EE7D7C}"/>
               </a:ext>
             </a:extLst>
           </p:cNvPr>
@@ -2738,7 +2741,7 @@
           <p:cNvPr id="5" name="Date Placeholder 4">
             <a:extLst>
               <a:ext uri="{FF2B5EF4-FFF2-40B4-BE49-F238E27FC236}">
-                <a16:creationId xmlns:a16="http://schemas.microsoft.com/office/drawing/2014/main" xmlns="" id="{8F5DEFFE-43D3-4754-8320-81857856D378}"/>
+                <a16:creationId xmlns:a16="http://schemas.microsoft.com/office/drawing/2014/main" id="{8F5DEFFE-43D3-4754-8320-81857856D378}"/>
               </a:ext>
             </a:extLst>
           </p:cNvPr>
@@ -2756,7 +2759,7 @@
           <a:p>
             <a:fld id="{57A526C2-240B-4AB0-9B61-CAAC81A366B2}" type="datetimeFigureOut">
               <a:rPr lang="en-US" smtClean="0"/>
-              <a:t>11/13/2018</a:t>
+              <a:t>11/14/2018</a:t>
             </a:fld>
             <a:endParaRPr lang="en-US"/>
           </a:p>
@@ -2767,7 +2770,7 @@
           <p:cNvPr id="6" name="Footer Placeholder 5">
             <a:extLst>
               <a:ext uri="{FF2B5EF4-FFF2-40B4-BE49-F238E27FC236}">
-                <a16:creationId xmlns:a16="http://schemas.microsoft.com/office/drawing/2014/main" xmlns="" id="{696ECEBB-E85E-4E18-BEDB-2B28956A12A2}"/>
+                <a16:creationId xmlns:a16="http://schemas.microsoft.com/office/drawing/2014/main" id="{696ECEBB-E85E-4E18-BEDB-2B28956A12A2}"/>
               </a:ext>
             </a:extLst>
           </p:cNvPr>
@@ -2792,7 +2795,7 @@
           <p:cNvPr id="7" name="Slide Number Placeholder 6">
             <a:extLst>
               <a:ext uri="{FF2B5EF4-FFF2-40B4-BE49-F238E27FC236}">
-                <a16:creationId xmlns:a16="http://schemas.microsoft.com/office/drawing/2014/main" xmlns="" id="{6136F68E-0F7E-4AE3-B822-3DD0D61E0F62}"/>
+                <a16:creationId xmlns:a16="http://schemas.microsoft.com/office/drawing/2014/main" id="{6136F68E-0F7E-4AE3-B822-3DD0D61E0F62}"/>
               </a:ext>
             </a:extLst>
           </p:cNvPr>
@@ -2851,7 +2854,7 @@
           <p:cNvPr id="2" name="Title 1">
             <a:extLst>
               <a:ext uri="{FF2B5EF4-FFF2-40B4-BE49-F238E27FC236}">
-                <a16:creationId xmlns:a16="http://schemas.microsoft.com/office/drawing/2014/main" xmlns="" id="{2CB6787C-1DEB-4ACD-83D1-C645B9B20ADF}"/>
+                <a16:creationId xmlns:a16="http://schemas.microsoft.com/office/drawing/2014/main" id="{2CB6787C-1DEB-4ACD-83D1-C645B9B20ADF}"/>
               </a:ext>
             </a:extLst>
           </p:cNvPr>
@@ -2888,7 +2891,7 @@
           <p:cNvPr id="3" name="Picture Placeholder 2">
             <a:extLst>
               <a:ext uri="{FF2B5EF4-FFF2-40B4-BE49-F238E27FC236}">
-                <a16:creationId xmlns:a16="http://schemas.microsoft.com/office/drawing/2014/main" xmlns="" id="{25D8D90E-135C-4678-B966-DECEC97A73C1}"/>
+                <a16:creationId xmlns:a16="http://schemas.microsoft.com/office/drawing/2014/main" id="{25D8D90E-135C-4678-B966-DECEC97A73C1}"/>
               </a:ext>
             </a:extLst>
           </p:cNvPr>
@@ -2955,7 +2958,7 @@
           <p:cNvPr id="4" name="Text Placeholder 3">
             <a:extLst>
               <a:ext uri="{FF2B5EF4-FFF2-40B4-BE49-F238E27FC236}">
-                <a16:creationId xmlns:a16="http://schemas.microsoft.com/office/drawing/2014/main" xmlns="" id="{1B65D38C-EC9B-4005-828D-1119C0C672E9}"/>
+                <a16:creationId xmlns:a16="http://schemas.microsoft.com/office/drawing/2014/main" id="{1B65D38C-EC9B-4005-828D-1119C0C672E9}"/>
               </a:ext>
             </a:extLst>
           </p:cNvPr>
@@ -3026,7 +3029,7 @@
           <p:cNvPr id="5" name="Date Placeholder 4">
             <a:extLst>
               <a:ext uri="{FF2B5EF4-FFF2-40B4-BE49-F238E27FC236}">
-                <a16:creationId xmlns:a16="http://schemas.microsoft.com/office/drawing/2014/main" xmlns="" id="{4B95A212-6F02-4B08-97B3-A70494E694D9}"/>
+                <a16:creationId xmlns:a16="http://schemas.microsoft.com/office/drawing/2014/main" id="{4B95A212-6F02-4B08-97B3-A70494E694D9}"/>
               </a:ext>
             </a:extLst>
           </p:cNvPr>
@@ -3044,7 +3047,7 @@
           <a:p>
             <a:fld id="{57A526C2-240B-4AB0-9B61-CAAC81A366B2}" type="datetimeFigureOut">
               <a:rPr lang="en-US" smtClean="0"/>
-              <a:t>11/13/2018</a:t>
+              <a:t>11/14/2018</a:t>
             </a:fld>
             <a:endParaRPr lang="en-US"/>
           </a:p>
@@ -3055,7 +3058,7 @@
           <p:cNvPr id="6" name="Footer Placeholder 5">
             <a:extLst>
               <a:ext uri="{FF2B5EF4-FFF2-40B4-BE49-F238E27FC236}">
-                <a16:creationId xmlns:a16="http://schemas.microsoft.com/office/drawing/2014/main" xmlns="" id="{F38C1CF9-1C4B-4615-ACC6-413B7B91236A}"/>
+                <a16:creationId xmlns:a16="http://schemas.microsoft.com/office/drawing/2014/main" id="{F38C1CF9-1C4B-4615-ACC6-413B7B91236A}"/>
               </a:ext>
             </a:extLst>
           </p:cNvPr>
@@ -3080,7 +3083,7 @@
           <p:cNvPr id="7" name="Slide Number Placeholder 6">
             <a:extLst>
               <a:ext uri="{FF2B5EF4-FFF2-40B4-BE49-F238E27FC236}">
-                <a16:creationId xmlns:a16="http://schemas.microsoft.com/office/drawing/2014/main" xmlns="" id="{2CADF763-4768-420A-8340-6D7F25F07155}"/>
+                <a16:creationId xmlns:a16="http://schemas.microsoft.com/office/drawing/2014/main" id="{2CADF763-4768-420A-8340-6D7F25F07155}"/>
               </a:ext>
             </a:extLst>
           </p:cNvPr>
@@ -3164,7 +3167,7 @@
           <p:cNvPr id="2" name="Title Placeholder 1">
             <a:extLst>
               <a:ext uri="{FF2B5EF4-FFF2-40B4-BE49-F238E27FC236}">
-                <a16:creationId xmlns:a16="http://schemas.microsoft.com/office/drawing/2014/main" xmlns="" id="{CA99828F-9622-4F31-8A08-C3C650F8FA25}"/>
+                <a16:creationId xmlns:a16="http://schemas.microsoft.com/office/drawing/2014/main" id="{CA99828F-9622-4F31-8A08-C3C650F8FA25}"/>
               </a:ext>
             </a:extLst>
           </p:cNvPr>
@@ -3202,7 +3205,7 @@
           <p:cNvPr id="3" name="Text Placeholder 2">
             <a:extLst>
               <a:ext uri="{FF2B5EF4-FFF2-40B4-BE49-F238E27FC236}">
-                <a16:creationId xmlns:a16="http://schemas.microsoft.com/office/drawing/2014/main" xmlns="" id="{03AC055B-3A12-4D31-8D45-E215DA330726}"/>
+                <a16:creationId xmlns:a16="http://schemas.microsoft.com/office/drawing/2014/main" id="{03AC055B-3A12-4D31-8D45-E215DA330726}"/>
               </a:ext>
             </a:extLst>
           </p:cNvPr>
@@ -3269,7 +3272,7 @@
           <p:cNvPr id="4" name="Date Placeholder 3">
             <a:extLst>
               <a:ext uri="{FF2B5EF4-FFF2-40B4-BE49-F238E27FC236}">
-                <a16:creationId xmlns:a16="http://schemas.microsoft.com/office/drawing/2014/main" xmlns="" id="{7B233273-21CE-4E38-A86E-23587A3A7275}"/>
+                <a16:creationId xmlns:a16="http://schemas.microsoft.com/office/drawing/2014/main" id="{7B233273-21CE-4E38-A86E-23587A3A7275}"/>
               </a:ext>
             </a:extLst>
           </p:cNvPr>
@@ -3305,7 +3308,7 @@
           <a:p>
             <a:fld id="{57A526C2-240B-4AB0-9B61-CAAC81A366B2}" type="datetimeFigureOut">
               <a:rPr lang="en-US" smtClean="0"/>
-              <a:t>11/13/2018</a:t>
+              <a:t>11/14/2018</a:t>
             </a:fld>
             <a:endParaRPr lang="en-US"/>
           </a:p>
@@ -3316,7 +3319,7 @@
           <p:cNvPr id="5" name="Footer Placeholder 4">
             <a:extLst>
               <a:ext uri="{FF2B5EF4-FFF2-40B4-BE49-F238E27FC236}">
-                <a16:creationId xmlns:a16="http://schemas.microsoft.com/office/drawing/2014/main" xmlns="" id="{0017FAE1-39BB-4B15-8397-DF2659222687}"/>
+                <a16:creationId xmlns:a16="http://schemas.microsoft.com/office/drawing/2014/main" id="{0017FAE1-39BB-4B15-8397-DF2659222687}"/>
               </a:ext>
             </a:extLst>
           </p:cNvPr>
@@ -3359,7 +3362,7 @@
           <p:cNvPr id="6" name="Slide Number Placeholder 5">
             <a:extLst>
               <a:ext uri="{FF2B5EF4-FFF2-40B4-BE49-F238E27FC236}">
-                <a16:creationId xmlns:a16="http://schemas.microsoft.com/office/drawing/2014/main" xmlns="" id="{E169B93F-3358-4A1D-B209-9B7869703136}"/>
+                <a16:creationId xmlns:a16="http://schemas.microsoft.com/office/drawing/2014/main" id="{E169B93F-3358-4A1D-B209-9B7869703136}"/>
               </a:ext>
             </a:extLst>
           </p:cNvPr>
@@ -3727,7 +3730,7 @@
           <p:cNvPr id="2" name="Title 1">
             <a:extLst>
               <a:ext uri="{FF2B5EF4-FFF2-40B4-BE49-F238E27FC236}">
-                <a16:creationId xmlns:a16="http://schemas.microsoft.com/office/drawing/2014/main" xmlns="" id="{42569BCB-AB92-4CE5-8B6A-0F8EEBC1716D}"/>
+                <a16:creationId xmlns:a16="http://schemas.microsoft.com/office/drawing/2014/main" id="{42569BCB-AB92-4CE5-8B6A-0F8EEBC1716D}"/>
               </a:ext>
             </a:extLst>
           </p:cNvPr>
@@ -3763,7 +3766,7 @@
           <p:cNvPr id="3" name="Subtitle 2">
             <a:extLst>
               <a:ext uri="{FF2B5EF4-FFF2-40B4-BE49-F238E27FC236}">
-                <a16:creationId xmlns:a16="http://schemas.microsoft.com/office/drawing/2014/main" xmlns="" id="{10E1A9A7-5ADD-4611-9FCB-B4A6BCD7BBFC}"/>
+                <a16:creationId xmlns:a16="http://schemas.microsoft.com/office/drawing/2014/main" id="{10E1A9A7-5ADD-4611-9FCB-B4A6BCD7BBFC}"/>
               </a:ext>
             </a:extLst>
           </p:cNvPr>
@@ -3799,7 +3802,7 @@
           <p:cNvPr id="4" name="TextBox 3">
             <a:extLst>
               <a:ext uri="{FF2B5EF4-FFF2-40B4-BE49-F238E27FC236}">
-                <a16:creationId xmlns:a16="http://schemas.microsoft.com/office/drawing/2014/main" xmlns="" id="{3F38199B-1610-4A0C-BDD5-2548A833A64C}"/>
+                <a16:creationId xmlns:a16="http://schemas.microsoft.com/office/drawing/2014/main" id="{3F38199B-1610-4A0C-BDD5-2548A833A64C}"/>
               </a:ext>
             </a:extLst>
           </p:cNvPr>
@@ -3845,13 +3848,6 @@
   <p:clrMapOvr>
     <a:masterClrMapping/>
   </p:clrMapOvr>
-  <p:timing>
-    <p:tnLst>
-      <p:par>
-        <p:cTn id="1" dur="indefinite" restart="never" nodeType="tmRoot"/>
-      </p:par>
-    </p:tnLst>
-  </p:timing>
 </p:sld>
 </file>
 
@@ -3939,7 +3935,7 @@
             <a:pPr lvl="2"/>
             <a:r>
               <a:rPr lang="en-US" dirty="0"/>
-              <a:t>Tweets</a:t>
+              <a:t>Twitter feeds</a:t>
             </a:r>
           </a:p>
           <a:p>
@@ -3951,7 +3947,7 @@
           <a:p>
             <a:r>
               <a:rPr lang="en-US" dirty="0"/>
-              <a:t>Markov modelling of the English language</a:t>
+              <a:t>Markov modelling of the English language (I have a demo)</a:t>
             </a:r>
           </a:p>
           <a:p>
@@ -4552,7 +4548,7 @@
           <p:cNvPr id="3" name="Group 2">
             <a:extLst>
               <a:ext uri="{FF2B5EF4-FFF2-40B4-BE49-F238E27FC236}">
-                <a16:creationId xmlns:a16="http://schemas.microsoft.com/office/drawing/2014/main" xmlns="" id="{0E01FDAE-EEFC-47A4-A304-504FB590F1A9}"/>
+                <a16:creationId xmlns:a16="http://schemas.microsoft.com/office/drawing/2014/main" id="{0E01FDAE-EEFC-47A4-A304-504FB590F1A9}"/>
               </a:ext>
             </a:extLst>
           </p:cNvPr>
@@ -4572,7 +4568,7 @@
             <p:cNvPr id="2" name="Oval 1">
               <a:extLst>
                 <a:ext uri="{FF2B5EF4-FFF2-40B4-BE49-F238E27FC236}">
-                  <a16:creationId xmlns:a16="http://schemas.microsoft.com/office/drawing/2014/main" xmlns="" id="{8C081099-4D70-403A-9F42-A7BBE687BD07}"/>
+                  <a16:creationId xmlns:a16="http://schemas.microsoft.com/office/drawing/2014/main" id="{8C081099-4D70-403A-9F42-A7BBE687BD07}"/>
                 </a:ext>
               </a:extLst>
             </p:cNvPr>
@@ -4619,7 +4615,7 @@
             <p:cNvPr id="4" name="TextBox 3">
               <a:extLst>
                 <a:ext uri="{FF2B5EF4-FFF2-40B4-BE49-F238E27FC236}">
-                  <a16:creationId xmlns:a16="http://schemas.microsoft.com/office/drawing/2014/main" xmlns="" id="{22DC4B6B-5FA4-4CBC-BBFB-5771575ABF07}"/>
+                  <a16:creationId xmlns:a16="http://schemas.microsoft.com/office/drawing/2014/main" id="{22DC4B6B-5FA4-4CBC-BBFB-5771575ABF07}"/>
                 </a:ext>
               </a:extLst>
             </p:cNvPr>
@@ -4654,7 +4650,7 @@
             <p:cNvPr id="14" name="Group 13">
               <a:extLst>
                 <a:ext uri="{FF2B5EF4-FFF2-40B4-BE49-F238E27FC236}">
-                  <a16:creationId xmlns:a16="http://schemas.microsoft.com/office/drawing/2014/main" xmlns="" id="{E21F5563-4629-466F-89EC-B135591CBF0A}"/>
+                  <a16:creationId xmlns:a16="http://schemas.microsoft.com/office/drawing/2014/main" id="{E21F5563-4629-466F-89EC-B135591CBF0A}"/>
                 </a:ext>
               </a:extLst>
             </p:cNvPr>
@@ -4674,7 +4670,7 @@
               <p:cNvPr id="5" name="Oval 4">
                 <a:extLst>
                   <a:ext uri="{FF2B5EF4-FFF2-40B4-BE49-F238E27FC236}">
-                    <a16:creationId xmlns:a16="http://schemas.microsoft.com/office/drawing/2014/main" xmlns="" id="{8EB4296C-B268-4985-B3BE-4CB3B986DD68}"/>
+                    <a16:creationId xmlns:a16="http://schemas.microsoft.com/office/drawing/2014/main" id="{8EB4296C-B268-4985-B3BE-4CB3B986DD68}"/>
                   </a:ext>
                 </a:extLst>
               </p:cNvPr>
@@ -4721,7 +4717,7 @@
               <p:cNvPr id="6" name="TextBox 5">
                 <a:extLst>
                   <a:ext uri="{FF2B5EF4-FFF2-40B4-BE49-F238E27FC236}">
-                    <a16:creationId xmlns:a16="http://schemas.microsoft.com/office/drawing/2014/main" xmlns="" id="{A766A88A-D783-431C-BE8A-FDBC943EA9B6}"/>
+                    <a16:creationId xmlns:a16="http://schemas.microsoft.com/office/drawing/2014/main" id="{A766A88A-D783-431C-BE8A-FDBC943EA9B6}"/>
                   </a:ext>
                 </a:extLst>
               </p:cNvPr>
@@ -4757,7 +4753,7 @@
             <p:cNvPr id="15" name="Group 14">
               <a:extLst>
                 <a:ext uri="{FF2B5EF4-FFF2-40B4-BE49-F238E27FC236}">
-                  <a16:creationId xmlns:a16="http://schemas.microsoft.com/office/drawing/2014/main" xmlns="" id="{2A131CE4-819D-4973-91E6-33A7F6180B5F}"/>
+                  <a16:creationId xmlns:a16="http://schemas.microsoft.com/office/drawing/2014/main" id="{2A131CE4-819D-4973-91E6-33A7F6180B5F}"/>
                 </a:ext>
               </a:extLst>
             </p:cNvPr>
@@ -4777,7 +4773,7 @@
               <p:cNvPr id="7" name="Oval 6">
                 <a:extLst>
                   <a:ext uri="{FF2B5EF4-FFF2-40B4-BE49-F238E27FC236}">
-                    <a16:creationId xmlns:a16="http://schemas.microsoft.com/office/drawing/2014/main" xmlns="" id="{C45F8DFA-8C98-46C0-8082-4D8454FBC2C9}"/>
+                    <a16:creationId xmlns:a16="http://schemas.microsoft.com/office/drawing/2014/main" id="{C45F8DFA-8C98-46C0-8082-4D8454FBC2C9}"/>
                   </a:ext>
                 </a:extLst>
               </p:cNvPr>
@@ -4824,7 +4820,7 @@
               <p:cNvPr id="8" name="TextBox 7">
                 <a:extLst>
                   <a:ext uri="{FF2B5EF4-FFF2-40B4-BE49-F238E27FC236}">
-                    <a16:creationId xmlns:a16="http://schemas.microsoft.com/office/drawing/2014/main" xmlns="" id="{EF1190F5-155F-43F9-ABD7-0252ABA8DD9F}"/>
+                    <a16:creationId xmlns:a16="http://schemas.microsoft.com/office/drawing/2014/main" id="{EF1190F5-155F-43F9-ABD7-0252ABA8DD9F}"/>
                   </a:ext>
                 </a:extLst>
               </p:cNvPr>
@@ -4860,7 +4856,7 @@
             <p:cNvPr id="16" name="Group 15">
               <a:extLst>
                 <a:ext uri="{FF2B5EF4-FFF2-40B4-BE49-F238E27FC236}">
-                  <a16:creationId xmlns:a16="http://schemas.microsoft.com/office/drawing/2014/main" xmlns="" id="{788CD783-6057-40AF-94FA-8F40AD09015A}"/>
+                  <a16:creationId xmlns:a16="http://schemas.microsoft.com/office/drawing/2014/main" id="{788CD783-6057-40AF-94FA-8F40AD09015A}"/>
                 </a:ext>
               </a:extLst>
             </p:cNvPr>
@@ -4880,7 +4876,7 @@
               <p:cNvPr id="9" name="Oval 8">
                 <a:extLst>
                   <a:ext uri="{FF2B5EF4-FFF2-40B4-BE49-F238E27FC236}">
-                    <a16:creationId xmlns:a16="http://schemas.microsoft.com/office/drawing/2014/main" xmlns="" id="{B1641F59-C4FA-47D3-B823-12D3ED4C40ED}"/>
+                    <a16:creationId xmlns:a16="http://schemas.microsoft.com/office/drawing/2014/main" id="{B1641F59-C4FA-47D3-B823-12D3ED4C40ED}"/>
                   </a:ext>
                 </a:extLst>
               </p:cNvPr>
@@ -4927,7 +4923,7 @@
               <p:cNvPr id="10" name="TextBox 9">
                 <a:extLst>
                   <a:ext uri="{FF2B5EF4-FFF2-40B4-BE49-F238E27FC236}">
-                    <a16:creationId xmlns:a16="http://schemas.microsoft.com/office/drawing/2014/main" xmlns="" id="{3BE748B4-4CB0-4AE7-9B25-89B72EE76BF0}"/>
+                    <a16:creationId xmlns:a16="http://schemas.microsoft.com/office/drawing/2014/main" id="{3BE748B4-4CB0-4AE7-9B25-89B72EE76BF0}"/>
                   </a:ext>
                 </a:extLst>
               </p:cNvPr>
@@ -4963,7 +4959,7 @@
             <p:cNvPr id="11" name="Oval 10">
               <a:extLst>
                 <a:ext uri="{FF2B5EF4-FFF2-40B4-BE49-F238E27FC236}">
-                  <a16:creationId xmlns:a16="http://schemas.microsoft.com/office/drawing/2014/main" xmlns="" id="{DB5985FE-066F-4C42-A59C-BE2B82B5D36A}"/>
+                  <a16:creationId xmlns:a16="http://schemas.microsoft.com/office/drawing/2014/main" id="{DB5985FE-066F-4C42-A59C-BE2B82B5D36A}"/>
                 </a:ext>
               </a:extLst>
             </p:cNvPr>
@@ -5010,7 +5006,7 @@
             <p:cNvPr id="12" name="TextBox 11">
               <a:extLst>
                 <a:ext uri="{FF2B5EF4-FFF2-40B4-BE49-F238E27FC236}">
-                  <a16:creationId xmlns:a16="http://schemas.microsoft.com/office/drawing/2014/main" xmlns="" id="{1FCC1B64-F373-472A-86D7-DE94C5F45CFC}"/>
+                  <a16:creationId xmlns:a16="http://schemas.microsoft.com/office/drawing/2014/main" id="{1FCC1B64-F373-472A-86D7-DE94C5F45CFC}"/>
                 </a:ext>
               </a:extLst>
             </p:cNvPr>
@@ -5046,7 +5042,7 @@
             <p:cNvPr id="19" name="Straight Arrow Connector 18">
               <a:extLst>
                 <a:ext uri="{FF2B5EF4-FFF2-40B4-BE49-F238E27FC236}">
-                  <a16:creationId xmlns:a16="http://schemas.microsoft.com/office/drawing/2014/main" xmlns="" id="{7BE97643-73F1-42B5-907F-21D6333F8AE8}"/>
+                  <a16:creationId xmlns:a16="http://schemas.microsoft.com/office/drawing/2014/main" id="{7BE97643-73F1-42B5-907F-21D6333F8AE8}"/>
                 </a:ext>
               </a:extLst>
             </p:cNvPr>
@@ -5093,7 +5089,7 @@
             <p:cNvPr id="33" name="TextBox 32">
               <a:extLst>
                 <a:ext uri="{FF2B5EF4-FFF2-40B4-BE49-F238E27FC236}">
-                  <a16:creationId xmlns:a16="http://schemas.microsoft.com/office/drawing/2014/main" xmlns="" id="{0F54E387-2CD2-473C-B9EB-B20F0BF802ED}"/>
+                  <a16:creationId xmlns:a16="http://schemas.microsoft.com/office/drawing/2014/main" id="{0F54E387-2CD2-473C-B9EB-B20F0BF802ED}"/>
                 </a:ext>
               </a:extLst>
             </p:cNvPr>
@@ -5137,7 +5133,7 @@
             <p:cNvPr id="34" name="Rectangle 33">
               <a:extLst>
                 <a:ext uri="{FF2B5EF4-FFF2-40B4-BE49-F238E27FC236}">
-                  <a16:creationId xmlns:a16="http://schemas.microsoft.com/office/drawing/2014/main" xmlns="" id="{81BE1D67-B700-4C71-8491-8E4DC1746F4A}"/>
+                  <a16:creationId xmlns:a16="http://schemas.microsoft.com/office/drawing/2014/main" id="{81BE1D67-B700-4C71-8491-8E4DC1746F4A}"/>
                 </a:ext>
               </a:extLst>
             </p:cNvPr>
@@ -5173,7 +5169,7 @@
             <p:cNvPr id="35" name="Rectangle 34">
               <a:extLst>
                 <a:ext uri="{FF2B5EF4-FFF2-40B4-BE49-F238E27FC236}">
-                  <a16:creationId xmlns:a16="http://schemas.microsoft.com/office/drawing/2014/main" xmlns="" id="{17DCE34B-BE01-48F9-BB10-3D5BA356938D}"/>
+                  <a16:creationId xmlns:a16="http://schemas.microsoft.com/office/drawing/2014/main" id="{17DCE34B-BE01-48F9-BB10-3D5BA356938D}"/>
                 </a:ext>
               </a:extLst>
             </p:cNvPr>
@@ -5207,7 +5203,7 @@
             <p:cNvPr id="36" name="Rectangle 35">
               <a:extLst>
                 <a:ext uri="{FF2B5EF4-FFF2-40B4-BE49-F238E27FC236}">
-                  <a16:creationId xmlns:a16="http://schemas.microsoft.com/office/drawing/2014/main" xmlns="" id="{D2EB93CC-794C-42DB-81E8-C6037598187E}"/>
+                  <a16:creationId xmlns:a16="http://schemas.microsoft.com/office/drawing/2014/main" id="{D2EB93CC-794C-42DB-81E8-C6037598187E}"/>
                 </a:ext>
               </a:extLst>
             </p:cNvPr>
@@ -5241,7 +5237,7 @@
             <p:cNvPr id="38" name="Oval 37">
               <a:extLst>
                 <a:ext uri="{FF2B5EF4-FFF2-40B4-BE49-F238E27FC236}">
-                  <a16:creationId xmlns:a16="http://schemas.microsoft.com/office/drawing/2014/main" xmlns="" id="{2BF3C7C3-5F83-4A2A-8047-E74704FEFB79}"/>
+                  <a16:creationId xmlns:a16="http://schemas.microsoft.com/office/drawing/2014/main" id="{2BF3C7C3-5F83-4A2A-8047-E74704FEFB79}"/>
                 </a:ext>
               </a:extLst>
             </p:cNvPr>
@@ -5288,7 +5284,7 @@
             <p:cNvPr id="39" name="TextBox 38">
               <a:extLst>
                 <a:ext uri="{FF2B5EF4-FFF2-40B4-BE49-F238E27FC236}">
-                  <a16:creationId xmlns:a16="http://schemas.microsoft.com/office/drawing/2014/main" xmlns="" id="{951D70DF-7C13-4FD3-8D5A-89419DDD978B}"/>
+                  <a16:creationId xmlns:a16="http://schemas.microsoft.com/office/drawing/2014/main" id="{951D70DF-7C13-4FD3-8D5A-89419DDD978B}"/>
                 </a:ext>
               </a:extLst>
             </p:cNvPr>
@@ -5323,7 +5319,7 @@
             <p:cNvPr id="41" name="Oval 40">
               <a:extLst>
                 <a:ext uri="{FF2B5EF4-FFF2-40B4-BE49-F238E27FC236}">
-                  <a16:creationId xmlns:a16="http://schemas.microsoft.com/office/drawing/2014/main" xmlns="" id="{D0574052-9C2C-4EDF-8163-B92EDE189F9F}"/>
+                  <a16:creationId xmlns:a16="http://schemas.microsoft.com/office/drawing/2014/main" id="{D0574052-9C2C-4EDF-8163-B92EDE189F9F}"/>
                 </a:ext>
               </a:extLst>
             </p:cNvPr>
@@ -5370,7 +5366,7 @@
             <p:cNvPr id="42" name="TextBox 41">
               <a:extLst>
                 <a:ext uri="{FF2B5EF4-FFF2-40B4-BE49-F238E27FC236}">
-                  <a16:creationId xmlns:a16="http://schemas.microsoft.com/office/drawing/2014/main" xmlns="" id="{1DFB4C47-82A1-40B8-8BF7-D8E4C7AA7801}"/>
+                  <a16:creationId xmlns:a16="http://schemas.microsoft.com/office/drawing/2014/main" id="{1DFB4C47-82A1-40B8-8BF7-D8E4C7AA7801}"/>
                 </a:ext>
               </a:extLst>
             </p:cNvPr>
@@ -5405,7 +5401,7 @@
             <p:cNvPr id="43" name="Oval 42">
               <a:extLst>
                 <a:ext uri="{FF2B5EF4-FFF2-40B4-BE49-F238E27FC236}">
-                  <a16:creationId xmlns:a16="http://schemas.microsoft.com/office/drawing/2014/main" xmlns="" id="{2722DF50-B6A9-4DA9-B043-F7D3C0245244}"/>
+                  <a16:creationId xmlns:a16="http://schemas.microsoft.com/office/drawing/2014/main" id="{2722DF50-B6A9-4DA9-B043-F7D3C0245244}"/>
                 </a:ext>
               </a:extLst>
             </p:cNvPr>
@@ -5452,7 +5448,7 @@
             <p:cNvPr id="44" name="TextBox 43">
               <a:extLst>
                 <a:ext uri="{FF2B5EF4-FFF2-40B4-BE49-F238E27FC236}">
-                  <a16:creationId xmlns:a16="http://schemas.microsoft.com/office/drawing/2014/main" xmlns="" id="{5FD21316-A9EA-456E-BDEA-F9884CD43447}"/>
+                  <a16:creationId xmlns:a16="http://schemas.microsoft.com/office/drawing/2014/main" id="{5FD21316-A9EA-456E-BDEA-F9884CD43447}"/>
                 </a:ext>
               </a:extLst>
             </p:cNvPr>
@@ -5487,7 +5483,7 @@
             <p:cNvPr id="45" name="Oval 44">
               <a:extLst>
                 <a:ext uri="{FF2B5EF4-FFF2-40B4-BE49-F238E27FC236}">
-                  <a16:creationId xmlns:a16="http://schemas.microsoft.com/office/drawing/2014/main" xmlns="" id="{A45E1B56-C2E0-4915-9173-9A42F3A94CC2}"/>
+                  <a16:creationId xmlns:a16="http://schemas.microsoft.com/office/drawing/2014/main" id="{A45E1B56-C2E0-4915-9173-9A42F3A94CC2}"/>
                 </a:ext>
               </a:extLst>
             </p:cNvPr>
@@ -5534,7 +5530,7 @@
             <p:cNvPr id="46" name="TextBox 45">
               <a:extLst>
                 <a:ext uri="{FF2B5EF4-FFF2-40B4-BE49-F238E27FC236}">
-                  <a16:creationId xmlns:a16="http://schemas.microsoft.com/office/drawing/2014/main" xmlns="" id="{6C23257E-7018-4A23-BCCE-6CC958D30C56}"/>
+                  <a16:creationId xmlns:a16="http://schemas.microsoft.com/office/drawing/2014/main" id="{6C23257E-7018-4A23-BCCE-6CC958D30C56}"/>
                 </a:ext>
               </a:extLst>
             </p:cNvPr>
@@ -5569,7 +5565,7 @@
             <p:cNvPr id="47" name="Oval 46">
               <a:extLst>
                 <a:ext uri="{FF2B5EF4-FFF2-40B4-BE49-F238E27FC236}">
-                  <a16:creationId xmlns:a16="http://schemas.microsoft.com/office/drawing/2014/main" xmlns="" id="{91FE4824-8E41-48A8-84CC-C7EBAD0DC7F8}"/>
+                  <a16:creationId xmlns:a16="http://schemas.microsoft.com/office/drawing/2014/main" id="{91FE4824-8E41-48A8-84CC-C7EBAD0DC7F8}"/>
                 </a:ext>
               </a:extLst>
             </p:cNvPr>
@@ -5616,7 +5612,7 @@
             <p:cNvPr id="48" name="TextBox 47">
               <a:extLst>
                 <a:ext uri="{FF2B5EF4-FFF2-40B4-BE49-F238E27FC236}">
-                  <a16:creationId xmlns:a16="http://schemas.microsoft.com/office/drawing/2014/main" xmlns="" id="{A9FE1ED0-6173-47A0-98CD-C5742C388D65}"/>
+                  <a16:creationId xmlns:a16="http://schemas.microsoft.com/office/drawing/2014/main" id="{A9FE1ED0-6173-47A0-98CD-C5742C388D65}"/>
                 </a:ext>
               </a:extLst>
             </p:cNvPr>
@@ -5651,7 +5647,7 @@
             <p:cNvPr id="51" name="TextBox 50">
               <a:extLst>
                 <a:ext uri="{FF2B5EF4-FFF2-40B4-BE49-F238E27FC236}">
-                  <a16:creationId xmlns:a16="http://schemas.microsoft.com/office/drawing/2014/main" xmlns="" id="{5A45519C-EC50-40CF-9CC7-881489EFA579}"/>
+                  <a16:creationId xmlns:a16="http://schemas.microsoft.com/office/drawing/2014/main" id="{5A45519C-EC50-40CF-9CC7-881489EFA579}"/>
                 </a:ext>
               </a:extLst>
             </p:cNvPr>
@@ -5687,7 +5683,7 @@
             <p:cNvPr id="53" name="Straight Arrow Connector 52">
               <a:extLst>
                 <a:ext uri="{FF2B5EF4-FFF2-40B4-BE49-F238E27FC236}">
-                  <a16:creationId xmlns:a16="http://schemas.microsoft.com/office/drawing/2014/main" xmlns="" id="{4C4985E3-11F8-4850-A6D1-8A6779B8B5BC}"/>
+                  <a16:creationId xmlns:a16="http://schemas.microsoft.com/office/drawing/2014/main" id="{4C4985E3-11F8-4850-A6D1-8A6779B8B5BC}"/>
                 </a:ext>
               </a:extLst>
             </p:cNvPr>
@@ -5730,7 +5726,7 @@
             <p:cNvPr id="55" name="Straight Arrow Connector 54">
               <a:extLst>
                 <a:ext uri="{FF2B5EF4-FFF2-40B4-BE49-F238E27FC236}">
-                  <a16:creationId xmlns:a16="http://schemas.microsoft.com/office/drawing/2014/main" xmlns="" id="{95BF4CF4-84A0-4710-BC44-13C8D37EC046}"/>
+                  <a16:creationId xmlns:a16="http://schemas.microsoft.com/office/drawing/2014/main" id="{95BF4CF4-84A0-4710-BC44-13C8D37EC046}"/>
                 </a:ext>
               </a:extLst>
             </p:cNvPr>
@@ -5772,7 +5768,7 @@
             <p:cNvPr id="57" name="Straight Arrow Connector 56">
               <a:extLst>
                 <a:ext uri="{FF2B5EF4-FFF2-40B4-BE49-F238E27FC236}">
-                  <a16:creationId xmlns:a16="http://schemas.microsoft.com/office/drawing/2014/main" xmlns="" id="{21BE449E-B4AD-43B6-95D8-0F0BC89AF75D}"/>
+                  <a16:creationId xmlns:a16="http://schemas.microsoft.com/office/drawing/2014/main" id="{21BE449E-B4AD-43B6-95D8-0F0BC89AF75D}"/>
                 </a:ext>
               </a:extLst>
             </p:cNvPr>
@@ -5814,7 +5810,7 @@
             <p:cNvPr id="59" name="Straight Arrow Connector 58">
               <a:extLst>
                 <a:ext uri="{FF2B5EF4-FFF2-40B4-BE49-F238E27FC236}">
-                  <a16:creationId xmlns:a16="http://schemas.microsoft.com/office/drawing/2014/main" xmlns="" id="{E58D19E4-B269-467D-97A3-FCD389ADC82C}"/>
+                  <a16:creationId xmlns:a16="http://schemas.microsoft.com/office/drawing/2014/main" id="{E58D19E4-B269-467D-97A3-FCD389ADC82C}"/>
                 </a:ext>
               </a:extLst>
             </p:cNvPr>
@@ -5857,7 +5853,7 @@
             <p:cNvPr id="61" name="Straight Arrow Connector 60">
               <a:extLst>
                 <a:ext uri="{FF2B5EF4-FFF2-40B4-BE49-F238E27FC236}">
-                  <a16:creationId xmlns:a16="http://schemas.microsoft.com/office/drawing/2014/main" xmlns="" id="{9CAD72FC-C638-474B-8320-EA304216281A}"/>
+                  <a16:creationId xmlns:a16="http://schemas.microsoft.com/office/drawing/2014/main" id="{9CAD72FC-C638-474B-8320-EA304216281A}"/>
                 </a:ext>
               </a:extLst>
             </p:cNvPr>
@@ -5898,7 +5894,7 @@
             <p:cNvPr id="63" name="Straight Arrow Connector 62">
               <a:extLst>
                 <a:ext uri="{FF2B5EF4-FFF2-40B4-BE49-F238E27FC236}">
-                  <a16:creationId xmlns:a16="http://schemas.microsoft.com/office/drawing/2014/main" xmlns="" id="{F09C65E7-D16E-4A65-B85E-36F2E54FE376}"/>
+                  <a16:creationId xmlns:a16="http://schemas.microsoft.com/office/drawing/2014/main" id="{F09C65E7-D16E-4A65-B85E-36F2E54FE376}"/>
                 </a:ext>
               </a:extLst>
             </p:cNvPr>
@@ -5940,7 +5936,7 @@
             <p:cNvPr id="64" name="Rectangle 63">
               <a:extLst>
                 <a:ext uri="{FF2B5EF4-FFF2-40B4-BE49-F238E27FC236}">
-                  <a16:creationId xmlns:a16="http://schemas.microsoft.com/office/drawing/2014/main" xmlns="" id="{5410A3DB-73FC-4E1C-89D3-734DDB32B1DE}"/>
+                  <a16:creationId xmlns:a16="http://schemas.microsoft.com/office/drawing/2014/main" id="{5410A3DB-73FC-4E1C-89D3-734DDB32B1DE}"/>
                 </a:ext>
               </a:extLst>
             </p:cNvPr>
@@ -5974,7 +5970,7 @@
             <p:cNvPr id="65" name="Rectangle 64">
               <a:extLst>
                 <a:ext uri="{FF2B5EF4-FFF2-40B4-BE49-F238E27FC236}">
-                  <a16:creationId xmlns:a16="http://schemas.microsoft.com/office/drawing/2014/main" xmlns="" id="{CB6D0693-3816-4237-A1AC-80169D68DD50}"/>
+                  <a16:creationId xmlns:a16="http://schemas.microsoft.com/office/drawing/2014/main" id="{CB6D0693-3816-4237-A1AC-80169D68DD50}"/>
                 </a:ext>
               </a:extLst>
             </p:cNvPr>
@@ -6008,7 +6004,7 @@
             <p:cNvPr id="66" name="Rectangle 65">
               <a:extLst>
                 <a:ext uri="{FF2B5EF4-FFF2-40B4-BE49-F238E27FC236}">
-                  <a16:creationId xmlns:a16="http://schemas.microsoft.com/office/drawing/2014/main" xmlns="" id="{0FE1FD54-F441-4770-864D-561902FFB576}"/>
+                  <a16:creationId xmlns:a16="http://schemas.microsoft.com/office/drawing/2014/main" id="{0FE1FD54-F441-4770-864D-561902FFB576}"/>
                 </a:ext>
               </a:extLst>
             </p:cNvPr>
@@ -6042,7 +6038,7 @@
             <p:cNvPr id="67" name="Rectangle 66">
               <a:extLst>
                 <a:ext uri="{FF2B5EF4-FFF2-40B4-BE49-F238E27FC236}">
-                  <a16:creationId xmlns:a16="http://schemas.microsoft.com/office/drawing/2014/main" xmlns="" id="{F977CDA1-3C11-405D-ADBB-04214BC63012}"/>
+                  <a16:creationId xmlns:a16="http://schemas.microsoft.com/office/drawing/2014/main" id="{F977CDA1-3C11-405D-ADBB-04214BC63012}"/>
                 </a:ext>
               </a:extLst>
             </p:cNvPr>
@@ -6076,7 +6072,7 @@
             <p:cNvPr id="68" name="Rectangle 67">
               <a:extLst>
                 <a:ext uri="{FF2B5EF4-FFF2-40B4-BE49-F238E27FC236}">
-                  <a16:creationId xmlns:a16="http://schemas.microsoft.com/office/drawing/2014/main" xmlns="" id="{7D33BFFB-1144-496E-AC85-9C5A73AC2C31}"/>
+                  <a16:creationId xmlns:a16="http://schemas.microsoft.com/office/drawing/2014/main" id="{7D33BFFB-1144-496E-AC85-9C5A73AC2C31}"/>
                 </a:ext>
               </a:extLst>
             </p:cNvPr>
@@ -6110,7 +6106,7 @@
             <p:cNvPr id="69" name="Rectangle 68">
               <a:extLst>
                 <a:ext uri="{FF2B5EF4-FFF2-40B4-BE49-F238E27FC236}">
-                  <a16:creationId xmlns:a16="http://schemas.microsoft.com/office/drawing/2014/main" xmlns="" id="{4881445F-D887-4830-B7D9-76850B422B6B}"/>
+                  <a16:creationId xmlns:a16="http://schemas.microsoft.com/office/drawing/2014/main" id="{4881445F-D887-4830-B7D9-76850B422B6B}"/>
                 </a:ext>
               </a:extLst>
             </p:cNvPr>
@@ -6144,7 +6140,7 @@
             <p:cNvPr id="71" name="Straight Arrow Connector 70">
               <a:extLst>
                 <a:ext uri="{FF2B5EF4-FFF2-40B4-BE49-F238E27FC236}">
-                  <a16:creationId xmlns:a16="http://schemas.microsoft.com/office/drawing/2014/main" xmlns="" id="{D8C3AB4F-D547-45EE-83FD-217C4D80F8B7}"/>
+                  <a16:creationId xmlns:a16="http://schemas.microsoft.com/office/drawing/2014/main" id="{D8C3AB4F-D547-45EE-83FD-217C4D80F8B7}"/>
                 </a:ext>
               </a:extLst>
             </p:cNvPr>
@@ -6187,7 +6183,7 @@
             <p:cNvPr id="73" name="Rectangle 72">
               <a:extLst>
                 <a:ext uri="{FF2B5EF4-FFF2-40B4-BE49-F238E27FC236}">
-                  <a16:creationId xmlns:a16="http://schemas.microsoft.com/office/drawing/2014/main" xmlns="" id="{DC43FADE-026A-4E81-814A-5784ABFF25B1}"/>
+                  <a16:creationId xmlns:a16="http://schemas.microsoft.com/office/drawing/2014/main" id="{DC43FADE-026A-4E81-814A-5784ABFF25B1}"/>
                 </a:ext>
               </a:extLst>
             </p:cNvPr>
@@ -6221,7 +6217,7 @@
             <p:cNvPr id="75" name="Straight Arrow Connector 74">
               <a:extLst>
                 <a:ext uri="{FF2B5EF4-FFF2-40B4-BE49-F238E27FC236}">
-                  <a16:creationId xmlns:a16="http://schemas.microsoft.com/office/drawing/2014/main" xmlns="" id="{9D31EFCB-A7AF-475B-A53C-AD602E04A0E6}"/>
+                  <a16:creationId xmlns:a16="http://schemas.microsoft.com/office/drawing/2014/main" id="{9D31EFCB-A7AF-475B-A53C-AD602E04A0E6}"/>
                 </a:ext>
               </a:extLst>
             </p:cNvPr>
@@ -6263,7 +6259,7 @@
             <p:cNvPr id="77" name="Oval 76">
               <a:extLst>
                 <a:ext uri="{FF2B5EF4-FFF2-40B4-BE49-F238E27FC236}">
-                  <a16:creationId xmlns:a16="http://schemas.microsoft.com/office/drawing/2014/main" xmlns="" id="{F1EE3A70-E9A3-4A83-92BA-245181046447}"/>
+                  <a16:creationId xmlns:a16="http://schemas.microsoft.com/office/drawing/2014/main" id="{F1EE3A70-E9A3-4A83-92BA-245181046447}"/>
                 </a:ext>
               </a:extLst>
             </p:cNvPr>
@@ -6310,7 +6306,7 @@
             <p:cNvPr id="78" name="TextBox 77">
               <a:extLst>
                 <a:ext uri="{FF2B5EF4-FFF2-40B4-BE49-F238E27FC236}">
-                  <a16:creationId xmlns:a16="http://schemas.microsoft.com/office/drawing/2014/main" xmlns="" id="{31CD65C3-D8F2-47D5-829B-FEBBE933A7CF}"/>
+                  <a16:creationId xmlns:a16="http://schemas.microsoft.com/office/drawing/2014/main" id="{31CD65C3-D8F2-47D5-829B-FEBBE933A7CF}"/>
                 </a:ext>
               </a:extLst>
             </p:cNvPr>
@@ -6345,7 +6341,7 @@
             <p:cNvPr id="80" name="Oval 79">
               <a:extLst>
                 <a:ext uri="{FF2B5EF4-FFF2-40B4-BE49-F238E27FC236}">
-                  <a16:creationId xmlns:a16="http://schemas.microsoft.com/office/drawing/2014/main" xmlns="" id="{5CDAECCF-CC45-4408-912C-97D318A9CDC1}"/>
+                  <a16:creationId xmlns:a16="http://schemas.microsoft.com/office/drawing/2014/main" id="{5CDAECCF-CC45-4408-912C-97D318A9CDC1}"/>
                 </a:ext>
               </a:extLst>
             </p:cNvPr>
@@ -6392,7 +6388,7 @@
             <p:cNvPr id="81" name="TextBox 80">
               <a:extLst>
                 <a:ext uri="{FF2B5EF4-FFF2-40B4-BE49-F238E27FC236}">
-                  <a16:creationId xmlns:a16="http://schemas.microsoft.com/office/drawing/2014/main" xmlns="" id="{8FED0D85-4B19-4EBD-9425-BE16D2E5B1B6}"/>
+                  <a16:creationId xmlns:a16="http://schemas.microsoft.com/office/drawing/2014/main" id="{8FED0D85-4B19-4EBD-9425-BE16D2E5B1B6}"/>
                 </a:ext>
               </a:extLst>
             </p:cNvPr>
@@ -6427,7 +6423,7 @@
             <p:cNvPr id="83" name="Straight Arrow Connector 82">
               <a:extLst>
                 <a:ext uri="{FF2B5EF4-FFF2-40B4-BE49-F238E27FC236}">
-                  <a16:creationId xmlns:a16="http://schemas.microsoft.com/office/drawing/2014/main" xmlns="" id="{982D89B2-F48E-4629-B90F-3DE35CCCA6E6}"/>
+                  <a16:creationId xmlns:a16="http://schemas.microsoft.com/office/drawing/2014/main" id="{982D89B2-F48E-4629-B90F-3DE35CCCA6E6}"/>
                 </a:ext>
               </a:extLst>
             </p:cNvPr>
@@ -6469,7 +6465,7 @@
             <p:cNvPr id="85" name="Straight Arrow Connector 84">
               <a:extLst>
                 <a:ext uri="{FF2B5EF4-FFF2-40B4-BE49-F238E27FC236}">
-                  <a16:creationId xmlns:a16="http://schemas.microsoft.com/office/drawing/2014/main" xmlns="" id="{0FD26985-DE7B-4FB0-AD31-024323C320DA}"/>
+                  <a16:creationId xmlns:a16="http://schemas.microsoft.com/office/drawing/2014/main" id="{0FD26985-DE7B-4FB0-AD31-024323C320DA}"/>
                 </a:ext>
               </a:extLst>
             </p:cNvPr>
@@ -6511,7 +6507,7 @@
             <p:cNvPr id="86" name="Rectangle 85">
               <a:extLst>
                 <a:ext uri="{FF2B5EF4-FFF2-40B4-BE49-F238E27FC236}">
-                  <a16:creationId xmlns:a16="http://schemas.microsoft.com/office/drawing/2014/main" xmlns="" id="{FB78B47B-A891-4080-A044-589D399437F0}"/>
+                  <a16:creationId xmlns:a16="http://schemas.microsoft.com/office/drawing/2014/main" id="{FB78B47B-A891-4080-A044-589D399437F0}"/>
                 </a:ext>
               </a:extLst>
             </p:cNvPr>
@@ -6545,7 +6541,7 @@
             <p:cNvPr id="87" name="Rectangle 86">
               <a:extLst>
                 <a:ext uri="{FF2B5EF4-FFF2-40B4-BE49-F238E27FC236}">
-                  <a16:creationId xmlns:a16="http://schemas.microsoft.com/office/drawing/2014/main" xmlns="" id="{08C9BA09-4DD3-4079-9544-26C766653FC6}"/>
+                  <a16:creationId xmlns:a16="http://schemas.microsoft.com/office/drawing/2014/main" id="{08C9BA09-4DD3-4079-9544-26C766653FC6}"/>
                 </a:ext>
               </a:extLst>
             </p:cNvPr>
@@ -6580,7 +6576,7 @@
           <p:cNvPr id="88" name="TextBox 87">
             <a:extLst>
               <a:ext uri="{FF2B5EF4-FFF2-40B4-BE49-F238E27FC236}">
-                <a16:creationId xmlns:a16="http://schemas.microsoft.com/office/drawing/2014/main" xmlns="" id="{1F24351D-A0C0-4441-BB85-4AF8F5EBD273}"/>
+                <a16:creationId xmlns:a16="http://schemas.microsoft.com/office/drawing/2014/main" id="{1F24351D-A0C0-4441-BB85-4AF8F5EBD273}"/>
               </a:ext>
             </a:extLst>
           </p:cNvPr>
@@ -6634,13 +6630,6 @@
   <p:clrMapOvr>
     <a:masterClrMapping/>
   </p:clrMapOvr>
-  <p:timing>
-    <p:tnLst>
-      <p:par>
-        <p:cTn id="1" dur="indefinite" restart="never" nodeType="tmRoot"/>
-      </p:par>
-    </p:tnLst>
-  </p:timing>
 </p:sld>
 </file>
 
@@ -6671,7 +6660,12 @@
             <p:ph type="title"/>
           </p:nvPr>
         </p:nvSpPr>
-        <p:spPr/>
+        <p:spPr>
+          <a:xfrm>
+            <a:off x="667512" y="706501"/>
+            <a:ext cx="10515600" cy="744347"/>
+          </a:xfrm>
+        </p:spPr>
         <p:txBody>
           <a:bodyPr/>
           <a:lstStyle/>
@@ -6990,7 +6984,7 @@
           <p:cNvPr id="88" name="TextBox 87">
             <a:extLst>
               <a:ext uri="{FF2B5EF4-FFF2-40B4-BE49-F238E27FC236}">
-                <a16:creationId xmlns:a16="http://schemas.microsoft.com/office/drawing/2014/main" xmlns="" id="{1F24351D-A0C0-4441-BB85-4AF8F5EBD273}"/>
+                <a16:creationId xmlns:a16="http://schemas.microsoft.com/office/drawing/2014/main" id="{1F24351D-A0C0-4441-BB85-4AF8F5EBD273}"/>
               </a:ext>
             </a:extLst>
           </p:cNvPr>
@@ -7033,7 +7027,7 @@
           <p:cNvPr id="3" name="Oval 2">
             <a:extLst>
               <a:ext uri="{FF2B5EF4-FFF2-40B4-BE49-F238E27FC236}">
-                <a16:creationId xmlns:a16="http://schemas.microsoft.com/office/drawing/2014/main" xmlns="" id="{1C76F48A-9B82-47D0-8E65-BB39343A2536}"/>
+                <a16:creationId xmlns:a16="http://schemas.microsoft.com/office/drawing/2014/main" id="{1C76F48A-9B82-47D0-8E65-BB39343A2536}"/>
               </a:ext>
             </a:extLst>
           </p:cNvPr>
@@ -7116,7 +7110,7 @@
           <p:cNvPr id="13" name="TextBox 12">
             <a:extLst>
               <a:ext uri="{FF2B5EF4-FFF2-40B4-BE49-F238E27FC236}">
-                <a16:creationId xmlns:a16="http://schemas.microsoft.com/office/drawing/2014/main" xmlns="" id="{4EA9ADD0-210C-4FEF-84BA-237210D3D554}"/>
+                <a16:creationId xmlns:a16="http://schemas.microsoft.com/office/drawing/2014/main" id="{4EA9ADD0-210C-4FEF-84BA-237210D3D554}"/>
               </a:ext>
             </a:extLst>
           </p:cNvPr>
@@ -7154,103 +7148,93 @@
           </a:p>
         </p:txBody>
       </p:sp>
-      <p:grpSp>
-        <p:nvGrpSpPr>
-          <p:cNvPr id="4" name="Group 3"/>
-          <p:cNvGrpSpPr/>
+      <p:sp>
+        <p:nvSpPr>
+          <p:cNvPr id="58" name="Oval 57">
+            <a:extLst>
+              <a:ext uri="{FF2B5EF4-FFF2-40B4-BE49-F238E27FC236}">
+                <a16:creationId xmlns:a16="http://schemas.microsoft.com/office/drawing/2014/main" id="{173463BE-DC70-412B-B333-94EB261BA434}"/>
+              </a:ext>
+            </a:extLst>
+          </p:cNvPr>
+          <p:cNvSpPr/>
           <p:nvPr/>
-        </p:nvGrpSpPr>
-        <p:grpSpPr>
+        </p:nvSpPr>
+        <p:spPr>
           <a:xfrm>
-            <a:off x="1403968" y="3502553"/>
-            <a:ext cx="1333227" cy="845440"/>
-            <a:chOff x="372246" y="3544604"/>
-            <a:chExt cx="1333227" cy="845440"/>
+            <a:off x="1639887" y="3502553"/>
+            <a:ext cx="861391" cy="845440"/>
           </a:xfrm>
-        </p:grpSpPr>
-        <p:sp>
-          <p:nvSpPr>
-            <p:cNvPr id="58" name="Oval 57">
-              <a:extLst>
-                <a:ext uri="{FF2B5EF4-FFF2-40B4-BE49-F238E27FC236}">
-                  <a16:creationId xmlns:a16="http://schemas.microsoft.com/office/drawing/2014/main" xmlns="" id="{173463BE-DC70-412B-B333-94EB261BA434}"/>
-                </a:ext>
-              </a:extLst>
-            </p:cNvPr>
-            <p:cNvSpPr/>
-            <p:nvPr/>
-          </p:nvSpPr>
-          <p:spPr>
-            <a:xfrm>
-              <a:off x="608165" y="3544604"/>
-              <a:ext cx="861391" cy="845440"/>
-            </a:xfrm>
-            <a:prstGeom prst="ellipse">
-              <a:avLst/>
-            </a:prstGeom>
-            <a:noFill/>
-          </p:spPr>
-          <p:style>
-            <a:lnRef idx="2">
-              <a:schemeClr val="accent1">
-                <a:shade val="50000"/>
-              </a:schemeClr>
-            </a:lnRef>
-            <a:fillRef idx="1">
-              <a:schemeClr val="accent1"/>
-            </a:fillRef>
-            <a:effectRef idx="0">
-              <a:schemeClr val="accent1"/>
-            </a:effectRef>
-            <a:fontRef idx="minor">
-              <a:schemeClr val="lt1"/>
-            </a:fontRef>
-          </p:style>
-          <p:txBody>
-            <a:bodyPr rtlCol="0" anchor="ctr"/>
-            <a:lstStyle/>
-            <a:p>
-              <a:pPr algn="ctr"/>
-              <a:endParaRPr lang="en-US"/>
-            </a:p>
-          </p:txBody>
-        </p:sp>
-        <p:sp>
-          <p:nvSpPr>
-            <p:cNvPr id="60" name="TextBox 59">
-              <a:extLst>
-                <a:ext uri="{FF2B5EF4-FFF2-40B4-BE49-F238E27FC236}">
-                  <a16:creationId xmlns:a16="http://schemas.microsoft.com/office/drawing/2014/main" xmlns="" id="{954C49C3-FD3B-4FC8-B338-A76CC0287352}"/>
-                </a:ext>
-              </a:extLst>
-            </p:cNvPr>
-            <p:cNvSpPr txBox="1"/>
-            <p:nvPr/>
-          </p:nvSpPr>
-          <p:spPr>
-            <a:xfrm>
-              <a:off x="372246" y="3798047"/>
-              <a:ext cx="1333227" cy="338554"/>
-            </a:xfrm>
-            <a:prstGeom prst="rect">
-              <a:avLst/>
-            </a:prstGeom>
-            <a:noFill/>
-          </p:spPr>
-          <p:txBody>
-            <a:bodyPr wrap="square" rtlCol="0">
-              <a:spAutoFit/>
-            </a:bodyPr>
-            <a:lstStyle/>
-            <a:p>
-              <a:r>
-                <a:rPr lang="en-US" sz="1600" dirty="0"/>
-                <a:t>configuration</a:t>
-              </a:r>
-            </a:p>
-          </p:txBody>
-        </p:sp>
-      </p:grpSp>
+          <a:prstGeom prst="ellipse">
+            <a:avLst/>
+          </a:prstGeom>
+          <a:noFill/>
+          <a:ln w="19050">
+            <a:solidFill>
+              <a:srgbClr val="FF0000"/>
+            </a:solidFill>
+          </a:ln>
+        </p:spPr>
+        <p:style>
+          <a:lnRef idx="2">
+            <a:schemeClr val="accent1">
+              <a:shade val="50000"/>
+            </a:schemeClr>
+          </a:lnRef>
+          <a:fillRef idx="1">
+            <a:schemeClr val="accent1"/>
+          </a:fillRef>
+          <a:effectRef idx="0">
+            <a:schemeClr val="accent1"/>
+          </a:effectRef>
+          <a:fontRef idx="minor">
+            <a:schemeClr val="lt1"/>
+          </a:fontRef>
+        </p:style>
+        <p:txBody>
+          <a:bodyPr rtlCol="0" anchor="ctr"/>
+          <a:lstStyle/>
+          <a:p>
+            <a:pPr algn="ctr"/>
+            <a:endParaRPr lang="en-US"/>
+          </a:p>
+        </p:txBody>
+      </p:sp>
+      <p:sp>
+        <p:nvSpPr>
+          <p:cNvPr id="60" name="TextBox 59">
+            <a:extLst>
+              <a:ext uri="{FF2B5EF4-FFF2-40B4-BE49-F238E27FC236}">
+                <a16:creationId xmlns:a16="http://schemas.microsoft.com/office/drawing/2014/main" id="{954C49C3-FD3B-4FC8-B338-A76CC0287352}"/>
+              </a:ext>
+            </a:extLst>
+          </p:cNvPr>
+          <p:cNvSpPr txBox="1"/>
+          <p:nvPr/>
+        </p:nvSpPr>
+        <p:spPr>
+          <a:xfrm>
+            <a:off x="1403968" y="3755996"/>
+            <a:ext cx="1333227" cy="338554"/>
+          </a:xfrm>
+          <a:prstGeom prst="rect">
+            <a:avLst/>
+          </a:prstGeom>
+          <a:noFill/>
+        </p:spPr>
+        <p:txBody>
+          <a:bodyPr wrap="square" rtlCol="0">
+            <a:spAutoFit/>
+          </a:bodyPr>
+          <a:lstStyle/>
+          <a:p>
+            <a:r>
+              <a:rPr lang="en-US" sz="1600" b="1" dirty="0"/>
+              <a:t>configuration</a:t>
+            </a:r>
+          </a:p>
+        </p:txBody>
+      </p:sp>
       <p:grpSp>
         <p:nvGrpSpPr>
           <p:cNvPr id="2" name="Group 1"/>
@@ -7270,7 +7254,7 @@
             <p:cNvPr id="62" name="Oval 61">
               <a:extLst>
                 <a:ext uri="{FF2B5EF4-FFF2-40B4-BE49-F238E27FC236}">
-                  <a16:creationId xmlns:a16="http://schemas.microsoft.com/office/drawing/2014/main" xmlns="" id="{58CDE369-59DD-4DBB-A856-917AE1CD6F5F}"/>
+                  <a16:creationId xmlns:a16="http://schemas.microsoft.com/office/drawing/2014/main" id="{58CDE369-59DD-4DBB-A856-917AE1CD6F5F}"/>
                 </a:ext>
               </a:extLst>
             </p:cNvPr>
@@ -7317,7 +7301,7 @@
             <p:cNvPr id="72" name="TextBox 71">
               <a:extLst>
                 <a:ext uri="{FF2B5EF4-FFF2-40B4-BE49-F238E27FC236}">
-                  <a16:creationId xmlns:a16="http://schemas.microsoft.com/office/drawing/2014/main" xmlns="" id="{C842E078-DC57-4815-B890-4DE3C794AB59}"/>
+                  <a16:creationId xmlns:a16="http://schemas.microsoft.com/office/drawing/2014/main" id="{C842E078-DC57-4815-B890-4DE3C794AB59}"/>
                 </a:ext>
               </a:extLst>
             </p:cNvPr>
@@ -7367,7 +7351,7 @@
             <p:cNvPr id="70" name="Oval 69">
               <a:extLst>
                 <a:ext uri="{FF2B5EF4-FFF2-40B4-BE49-F238E27FC236}">
-                  <a16:creationId xmlns:a16="http://schemas.microsoft.com/office/drawing/2014/main" xmlns="" id="{ABA86987-EE51-4E50-8BC8-878E75D07E94}"/>
+                  <a16:creationId xmlns:a16="http://schemas.microsoft.com/office/drawing/2014/main" id="{ABA86987-EE51-4E50-8BC8-878E75D07E94}"/>
                 </a:ext>
               </a:extLst>
             </p:cNvPr>
@@ -7414,7 +7398,7 @@
             <p:cNvPr id="74" name="TextBox 73">
               <a:extLst>
                 <a:ext uri="{FF2B5EF4-FFF2-40B4-BE49-F238E27FC236}">
-                  <a16:creationId xmlns:a16="http://schemas.microsoft.com/office/drawing/2014/main" xmlns="" id="{7EED20C1-8506-451F-8289-31AE4A56B8C7}"/>
+                  <a16:creationId xmlns:a16="http://schemas.microsoft.com/office/drawing/2014/main" id="{7EED20C1-8506-451F-8289-31AE4A56B8C7}"/>
                 </a:ext>
               </a:extLst>
             </p:cNvPr>
@@ -7450,7 +7434,7 @@
           <p:cNvPr id="17" name="Rectangle 16">
             <a:extLst>
               <a:ext uri="{FF2B5EF4-FFF2-40B4-BE49-F238E27FC236}">
-                <a16:creationId xmlns:a16="http://schemas.microsoft.com/office/drawing/2014/main" xmlns="" id="{DCD010EB-7F65-48BE-B036-A393D8D598F8}"/>
+                <a16:creationId xmlns:a16="http://schemas.microsoft.com/office/drawing/2014/main" id="{DCD010EB-7F65-48BE-B036-A393D8D598F8}"/>
               </a:ext>
             </a:extLst>
           </p:cNvPr>
@@ -7484,7 +7468,7 @@
           <p:cNvPr id="18" name="Rectangle 17">
             <a:extLst>
               <a:ext uri="{FF2B5EF4-FFF2-40B4-BE49-F238E27FC236}">
-                <a16:creationId xmlns:a16="http://schemas.microsoft.com/office/drawing/2014/main" xmlns="" id="{6F51BC61-BED0-4705-80AE-61F6D59EDD84}"/>
+                <a16:creationId xmlns:a16="http://schemas.microsoft.com/office/drawing/2014/main" id="{6F51BC61-BED0-4705-80AE-61F6D59EDD84}"/>
               </a:ext>
             </a:extLst>
           </p:cNvPr>
@@ -7518,7 +7502,7 @@
           <p:cNvPr id="20" name="Rectangle 19">
             <a:extLst>
               <a:ext uri="{FF2B5EF4-FFF2-40B4-BE49-F238E27FC236}">
-                <a16:creationId xmlns:a16="http://schemas.microsoft.com/office/drawing/2014/main" xmlns="" id="{DF94EADD-F76A-4331-A9EB-88AF91BCB4C2}"/>
+                <a16:creationId xmlns:a16="http://schemas.microsoft.com/office/drawing/2014/main" id="{DF94EADD-F76A-4331-A9EB-88AF91BCB4C2}"/>
               </a:ext>
             </a:extLst>
           </p:cNvPr>
@@ -7566,7 +7550,7 @@
             <p:cNvPr id="76" name="Oval 75">
               <a:extLst>
                 <a:ext uri="{FF2B5EF4-FFF2-40B4-BE49-F238E27FC236}">
-                  <a16:creationId xmlns:a16="http://schemas.microsoft.com/office/drawing/2014/main" xmlns="" id="{EA756D86-97C1-41D6-BDCA-999B692D6795}"/>
+                  <a16:creationId xmlns:a16="http://schemas.microsoft.com/office/drawing/2014/main" id="{EA756D86-97C1-41D6-BDCA-999B692D6795}"/>
                 </a:ext>
               </a:extLst>
             </p:cNvPr>
@@ -7613,7 +7597,7 @@
             <p:cNvPr id="79" name="TextBox 78">
               <a:extLst>
                 <a:ext uri="{FF2B5EF4-FFF2-40B4-BE49-F238E27FC236}">
-                  <a16:creationId xmlns:a16="http://schemas.microsoft.com/office/drawing/2014/main" xmlns="" id="{73B39DC8-C972-4F76-A222-FADCE621B609}"/>
+                  <a16:creationId xmlns:a16="http://schemas.microsoft.com/office/drawing/2014/main" id="{73B39DC8-C972-4F76-A222-FADCE621B609}"/>
                 </a:ext>
               </a:extLst>
             </p:cNvPr>
@@ -7649,7 +7633,7 @@
           <p:cNvPr id="21" name="Rectangle 20">
             <a:extLst>
               <a:ext uri="{FF2B5EF4-FFF2-40B4-BE49-F238E27FC236}">
-                <a16:creationId xmlns:a16="http://schemas.microsoft.com/office/drawing/2014/main" xmlns="" id="{01E8573F-8D8F-4BAE-A44A-E6619FDA512A}"/>
+                <a16:creationId xmlns:a16="http://schemas.microsoft.com/office/drawing/2014/main" id="{01E8573F-8D8F-4BAE-A44A-E6619FDA512A}"/>
               </a:ext>
             </a:extLst>
           </p:cNvPr>
@@ -7697,7 +7681,7 @@
             <p:cNvPr id="82" name="Oval 81">
               <a:extLst>
                 <a:ext uri="{FF2B5EF4-FFF2-40B4-BE49-F238E27FC236}">
-                  <a16:creationId xmlns:a16="http://schemas.microsoft.com/office/drawing/2014/main" xmlns="" id="{BCB54856-433F-4216-987F-288F667D9EB3}"/>
+                  <a16:creationId xmlns:a16="http://schemas.microsoft.com/office/drawing/2014/main" id="{BCB54856-433F-4216-987F-288F667D9EB3}"/>
                 </a:ext>
               </a:extLst>
             </p:cNvPr>
@@ -7744,7 +7728,7 @@
             <p:cNvPr id="84" name="TextBox 83">
               <a:extLst>
                 <a:ext uri="{FF2B5EF4-FFF2-40B4-BE49-F238E27FC236}">
-                  <a16:creationId xmlns:a16="http://schemas.microsoft.com/office/drawing/2014/main" xmlns="" id="{F5CFA108-E048-464C-89F0-D041A256E480}"/>
+                  <a16:creationId xmlns:a16="http://schemas.microsoft.com/office/drawing/2014/main" id="{F5CFA108-E048-464C-89F0-D041A256E480}"/>
                 </a:ext>
               </a:extLst>
             </p:cNvPr>
@@ -7781,7 +7765,7 @@
           <p:cNvPr id="89" name="Rectangle 88">
             <a:extLst>
               <a:ext uri="{FF2B5EF4-FFF2-40B4-BE49-F238E27FC236}">
-                <a16:creationId xmlns:a16="http://schemas.microsoft.com/office/drawing/2014/main" xmlns="" id="{9D22FB84-12F0-4180-9163-B75B39214ECF}"/>
+                <a16:creationId xmlns:a16="http://schemas.microsoft.com/office/drawing/2014/main" id="{9D22FB84-12F0-4180-9163-B75B39214ECF}"/>
               </a:ext>
             </a:extLst>
           </p:cNvPr>
@@ -7815,7 +7799,7 @@
           <p:cNvPr id="22" name="Rectangle 21">
             <a:extLst>
               <a:ext uri="{FF2B5EF4-FFF2-40B4-BE49-F238E27FC236}">
-                <a16:creationId xmlns:a16="http://schemas.microsoft.com/office/drawing/2014/main" xmlns="" id="{9A925778-CC57-41A1-B61E-8071586017E7}"/>
+                <a16:creationId xmlns:a16="http://schemas.microsoft.com/office/drawing/2014/main" id="{9A925778-CC57-41A1-B61E-8071586017E7}"/>
               </a:ext>
             </a:extLst>
           </p:cNvPr>
@@ -7849,7 +7833,7 @@
           <p:cNvPr id="23" name="Rectangle 22">
             <a:extLst>
               <a:ext uri="{FF2B5EF4-FFF2-40B4-BE49-F238E27FC236}">
-                <a16:creationId xmlns:a16="http://schemas.microsoft.com/office/drawing/2014/main" xmlns="" id="{0DF6C489-2FD8-48C6-8E9A-646F614E2FFC}"/>
+                <a16:creationId xmlns:a16="http://schemas.microsoft.com/office/drawing/2014/main" id="{0DF6C489-2FD8-48C6-8E9A-646F614E2FFC}"/>
               </a:ext>
             </a:extLst>
           </p:cNvPr>
@@ -7883,7 +7867,7 @@
           <p:cNvPr id="90" name="Oval 89">
             <a:extLst>
               <a:ext uri="{FF2B5EF4-FFF2-40B4-BE49-F238E27FC236}">
-                <a16:creationId xmlns:a16="http://schemas.microsoft.com/office/drawing/2014/main" xmlns="" id="{27BE9716-770B-4BC3-A41C-831C9711DF93}"/>
+                <a16:creationId xmlns:a16="http://schemas.microsoft.com/office/drawing/2014/main" id="{27BE9716-770B-4BC3-A41C-831C9711DF93}"/>
               </a:ext>
             </a:extLst>
           </p:cNvPr>
@@ -7930,7 +7914,7 @@
           <p:cNvPr id="91" name="TextBox 90">
             <a:extLst>
               <a:ext uri="{FF2B5EF4-FFF2-40B4-BE49-F238E27FC236}">
-                <a16:creationId xmlns:a16="http://schemas.microsoft.com/office/drawing/2014/main" xmlns="" id="{EA9F95A1-668E-4483-AFDB-EEA415DDA560}"/>
+                <a16:creationId xmlns:a16="http://schemas.microsoft.com/office/drawing/2014/main" id="{EA9F95A1-668E-4483-AFDB-EEA415DDA560}"/>
               </a:ext>
             </a:extLst>
           </p:cNvPr>
@@ -7965,7 +7949,7 @@
           <p:cNvPr id="92" name="Oval 91">
             <a:extLst>
               <a:ext uri="{FF2B5EF4-FFF2-40B4-BE49-F238E27FC236}">
-                <a16:creationId xmlns:a16="http://schemas.microsoft.com/office/drawing/2014/main" xmlns="" id="{E976C92A-220E-47E4-891F-B3B87BB1B5D7}"/>
+                <a16:creationId xmlns:a16="http://schemas.microsoft.com/office/drawing/2014/main" id="{E976C92A-220E-47E4-891F-B3B87BB1B5D7}"/>
               </a:ext>
             </a:extLst>
           </p:cNvPr>
@@ -8012,7 +7996,7 @@
           <p:cNvPr id="93" name="TextBox 92">
             <a:extLst>
               <a:ext uri="{FF2B5EF4-FFF2-40B4-BE49-F238E27FC236}">
-                <a16:creationId xmlns:a16="http://schemas.microsoft.com/office/drawing/2014/main" xmlns="" id="{59E60424-AA16-4D5E-87CA-DF8299344BAF}"/>
+                <a16:creationId xmlns:a16="http://schemas.microsoft.com/office/drawing/2014/main" id="{59E60424-AA16-4D5E-87CA-DF8299344BAF}"/>
               </a:ext>
             </a:extLst>
           </p:cNvPr>
@@ -8047,7 +8031,7 @@
           <p:cNvPr id="25" name="Straight Arrow Connector 24">
             <a:extLst>
               <a:ext uri="{FF2B5EF4-FFF2-40B4-BE49-F238E27FC236}">
-                <a16:creationId xmlns:a16="http://schemas.microsoft.com/office/drawing/2014/main" xmlns="" id="{205AFF09-64ED-43C4-8DE5-05B2313B084E}"/>
+                <a16:creationId xmlns:a16="http://schemas.microsoft.com/office/drawing/2014/main" id="{205AFF09-64ED-43C4-8DE5-05B2313B084E}"/>
               </a:ext>
             </a:extLst>
           </p:cNvPr>
@@ -8089,7 +8073,7 @@
           <p:cNvPr id="94" name="Rectangle 93">
             <a:extLst>
               <a:ext uri="{FF2B5EF4-FFF2-40B4-BE49-F238E27FC236}">
-                <a16:creationId xmlns:a16="http://schemas.microsoft.com/office/drawing/2014/main" xmlns="" id="{C1B29036-B078-4987-8B14-C66E9F7398B5}"/>
+                <a16:creationId xmlns:a16="http://schemas.microsoft.com/office/drawing/2014/main" id="{C1B29036-B078-4987-8B14-C66E9F7398B5}"/>
               </a:ext>
             </a:extLst>
           </p:cNvPr>
@@ -8123,7 +8107,7 @@
           <p:cNvPr id="26" name="Rectangle 25">
             <a:extLst>
               <a:ext uri="{FF2B5EF4-FFF2-40B4-BE49-F238E27FC236}">
-                <a16:creationId xmlns:a16="http://schemas.microsoft.com/office/drawing/2014/main" xmlns="" id="{A3FCDA33-570A-4872-AE1B-9582CC378506}"/>
+                <a16:creationId xmlns:a16="http://schemas.microsoft.com/office/drawing/2014/main" id="{A3FCDA33-570A-4872-AE1B-9582CC378506}"/>
               </a:ext>
             </a:extLst>
           </p:cNvPr>
@@ -8157,7 +8141,7 @@
           <p:cNvPr id="28" name="Straight Arrow Connector 27">
             <a:extLst>
               <a:ext uri="{FF2B5EF4-FFF2-40B4-BE49-F238E27FC236}">
-                <a16:creationId xmlns:a16="http://schemas.microsoft.com/office/drawing/2014/main" xmlns="" id="{E738023C-7D09-4927-AF07-8414BB2A7F9C}"/>
+                <a16:creationId xmlns:a16="http://schemas.microsoft.com/office/drawing/2014/main" id="{E738023C-7D09-4927-AF07-8414BB2A7F9C}"/>
               </a:ext>
             </a:extLst>
           </p:cNvPr>
@@ -8198,7 +8182,7 @@
           <p:cNvPr id="35" name="Straight Arrow Connector 34">
             <a:extLst>
               <a:ext uri="{FF2B5EF4-FFF2-40B4-BE49-F238E27FC236}">
-                <a16:creationId xmlns:a16="http://schemas.microsoft.com/office/drawing/2014/main" xmlns="" id="{E738023C-7D09-4927-AF07-8414BB2A7F9C}"/>
+                <a16:creationId xmlns:a16="http://schemas.microsoft.com/office/drawing/2014/main" id="{E738023C-7D09-4927-AF07-8414BB2A7F9C}"/>
               </a:ext>
             </a:extLst>
           </p:cNvPr>
@@ -8237,7 +8221,7 @@
           <p:cNvPr id="38" name="Straight Arrow Connector 37">
             <a:extLst>
               <a:ext uri="{FF2B5EF4-FFF2-40B4-BE49-F238E27FC236}">
-                <a16:creationId xmlns:a16="http://schemas.microsoft.com/office/drawing/2014/main" xmlns="" id="{E738023C-7D09-4927-AF07-8414BB2A7F9C}"/>
+                <a16:creationId xmlns:a16="http://schemas.microsoft.com/office/drawing/2014/main" id="{E738023C-7D09-4927-AF07-8414BB2A7F9C}"/>
               </a:ext>
             </a:extLst>
           </p:cNvPr>
@@ -8276,7 +8260,7 @@
           <p:cNvPr id="43" name="Straight Arrow Connector 42">
             <a:extLst>
               <a:ext uri="{FF2B5EF4-FFF2-40B4-BE49-F238E27FC236}">
-                <a16:creationId xmlns:a16="http://schemas.microsoft.com/office/drawing/2014/main" xmlns="" id="{E738023C-7D09-4927-AF07-8414BB2A7F9C}"/>
+                <a16:creationId xmlns:a16="http://schemas.microsoft.com/office/drawing/2014/main" id="{E738023C-7D09-4927-AF07-8414BB2A7F9C}"/>
               </a:ext>
             </a:extLst>
           </p:cNvPr>
@@ -8315,7 +8299,7 @@
           <p:cNvPr id="45" name="Straight Arrow Connector 44">
             <a:extLst>
               <a:ext uri="{FF2B5EF4-FFF2-40B4-BE49-F238E27FC236}">
-                <a16:creationId xmlns:a16="http://schemas.microsoft.com/office/drawing/2014/main" xmlns="" id="{E738023C-7D09-4927-AF07-8414BB2A7F9C}"/>
+                <a16:creationId xmlns:a16="http://schemas.microsoft.com/office/drawing/2014/main" id="{E738023C-7D09-4927-AF07-8414BB2A7F9C}"/>
               </a:ext>
             </a:extLst>
           </p:cNvPr>
@@ -8357,7 +8341,7 @@
           <p:cNvPr id="48" name="Straight Arrow Connector 47">
             <a:extLst>
               <a:ext uri="{FF2B5EF4-FFF2-40B4-BE49-F238E27FC236}">
-                <a16:creationId xmlns:a16="http://schemas.microsoft.com/office/drawing/2014/main" xmlns="" id="{E738023C-7D09-4927-AF07-8414BB2A7F9C}"/>
+                <a16:creationId xmlns:a16="http://schemas.microsoft.com/office/drawing/2014/main" id="{E738023C-7D09-4927-AF07-8414BB2A7F9C}"/>
               </a:ext>
             </a:extLst>
           </p:cNvPr>
@@ -8403,13 +8387,6 @@
   <p:clrMapOvr>
     <a:masterClrMapping/>
   </p:clrMapOvr>
-  <p:timing>
-    <p:tnLst>
-      <p:par>
-        <p:cTn id="1" dur="indefinite" restart="never" nodeType="tmRoot"/>
-      </p:par>
-    </p:tnLst>
-  </p:timing>
 </p:sld>
 </file>
 
@@ -8435,7 +8412,7 @@
           <p:cNvPr id="2" name="Title 1">
             <a:extLst>
               <a:ext uri="{FF2B5EF4-FFF2-40B4-BE49-F238E27FC236}">
-                <a16:creationId xmlns:a16="http://schemas.microsoft.com/office/drawing/2014/main" xmlns="" id="{88D82110-49C1-4524-8ECE-67E8C8184D6C}"/>
+                <a16:creationId xmlns:a16="http://schemas.microsoft.com/office/drawing/2014/main" id="{88D82110-49C1-4524-8ECE-67E8C8184D6C}"/>
               </a:ext>
             </a:extLst>
           </p:cNvPr>
@@ -8475,7 +8452,7 @@
           <p:cNvPr id="3" name="TextBox 2">
             <a:extLst>
               <a:ext uri="{FF2B5EF4-FFF2-40B4-BE49-F238E27FC236}">
-                <a16:creationId xmlns:a16="http://schemas.microsoft.com/office/drawing/2014/main" xmlns="" id="{2B15EE05-61BF-424B-9317-8B72B112A15B}"/>
+                <a16:creationId xmlns:a16="http://schemas.microsoft.com/office/drawing/2014/main" id="{2B15EE05-61BF-424B-9317-8B72B112A15B}"/>
               </a:ext>
             </a:extLst>
           </p:cNvPr>
@@ -8500,15 +8477,7 @@
           <a:p>
             <a:r>
               <a:rPr lang="en-US" dirty="0"/>
-              <a:t>{ "import tool configuration" : </a:t>
-            </a:r>
-            <a:r>
-              <a:rPr lang="en-US" dirty="0" smtClean="0"/>
-              <a:t>  </a:t>
-            </a:r>
-            <a:r>
-              <a:rPr lang="en-US" dirty="0"/>
-              <a:t>{</a:t>
+              <a:t>{ "import tool configuration" :   {</a:t>
             </a:r>
           </a:p>
           <a:p>
@@ -8684,13 +8653,8 @@
           <a:p>
             <a:r>
               <a:rPr lang="en-US" dirty="0"/>
-              <a:t>  </a:t>
-            </a:r>
-            <a:r>
-              <a:rPr lang="en-US" dirty="0" smtClean="0"/>
-              <a:t>} }</a:t>
-            </a:r>
-            <a:endParaRPr lang="en-US" dirty="0"/>
+              <a:t>  } }</a:t>
+            </a:r>
           </a:p>
         </p:txBody>
       </p:sp>
@@ -9390,7 +9354,7 @@
           <p:cNvPr id="13" name="Rectangle 12">
             <a:extLst>
               <a:ext uri="{FF2B5EF4-FFF2-40B4-BE49-F238E27FC236}">
-                <a16:creationId xmlns:a16="http://schemas.microsoft.com/office/drawing/2014/main" xmlns="" id="{D6CCEF5E-01E2-4941-BD1F-99CCA47D366A}"/>
+                <a16:creationId xmlns:a16="http://schemas.microsoft.com/office/drawing/2014/main" id="{D6CCEF5E-01E2-4941-BD1F-99CCA47D366A}"/>
               </a:ext>
             </a:extLst>
           </p:cNvPr>
@@ -10378,6 +10342,1025 @@
       </p:grpSpPr>
       <p:sp>
         <p:nvSpPr>
+          <p:cNvPr id="2" name="Title 1">
+            <a:extLst>
+              <a:ext uri="{FF2B5EF4-FFF2-40B4-BE49-F238E27FC236}">
+                <a16:creationId xmlns:a16="http://schemas.microsoft.com/office/drawing/2014/main" id="{4C4EBA7D-6F37-4E09-A8F1-F96DE819AE05}"/>
+              </a:ext>
+            </a:extLst>
+          </p:cNvPr>
+          <p:cNvSpPr>
+            <a:spLocks noGrp="1"/>
+          </p:cNvSpPr>
+          <p:nvPr>
+            <p:ph type="title"/>
+          </p:nvPr>
+        </p:nvSpPr>
+        <p:spPr>
+          <a:xfrm>
+            <a:off x="838200" y="365125"/>
+            <a:ext cx="10515600" cy="719963"/>
+          </a:xfrm>
+        </p:spPr>
+        <p:txBody>
+          <a:bodyPr/>
+          <a:lstStyle/>
+          <a:p>
+            <a:r>
+              <a:rPr lang="en-US" dirty="0"/>
+              <a:t>Framework and Technologies Used</a:t>
+            </a:r>
+          </a:p>
+        </p:txBody>
+      </p:sp>
+      <p:sp>
+        <p:nvSpPr>
+          <p:cNvPr id="3" name="Content Placeholder 2">
+            <a:extLst>
+              <a:ext uri="{FF2B5EF4-FFF2-40B4-BE49-F238E27FC236}">
+                <a16:creationId xmlns:a16="http://schemas.microsoft.com/office/drawing/2014/main" id="{3D662B89-4AE3-45DD-973F-E5987066977F}"/>
+              </a:ext>
+            </a:extLst>
+          </p:cNvPr>
+          <p:cNvSpPr>
+            <a:spLocks noGrp="1"/>
+          </p:cNvSpPr>
+          <p:nvPr>
+            <p:ph idx="1"/>
+          </p:nvPr>
+        </p:nvSpPr>
+        <p:spPr>
+          <a:xfrm>
+            <a:off x="838200" y="1253331"/>
+            <a:ext cx="10744200" cy="4351338"/>
+          </a:xfrm>
+        </p:spPr>
+        <p:txBody>
+          <a:bodyPr>
+            <a:normAutofit fontScale="92500" lnSpcReduction="20000"/>
+          </a:bodyPr>
+          <a:lstStyle/>
+          <a:p>
+            <a:r>
+              <a:rPr lang="en-US" sz="3200" dirty="0"/>
+              <a:t>Git Hub Projects</a:t>
+            </a:r>
+          </a:p>
+          <a:p>
+            <a:pPr lvl="1"/>
+            <a:r>
+              <a:rPr lang="en-US" dirty="0"/>
+              <a:t>math-lib : base classes, interfaces, fractals, utility classes</a:t>
+            </a:r>
+          </a:p>
+          <a:p>
+            <a:pPr lvl="1"/>
+            <a:r>
+              <a:rPr lang="en-US" dirty="0"/>
+              <a:t>text-processing : Collector-Producer for text, POS patterns</a:t>
+            </a:r>
+          </a:p>
+          <a:p>
+            <a:pPr lvl="1"/>
+            <a:r>
+              <a:rPr lang="en-US" dirty="0"/>
+              <a:t>music-framework :  musical structure, notation and theory for composition and analysis including Collector-Producer; </a:t>
+            </a:r>
+            <a:r>
+              <a:rPr lang="en-US" dirty="0" err="1"/>
+              <a:t>MusicXML</a:t>
+            </a:r>
+            <a:r>
+              <a:rPr lang="en-US" dirty="0"/>
+              <a:t> generation from fractals</a:t>
+            </a:r>
+          </a:p>
+          <a:p>
+            <a:r>
+              <a:rPr lang="en-US" dirty="0"/>
+              <a:t>Technologies</a:t>
+            </a:r>
+          </a:p>
+          <a:p>
+            <a:pPr lvl="1"/>
+            <a:r>
+              <a:rPr lang="en-US" dirty="0"/>
+              <a:t>Java 10 – Jackson for JSON</a:t>
+            </a:r>
+          </a:p>
+          <a:p>
+            <a:pPr lvl="1"/>
+            <a:r>
+              <a:rPr lang="en-US" dirty="0"/>
+              <a:t>Apache ActiveMQ</a:t>
+            </a:r>
+          </a:p>
+          <a:p>
+            <a:pPr lvl="1"/>
+            <a:r>
+              <a:rPr lang="en-US" dirty="0"/>
+              <a:t>MongoDB</a:t>
+            </a:r>
+          </a:p>
+          <a:p>
+            <a:pPr lvl="1"/>
+            <a:r>
+              <a:rPr lang="en-US" dirty="0"/>
+              <a:t>Gradle and Jenkins</a:t>
+            </a:r>
+          </a:p>
+          <a:p>
+            <a:pPr lvl="1"/>
+            <a:r>
+              <a:rPr lang="en-US" dirty="0"/>
+              <a:t>SonarQube code analysis</a:t>
+            </a:r>
+          </a:p>
+          <a:p>
+            <a:pPr lvl="1"/>
+            <a:r>
+              <a:rPr lang="en-US" dirty="0" err="1"/>
+              <a:t>MusicXML</a:t>
+            </a:r>
+            <a:r>
+              <a:rPr lang="en-US" dirty="0"/>
+              <a:t> library</a:t>
+            </a:r>
+          </a:p>
+          <a:p>
+            <a:pPr lvl="1"/>
+            <a:r>
+              <a:rPr lang="en-US" dirty="0"/>
+              <a:t>AWS S3 (as a data source/target)</a:t>
+            </a:r>
+          </a:p>
+          <a:p>
+            <a:pPr lvl="1"/>
+            <a:r>
+              <a:rPr lang="en-US" dirty="0"/>
+              <a:t>Python (pulling service tickets)</a:t>
+            </a:r>
+          </a:p>
+        </p:txBody>
+      </p:sp>
+    </p:spTree>
+    <p:extLst>
+      <p:ext uri="{BB962C8B-B14F-4D97-AF65-F5344CB8AC3E}">
+        <p14:creationId xmlns:p14="http://schemas.microsoft.com/office/powerpoint/2010/main" val="105341696"/>
+      </p:ext>
+    </p:extLst>
+  </p:cSld>
+  <p:clrMapOvr>
+    <a:masterClrMapping/>
+  </p:clrMapOvr>
+  <p:timing>
+    <p:tnLst>
+      <p:par>
+        <p:cTn id="1" dur="indefinite" restart="never" nodeType="tmRoot">
+          <p:childTnLst>
+            <p:seq concurrent="1" nextAc="seek">
+              <p:cTn id="2" dur="indefinite" nodeType="mainSeq">
+                <p:childTnLst>
+                  <p:par>
+                    <p:cTn id="3" fill="hold">
+                      <p:stCondLst>
+                        <p:cond delay="indefinite"/>
+                      </p:stCondLst>
+                      <p:childTnLst>
+                        <p:par>
+                          <p:cTn id="4" fill="hold">
+                            <p:stCondLst>
+                              <p:cond delay="0"/>
+                            </p:stCondLst>
+                            <p:childTnLst>
+                              <p:par>
+                                <p:cTn id="5" presetID="16" presetClass="entr" presetSubtype="21" fill="hold" grpId="0" nodeType="clickEffect">
+                                  <p:stCondLst>
+                                    <p:cond delay="0"/>
+                                  </p:stCondLst>
+                                  <p:childTnLst>
+                                    <p:set>
+                                      <p:cBhvr>
+                                        <p:cTn id="6" dur="1" fill="hold">
+                                          <p:stCondLst>
+                                            <p:cond delay="0"/>
+                                          </p:stCondLst>
+                                        </p:cTn>
+                                        <p:tgtEl>
+                                          <p:spTgt spid="3">
+                                            <p:txEl>
+                                              <p:pRg st="0" end="0"/>
+                                            </p:txEl>
+                                          </p:spTgt>
+                                        </p:tgtEl>
+                                        <p:attrNameLst>
+                                          <p:attrName>style.visibility</p:attrName>
+                                        </p:attrNameLst>
+                                      </p:cBhvr>
+                                      <p:to>
+                                        <p:strVal val="visible"/>
+                                      </p:to>
+                                    </p:set>
+                                    <p:animEffect transition="in" filter="barn(inVertical)">
+                                      <p:cBhvr>
+                                        <p:cTn id="7" dur="500"/>
+                                        <p:tgtEl>
+                                          <p:spTgt spid="3">
+                                            <p:txEl>
+                                              <p:pRg st="0" end="0"/>
+                                            </p:txEl>
+                                          </p:spTgt>
+                                        </p:tgtEl>
+                                      </p:cBhvr>
+                                    </p:animEffect>
+                                  </p:childTnLst>
+                                </p:cTn>
+                              </p:par>
+                            </p:childTnLst>
+                          </p:cTn>
+                        </p:par>
+                      </p:childTnLst>
+                    </p:cTn>
+                  </p:par>
+                  <p:par>
+                    <p:cTn id="8" fill="hold">
+                      <p:stCondLst>
+                        <p:cond delay="indefinite"/>
+                      </p:stCondLst>
+                      <p:childTnLst>
+                        <p:par>
+                          <p:cTn id="9" fill="hold">
+                            <p:stCondLst>
+                              <p:cond delay="0"/>
+                            </p:stCondLst>
+                            <p:childTnLst>
+                              <p:par>
+                                <p:cTn id="10" presetID="16" presetClass="entr" presetSubtype="21" fill="hold" grpId="0" nodeType="clickEffect">
+                                  <p:stCondLst>
+                                    <p:cond delay="0"/>
+                                  </p:stCondLst>
+                                  <p:childTnLst>
+                                    <p:set>
+                                      <p:cBhvr>
+                                        <p:cTn id="11" dur="1" fill="hold">
+                                          <p:stCondLst>
+                                            <p:cond delay="0"/>
+                                          </p:stCondLst>
+                                        </p:cTn>
+                                        <p:tgtEl>
+                                          <p:spTgt spid="3">
+                                            <p:txEl>
+                                              <p:pRg st="1" end="1"/>
+                                            </p:txEl>
+                                          </p:spTgt>
+                                        </p:tgtEl>
+                                        <p:attrNameLst>
+                                          <p:attrName>style.visibility</p:attrName>
+                                        </p:attrNameLst>
+                                      </p:cBhvr>
+                                      <p:to>
+                                        <p:strVal val="visible"/>
+                                      </p:to>
+                                    </p:set>
+                                    <p:animEffect transition="in" filter="barn(inVertical)">
+                                      <p:cBhvr>
+                                        <p:cTn id="12" dur="500"/>
+                                        <p:tgtEl>
+                                          <p:spTgt spid="3">
+                                            <p:txEl>
+                                              <p:pRg st="1" end="1"/>
+                                            </p:txEl>
+                                          </p:spTgt>
+                                        </p:tgtEl>
+                                      </p:cBhvr>
+                                    </p:animEffect>
+                                  </p:childTnLst>
+                                </p:cTn>
+                              </p:par>
+                            </p:childTnLst>
+                          </p:cTn>
+                        </p:par>
+                      </p:childTnLst>
+                    </p:cTn>
+                  </p:par>
+                  <p:par>
+                    <p:cTn id="13" fill="hold">
+                      <p:stCondLst>
+                        <p:cond delay="indefinite"/>
+                      </p:stCondLst>
+                      <p:childTnLst>
+                        <p:par>
+                          <p:cTn id="14" fill="hold">
+                            <p:stCondLst>
+                              <p:cond delay="0"/>
+                            </p:stCondLst>
+                            <p:childTnLst>
+                              <p:par>
+                                <p:cTn id="15" presetID="16" presetClass="entr" presetSubtype="21" fill="hold" grpId="0" nodeType="clickEffect">
+                                  <p:stCondLst>
+                                    <p:cond delay="0"/>
+                                  </p:stCondLst>
+                                  <p:childTnLst>
+                                    <p:set>
+                                      <p:cBhvr>
+                                        <p:cTn id="16" dur="1" fill="hold">
+                                          <p:stCondLst>
+                                            <p:cond delay="0"/>
+                                          </p:stCondLst>
+                                        </p:cTn>
+                                        <p:tgtEl>
+                                          <p:spTgt spid="3">
+                                            <p:txEl>
+                                              <p:pRg st="2" end="2"/>
+                                            </p:txEl>
+                                          </p:spTgt>
+                                        </p:tgtEl>
+                                        <p:attrNameLst>
+                                          <p:attrName>style.visibility</p:attrName>
+                                        </p:attrNameLst>
+                                      </p:cBhvr>
+                                      <p:to>
+                                        <p:strVal val="visible"/>
+                                      </p:to>
+                                    </p:set>
+                                    <p:animEffect transition="in" filter="barn(inVertical)">
+                                      <p:cBhvr>
+                                        <p:cTn id="17" dur="500"/>
+                                        <p:tgtEl>
+                                          <p:spTgt spid="3">
+                                            <p:txEl>
+                                              <p:pRg st="2" end="2"/>
+                                            </p:txEl>
+                                          </p:spTgt>
+                                        </p:tgtEl>
+                                      </p:cBhvr>
+                                    </p:animEffect>
+                                  </p:childTnLst>
+                                </p:cTn>
+                              </p:par>
+                            </p:childTnLst>
+                          </p:cTn>
+                        </p:par>
+                      </p:childTnLst>
+                    </p:cTn>
+                  </p:par>
+                  <p:par>
+                    <p:cTn id="18" fill="hold">
+                      <p:stCondLst>
+                        <p:cond delay="indefinite"/>
+                      </p:stCondLst>
+                      <p:childTnLst>
+                        <p:par>
+                          <p:cTn id="19" fill="hold">
+                            <p:stCondLst>
+                              <p:cond delay="0"/>
+                            </p:stCondLst>
+                            <p:childTnLst>
+                              <p:par>
+                                <p:cTn id="20" presetID="16" presetClass="entr" presetSubtype="21" fill="hold" grpId="0" nodeType="clickEffect">
+                                  <p:stCondLst>
+                                    <p:cond delay="0"/>
+                                  </p:stCondLst>
+                                  <p:childTnLst>
+                                    <p:set>
+                                      <p:cBhvr>
+                                        <p:cTn id="21" dur="1" fill="hold">
+                                          <p:stCondLst>
+                                            <p:cond delay="0"/>
+                                          </p:stCondLst>
+                                        </p:cTn>
+                                        <p:tgtEl>
+                                          <p:spTgt spid="3">
+                                            <p:txEl>
+                                              <p:pRg st="3" end="3"/>
+                                            </p:txEl>
+                                          </p:spTgt>
+                                        </p:tgtEl>
+                                        <p:attrNameLst>
+                                          <p:attrName>style.visibility</p:attrName>
+                                        </p:attrNameLst>
+                                      </p:cBhvr>
+                                      <p:to>
+                                        <p:strVal val="visible"/>
+                                      </p:to>
+                                    </p:set>
+                                    <p:animEffect transition="in" filter="barn(inVertical)">
+                                      <p:cBhvr>
+                                        <p:cTn id="22" dur="500"/>
+                                        <p:tgtEl>
+                                          <p:spTgt spid="3">
+                                            <p:txEl>
+                                              <p:pRg st="3" end="3"/>
+                                            </p:txEl>
+                                          </p:spTgt>
+                                        </p:tgtEl>
+                                      </p:cBhvr>
+                                    </p:animEffect>
+                                  </p:childTnLst>
+                                </p:cTn>
+                              </p:par>
+                            </p:childTnLst>
+                          </p:cTn>
+                        </p:par>
+                      </p:childTnLst>
+                    </p:cTn>
+                  </p:par>
+                  <p:par>
+                    <p:cTn id="23" fill="hold">
+                      <p:stCondLst>
+                        <p:cond delay="indefinite"/>
+                      </p:stCondLst>
+                      <p:childTnLst>
+                        <p:par>
+                          <p:cTn id="24" fill="hold">
+                            <p:stCondLst>
+                              <p:cond delay="0"/>
+                            </p:stCondLst>
+                            <p:childTnLst>
+                              <p:par>
+                                <p:cTn id="25" presetID="16" presetClass="entr" presetSubtype="21" fill="hold" grpId="0" nodeType="clickEffect">
+                                  <p:stCondLst>
+                                    <p:cond delay="0"/>
+                                  </p:stCondLst>
+                                  <p:childTnLst>
+                                    <p:set>
+                                      <p:cBhvr>
+                                        <p:cTn id="26" dur="1" fill="hold">
+                                          <p:stCondLst>
+                                            <p:cond delay="0"/>
+                                          </p:stCondLst>
+                                        </p:cTn>
+                                        <p:tgtEl>
+                                          <p:spTgt spid="3">
+                                            <p:txEl>
+                                              <p:pRg st="4" end="4"/>
+                                            </p:txEl>
+                                          </p:spTgt>
+                                        </p:tgtEl>
+                                        <p:attrNameLst>
+                                          <p:attrName>style.visibility</p:attrName>
+                                        </p:attrNameLst>
+                                      </p:cBhvr>
+                                      <p:to>
+                                        <p:strVal val="visible"/>
+                                      </p:to>
+                                    </p:set>
+                                    <p:animEffect transition="in" filter="barn(inVertical)">
+                                      <p:cBhvr>
+                                        <p:cTn id="27" dur="500"/>
+                                        <p:tgtEl>
+                                          <p:spTgt spid="3">
+                                            <p:txEl>
+                                              <p:pRg st="4" end="4"/>
+                                            </p:txEl>
+                                          </p:spTgt>
+                                        </p:tgtEl>
+                                      </p:cBhvr>
+                                    </p:animEffect>
+                                  </p:childTnLst>
+                                </p:cTn>
+                              </p:par>
+                            </p:childTnLst>
+                          </p:cTn>
+                        </p:par>
+                      </p:childTnLst>
+                    </p:cTn>
+                  </p:par>
+                  <p:par>
+                    <p:cTn id="28" fill="hold">
+                      <p:stCondLst>
+                        <p:cond delay="indefinite"/>
+                      </p:stCondLst>
+                      <p:childTnLst>
+                        <p:par>
+                          <p:cTn id="29" fill="hold">
+                            <p:stCondLst>
+                              <p:cond delay="0"/>
+                            </p:stCondLst>
+                            <p:childTnLst>
+                              <p:par>
+                                <p:cTn id="30" presetID="16" presetClass="entr" presetSubtype="21" fill="hold" grpId="0" nodeType="clickEffect">
+                                  <p:stCondLst>
+                                    <p:cond delay="0"/>
+                                  </p:stCondLst>
+                                  <p:childTnLst>
+                                    <p:set>
+                                      <p:cBhvr>
+                                        <p:cTn id="31" dur="1" fill="hold">
+                                          <p:stCondLst>
+                                            <p:cond delay="0"/>
+                                          </p:stCondLst>
+                                        </p:cTn>
+                                        <p:tgtEl>
+                                          <p:spTgt spid="3">
+                                            <p:txEl>
+                                              <p:pRg st="5" end="5"/>
+                                            </p:txEl>
+                                          </p:spTgt>
+                                        </p:tgtEl>
+                                        <p:attrNameLst>
+                                          <p:attrName>style.visibility</p:attrName>
+                                        </p:attrNameLst>
+                                      </p:cBhvr>
+                                      <p:to>
+                                        <p:strVal val="visible"/>
+                                      </p:to>
+                                    </p:set>
+                                    <p:animEffect transition="in" filter="barn(inVertical)">
+                                      <p:cBhvr>
+                                        <p:cTn id="32" dur="500"/>
+                                        <p:tgtEl>
+                                          <p:spTgt spid="3">
+                                            <p:txEl>
+                                              <p:pRg st="5" end="5"/>
+                                            </p:txEl>
+                                          </p:spTgt>
+                                        </p:tgtEl>
+                                      </p:cBhvr>
+                                    </p:animEffect>
+                                  </p:childTnLst>
+                                </p:cTn>
+                              </p:par>
+                            </p:childTnLst>
+                          </p:cTn>
+                        </p:par>
+                      </p:childTnLst>
+                    </p:cTn>
+                  </p:par>
+                  <p:par>
+                    <p:cTn id="33" fill="hold">
+                      <p:stCondLst>
+                        <p:cond delay="indefinite"/>
+                      </p:stCondLst>
+                      <p:childTnLst>
+                        <p:par>
+                          <p:cTn id="34" fill="hold">
+                            <p:stCondLst>
+                              <p:cond delay="0"/>
+                            </p:stCondLst>
+                            <p:childTnLst>
+                              <p:par>
+                                <p:cTn id="35" presetID="16" presetClass="entr" presetSubtype="21" fill="hold" grpId="0" nodeType="clickEffect">
+                                  <p:stCondLst>
+                                    <p:cond delay="0"/>
+                                  </p:stCondLst>
+                                  <p:childTnLst>
+                                    <p:set>
+                                      <p:cBhvr>
+                                        <p:cTn id="36" dur="1" fill="hold">
+                                          <p:stCondLst>
+                                            <p:cond delay="0"/>
+                                          </p:stCondLst>
+                                        </p:cTn>
+                                        <p:tgtEl>
+                                          <p:spTgt spid="3">
+                                            <p:txEl>
+                                              <p:pRg st="6" end="6"/>
+                                            </p:txEl>
+                                          </p:spTgt>
+                                        </p:tgtEl>
+                                        <p:attrNameLst>
+                                          <p:attrName>style.visibility</p:attrName>
+                                        </p:attrNameLst>
+                                      </p:cBhvr>
+                                      <p:to>
+                                        <p:strVal val="visible"/>
+                                      </p:to>
+                                    </p:set>
+                                    <p:animEffect transition="in" filter="barn(inVertical)">
+                                      <p:cBhvr>
+                                        <p:cTn id="37" dur="500"/>
+                                        <p:tgtEl>
+                                          <p:spTgt spid="3">
+                                            <p:txEl>
+                                              <p:pRg st="6" end="6"/>
+                                            </p:txEl>
+                                          </p:spTgt>
+                                        </p:tgtEl>
+                                      </p:cBhvr>
+                                    </p:animEffect>
+                                  </p:childTnLst>
+                                </p:cTn>
+                              </p:par>
+                            </p:childTnLst>
+                          </p:cTn>
+                        </p:par>
+                      </p:childTnLst>
+                    </p:cTn>
+                  </p:par>
+                  <p:par>
+                    <p:cTn id="38" fill="hold">
+                      <p:stCondLst>
+                        <p:cond delay="indefinite"/>
+                      </p:stCondLst>
+                      <p:childTnLst>
+                        <p:par>
+                          <p:cTn id="39" fill="hold">
+                            <p:stCondLst>
+                              <p:cond delay="0"/>
+                            </p:stCondLst>
+                            <p:childTnLst>
+                              <p:par>
+                                <p:cTn id="40" presetID="16" presetClass="entr" presetSubtype="21" fill="hold" grpId="0" nodeType="clickEffect">
+                                  <p:stCondLst>
+                                    <p:cond delay="0"/>
+                                  </p:stCondLst>
+                                  <p:childTnLst>
+                                    <p:set>
+                                      <p:cBhvr>
+                                        <p:cTn id="41" dur="1" fill="hold">
+                                          <p:stCondLst>
+                                            <p:cond delay="0"/>
+                                          </p:stCondLst>
+                                        </p:cTn>
+                                        <p:tgtEl>
+                                          <p:spTgt spid="3">
+                                            <p:txEl>
+                                              <p:pRg st="7" end="7"/>
+                                            </p:txEl>
+                                          </p:spTgt>
+                                        </p:tgtEl>
+                                        <p:attrNameLst>
+                                          <p:attrName>style.visibility</p:attrName>
+                                        </p:attrNameLst>
+                                      </p:cBhvr>
+                                      <p:to>
+                                        <p:strVal val="visible"/>
+                                      </p:to>
+                                    </p:set>
+                                    <p:animEffect transition="in" filter="barn(inVertical)">
+                                      <p:cBhvr>
+                                        <p:cTn id="42" dur="500"/>
+                                        <p:tgtEl>
+                                          <p:spTgt spid="3">
+                                            <p:txEl>
+                                              <p:pRg st="7" end="7"/>
+                                            </p:txEl>
+                                          </p:spTgt>
+                                        </p:tgtEl>
+                                      </p:cBhvr>
+                                    </p:animEffect>
+                                  </p:childTnLst>
+                                </p:cTn>
+                              </p:par>
+                            </p:childTnLst>
+                          </p:cTn>
+                        </p:par>
+                      </p:childTnLst>
+                    </p:cTn>
+                  </p:par>
+                  <p:par>
+                    <p:cTn id="43" fill="hold">
+                      <p:stCondLst>
+                        <p:cond delay="indefinite"/>
+                      </p:stCondLst>
+                      <p:childTnLst>
+                        <p:par>
+                          <p:cTn id="44" fill="hold">
+                            <p:stCondLst>
+                              <p:cond delay="0"/>
+                            </p:stCondLst>
+                            <p:childTnLst>
+                              <p:par>
+                                <p:cTn id="45" presetID="16" presetClass="entr" presetSubtype="21" fill="hold" grpId="0" nodeType="clickEffect">
+                                  <p:stCondLst>
+                                    <p:cond delay="0"/>
+                                  </p:stCondLst>
+                                  <p:childTnLst>
+                                    <p:set>
+                                      <p:cBhvr>
+                                        <p:cTn id="46" dur="1" fill="hold">
+                                          <p:stCondLst>
+                                            <p:cond delay="0"/>
+                                          </p:stCondLst>
+                                        </p:cTn>
+                                        <p:tgtEl>
+                                          <p:spTgt spid="3">
+                                            <p:txEl>
+                                              <p:pRg st="8" end="8"/>
+                                            </p:txEl>
+                                          </p:spTgt>
+                                        </p:tgtEl>
+                                        <p:attrNameLst>
+                                          <p:attrName>style.visibility</p:attrName>
+                                        </p:attrNameLst>
+                                      </p:cBhvr>
+                                      <p:to>
+                                        <p:strVal val="visible"/>
+                                      </p:to>
+                                    </p:set>
+                                    <p:animEffect transition="in" filter="barn(inVertical)">
+                                      <p:cBhvr>
+                                        <p:cTn id="47" dur="500"/>
+                                        <p:tgtEl>
+                                          <p:spTgt spid="3">
+                                            <p:txEl>
+                                              <p:pRg st="8" end="8"/>
+                                            </p:txEl>
+                                          </p:spTgt>
+                                        </p:tgtEl>
+                                      </p:cBhvr>
+                                    </p:animEffect>
+                                  </p:childTnLst>
+                                </p:cTn>
+                              </p:par>
+                            </p:childTnLst>
+                          </p:cTn>
+                        </p:par>
+                      </p:childTnLst>
+                    </p:cTn>
+                  </p:par>
+                  <p:par>
+                    <p:cTn id="48" fill="hold">
+                      <p:stCondLst>
+                        <p:cond delay="indefinite"/>
+                      </p:stCondLst>
+                      <p:childTnLst>
+                        <p:par>
+                          <p:cTn id="49" fill="hold">
+                            <p:stCondLst>
+                              <p:cond delay="0"/>
+                            </p:stCondLst>
+                            <p:childTnLst>
+                              <p:par>
+                                <p:cTn id="50" presetID="16" presetClass="entr" presetSubtype="21" fill="hold" grpId="0" nodeType="clickEffect">
+                                  <p:stCondLst>
+                                    <p:cond delay="0"/>
+                                  </p:stCondLst>
+                                  <p:childTnLst>
+                                    <p:set>
+                                      <p:cBhvr>
+                                        <p:cTn id="51" dur="1" fill="hold">
+                                          <p:stCondLst>
+                                            <p:cond delay="0"/>
+                                          </p:stCondLst>
+                                        </p:cTn>
+                                        <p:tgtEl>
+                                          <p:spTgt spid="3">
+                                            <p:txEl>
+                                              <p:pRg st="9" end="9"/>
+                                            </p:txEl>
+                                          </p:spTgt>
+                                        </p:tgtEl>
+                                        <p:attrNameLst>
+                                          <p:attrName>style.visibility</p:attrName>
+                                        </p:attrNameLst>
+                                      </p:cBhvr>
+                                      <p:to>
+                                        <p:strVal val="visible"/>
+                                      </p:to>
+                                    </p:set>
+                                    <p:animEffect transition="in" filter="barn(inVertical)">
+                                      <p:cBhvr>
+                                        <p:cTn id="52" dur="500"/>
+                                        <p:tgtEl>
+                                          <p:spTgt spid="3">
+                                            <p:txEl>
+                                              <p:pRg st="9" end="9"/>
+                                            </p:txEl>
+                                          </p:spTgt>
+                                        </p:tgtEl>
+                                      </p:cBhvr>
+                                    </p:animEffect>
+                                  </p:childTnLst>
+                                </p:cTn>
+                              </p:par>
+                            </p:childTnLst>
+                          </p:cTn>
+                        </p:par>
+                      </p:childTnLst>
+                    </p:cTn>
+                  </p:par>
+                  <p:par>
+                    <p:cTn id="53" fill="hold">
+                      <p:stCondLst>
+                        <p:cond delay="indefinite"/>
+                      </p:stCondLst>
+                      <p:childTnLst>
+                        <p:par>
+                          <p:cTn id="54" fill="hold">
+                            <p:stCondLst>
+                              <p:cond delay="0"/>
+                            </p:stCondLst>
+                            <p:childTnLst>
+                              <p:par>
+                                <p:cTn id="55" presetID="16" presetClass="entr" presetSubtype="21" fill="hold" grpId="0" nodeType="clickEffect">
+                                  <p:stCondLst>
+                                    <p:cond delay="0"/>
+                                  </p:stCondLst>
+                                  <p:childTnLst>
+                                    <p:set>
+                                      <p:cBhvr>
+                                        <p:cTn id="56" dur="1" fill="hold">
+                                          <p:stCondLst>
+                                            <p:cond delay="0"/>
+                                          </p:stCondLst>
+                                        </p:cTn>
+                                        <p:tgtEl>
+                                          <p:spTgt spid="3">
+                                            <p:txEl>
+                                              <p:pRg st="10" end="10"/>
+                                            </p:txEl>
+                                          </p:spTgt>
+                                        </p:tgtEl>
+                                        <p:attrNameLst>
+                                          <p:attrName>style.visibility</p:attrName>
+                                        </p:attrNameLst>
+                                      </p:cBhvr>
+                                      <p:to>
+                                        <p:strVal val="visible"/>
+                                      </p:to>
+                                    </p:set>
+                                    <p:animEffect transition="in" filter="barn(inVertical)">
+                                      <p:cBhvr>
+                                        <p:cTn id="57" dur="500"/>
+                                        <p:tgtEl>
+                                          <p:spTgt spid="3">
+                                            <p:txEl>
+                                              <p:pRg st="10" end="10"/>
+                                            </p:txEl>
+                                          </p:spTgt>
+                                        </p:tgtEl>
+                                      </p:cBhvr>
+                                    </p:animEffect>
+                                  </p:childTnLst>
+                                </p:cTn>
+                              </p:par>
+                            </p:childTnLst>
+                          </p:cTn>
+                        </p:par>
+                      </p:childTnLst>
+                    </p:cTn>
+                  </p:par>
+                  <p:par>
+                    <p:cTn id="58" fill="hold">
+                      <p:stCondLst>
+                        <p:cond delay="indefinite"/>
+                      </p:stCondLst>
+                      <p:childTnLst>
+                        <p:par>
+                          <p:cTn id="59" fill="hold">
+                            <p:stCondLst>
+                              <p:cond delay="0"/>
+                            </p:stCondLst>
+                            <p:childTnLst>
+                              <p:par>
+                                <p:cTn id="60" presetID="16" presetClass="entr" presetSubtype="21" fill="hold" grpId="0" nodeType="clickEffect">
+                                  <p:stCondLst>
+                                    <p:cond delay="0"/>
+                                  </p:stCondLst>
+                                  <p:childTnLst>
+                                    <p:set>
+                                      <p:cBhvr>
+                                        <p:cTn id="61" dur="1" fill="hold">
+                                          <p:stCondLst>
+                                            <p:cond delay="0"/>
+                                          </p:stCondLst>
+                                        </p:cTn>
+                                        <p:tgtEl>
+                                          <p:spTgt spid="3">
+                                            <p:txEl>
+                                              <p:pRg st="11" end="11"/>
+                                            </p:txEl>
+                                          </p:spTgt>
+                                        </p:tgtEl>
+                                        <p:attrNameLst>
+                                          <p:attrName>style.visibility</p:attrName>
+                                        </p:attrNameLst>
+                                      </p:cBhvr>
+                                      <p:to>
+                                        <p:strVal val="visible"/>
+                                      </p:to>
+                                    </p:set>
+                                    <p:animEffect transition="in" filter="barn(inVertical)">
+                                      <p:cBhvr>
+                                        <p:cTn id="62" dur="500"/>
+                                        <p:tgtEl>
+                                          <p:spTgt spid="3">
+                                            <p:txEl>
+                                              <p:pRg st="11" end="11"/>
+                                            </p:txEl>
+                                          </p:spTgt>
+                                        </p:tgtEl>
+                                      </p:cBhvr>
+                                    </p:animEffect>
+                                  </p:childTnLst>
+                                </p:cTn>
+                              </p:par>
+                            </p:childTnLst>
+                          </p:cTn>
+                        </p:par>
+                      </p:childTnLst>
+                    </p:cTn>
+                  </p:par>
+                  <p:par>
+                    <p:cTn id="63" fill="hold">
+                      <p:stCondLst>
+                        <p:cond delay="indefinite"/>
+                      </p:stCondLst>
+                      <p:childTnLst>
+                        <p:par>
+                          <p:cTn id="64" fill="hold">
+                            <p:stCondLst>
+                              <p:cond delay="0"/>
+                            </p:stCondLst>
+                            <p:childTnLst>
+                              <p:par>
+                                <p:cTn id="65" presetID="16" presetClass="entr" presetSubtype="21" fill="hold" grpId="0" nodeType="clickEffect">
+                                  <p:stCondLst>
+                                    <p:cond delay="0"/>
+                                  </p:stCondLst>
+                                  <p:childTnLst>
+                                    <p:set>
+                                      <p:cBhvr>
+                                        <p:cTn id="66" dur="1" fill="hold">
+                                          <p:stCondLst>
+                                            <p:cond delay="0"/>
+                                          </p:stCondLst>
+                                        </p:cTn>
+                                        <p:tgtEl>
+                                          <p:spTgt spid="3">
+                                            <p:txEl>
+                                              <p:pRg st="12" end="12"/>
+                                            </p:txEl>
+                                          </p:spTgt>
+                                        </p:tgtEl>
+                                        <p:attrNameLst>
+                                          <p:attrName>style.visibility</p:attrName>
+                                        </p:attrNameLst>
+                                      </p:cBhvr>
+                                      <p:to>
+                                        <p:strVal val="visible"/>
+                                      </p:to>
+                                    </p:set>
+                                    <p:animEffect transition="in" filter="barn(inVertical)">
+                                      <p:cBhvr>
+                                        <p:cTn id="67" dur="500"/>
+                                        <p:tgtEl>
+                                          <p:spTgt spid="3">
+                                            <p:txEl>
+                                              <p:pRg st="12" end="12"/>
+                                            </p:txEl>
+                                          </p:spTgt>
+                                        </p:tgtEl>
+                                      </p:cBhvr>
+                                    </p:animEffect>
+                                  </p:childTnLst>
+                                </p:cTn>
+                              </p:par>
+                            </p:childTnLst>
+                          </p:cTn>
+                        </p:par>
+                      </p:childTnLst>
+                    </p:cTn>
+                  </p:par>
+                </p:childTnLst>
+              </p:cTn>
+              <p:prevCondLst>
+                <p:cond evt="onPrev" delay="0">
+                  <p:tgtEl>
+                    <p:sldTgt/>
+                  </p:tgtEl>
+                </p:cond>
+              </p:prevCondLst>
+              <p:nextCondLst>
+                <p:cond evt="onNext" delay="0">
+                  <p:tgtEl>
+                    <p:sldTgt/>
+                  </p:tgtEl>
+                </p:cond>
+              </p:nextCondLst>
+            </p:seq>
+          </p:childTnLst>
+        </p:cTn>
+      </p:par>
+    </p:tnLst>
+    <p:bldLst>
+      <p:bldP spid="3" grpId="0" build="p" bldLvl="2"/>
+    </p:bldLst>
+  </p:timing>
+</p:sld>
+</file>
+
+<file path=ppt/slides/slide17.xml><?xml version="1.0" encoding="utf-8"?>
+<p:sld xmlns:a="http://schemas.openxmlformats.org/drawingml/2006/main" xmlns:r="http://schemas.openxmlformats.org/officeDocument/2006/relationships" xmlns:p="http://schemas.openxmlformats.org/presentationml/2006/main">
+  <p:cSld>
+    <p:spTree>
+      <p:nvGrpSpPr>
+        <p:cNvPr id="1" name=""/>
+        <p:cNvGrpSpPr/>
+        <p:nvPr/>
+      </p:nvGrpSpPr>
+      <p:grpSpPr>
+        <a:xfrm>
+          <a:off x="0" y="0"/>
+          <a:ext cx="0" cy="0"/>
+          <a:chOff x="0" y="0"/>
+          <a:chExt cx="0" cy="0"/>
+        </a:xfrm>
+      </p:grpSpPr>
+      <p:sp>
+        <p:nvSpPr>
           <p:cNvPr id="2" name="Title 1"/>
           <p:cNvSpPr>
             <a:spLocks noGrp="1"/>
@@ -10426,28 +11409,28 @@
                 <a:gridCol w="2611045">
                   <a:extLst>
                     <a:ext uri="{9D8B030D-6E8A-4147-A177-3AD203B41FA5}">
-                      <a16:colId xmlns:a16="http://schemas.microsoft.com/office/drawing/2014/main" xmlns="" val="20000"/>
+                      <a16:colId xmlns:a16="http://schemas.microsoft.com/office/drawing/2014/main" val="20000"/>
                     </a:ext>
                   </a:extLst>
                 </a:gridCol>
                 <a:gridCol w="3639766">
                   <a:extLst>
                     <a:ext uri="{9D8B030D-6E8A-4147-A177-3AD203B41FA5}">
-                      <a16:colId xmlns:a16="http://schemas.microsoft.com/office/drawing/2014/main" xmlns="" val="20001"/>
+                      <a16:colId xmlns:a16="http://schemas.microsoft.com/office/drawing/2014/main" val="20001"/>
                     </a:ext>
                   </a:extLst>
                 </a:gridCol>
                 <a:gridCol w="3041623">
                   <a:extLst>
                     <a:ext uri="{9D8B030D-6E8A-4147-A177-3AD203B41FA5}">
-                      <a16:colId xmlns:a16="http://schemas.microsoft.com/office/drawing/2014/main" xmlns="" val="20002"/>
+                      <a16:colId xmlns:a16="http://schemas.microsoft.com/office/drawing/2014/main" val="20002"/>
                     </a:ext>
                   </a:extLst>
                 </a:gridCol>
                 <a:gridCol w="1934421">
                   <a:extLst>
                     <a:ext uri="{9D8B030D-6E8A-4147-A177-3AD203B41FA5}">
-                      <a16:colId xmlns:a16="http://schemas.microsoft.com/office/drawing/2014/main" xmlns="" val="20003"/>
+                      <a16:colId xmlns:a16="http://schemas.microsoft.com/office/drawing/2014/main" val="20003"/>
                     </a:ext>
                   </a:extLst>
                 </a:gridCol>
@@ -10507,7 +11490,7 @@
                 </a:tc>
                 <a:extLst>
                   <a:ext uri="{0D108BD9-81ED-4DB2-BD59-A6C34878D82A}">
-                    <a16:rowId xmlns:a16="http://schemas.microsoft.com/office/drawing/2014/main" xmlns="" val="10000"/>
+                    <a16:rowId xmlns:a16="http://schemas.microsoft.com/office/drawing/2014/main" val="10000"/>
                   </a:ext>
                 </a:extLst>
               </a:tr>
@@ -10572,7 +11555,7 @@
                 </a:tc>
                 <a:extLst>
                   <a:ext uri="{0D108BD9-81ED-4DB2-BD59-A6C34878D82A}">
-                    <a16:rowId xmlns:a16="http://schemas.microsoft.com/office/drawing/2014/main" xmlns="" val="10001"/>
+                    <a16:rowId xmlns:a16="http://schemas.microsoft.com/office/drawing/2014/main" val="10001"/>
                   </a:ext>
                 </a:extLst>
               </a:tr>
@@ -10637,7 +11620,7 @@
                 </a:tc>
                 <a:extLst>
                   <a:ext uri="{0D108BD9-81ED-4DB2-BD59-A6C34878D82A}">
-                    <a16:rowId xmlns:a16="http://schemas.microsoft.com/office/drawing/2014/main" xmlns="" val="10002"/>
+                    <a16:rowId xmlns:a16="http://schemas.microsoft.com/office/drawing/2014/main" val="10002"/>
                   </a:ext>
                 </a:extLst>
               </a:tr>
@@ -10716,7 +11699,7 @@
                 </a:tc>
                 <a:extLst>
                   <a:ext uri="{0D108BD9-81ED-4DB2-BD59-A6C34878D82A}">
-                    <a16:rowId xmlns:a16="http://schemas.microsoft.com/office/drawing/2014/main" xmlns="" val="10003"/>
+                    <a16:rowId xmlns:a16="http://schemas.microsoft.com/office/drawing/2014/main" val="10003"/>
                   </a:ext>
                 </a:extLst>
               </a:tr>
@@ -10732,7 +11715,7 @@
         </p:nvSpPr>
         <p:spPr>
           <a:xfrm>
-            <a:off x="2446640" y="4271476"/>
+            <a:off x="690992" y="4271476"/>
             <a:ext cx="1223318" cy="461665"/>
           </a:xfrm>
           <a:prstGeom prst="rect">
@@ -10761,7 +11744,7 @@
         </p:nvSpPr>
         <p:spPr>
           <a:xfrm>
-            <a:off x="6978479" y="4269158"/>
+            <a:off x="4157935" y="4284540"/>
             <a:ext cx="2041954" cy="461665"/>
           </a:xfrm>
           <a:prstGeom prst="rect">
@@ -10790,7 +11773,7 @@
         </p:nvSpPr>
         <p:spPr>
           <a:xfrm>
-            <a:off x="2446640" y="4744127"/>
+            <a:off x="690992" y="4744127"/>
             <a:ext cx="1359242" cy="369332"/>
           </a:xfrm>
           <a:prstGeom prst="rect">
@@ -10819,7 +11802,7 @@
         </p:nvSpPr>
         <p:spPr>
           <a:xfrm>
-            <a:off x="7010916" y="4765152"/>
+            <a:off x="4190372" y="4780534"/>
             <a:ext cx="1359242" cy="369332"/>
           </a:xfrm>
           <a:prstGeom prst="rect">
@@ -10848,7 +11831,7 @@
         </p:nvSpPr>
         <p:spPr>
           <a:xfrm>
-            <a:off x="2446640" y="5124445"/>
+            <a:off x="690992" y="5124445"/>
             <a:ext cx="1359242" cy="369332"/>
           </a:xfrm>
           <a:prstGeom prst="rect">
@@ -10877,7 +11860,7 @@
         </p:nvSpPr>
         <p:spPr>
           <a:xfrm>
-            <a:off x="7043353" y="5168813"/>
+            <a:off x="4222809" y="5184195"/>
             <a:ext cx="1359242" cy="369332"/>
           </a:xfrm>
           <a:prstGeom prst="rect">
@@ -10906,7 +11889,7 @@
         </p:nvSpPr>
         <p:spPr>
           <a:xfrm>
-            <a:off x="2446640" y="5517120"/>
+            <a:off x="690992" y="5517120"/>
             <a:ext cx="1717587" cy="369332"/>
           </a:xfrm>
           <a:prstGeom prst="rect">
@@ -10936,7 +11919,7 @@
         </p:nvSpPr>
         <p:spPr>
           <a:xfrm>
-            <a:off x="7043353" y="5517120"/>
+            <a:off x="4222809" y="5532502"/>
             <a:ext cx="1977080" cy="369332"/>
           </a:xfrm>
           <a:prstGeom prst="rect">
@@ -10966,7 +11949,7 @@
         </p:nvSpPr>
         <p:spPr>
           <a:xfrm>
-            <a:off x="4819137" y="4282462"/>
+            <a:off x="2693559" y="4276456"/>
             <a:ext cx="1223318" cy="461665"/>
           </a:xfrm>
           <a:prstGeom prst="rect">
@@ -10995,7 +11978,7 @@
         </p:nvSpPr>
         <p:spPr>
           <a:xfrm>
-            <a:off x="4819137" y="4728585"/>
+            <a:off x="2654945" y="4732477"/>
             <a:ext cx="1359242" cy="369332"/>
           </a:xfrm>
           <a:prstGeom prst="rect">
@@ -11024,7 +12007,7 @@
         </p:nvSpPr>
         <p:spPr>
           <a:xfrm>
-            <a:off x="4780523" y="5113459"/>
+            <a:off x="2654945" y="5107453"/>
             <a:ext cx="1359242" cy="369332"/>
           </a:xfrm>
           <a:prstGeom prst="rect">
@@ -11053,7 +12036,7 @@
         </p:nvSpPr>
         <p:spPr>
           <a:xfrm>
-            <a:off x="4780523" y="5544151"/>
+            <a:off x="2654945" y="5538145"/>
             <a:ext cx="1359242" cy="369332"/>
           </a:xfrm>
           <a:prstGeom prst="rect">
@@ -11070,6 +12053,135 @@
             <a:r>
               <a:rPr lang="en-US" dirty="0"/>
               <a:t>Song</a:t>
+            </a:r>
+          </a:p>
+        </p:txBody>
+      </p:sp>
+      <p:sp>
+        <p:nvSpPr>
+          <p:cNvPr id="17" name="TextBox 16">
+            <a:extLst>
+              <a:ext uri="{FF2B5EF4-FFF2-40B4-BE49-F238E27FC236}">
+                <a16:creationId xmlns:a16="http://schemas.microsoft.com/office/drawing/2014/main" id="{D4E989C3-9EDD-4986-962F-78432BF153E6}"/>
+              </a:ext>
+            </a:extLst>
+          </p:cNvPr>
+          <p:cNvSpPr txBox="1"/>
+          <p:nvPr/>
+        </p:nvSpPr>
+        <p:spPr>
+          <a:xfrm>
+            <a:off x="6440947" y="4270812"/>
+            <a:ext cx="2041954" cy="461665"/>
+          </a:xfrm>
+          <a:prstGeom prst="rect">
+            <a:avLst/>
+          </a:prstGeom>
+          <a:noFill/>
+        </p:spPr>
+        <p:txBody>
+          <a:bodyPr wrap="square" rtlCol="0">
+            <a:spAutoFit/>
+          </a:bodyPr>
+          <a:lstStyle/>
+          <a:p>
+            <a:r>
+              <a:rPr lang="en-US" sz="2400" u="sng" dirty="0"/>
+              <a:t>Interface</a:t>
+            </a:r>
+          </a:p>
+        </p:txBody>
+      </p:sp>
+      <p:sp>
+        <p:nvSpPr>
+          <p:cNvPr id="18" name="TextBox 17">
+            <a:extLst>
+              <a:ext uri="{FF2B5EF4-FFF2-40B4-BE49-F238E27FC236}">
+                <a16:creationId xmlns:a16="http://schemas.microsoft.com/office/drawing/2014/main" id="{12DE0C8D-B1E8-4978-A404-01F5BB96707C}"/>
+              </a:ext>
+            </a:extLst>
+          </p:cNvPr>
+          <p:cNvSpPr txBox="1"/>
+          <p:nvPr/>
+        </p:nvSpPr>
+        <p:spPr>
+          <a:xfrm>
+            <a:off x="6440947" y="5138231"/>
+            <a:ext cx="5599752" cy="338554"/>
+          </a:xfrm>
+          <a:prstGeom prst="rect">
+            <a:avLst/>
+          </a:prstGeom>
+          <a:noFill/>
+        </p:spPr>
+        <p:txBody>
+          <a:bodyPr wrap="square" rtlCol="0">
+            <a:spAutoFit/>
+          </a:bodyPr>
+          <a:lstStyle/>
+          <a:p>
+            <a:r>
+              <a:rPr lang="en-US" sz="1600" dirty="0" err="1"/>
+              <a:t>ICollector</a:t>
+            </a:r>
+            <a:r>
+              <a:rPr lang="en-US" sz="1600" dirty="0"/>
+              <a:t>&lt;Sentence, </a:t>
+            </a:r>
+            <a:r>
+              <a:rPr lang="en-US" sz="1600" dirty="0" err="1"/>
+              <a:t>MarkovChain</a:t>
+            </a:r>
+            <a:r>
+              <a:rPr lang="en-US" sz="1600" dirty="0"/>
+              <a:t>&lt;Word, Sentence&gt;, Book&gt;</a:t>
+            </a:r>
+          </a:p>
+        </p:txBody>
+      </p:sp>
+      <p:sp>
+        <p:nvSpPr>
+          <p:cNvPr id="19" name="TextBox 18">
+            <a:extLst>
+              <a:ext uri="{FF2B5EF4-FFF2-40B4-BE49-F238E27FC236}">
+                <a16:creationId xmlns:a16="http://schemas.microsoft.com/office/drawing/2014/main" id="{879D6AD3-CEF9-4AFA-B786-1730CAFC3F97}"/>
+              </a:ext>
+            </a:extLst>
+          </p:cNvPr>
+          <p:cNvSpPr txBox="1"/>
+          <p:nvPr/>
+        </p:nvSpPr>
+        <p:spPr>
+          <a:xfrm>
+            <a:off x="6440947" y="4785891"/>
+            <a:ext cx="5437632" cy="338554"/>
+          </a:xfrm>
+          <a:prstGeom prst="rect">
+            <a:avLst/>
+          </a:prstGeom>
+          <a:noFill/>
+        </p:spPr>
+        <p:txBody>
+          <a:bodyPr wrap="square" rtlCol="0">
+            <a:spAutoFit/>
+          </a:bodyPr>
+          <a:lstStyle/>
+          <a:p>
+            <a:r>
+              <a:rPr lang="en-US" sz="1600" dirty="0" err="1"/>
+              <a:t>ICollector</a:t>
+            </a:r>
+            <a:r>
+              <a:rPr lang="en-US" sz="1600" dirty="0"/>
+              <a:t>&lt;Word, </a:t>
+            </a:r>
+            <a:r>
+              <a:rPr lang="en-US" sz="1600" dirty="0" err="1"/>
+              <a:t>MarkovChain</a:t>
+            </a:r>
+            <a:r>
+              <a:rPr lang="en-US" sz="1600" dirty="0"/>
+              <a:t>&lt;Character, Word&gt;, Sentence&gt;</a:t>
             </a:r>
           </a:p>
         </p:txBody>
@@ -11376,6 +12488,79 @@
                                   </p:childTnLst>
                                 </p:cTn>
                               </p:par>
+                              <p:par>
+                                <p:cTn id="22" presetID="2" presetClass="entr" presetSubtype="9" fill="hold" grpId="0" nodeType="withEffect">
+                                  <p:stCondLst>
+                                    <p:cond delay="0"/>
+                                  </p:stCondLst>
+                                  <p:childTnLst>
+                                    <p:set>
+                                      <p:cBhvr>
+                                        <p:cTn id="23" dur="1" fill="hold">
+                                          <p:stCondLst>
+                                            <p:cond delay="0"/>
+                                          </p:stCondLst>
+                                        </p:cTn>
+                                        <p:tgtEl>
+                                          <p:spTgt spid="17"/>
+                                        </p:tgtEl>
+                                        <p:attrNameLst>
+                                          <p:attrName>style.visibility</p:attrName>
+                                        </p:attrNameLst>
+                                      </p:cBhvr>
+                                      <p:to>
+                                        <p:strVal val="visible"/>
+                                      </p:to>
+                                    </p:set>
+                                    <p:anim calcmode="lin" valueType="num">
+                                      <p:cBhvr additive="base">
+                                        <p:cTn id="24" dur="500" fill="hold"/>
+                                        <p:tgtEl>
+                                          <p:spTgt spid="17"/>
+                                        </p:tgtEl>
+                                        <p:attrNameLst>
+                                          <p:attrName>ppt_x</p:attrName>
+                                        </p:attrNameLst>
+                                      </p:cBhvr>
+                                      <p:tavLst>
+                                        <p:tav tm="0">
+                                          <p:val>
+                                            <p:strVal val="0-#ppt_w/2"/>
+                                          </p:val>
+                                        </p:tav>
+                                        <p:tav tm="100000">
+                                          <p:val>
+                                            <p:strVal val="#ppt_x"/>
+                                          </p:val>
+                                        </p:tav>
+                                      </p:tavLst>
+                                    </p:anim>
+                                    <p:anim calcmode="lin" valueType="num">
+                                      <p:cBhvr additive="base">
+                                        <p:cTn id="25" dur="500" fill="hold"/>
+                                        <p:tgtEl>
+                                          <p:spTgt spid="17"/>
+                                        </p:tgtEl>
+                                        <p:attrNameLst>
+                                          <p:attrName>ppt_y</p:attrName>
+                                        </p:attrNameLst>
+                                      </p:cBhvr>
+                                      <p:tavLst>
+                                        <p:tav tm="0">
+                                          <p:val>
+                                            <p:strVal val="0-#ppt_h/2"/>
+                                          </p:val>
+                                        </p:tav>
+                                        <p:tav tm="100000">
+                                          <p:val>
+                                            <p:strVal val="#ppt_y"/>
+                                          </p:val>
+                                        </p:tav>
+                                      </p:tavLst>
+                                    </p:anim>
+                                  </p:childTnLst>
+                                </p:cTn>
+                              </p:par>
                             </p:childTnLst>
                           </p:cTn>
                         </p:par>
@@ -11383,92 +12568,19 @@
                     </p:cTn>
                   </p:par>
                   <p:par>
-                    <p:cTn id="22" fill="hold">
+                    <p:cTn id="26" fill="hold">
                       <p:stCondLst>
                         <p:cond delay="indefinite"/>
                       </p:stCondLst>
                       <p:childTnLst>
                         <p:par>
-                          <p:cTn id="23" fill="hold">
+                          <p:cTn id="27" fill="hold">
                             <p:stCondLst>
                               <p:cond delay="0"/>
                             </p:stCondLst>
                             <p:childTnLst>
                               <p:par>
-                                <p:cTn id="24" presetID="2" presetClass="entr" presetSubtype="6" fill="hold" grpId="0" nodeType="clickEffect">
-                                  <p:stCondLst>
-                                    <p:cond delay="0"/>
-                                  </p:stCondLst>
-                                  <p:childTnLst>
-                                    <p:set>
-                                      <p:cBhvr>
-                                        <p:cTn id="25" dur="1" fill="hold">
-                                          <p:stCondLst>
-                                            <p:cond delay="0"/>
-                                          </p:stCondLst>
-                                        </p:cTn>
-                                        <p:tgtEl>
-                                          <p:spTgt spid="7"/>
-                                        </p:tgtEl>
-                                        <p:attrNameLst>
-                                          <p:attrName>style.visibility</p:attrName>
-                                        </p:attrNameLst>
-                                      </p:cBhvr>
-                                      <p:to>
-                                        <p:strVal val="visible"/>
-                                      </p:to>
-                                    </p:set>
-                                    <p:anim calcmode="lin" valueType="num">
-                                      <p:cBhvr additive="base">
-                                        <p:cTn id="26" dur="500" fill="hold"/>
-                                        <p:tgtEl>
-                                          <p:spTgt spid="7"/>
-                                        </p:tgtEl>
-                                        <p:attrNameLst>
-                                          <p:attrName>ppt_x</p:attrName>
-                                        </p:attrNameLst>
-                                      </p:cBhvr>
-                                      <p:tavLst>
-                                        <p:tav tm="0">
-                                          <p:val>
-                                            <p:strVal val="1+#ppt_w/2"/>
-                                          </p:val>
-                                        </p:tav>
-                                        <p:tav tm="100000">
-                                          <p:val>
-                                            <p:strVal val="#ppt_x"/>
-                                          </p:val>
-                                        </p:tav>
-                                      </p:tavLst>
-                                    </p:anim>
-                                    <p:anim calcmode="lin" valueType="num">
-                                      <p:cBhvr additive="base">
-                                        <p:cTn id="27" dur="500" fill="hold"/>
-                                        <p:tgtEl>
-                                          <p:spTgt spid="7"/>
-                                        </p:tgtEl>
-                                        <p:attrNameLst>
-                                          <p:attrName>ppt_y</p:attrName>
-                                        </p:attrNameLst>
-                                      </p:cBhvr>
-                                      <p:tavLst>
-                                        <p:tav tm="0">
-                                          <p:val>
-                                            <p:strVal val="1+#ppt_h/2"/>
-                                          </p:val>
-                                        </p:tav>
-                                        <p:tav tm="100000">
-                                          <p:val>
-                                            <p:strVal val="#ppt_y"/>
-                                          </p:val>
-                                        </p:tav>
-                                      </p:tavLst>
-                                    </p:anim>
-                                  </p:childTnLst>
-                                </p:cTn>
-                              </p:par>
-                              <p:par>
-                                <p:cTn id="28" presetID="2" presetClass="entr" presetSubtype="6" fill="hold" grpId="0" nodeType="withEffect">
+                                <p:cTn id="28" presetID="2" presetClass="entr" presetSubtype="6" fill="hold" grpId="0" nodeType="clickEffect">
                                   <p:stCondLst>
                                     <p:cond delay="0"/>
                                   </p:stCondLst>
@@ -11481,7 +12593,7 @@
                                           </p:stCondLst>
                                         </p:cTn>
                                         <p:tgtEl>
-                                          <p:spTgt spid="14"/>
+                                          <p:spTgt spid="7"/>
                                         </p:tgtEl>
                                         <p:attrNameLst>
                                           <p:attrName>style.visibility</p:attrName>
@@ -11495,7 +12607,7 @@
                                       <p:cBhvr additive="base">
                                         <p:cTn id="30" dur="500" fill="hold"/>
                                         <p:tgtEl>
-                                          <p:spTgt spid="14"/>
+                                          <p:spTgt spid="7"/>
                                         </p:tgtEl>
                                         <p:attrNameLst>
                                           <p:attrName>ppt_x</p:attrName>
@@ -11518,7 +12630,7 @@
                                       <p:cBhvr additive="base">
                                         <p:cTn id="31" dur="500" fill="hold"/>
                                         <p:tgtEl>
-                                          <p:spTgt spid="14"/>
+                                          <p:spTgt spid="7"/>
                                         </p:tgtEl>
                                         <p:attrNameLst>
                                           <p:attrName>ppt_y</p:attrName>
@@ -11554,7 +12666,7 @@
                                           </p:stCondLst>
                                         </p:cTn>
                                         <p:tgtEl>
-                                          <p:spTgt spid="8"/>
+                                          <p:spTgt spid="14"/>
                                         </p:tgtEl>
                                         <p:attrNameLst>
                                           <p:attrName>style.visibility</p:attrName>
@@ -11568,7 +12680,7 @@
                                       <p:cBhvr additive="base">
                                         <p:cTn id="34" dur="500" fill="hold"/>
                                         <p:tgtEl>
-                                          <p:spTgt spid="8"/>
+                                          <p:spTgt spid="14"/>
                                         </p:tgtEl>
                                         <p:attrNameLst>
                                           <p:attrName>ppt_x</p:attrName>
@@ -11591,7 +12703,153 @@
                                       <p:cBhvr additive="base">
                                         <p:cTn id="35" dur="500" fill="hold"/>
                                         <p:tgtEl>
+                                          <p:spTgt spid="14"/>
+                                        </p:tgtEl>
+                                        <p:attrNameLst>
+                                          <p:attrName>ppt_y</p:attrName>
+                                        </p:attrNameLst>
+                                      </p:cBhvr>
+                                      <p:tavLst>
+                                        <p:tav tm="0">
+                                          <p:val>
+                                            <p:strVal val="1+#ppt_h/2"/>
+                                          </p:val>
+                                        </p:tav>
+                                        <p:tav tm="100000">
+                                          <p:val>
+                                            <p:strVal val="#ppt_y"/>
+                                          </p:val>
+                                        </p:tav>
+                                      </p:tavLst>
+                                    </p:anim>
+                                  </p:childTnLst>
+                                </p:cTn>
+                              </p:par>
+                              <p:par>
+                                <p:cTn id="36" presetID="2" presetClass="entr" presetSubtype="6" fill="hold" grpId="0" nodeType="withEffect">
+                                  <p:stCondLst>
+                                    <p:cond delay="0"/>
+                                  </p:stCondLst>
+                                  <p:childTnLst>
+                                    <p:set>
+                                      <p:cBhvr>
+                                        <p:cTn id="37" dur="1" fill="hold">
+                                          <p:stCondLst>
+                                            <p:cond delay="0"/>
+                                          </p:stCondLst>
+                                        </p:cTn>
+                                        <p:tgtEl>
                                           <p:spTgt spid="8"/>
+                                        </p:tgtEl>
+                                        <p:attrNameLst>
+                                          <p:attrName>style.visibility</p:attrName>
+                                        </p:attrNameLst>
+                                      </p:cBhvr>
+                                      <p:to>
+                                        <p:strVal val="visible"/>
+                                      </p:to>
+                                    </p:set>
+                                    <p:anim calcmode="lin" valueType="num">
+                                      <p:cBhvr additive="base">
+                                        <p:cTn id="38" dur="500" fill="hold"/>
+                                        <p:tgtEl>
+                                          <p:spTgt spid="8"/>
+                                        </p:tgtEl>
+                                        <p:attrNameLst>
+                                          <p:attrName>ppt_x</p:attrName>
+                                        </p:attrNameLst>
+                                      </p:cBhvr>
+                                      <p:tavLst>
+                                        <p:tav tm="0">
+                                          <p:val>
+                                            <p:strVal val="1+#ppt_w/2"/>
+                                          </p:val>
+                                        </p:tav>
+                                        <p:tav tm="100000">
+                                          <p:val>
+                                            <p:strVal val="#ppt_x"/>
+                                          </p:val>
+                                        </p:tav>
+                                      </p:tavLst>
+                                    </p:anim>
+                                    <p:anim calcmode="lin" valueType="num">
+                                      <p:cBhvr additive="base">
+                                        <p:cTn id="39" dur="500" fill="hold"/>
+                                        <p:tgtEl>
+                                          <p:spTgt spid="8"/>
+                                        </p:tgtEl>
+                                        <p:attrNameLst>
+                                          <p:attrName>ppt_y</p:attrName>
+                                        </p:attrNameLst>
+                                      </p:cBhvr>
+                                      <p:tavLst>
+                                        <p:tav tm="0">
+                                          <p:val>
+                                            <p:strVal val="1+#ppt_h/2"/>
+                                          </p:val>
+                                        </p:tav>
+                                        <p:tav tm="100000">
+                                          <p:val>
+                                            <p:strVal val="#ppt_y"/>
+                                          </p:val>
+                                        </p:tav>
+                                      </p:tavLst>
+                                    </p:anim>
+                                  </p:childTnLst>
+                                </p:cTn>
+                              </p:par>
+                              <p:par>
+                                <p:cTn id="40" presetID="2" presetClass="entr" presetSubtype="4" fill="hold" grpId="0" nodeType="withEffect">
+                                  <p:stCondLst>
+                                    <p:cond delay="0"/>
+                                  </p:stCondLst>
+                                  <p:childTnLst>
+                                    <p:set>
+                                      <p:cBhvr>
+                                        <p:cTn id="41" dur="1" fill="hold">
+                                          <p:stCondLst>
+                                            <p:cond delay="0"/>
+                                          </p:stCondLst>
+                                        </p:cTn>
+                                        <p:tgtEl>
+                                          <p:spTgt spid="19"/>
+                                        </p:tgtEl>
+                                        <p:attrNameLst>
+                                          <p:attrName>style.visibility</p:attrName>
+                                        </p:attrNameLst>
+                                      </p:cBhvr>
+                                      <p:to>
+                                        <p:strVal val="visible"/>
+                                      </p:to>
+                                    </p:set>
+                                    <p:anim calcmode="lin" valueType="num">
+                                      <p:cBhvr additive="base">
+                                        <p:cTn id="42" dur="500" fill="hold"/>
+                                        <p:tgtEl>
+                                          <p:spTgt spid="19"/>
+                                        </p:tgtEl>
+                                        <p:attrNameLst>
+                                          <p:attrName>ppt_x</p:attrName>
+                                        </p:attrNameLst>
+                                      </p:cBhvr>
+                                      <p:tavLst>
+                                        <p:tav tm="0">
+                                          <p:val>
+                                            <p:strVal val="#ppt_x"/>
+                                          </p:val>
+                                        </p:tav>
+                                        <p:tav tm="100000">
+                                          <p:val>
+                                            <p:strVal val="#ppt_x"/>
+                                          </p:val>
+                                        </p:tav>
+                                      </p:tavLst>
+                                    </p:anim>
+                                    <p:anim calcmode="lin" valueType="num">
+                                      <p:cBhvr additive="base">
+                                        <p:cTn id="43" dur="500" fill="hold"/>
+                                        <p:tgtEl>
+                                          <p:spTgt spid="19"/>
                                         </p:tgtEl>
                                         <p:attrNameLst>
                                           <p:attrName>ppt_y</p:attrName>
@@ -11620,165 +12878,19 @@
                     </p:cTn>
                   </p:par>
                   <p:par>
-                    <p:cTn id="36" fill="hold">
+                    <p:cTn id="44" fill="hold">
                       <p:stCondLst>
                         <p:cond delay="indefinite"/>
                       </p:stCondLst>
                       <p:childTnLst>
                         <p:par>
-                          <p:cTn id="37" fill="hold">
+                          <p:cTn id="45" fill="hold">
                             <p:stCondLst>
                               <p:cond delay="0"/>
                             </p:stCondLst>
                             <p:childTnLst>
                               <p:par>
-                                <p:cTn id="38" presetID="2" presetClass="entr" presetSubtype="9" fill="hold" grpId="0" nodeType="clickEffect">
-                                  <p:stCondLst>
-                                    <p:cond delay="0"/>
-                                  </p:stCondLst>
-                                  <p:childTnLst>
-                                    <p:set>
-                                      <p:cBhvr>
-                                        <p:cTn id="39" dur="1" fill="hold">
-                                          <p:stCondLst>
-                                            <p:cond delay="0"/>
-                                          </p:stCondLst>
-                                        </p:cTn>
-                                        <p:tgtEl>
-                                          <p:spTgt spid="9"/>
-                                        </p:tgtEl>
-                                        <p:attrNameLst>
-                                          <p:attrName>style.visibility</p:attrName>
-                                        </p:attrNameLst>
-                                      </p:cBhvr>
-                                      <p:to>
-                                        <p:strVal val="visible"/>
-                                      </p:to>
-                                    </p:set>
-                                    <p:anim calcmode="lin" valueType="num">
-                                      <p:cBhvr additive="base">
-                                        <p:cTn id="40" dur="500" fill="hold"/>
-                                        <p:tgtEl>
-                                          <p:spTgt spid="9"/>
-                                        </p:tgtEl>
-                                        <p:attrNameLst>
-                                          <p:attrName>ppt_x</p:attrName>
-                                        </p:attrNameLst>
-                                      </p:cBhvr>
-                                      <p:tavLst>
-                                        <p:tav tm="0">
-                                          <p:val>
-                                            <p:strVal val="0-#ppt_w/2"/>
-                                          </p:val>
-                                        </p:tav>
-                                        <p:tav tm="100000">
-                                          <p:val>
-                                            <p:strVal val="#ppt_x"/>
-                                          </p:val>
-                                        </p:tav>
-                                      </p:tavLst>
-                                    </p:anim>
-                                    <p:anim calcmode="lin" valueType="num">
-                                      <p:cBhvr additive="base">
-                                        <p:cTn id="41" dur="500" fill="hold"/>
-                                        <p:tgtEl>
-                                          <p:spTgt spid="9"/>
-                                        </p:tgtEl>
-                                        <p:attrNameLst>
-                                          <p:attrName>ppt_y</p:attrName>
-                                        </p:attrNameLst>
-                                      </p:cBhvr>
-                                      <p:tavLst>
-                                        <p:tav tm="0">
-                                          <p:val>
-                                            <p:strVal val="0-#ppt_h/2"/>
-                                          </p:val>
-                                        </p:tav>
-                                        <p:tav tm="100000">
-                                          <p:val>
-                                            <p:strVal val="#ppt_y"/>
-                                          </p:val>
-                                        </p:tav>
-                                      </p:tavLst>
-                                    </p:anim>
-                                  </p:childTnLst>
-                                </p:cTn>
-                              </p:par>
-                              <p:par>
-                                <p:cTn id="42" presetID="2" presetClass="entr" presetSubtype="9" fill="hold" grpId="0" nodeType="withEffect">
-                                  <p:stCondLst>
-                                    <p:cond delay="0"/>
-                                  </p:stCondLst>
-                                  <p:childTnLst>
-                                    <p:set>
-                                      <p:cBhvr>
-                                        <p:cTn id="43" dur="1" fill="hold">
-                                          <p:stCondLst>
-                                            <p:cond delay="0"/>
-                                          </p:stCondLst>
-                                        </p:cTn>
-                                        <p:tgtEl>
-                                          <p:spTgt spid="15"/>
-                                        </p:tgtEl>
-                                        <p:attrNameLst>
-                                          <p:attrName>style.visibility</p:attrName>
-                                        </p:attrNameLst>
-                                      </p:cBhvr>
-                                      <p:to>
-                                        <p:strVal val="visible"/>
-                                      </p:to>
-                                    </p:set>
-                                    <p:anim calcmode="lin" valueType="num">
-                                      <p:cBhvr additive="base">
-                                        <p:cTn id="44" dur="500" fill="hold"/>
-                                        <p:tgtEl>
-                                          <p:spTgt spid="15"/>
-                                        </p:tgtEl>
-                                        <p:attrNameLst>
-                                          <p:attrName>ppt_x</p:attrName>
-                                        </p:attrNameLst>
-                                      </p:cBhvr>
-                                      <p:tavLst>
-                                        <p:tav tm="0">
-                                          <p:val>
-                                            <p:strVal val="0-#ppt_w/2"/>
-                                          </p:val>
-                                        </p:tav>
-                                        <p:tav tm="100000">
-                                          <p:val>
-                                            <p:strVal val="#ppt_x"/>
-                                          </p:val>
-                                        </p:tav>
-                                      </p:tavLst>
-                                    </p:anim>
-                                    <p:anim calcmode="lin" valueType="num">
-                                      <p:cBhvr additive="base">
-                                        <p:cTn id="45" dur="500" fill="hold"/>
-                                        <p:tgtEl>
-                                          <p:spTgt spid="15"/>
-                                        </p:tgtEl>
-                                        <p:attrNameLst>
-                                          <p:attrName>ppt_y</p:attrName>
-                                        </p:attrNameLst>
-                                      </p:cBhvr>
-                                      <p:tavLst>
-                                        <p:tav tm="0">
-                                          <p:val>
-                                            <p:strVal val="0-#ppt_h/2"/>
-                                          </p:val>
-                                        </p:tav>
-                                        <p:tav tm="100000">
-                                          <p:val>
-                                            <p:strVal val="#ppt_y"/>
-                                          </p:val>
-                                        </p:tav>
-                                      </p:tavLst>
-                                    </p:anim>
-                                  </p:childTnLst>
-                                </p:cTn>
-                              </p:par>
-                              <p:par>
-                                <p:cTn id="46" presetID="2" presetClass="entr" presetSubtype="9" fill="hold" grpId="0" nodeType="withEffect">
+                                <p:cTn id="46" presetID="2" presetClass="entr" presetSubtype="9" fill="hold" grpId="0" nodeType="clickEffect">
                                   <p:stCondLst>
                                     <p:cond delay="0"/>
                                   </p:stCondLst>
@@ -11791,7 +12903,7 @@
                                           </p:stCondLst>
                                         </p:cTn>
                                         <p:tgtEl>
-                                          <p:spTgt spid="10"/>
+                                          <p:spTgt spid="9"/>
                                         </p:tgtEl>
                                         <p:attrNameLst>
                                           <p:attrName>style.visibility</p:attrName>
@@ -11805,7 +12917,7 @@
                                       <p:cBhvr additive="base">
                                         <p:cTn id="48" dur="500" fill="hold"/>
                                         <p:tgtEl>
-                                          <p:spTgt spid="10"/>
+                                          <p:spTgt spid="9"/>
                                         </p:tgtEl>
                                         <p:attrNameLst>
                                           <p:attrName>ppt_x</p:attrName>
@@ -11828,7 +12940,226 @@
                                       <p:cBhvr additive="base">
                                         <p:cTn id="49" dur="500" fill="hold"/>
                                         <p:tgtEl>
+                                          <p:spTgt spid="9"/>
+                                        </p:tgtEl>
+                                        <p:attrNameLst>
+                                          <p:attrName>ppt_y</p:attrName>
+                                        </p:attrNameLst>
+                                      </p:cBhvr>
+                                      <p:tavLst>
+                                        <p:tav tm="0">
+                                          <p:val>
+                                            <p:strVal val="0-#ppt_h/2"/>
+                                          </p:val>
+                                        </p:tav>
+                                        <p:tav tm="100000">
+                                          <p:val>
+                                            <p:strVal val="#ppt_y"/>
+                                          </p:val>
+                                        </p:tav>
+                                      </p:tavLst>
+                                    </p:anim>
+                                  </p:childTnLst>
+                                </p:cTn>
+                              </p:par>
+                              <p:par>
+                                <p:cTn id="50" presetID="2" presetClass="entr" presetSubtype="9" fill="hold" grpId="0" nodeType="withEffect">
+                                  <p:stCondLst>
+                                    <p:cond delay="0"/>
+                                  </p:stCondLst>
+                                  <p:childTnLst>
+                                    <p:set>
+                                      <p:cBhvr>
+                                        <p:cTn id="51" dur="1" fill="hold">
+                                          <p:stCondLst>
+                                            <p:cond delay="0"/>
+                                          </p:stCondLst>
+                                        </p:cTn>
+                                        <p:tgtEl>
+                                          <p:spTgt spid="15"/>
+                                        </p:tgtEl>
+                                        <p:attrNameLst>
+                                          <p:attrName>style.visibility</p:attrName>
+                                        </p:attrNameLst>
+                                      </p:cBhvr>
+                                      <p:to>
+                                        <p:strVal val="visible"/>
+                                      </p:to>
+                                    </p:set>
+                                    <p:anim calcmode="lin" valueType="num">
+                                      <p:cBhvr additive="base">
+                                        <p:cTn id="52" dur="500" fill="hold"/>
+                                        <p:tgtEl>
+                                          <p:spTgt spid="15"/>
+                                        </p:tgtEl>
+                                        <p:attrNameLst>
+                                          <p:attrName>ppt_x</p:attrName>
+                                        </p:attrNameLst>
+                                      </p:cBhvr>
+                                      <p:tavLst>
+                                        <p:tav tm="0">
+                                          <p:val>
+                                            <p:strVal val="0-#ppt_w/2"/>
+                                          </p:val>
+                                        </p:tav>
+                                        <p:tav tm="100000">
+                                          <p:val>
+                                            <p:strVal val="#ppt_x"/>
+                                          </p:val>
+                                        </p:tav>
+                                      </p:tavLst>
+                                    </p:anim>
+                                    <p:anim calcmode="lin" valueType="num">
+                                      <p:cBhvr additive="base">
+                                        <p:cTn id="53" dur="500" fill="hold"/>
+                                        <p:tgtEl>
+                                          <p:spTgt spid="15"/>
+                                        </p:tgtEl>
+                                        <p:attrNameLst>
+                                          <p:attrName>ppt_y</p:attrName>
+                                        </p:attrNameLst>
+                                      </p:cBhvr>
+                                      <p:tavLst>
+                                        <p:tav tm="0">
+                                          <p:val>
+                                            <p:strVal val="0-#ppt_h/2"/>
+                                          </p:val>
+                                        </p:tav>
+                                        <p:tav tm="100000">
+                                          <p:val>
+                                            <p:strVal val="#ppt_y"/>
+                                          </p:val>
+                                        </p:tav>
+                                      </p:tavLst>
+                                    </p:anim>
+                                  </p:childTnLst>
+                                </p:cTn>
+                              </p:par>
+                              <p:par>
+                                <p:cTn id="54" presetID="2" presetClass="entr" presetSubtype="9" fill="hold" grpId="0" nodeType="withEffect">
+                                  <p:stCondLst>
+                                    <p:cond delay="0"/>
+                                  </p:stCondLst>
+                                  <p:childTnLst>
+                                    <p:set>
+                                      <p:cBhvr>
+                                        <p:cTn id="55" dur="1" fill="hold">
+                                          <p:stCondLst>
+                                            <p:cond delay="0"/>
+                                          </p:stCondLst>
+                                        </p:cTn>
+                                        <p:tgtEl>
                                           <p:spTgt spid="10"/>
+                                        </p:tgtEl>
+                                        <p:attrNameLst>
+                                          <p:attrName>style.visibility</p:attrName>
+                                        </p:attrNameLst>
+                                      </p:cBhvr>
+                                      <p:to>
+                                        <p:strVal val="visible"/>
+                                      </p:to>
+                                    </p:set>
+                                    <p:anim calcmode="lin" valueType="num">
+                                      <p:cBhvr additive="base">
+                                        <p:cTn id="56" dur="500" fill="hold"/>
+                                        <p:tgtEl>
+                                          <p:spTgt spid="10"/>
+                                        </p:tgtEl>
+                                        <p:attrNameLst>
+                                          <p:attrName>ppt_x</p:attrName>
+                                        </p:attrNameLst>
+                                      </p:cBhvr>
+                                      <p:tavLst>
+                                        <p:tav tm="0">
+                                          <p:val>
+                                            <p:strVal val="0-#ppt_w/2"/>
+                                          </p:val>
+                                        </p:tav>
+                                        <p:tav tm="100000">
+                                          <p:val>
+                                            <p:strVal val="#ppt_x"/>
+                                          </p:val>
+                                        </p:tav>
+                                      </p:tavLst>
+                                    </p:anim>
+                                    <p:anim calcmode="lin" valueType="num">
+                                      <p:cBhvr additive="base">
+                                        <p:cTn id="57" dur="500" fill="hold"/>
+                                        <p:tgtEl>
+                                          <p:spTgt spid="10"/>
+                                        </p:tgtEl>
+                                        <p:attrNameLst>
+                                          <p:attrName>ppt_y</p:attrName>
+                                        </p:attrNameLst>
+                                      </p:cBhvr>
+                                      <p:tavLst>
+                                        <p:tav tm="0">
+                                          <p:val>
+                                            <p:strVal val="0-#ppt_h/2"/>
+                                          </p:val>
+                                        </p:tav>
+                                        <p:tav tm="100000">
+                                          <p:val>
+                                            <p:strVal val="#ppt_y"/>
+                                          </p:val>
+                                        </p:tav>
+                                      </p:tavLst>
+                                    </p:anim>
+                                  </p:childTnLst>
+                                </p:cTn>
+                              </p:par>
+                              <p:par>
+                                <p:cTn id="58" presetID="2" presetClass="entr" presetSubtype="9" fill="hold" grpId="0" nodeType="withEffect">
+                                  <p:stCondLst>
+                                    <p:cond delay="0"/>
+                                  </p:stCondLst>
+                                  <p:childTnLst>
+                                    <p:set>
+                                      <p:cBhvr>
+                                        <p:cTn id="59" dur="1" fill="hold">
+                                          <p:stCondLst>
+                                            <p:cond delay="0"/>
+                                          </p:stCondLst>
+                                        </p:cTn>
+                                        <p:tgtEl>
+                                          <p:spTgt spid="18"/>
+                                        </p:tgtEl>
+                                        <p:attrNameLst>
+                                          <p:attrName>style.visibility</p:attrName>
+                                        </p:attrNameLst>
+                                      </p:cBhvr>
+                                      <p:to>
+                                        <p:strVal val="visible"/>
+                                      </p:to>
+                                    </p:set>
+                                    <p:anim calcmode="lin" valueType="num">
+                                      <p:cBhvr additive="base">
+                                        <p:cTn id="60" dur="500" fill="hold"/>
+                                        <p:tgtEl>
+                                          <p:spTgt spid="18"/>
+                                        </p:tgtEl>
+                                        <p:attrNameLst>
+                                          <p:attrName>ppt_x</p:attrName>
+                                        </p:attrNameLst>
+                                      </p:cBhvr>
+                                      <p:tavLst>
+                                        <p:tav tm="0">
+                                          <p:val>
+                                            <p:strVal val="0-#ppt_w/2"/>
+                                          </p:val>
+                                        </p:tav>
+                                        <p:tav tm="100000">
+                                          <p:val>
+                                            <p:strVal val="#ppt_x"/>
+                                          </p:val>
+                                        </p:tav>
+                                      </p:tavLst>
+                                    </p:anim>
+                                    <p:anim calcmode="lin" valueType="num">
+                                      <p:cBhvr additive="base">
+                                        <p:cTn id="61" dur="500" fill="hold"/>
+                                        <p:tgtEl>
+                                          <p:spTgt spid="18"/>
                                         </p:tgtEl>
                                         <p:attrNameLst>
                                           <p:attrName>ppt_y</p:attrName>
@@ -11857,26 +13188,26 @@
                     </p:cTn>
                   </p:par>
                   <p:par>
-                    <p:cTn id="50" fill="hold">
+                    <p:cTn id="62" fill="hold">
                       <p:stCondLst>
                         <p:cond delay="indefinite"/>
                       </p:stCondLst>
                       <p:childTnLst>
                         <p:par>
-                          <p:cTn id="51" fill="hold">
+                          <p:cTn id="63" fill="hold">
                             <p:stCondLst>
                               <p:cond delay="0"/>
                             </p:stCondLst>
                             <p:childTnLst>
                               <p:par>
-                                <p:cTn id="52" presetID="2" presetClass="entr" presetSubtype="4" fill="hold" grpId="0" nodeType="clickEffect">
+                                <p:cTn id="64" presetID="2" presetClass="entr" presetSubtype="4" fill="hold" grpId="0" nodeType="clickEffect">
                                   <p:stCondLst>
                                     <p:cond delay="0"/>
                                   </p:stCondLst>
                                   <p:childTnLst>
                                     <p:set>
                                       <p:cBhvr>
-                                        <p:cTn id="53" dur="1" fill="hold">
+                                        <p:cTn id="65" dur="1" fill="hold">
                                           <p:stCondLst>
                                             <p:cond delay="0"/>
                                           </p:stCondLst>
@@ -11894,7 +13225,7 @@
                                     </p:set>
                                     <p:anim calcmode="lin" valueType="num">
                                       <p:cBhvr additive="base">
-                                        <p:cTn id="54" dur="500" fill="hold"/>
+                                        <p:cTn id="66" dur="500" fill="hold"/>
                                         <p:tgtEl>
                                           <p:spTgt spid="11"/>
                                         </p:tgtEl>
@@ -11917,7 +13248,7 @@
                                     </p:anim>
                                     <p:anim calcmode="lin" valueType="num">
                                       <p:cBhvr additive="base">
-                                        <p:cTn id="55" dur="500" fill="hold"/>
+                                        <p:cTn id="67" dur="500" fill="hold"/>
                                         <p:tgtEl>
                                           <p:spTgt spid="11"/>
                                         </p:tgtEl>
@@ -11942,14 +13273,14 @@
                                 </p:cTn>
                               </p:par>
                               <p:par>
-                                <p:cTn id="56" presetID="2" presetClass="entr" presetSubtype="4" fill="hold" grpId="0" nodeType="withEffect">
+                                <p:cTn id="68" presetID="2" presetClass="entr" presetSubtype="4" fill="hold" grpId="0" nodeType="withEffect">
                                   <p:stCondLst>
                                     <p:cond delay="0"/>
                                   </p:stCondLst>
                                   <p:childTnLst>
                                     <p:set>
                                       <p:cBhvr>
-                                        <p:cTn id="57" dur="1" fill="hold">
+                                        <p:cTn id="69" dur="1" fill="hold">
                                           <p:stCondLst>
                                             <p:cond delay="0"/>
                                           </p:stCondLst>
@@ -11967,7 +13298,7 @@
                                     </p:set>
                                     <p:anim calcmode="lin" valueType="num">
                                       <p:cBhvr additive="base">
-                                        <p:cTn id="58" dur="500" fill="hold"/>
+                                        <p:cTn id="70" dur="500" fill="hold"/>
                                         <p:tgtEl>
                                           <p:spTgt spid="16"/>
                                         </p:tgtEl>
@@ -11990,7 +13321,7 @@
                                     </p:anim>
                                     <p:anim calcmode="lin" valueType="num">
                                       <p:cBhvr additive="base">
-                                        <p:cTn id="59" dur="500" fill="hold"/>
+                                        <p:cTn id="71" dur="500" fill="hold"/>
                                         <p:tgtEl>
                                           <p:spTgt spid="16"/>
                                         </p:tgtEl>
@@ -12015,14 +13346,14 @@
                                 </p:cTn>
                               </p:par>
                               <p:par>
-                                <p:cTn id="60" presetID="2" presetClass="entr" presetSubtype="4" fill="hold" grpId="0" nodeType="withEffect">
+                                <p:cTn id="72" presetID="2" presetClass="entr" presetSubtype="4" fill="hold" grpId="0" nodeType="withEffect">
                                   <p:stCondLst>
                                     <p:cond delay="0"/>
                                   </p:stCondLst>
                                   <p:childTnLst>
                                     <p:set>
                                       <p:cBhvr>
-                                        <p:cTn id="61" dur="1" fill="hold">
+                                        <p:cTn id="73" dur="1" fill="hold">
                                           <p:stCondLst>
                                             <p:cond delay="0"/>
                                           </p:stCondLst>
@@ -12040,7 +13371,7 @@
                                     </p:set>
                                     <p:anim calcmode="lin" valueType="num">
                                       <p:cBhvr additive="base">
-                                        <p:cTn id="62" dur="500" fill="hold"/>
+                                        <p:cTn id="74" dur="500" fill="hold"/>
                                         <p:tgtEl>
                                           <p:spTgt spid="12"/>
                                         </p:tgtEl>
@@ -12063,7 +13394,7 @@
                                     </p:anim>
                                     <p:anim calcmode="lin" valueType="num">
                                       <p:cBhvr additive="base">
-                                        <p:cTn id="63" dur="500" fill="hold"/>
+                                        <p:cTn id="75" dur="500" fill="hold"/>
                                         <p:tgtEl>
                                           <p:spTgt spid="12"/>
                                         </p:tgtEl>
@@ -12127,12 +13458,15 @@
       <p:bldP spid="14" grpId="0"/>
       <p:bldP spid="15" grpId="0"/>
       <p:bldP spid="16" grpId="0"/>
+      <p:bldP spid="17" grpId="0"/>
+      <p:bldP spid="18" grpId="0"/>
+      <p:bldP spid="19" grpId="0"/>
     </p:bldLst>
   </p:timing>
 </p:sld>
 </file>
 
-<file path=ppt/slides/slide17.xml><?xml version="1.0" encoding="utf-8"?>
+<file path=ppt/slides/slide18.xml><?xml version="1.0" encoding="utf-8"?>
 <p:sld xmlns:a="http://schemas.openxmlformats.org/drawingml/2006/main" xmlns:r="http://schemas.openxmlformats.org/officeDocument/2006/relationships" xmlns:p="http://schemas.openxmlformats.org/presentationml/2006/main">
   <p:cSld>
     <p:spTree>
@@ -12248,17 +13582,10 @@
   <p:clrMapOvr>
     <a:masterClrMapping/>
   </p:clrMapOvr>
-  <p:timing>
-    <p:tnLst>
-      <p:par>
-        <p:cTn id="1" dur="indefinite" restart="never" nodeType="tmRoot"/>
-      </p:par>
-    </p:tnLst>
-  </p:timing>
 </p:sld>
 </file>
 
-<file path=ppt/slides/slide18.xml><?xml version="1.0" encoding="utf-8"?>
+<file path=ppt/slides/slide19.xml><?xml version="1.0" encoding="utf-8"?>
 <p:sld xmlns:a="http://schemas.openxmlformats.org/drawingml/2006/main" xmlns:r="http://schemas.openxmlformats.org/officeDocument/2006/relationships" xmlns:p="http://schemas.openxmlformats.org/presentationml/2006/main">
   <p:cSld>
     <p:spTree>
@@ -12374,17 +13701,1352 @@
   <p:clrMapOvr>
     <a:masterClrMapping/>
   </p:clrMapOvr>
+</p:sld>
+</file>
+
+<file path=ppt/slides/slide2.xml><?xml version="1.0" encoding="utf-8"?>
+<p:sld xmlns:a="http://schemas.openxmlformats.org/drawingml/2006/main" xmlns:r="http://schemas.openxmlformats.org/officeDocument/2006/relationships" xmlns:p="http://schemas.openxmlformats.org/presentationml/2006/main">
+  <p:cSld>
+    <p:spTree>
+      <p:nvGrpSpPr>
+        <p:cNvPr id="1" name=""/>
+        <p:cNvGrpSpPr/>
+        <p:nvPr/>
+      </p:nvGrpSpPr>
+      <p:grpSpPr>
+        <a:xfrm>
+          <a:off x="0" y="0"/>
+          <a:ext cx="0" cy="0"/>
+          <a:chOff x="0" y="0"/>
+          <a:chExt cx="0" cy="0"/>
+        </a:xfrm>
+      </p:grpSpPr>
+      <p:sp>
+        <p:nvSpPr>
+          <p:cNvPr id="2" name="Title 1">
+            <a:extLst>
+              <a:ext uri="{FF2B5EF4-FFF2-40B4-BE49-F238E27FC236}">
+                <a16:creationId xmlns:a16="http://schemas.microsoft.com/office/drawing/2014/main" id="{711A129A-07ED-4E1B-AFEB-CF200266B6C8}"/>
+              </a:ext>
+            </a:extLst>
+          </p:cNvPr>
+          <p:cNvSpPr>
+            <a:spLocks noGrp="1"/>
+          </p:cNvSpPr>
+          <p:nvPr>
+            <p:ph type="title"/>
+          </p:nvPr>
+        </p:nvSpPr>
+        <p:spPr>
+          <a:xfrm>
+            <a:off x="695703" y="470182"/>
+            <a:ext cx="10309370" cy="777706"/>
+          </a:xfrm>
+          <a:effectLst/>
+        </p:spPr>
+        <p:txBody>
+          <a:bodyPr anchor="t">
+            <a:normAutofit fontScale="90000"/>
+          </a:bodyPr>
+          <a:lstStyle/>
+          <a:p>
+            <a:r>
+              <a:rPr lang="en-US" sz="5400" dirty="0">
+                <a:solidFill>
+                  <a:schemeClr val="tx2"/>
+                </a:solidFill>
+              </a:rPr>
+              <a:t>In This </a:t>
+            </a:r>
+            <a:r>
+              <a:rPr lang="en-US" sz="5400" dirty="0">
+                <a:solidFill>
+                  <a:schemeClr val="tx2"/>
+                </a:solidFill>
+                <a:latin typeface="Showcard Gothic" panose="04020904020102020604" pitchFamily="82" charset="0"/>
+              </a:rPr>
+              <a:t>Exciting</a:t>
+            </a:r>
+            <a:r>
+              <a:rPr lang="en-US" sz="5400" dirty="0">
+                <a:solidFill>
+                  <a:schemeClr val="tx2"/>
+                </a:solidFill>
+              </a:rPr>
+              <a:t> Hour we will cover…</a:t>
+            </a:r>
+          </a:p>
+        </p:txBody>
+      </p:sp>
+      <p:sp>
+        <p:nvSpPr>
+          <p:cNvPr id="3" name="Content Placeholder 2">
+            <a:extLst>
+              <a:ext uri="{FF2B5EF4-FFF2-40B4-BE49-F238E27FC236}">
+                <a16:creationId xmlns:a16="http://schemas.microsoft.com/office/drawing/2014/main" id="{9A4A3620-412D-4C56-A812-2B1F3F305BCE}"/>
+              </a:ext>
+            </a:extLst>
+          </p:cNvPr>
+          <p:cNvSpPr>
+            <a:spLocks noGrp="1"/>
+          </p:cNvSpPr>
+          <p:nvPr>
+            <p:ph idx="1"/>
+          </p:nvPr>
+        </p:nvSpPr>
+        <p:spPr>
+          <a:xfrm>
+            <a:off x="1191823" y="1413119"/>
+            <a:ext cx="9813250" cy="5121793"/>
+          </a:xfrm>
+        </p:spPr>
+        <p:txBody>
+          <a:bodyPr anchor="t">
+            <a:noAutofit/>
+          </a:bodyPr>
+          <a:lstStyle/>
+          <a:p>
+            <a:pPr>
+              <a:lnSpc>
+                <a:spcPct val="90000"/>
+              </a:lnSpc>
+            </a:pPr>
+            <a:r>
+              <a:rPr lang="en-US" dirty="0"/>
+              <a:t>What problems are we trying to solve?</a:t>
+            </a:r>
+          </a:p>
+          <a:p>
+            <a:pPr>
+              <a:lnSpc>
+                <a:spcPct val="90000"/>
+              </a:lnSpc>
+            </a:pPr>
+            <a:r>
+              <a:rPr lang="en-US" dirty="0"/>
+              <a:t>What is a Markov Chain?</a:t>
+            </a:r>
+          </a:p>
+          <a:p>
+            <a:pPr lvl="1"/>
+            <a:r>
+              <a:rPr lang="en-US" dirty="0"/>
+              <a:t>Some applications</a:t>
+            </a:r>
+          </a:p>
+          <a:p>
+            <a:pPr lvl="1"/>
+            <a:r>
+              <a:rPr lang="en-US" dirty="0"/>
+              <a:t>Examples</a:t>
+            </a:r>
+          </a:p>
+          <a:p>
+            <a:pPr>
+              <a:lnSpc>
+                <a:spcPct val="90000"/>
+              </a:lnSpc>
+            </a:pPr>
+            <a:r>
+              <a:rPr lang="en-US" dirty="0"/>
+              <a:t>How Markov Chain can be used to analyze service tickets</a:t>
+            </a:r>
+          </a:p>
+          <a:p>
+            <a:pPr>
+              <a:lnSpc>
+                <a:spcPct val="90000"/>
+              </a:lnSpc>
+            </a:pPr>
+            <a:r>
+              <a:rPr lang="en-US" dirty="0"/>
+              <a:t>The Collector-Producer Pattern</a:t>
+            </a:r>
+          </a:p>
+          <a:p>
+            <a:pPr lvl="1"/>
+            <a:r>
+              <a:rPr lang="en-US" dirty="0"/>
+              <a:t>Using Markov chain structure to analyze and produce all kinds of data</a:t>
+            </a:r>
+          </a:p>
+          <a:p>
+            <a:pPr lvl="1"/>
+            <a:r>
+              <a:rPr lang="en-US" dirty="0"/>
+              <a:t>Framework and technologies</a:t>
+            </a:r>
+          </a:p>
+          <a:p>
+            <a:pPr>
+              <a:lnSpc>
+                <a:spcPct val="90000"/>
+              </a:lnSpc>
+            </a:pPr>
+            <a:r>
+              <a:rPr lang="en-US" dirty="0"/>
+              <a:t>Opportunities for improvement</a:t>
+            </a:r>
+          </a:p>
+          <a:p>
+            <a:pPr>
+              <a:lnSpc>
+                <a:spcPct val="90000"/>
+              </a:lnSpc>
+            </a:pPr>
+            <a:r>
+              <a:rPr lang="en-US" dirty="0"/>
+              <a:t>Live demo</a:t>
+            </a:r>
+          </a:p>
+          <a:p>
+            <a:pPr>
+              <a:lnSpc>
+                <a:spcPct val="90000"/>
+              </a:lnSpc>
+            </a:pPr>
+            <a:r>
+              <a:rPr lang="en-US" dirty="0"/>
+              <a:t>And more!</a:t>
+            </a:r>
+          </a:p>
+          <a:p>
+            <a:pPr>
+              <a:lnSpc>
+                <a:spcPct val="90000"/>
+              </a:lnSpc>
+            </a:pPr>
+            <a:endParaRPr lang="en-US" dirty="0"/>
+          </a:p>
+          <a:p>
+            <a:pPr>
+              <a:lnSpc>
+                <a:spcPct val="90000"/>
+              </a:lnSpc>
+            </a:pPr>
+            <a:endParaRPr lang="en-US" dirty="0"/>
+          </a:p>
+          <a:p>
+            <a:pPr>
+              <a:lnSpc>
+                <a:spcPct val="90000"/>
+              </a:lnSpc>
+            </a:pPr>
+            <a:endParaRPr lang="en-US" dirty="0"/>
+          </a:p>
+          <a:p>
+            <a:endParaRPr lang="en-US" dirty="0"/>
+          </a:p>
+        </p:txBody>
+      </p:sp>
+    </p:spTree>
+    <p:extLst>
+      <p:ext uri="{BB962C8B-B14F-4D97-AF65-F5344CB8AC3E}">
+        <p14:creationId xmlns:p14="http://schemas.microsoft.com/office/powerpoint/2010/main" val="3885298594"/>
+      </p:ext>
+    </p:extLst>
+  </p:cSld>
+  <p:clrMapOvr>
+    <a:masterClrMapping/>
+  </p:clrMapOvr>
   <p:timing>
     <p:tnLst>
       <p:par>
-        <p:cTn id="1" dur="indefinite" restart="never" nodeType="tmRoot"/>
+        <p:cTn id="1" dur="indefinite" restart="never" nodeType="tmRoot">
+          <p:childTnLst>
+            <p:seq concurrent="1" nextAc="seek">
+              <p:cTn id="2" dur="indefinite" nodeType="mainSeq">
+                <p:childTnLst>
+                  <p:par>
+                    <p:cTn id="3" fill="hold">
+                      <p:stCondLst>
+                        <p:cond delay="indefinite"/>
+                      </p:stCondLst>
+                      <p:childTnLst>
+                        <p:par>
+                          <p:cTn id="4" fill="hold">
+                            <p:stCondLst>
+                              <p:cond delay="0"/>
+                            </p:stCondLst>
+                            <p:childTnLst>
+                              <p:par>
+                                <p:cTn id="5" presetID="2" presetClass="entr" presetSubtype="8" fill="hold" grpId="0" nodeType="clickEffect">
+                                  <p:stCondLst>
+                                    <p:cond delay="0"/>
+                                  </p:stCondLst>
+                                  <p:childTnLst>
+                                    <p:set>
+                                      <p:cBhvr>
+                                        <p:cTn id="6" dur="1" fill="hold">
+                                          <p:stCondLst>
+                                            <p:cond delay="0"/>
+                                          </p:stCondLst>
+                                        </p:cTn>
+                                        <p:tgtEl>
+                                          <p:spTgt spid="3">
+                                            <p:txEl>
+                                              <p:pRg st="0" end="0"/>
+                                            </p:txEl>
+                                          </p:spTgt>
+                                        </p:tgtEl>
+                                        <p:attrNameLst>
+                                          <p:attrName>style.visibility</p:attrName>
+                                        </p:attrNameLst>
+                                      </p:cBhvr>
+                                      <p:to>
+                                        <p:strVal val="visible"/>
+                                      </p:to>
+                                    </p:set>
+                                    <p:anim calcmode="lin" valueType="num">
+                                      <p:cBhvr additive="base">
+                                        <p:cTn id="7" dur="500" fill="hold"/>
+                                        <p:tgtEl>
+                                          <p:spTgt spid="3">
+                                            <p:txEl>
+                                              <p:pRg st="0" end="0"/>
+                                            </p:txEl>
+                                          </p:spTgt>
+                                        </p:tgtEl>
+                                        <p:attrNameLst>
+                                          <p:attrName>ppt_x</p:attrName>
+                                        </p:attrNameLst>
+                                      </p:cBhvr>
+                                      <p:tavLst>
+                                        <p:tav tm="0">
+                                          <p:val>
+                                            <p:strVal val="0-#ppt_w/2"/>
+                                          </p:val>
+                                        </p:tav>
+                                        <p:tav tm="100000">
+                                          <p:val>
+                                            <p:strVal val="#ppt_x"/>
+                                          </p:val>
+                                        </p:tav>
+                                      </p:tavLst>
+                                    </p:anim>
+                                    <p:anim calcmode="lin" valueType="num">
+                                      <p:cBhvr additive="base">
+                                        <p:cTn id="8" dur="500" fill="hold"/>
+                                        <p:tgtEl>
+                                          <p:spTgt spid="3">
+                                            <p:txEl>
+                                              <p:pRg st="0" end="0"/>
+                                            </p:txEl>
+                                          </p:spTgt>
+                                        </p:tgtEl>
+                                        <p:attrNameLst>
+                                          <p:attrName>ppt_y</p:attrName>
+                                        </p:attrNameLst>
+                                      </p:cBhvr>
+                                      <p:tavLst>
+                                        <p:tav tm="0">
+                                          <p:val>
+                                            <p:strVal val="#ppt_y"/>
+                                          </p:val>
+                                        </p:tav>
+                                        <p:tav tm="100000">
+                                          <p:val>
+                                            <p:strVal val="#ppt_y"/>
+                                          </p:val>
+                                        </p:tav>
+                                      </p:tavLst>
+                                    </p:anim>
+                                  </p:childTnLst>
+                                </p:cTn>
+                              </p:par>
+                            </p:childTnLst>
+                          </p:cTn>
+                        </p:par>
+                      </p:childTnLst>
+                    </p:cTn>
+                  </p:par>
+                  <p:par>
+                    <p:cTn id="9" fill="hold">
+                      <p:stCondLst>
+                        <p:cond delay="indefinite"/>
+                      </p:stCondLst>
+                      <p:childTnLst>
+                        <p:par>
+                          <p:cTn id="10" fill="hold">
+                            <p:stCondLst>
+                              <p:cond delay="0"/>
+                            </p:stCondLst>
+                            <p:childTnLst>
+                              <p:par>
+                                <p:cTn id="11" presetID="2" presetClass="entr" presetSubtype="8" fill="hold" grpId="0" nodeType="clickEffect">
+                                  <p:stCondLst>
+                                    <p:cond delay="0"/>
+                                  </p:stCondLst>
+                                  <p:childTnLst>
+                                    <p:set>
+                                      <p:cBhvr>
+                                        <p:cTn id="12" dur="1" fill="hold">
+                                          <p:stCondLst>
+                                            <p:cond delay="0"/>
+                                          </p:stCondLst>
+                                        </p:cTn>
+                                        <p:tgtEl>
+                                          <p:spTgt spid="3">
+                                            <p:txEl>
+                                              <p:pRg st="1" end="1"/>
+                                            </p:txEl>
+                                          </p:spTgt>
+                                        </p:tgtEl>
+                                        <p:attrNameLst>
+                                          <p:attrName>style.visibility</p:attrName>
+                                        </p:attrNameLst>
+                                      </p:cBhvr>
+                                      <p:to>
+                                        <p:strVal val="visible"/>
+                                      </p:to>
+                                    </p:set>
+                                    <p:anim calcmode="lin" valueType="num">
+                                      <p:cBhvr additive="base">
+                                        <p:cTn id="13" dur="500" fill="hold"/>
+                                        <p:tgtEl>
+                                          <p:spTgt spid="3">
+                                            <p:txEl>
+                                              <p:pRg st="1" end="1"/>
+                                            </p:txEl>
+                                          </p:spTgt>
+                                        </p:tgtEl>
+                                        <p:attrNameLst>
+                                          <p:attrName>ppt_x</p:attrName>
+                                        </p:attrNameLst>
+                                      </p:cBhvr>
+                                      <p:tavLst>
+                                        <p:tav tm="0">
+                                          <p:val>
+                                            <p:strVal val="0-#ppt_w/2"/>
+                                          </p:val>
+                                        </p:tav>
+                                        <p:tav tm="100000">
+                                          <p:val>
+                                            <p:strVal val="#ppt_x"/>
+                                          </p:val>
+                                        </p:tav>
+                                      </p:tavLst>
+                                    </p:anim>
+                                    <p:anim calcmode="lin" valueType="num">
+                                      <p:cBhvr additive="base">
+                                        <p:cTn id="14" dur="500" fill="hold"/>
+                                        <p:tgtEl>
+                                          <p:spTgt spid="3">
+                                            <p:txEl>
+                                              <p:pRg st="1" end="1"/>
+                                            </p:txEl>
+                                          </p:spTgt>
+                                        </p:tgtEl>
+                                        <p:attrNameLst>
+                                          <p:attrName>ppt_y</p:attrName>
+                                        </p:attrNameLst>
+                                      </p:cBhvr>
+                                      <p:tavLst>
+                                        <p:tav tm="0">
+                                          <p:val>
+                                            <p:strVal val="#ppt_y"/>
+                                          </p:val>
+                                        </p:tav>
+                                        <p:tav tm="100000">
+                                          <p:val>
+                                            <p:strVal val="#ppt_y"/>
+                                          </p:val>
+                                        </p:tav>
+                                      </p:tavLst>
+                                    </p:anim>
+                                  </p:childTnLst>
+                                </p:cTn>
+                              </p:par>
+                              <p:par>
+                                <p:cTn id="15" presetID="2" presetClass="entr" presetSubtype="8" fill="hold" grpId="0" nodeType="withEffect">
+                                  <p:stCondLst>
+                                    <p:cond delay="0"/>
+                                  </p:stCondLst>
+                                  <p:childTnLst>
+                                    <p:set>
+                                      <p:cBhvr>
+                                        <p:cTn id="16" dur="1" fill="hold">
+                                          <p:stCondLst>
+                                            <p:cond delay="0"/>
+                                          </p:stCondLst>
+                                        </p:cTn>
+                                        <p:tgtEl>
+                                          <p:spTgt spid="3">
+                                            <p:txEl>
+                                              <p:pRg st="2" end="2"/>
+                                            </p:txEl>
+                                          </p:spTgt>
+                                        </p:tgtEl>
+                                        <p:attrNameLst>
+                                          <p:attrName>style.visibility</p:attrName>
+                                        </p:attrNameLst>
+                                      </p:cBhvr>
+                                      <p:to>
+                                        <p:strVal val="visible"/>
+                                      </p:to>
+                                    </p:set>
+                                    <p:anim calcmode="lin" valueType="num">
+                                      <p:cBhvr additive="base">
+                                        <p:cTn id="17" dur="500" fill="hold"/>
+                                        <p:tgtEl>
+                                          <p:spTgt spid="3">
+                                            <p:txEl>
+                                              <p:pRg st="2" end="2"/>
+                                            </p:txEl>
+                                          </p:spTgt>
+                                        </p:tgtEl>
+                                        <p:attrNameLst>
+                                          <p:attrName>ppt_x</p:attrName>
+                                        </p:attrNameLst>
+                                      </p:cBhvr>
+                                      <p:tavLst>
+                                        <p:tav tm="0">
+                                          <p:val>
+                                            <p:strVal val="0-#ppt_w/2"/>
+                                          </p:val>
+                                        </p:tav>
+                                        <p:tav tm="100000">
+                                          <p:val>
+                                            <p:strVal val="#ppt_x"/>
+                                          </p:val>
+                                        </p:tav>
+                                      </p:tavLst>
+                                    </p:anim>
+                                    <p:anim calcmode="lin" valueType="num">
+                                      <p:cBhvr additive="base">
+                                        <p:cTn id="18" dur="500" fill="hold"/>
+                                        <p:tgtEl>
+                                          <p:spTgt spid="3">
+                                            <p:txEl>
+                                              <p:pRg st="2" end="2"/>
+                                            </p:txEl>
+                                          </p:spTgt>
+                                        </p:tgtEl>
+                                        <p:attrNameLst>
+                                          <p:attrName>ppt_y</p:attrName>
+                                        </p:attrNameLst>
+                                      </p:cBhvr>
+                                      <p:tavLst>
+                                        <p:tav tm="0">
+                                          <p:val>
+                                            <p:strVal val="#ppt_y"/>
+                                          </p:val>
+                                        </p:tav>
+                                        <p:tav tm="100000">
+                                          <p:val>
+                                            <p:strVal val="#ppt_y"/>
+                                          </p:val>
+                                        </p:tav>
+                                      </p:tavLst>
+                                    </p:anim>
+                                  </p:childTnLst>
+                                </p:cTn>
+                              </p:par>
+                              <p:par>
+                                <p:cTn id="19" presetID="2" presetClass="entr" presetSubtype="8" fill="hold" grpId="0" nodeType="withEffect">
+                                  <p:stCondLst>
+                                    <p:cond delay="0"/>
+                                  </p:stCondLst>
+                                  <p:childTnLst>
+                                    <p:set>
+                                      <p:cBhvr>
+                                        <p:cTn id="20" dur="1" fill="hold">
+                                          <p:stCondLst>
+                                            <p:cond delay="0"/>
+                                          </p:stCondLst>
+                                        </p:cTn>
+                                        <p:tgtEl>
+                                          <p:spTgt spid="3">
+                                            <p:txEl>
+                                              <p:pRg st="3" end="3"/>
+                                            </p:txEl>
+                                          </p:spTgt>
+                                        </p:tgtEl>
+                                        <p:attrNameLst>
+                                          <p:attrName>style.visibility</p:attrName>
+                                        </p:attrNameLst>
+                                      </p:cBhvr>
+                                      <p:to>
+                                        <p:strVal val="visible"/>
+                                      </p:to>
+                                    </p:set>
+                                    <p:anim calcmode="lin" valueType="num">
+                                      <p:cBhvr additive="base">
+                                        <p:cTn id="21" dur="500" fill="hold"/>
+                                        <p:tgtEl>
+                                          <p:spTgt spid="3">
+                                            <p:txEl>
+                                              <p:pRg st="3" end="3"/>
+                                            </p:txEl>
+                                          </p:spTgt>
+                                        </p:tgtEl>
+                                        <p:attrNameLst>
+                                          <p:attrName>ppt_x</p:attrName>
+                                        </p:attrNameLst>
+                                      </p:cBhvr>
+                                      <p:tavLst>
+                                        <p:tav tm="0">
+                                          <p:val>
+                                            <p:strVal val="0-#ppt_w/2"/>
+                                          </p:val>
+                                        </p:tav>
+                                        <p:tav tm="100000">
+                                          <p:val>
+                                            <p:strVal val="#ppt_x"/>
+                                          </p:val>
+                                        </p:tav>
+                                      </p:tavLst>
+                                    </p:anim>
+                                    <p:anim calcmode="lin" valueType="num">
+                                      <p:cBhvr additive="base">
+                                        <p:cTn id="22" dur="500" fill="hold"/>
+                                        <p:tgtEl>
+                                          <p:spTgt spid="3">
+                                            <p:txEl>
+                                              <p:pRg st="3" end="3"/>
+                                            </p:txEl>
+                                          </p:spTgt>
+                                        </p:tgtEl>
+                                        <p:attrNameLst>
+                                          <p:attrName>ppt_y</p:attrName>
+                                        </p:attrNameLst>
+                                      </p:cBhvr>
+                                      <p:tavLst>
+                                        <p:tav tm="0">
+                                          <p:val>
+                                            <p:strVal val="#ppt_y"/>
+                                          </p:val>
+                                        </p:tav>
+                                        <p:tav tm="100000">
+                                          <p:val>
+                                            <p:strVal val="#ppt_y"/>
+                                          </p:val>
+                                        </p:tav>
+                                      </p:tavLst>
+                                    </p:anim>
+                                  </p:childTnLst>
+                                </p:cTn>
+                              </p:par>
+                            </p:childTnLst>
+                          </p:cTn>
+                        </p:par>
+                      </p:childTnLst>
+                    </p:cTn>
+                  </p:par>
+                  <p:par>
+                    <p:cTn id="23" fill="hold">
+                      <p:stCondLst>
+                        <p:cond delay="indefinite"/>
+                      </p:stCondLst>
+                      <p:childTnLst>
+                        <p:par>
+                          <p:cTn id="24" fill="hold">
+                            <p:stCondLst>
+                              <p:cond delay="0"/>
+                            </p:stCondLst>
+                            <p:childTnLst>
+                              <p:par>
+                                <p:cTn id="25" presetID="2" presetClass="entr" presetSubtype="8" fill="hold" grpId="0" nodeType="clickEffect">
+                                  <p:stCondLst>
+                                    <p:cond delay="0"/>
+                                  </p:stCondLst>
+                                  <p:childTnLst>
+                                    <p:set>
+                                      <p:cBhvr>
+                                        <p:cTn id="26" dur="1" fill="hold">
+                                          <p:stCondLst>
+                                            <p:cond delay="0"/>
+                                          </p:stCondLst>
+                                        </p:cTn>
+                                        <p:tgtEl>
+                                          <p:spTgt spid="3">
+                                            <p:txEl>
+                                              <p:pRg st="4" end="4"/>
+                                            </p:txEl>
+                                          </p:spTgt>
+                                        </p:tgtEl>
+                                        <p:attrNameLst>
+                                          <p:attrName>style.visibility</p:attrName>
+                                        </p:attrNameLst>
+                                      </p:cBhvr>
+                                      <p:to>
+                                        <p:strVal val="visible"/>
+                                      </p:to>
+                                    </p:set>
+                                    <p:anim calcmode="lin" valueType="num">
+                                      <p:cBhvr additive="base">
+                                        <p:cTn id="27" dur="500" fill="hold"/>
+                                        <p:tgtEl>
+                                          <p:spTgt spid="3">
+                                            <p:txEl>
+                                              <p:pRg st="4" end="4"/>
+                                            </p:txEl>
+                                          </p:spTgt>
+                                        </p:tgtEl>
+                                        <p:attrNameLst>
+                                          <p:attrName>ppt_x</p:attrName>
+                                        </p:attrNameLst>
+                                      </p:cBhvr>
+                                      <p:tavLst>
+                                        <p:tav tm="0">
+                                          <p:val>
+                                            <p:strVal val="0-#ppt_w/2"/>
+                                          </p:val>
+                                        </p:tav>
+                                        <p:tav tm="100000">
+                                          <p:val>
+                                            <p:strVal val="#ppt_x"/>
+                                          </p:val>
+                                        </p:tav>
+                                      </p:tavLst>
+                                    </p:anim>
+                                    <p:anim calcmode="lin" valueType="num">
+                                      <p:cBhvr additive="base">
+                                        <p:cTn id="28" dur="500" fill="hold"/>
+                                        <p:tgtEl>
+                                          <p:spTgt spid="3">
+                                            <p:txEl>
+                                              <p:pRg st="4" end="4"/>
+                                            </p:txEl>
+                                          </p:spTgt>
+                                        </p:tgtEl>
+                                        <p:attrNameLst>
+                                          <p:attrName>ppt_y</p:attrName>
+                                        </p:attrNameLst>
+                                      </p:cBhvr>
+                                      <p:tavLst>
+                                        <p:tav tm="0">
+                                          <p:val>
+                                            <p:strVal val="#ppt_y"/>
+                                          </p:val>
+                                        </p:tav>
+                                        <p:tav tm="100000">
+                                          <p:val>
+                                            <p:strVal val="#ppt_y"/>
+                                          </p:val>
+                                        </p:tav>
+                                      </p:tavLst>
+                                    </p:anim>
+                                  </p:childTnLst>
+                                </p:cTn>
+                              </p:par>
+                            </p:childTnLst>
+                          </p:cTn>
+                        </p:par>
+                      </p:childTnLst>
+                    </p:cTn>
+                  </p:par>
+                  <p:par>
+                    <p:cTn id="29" fill="hold">
+                      <p:stCondLst>
+                        <p:cond delay="indefinite"/>
+                      </p:stCondLst>
+                      <p:childTnLst>
+                        <p:par>
+                          <p:cTn id="30" fill="hold">
+                            <p:stCondLst>
+                              <p:cond delay="0"/>
+                            </p:stCondLst>
+                            <p:childTnLst>
+                              <p:par>
+                                <p:cTn id="31" presetID="2" presetClass="entr" presetSubtype="8" fill="hold" grpId="0" nodeType="clickEffect">
+                                  <p:stCondLst>
+                                    <p:cond delay="0"/>
+                                  </p:stCondLst>
+                                  <p:childTnLst>
+                                    <p:set>
+                                      <p:cBhvr>
+                                        <p:cTn id="32" dur="1" fill="hold">
+                                          <p:stCondLst>
+                                            <p:cond delay="0"/>
+                                          </p:stCondLst>
+                                        </p:cTn>
+                                        <p:tgtEl>
+                                          <p:spTgt spid="3">
+                                            <p:txEl>
+                                              <p:pRg st="5" end="5"/>
+                                            </p:txEl>
+                                          </p:spTgt>
+                                        </p:tgtEl>
+                                        <p:attrNameLst>
+                                          <p:attrName>style.visibility</p:attrName>
+                                        </p:attrNameLst>
+                                      </p:cBhvr>
+                                      <p:to>
+                                        <p:strVal val="visible"/>
+                                      </p:to>
+                                    </p:set>
+                                    <p:anim calcmode="lin" valueType="num">
+                                      <p:cBhvr additive="base">
+                                        <p:cTn id="33" dur="500" fill="hold"/>
+                                        <p:tgtEl>
+                                          <p:spTgt spid="3">
+                                            <p:txEl>
+                                              <p:pRg st="5" end="5"/>
+                                            </p:txEl>
+                                          </p:spTgt>
+                                        </p:tgtEl>
+                                        <p:attrNameLst>
+                                          <p:attrName>ppt_x</p:attrName>
+                                        </p:attrNameLst>
+                                      </p:cBhvr>
+                                      <p:tavLst>
+                                        <p:tav tm="0">
+                                          <p:val>
+                                            <p:strVal val="0-#ppt_w/2"/>
+                                          </p:val>
+                                        </p:tav>
+                                        <p:tav tm="100000">
+                                          <p:val>
+                                            <p:strVal val="#ppt_x"/>
+                                          </p:val>
+                                        </p:tav>
+                                      </p:tavLst>
+                                    </p:anim>
+                                    <p:anim calcmode="lin" valueType="num">
+                                      <p:cBhvr additive="base">
+                                        <p:cTn id="34" dur="500" fill="hold"/>
+                                        <p:tgtEl>
+                                          <p:spTgt spid="3">
+                                            <p:txEl>
+                                              <p:pRg st="5" end="5"/>
+                                            </p:txEl>
+                                          </p:spTgt>
+                                        </p:tgtEl>
+                                        <p:attrNameLst>
+                                          <p:attrName>ppt_y</p:attrName>
+                                        </p:attrNameLst>
+                                      </p:cBhvr>
+                                      <p:tavLst>
+                                        <p:tav tm="0">
+                                          <p:val>
+                                            <p:strVal val="#ppt_y"/>
+                                          </p:val>
+                                        </p:tav>
+                                        <p:tav tm="100000">
+                                          <p:val>
+                                            <p:strVal val="#ppt_y"/>
+                                          </p:val>
+                                        </p:tav>
+                                      </p:tavLst>
+                                    </p:anim>
+                                  </p:childTnLst>
+                                </p:cTn>
+                              </p:par>
+                              <p:par>
+                                <p:cTn id="35" presetID="2" presetClass="entr" presetSubtype="8" fill="hold" grpId="0" nodeType="withEffect">
+                                  <p:stCondLst>
+                                    <p:cond delay="0"/>
+                                  </p:stCondLst>
+                                  <p:childTnLst>
+                                    <p:set>
+                                      <p:cBhvr>
+                                        <p:cTn id="36" dur="1" fill="hold">
+                                          <p:stCondLst>
+                                            <p:cond delay="0"/>
+                                          </p:stCondLst>
+                                        </p:cTn>
+                                        <p:tgtEl>
+                                          <p:spTgt spid="3">
+                                            <p:txEl>
+                                              <p:pRg st="6" end="6"/>
+                                            </p:txEl>
+                                          </p:spTgt>
+                                        </p:tgtEl>
+                                        <p:attrNameLst>
+                                          <p:attrName>style.visibility</p:attrName>
+                                        </p:attrNameLst>
+                                      </p:cBhvr>
+                                      <p:to>
+                                        <p:strVal val="visible"/>
+                                      </p:to>
+                                    </p:set>
+                                    <p:anim calcmode="lin" valueType="num">
+                                      <p:cBhvr additive="base">
+                                        <p:cTn id="37" dur="500" fill="hold"/>
+                                        <p:tgtEl>
+                                          <p:spTgt spid="3">
+                                            <p:txEl>
+                                              <p:pRg st="6" end="6"/>
+                                            </p:txEl>
+                                          </p:spTgt>
+                                        </p:tgtEl>
+                                        <p:attrNameLst>
+                                          <p:attrName>ppt_x</p:attrName>
+                                        </p:attrNameLst>
+                                      </p:cBhvr>
+                                      <p:tavLst>
+                                        <p:tav tm="0">
+                                          <p:val>
+                                            <p:strVal val="0-#ppt_w/2"/>
+                                          </p:val>
+                                        </p:tav>
+                                        <p:tav tm="100000">
+                                          <p:val>
+                                            <p:strVal val="#ppt_x"/>
+                                          </p:val>
+                                        </p:tav>
+                                      </p:tavLst>
+                                    </p:anim>
+                                    <p:anim calcmode="lin" valueType="num">
+                                      <p:cBhvr additive="base">
+                                        <p:cTn id="38" dur="500" fill="hold"/>
+                                        <p:tgtEl>
+                                          <p:spTgt spid="3">
+                                            <p:txEl>
+                                              <p:pRg st="6" end="6"/>
+                                            </p:txEl>
+                                          </p:spTgt>
+                                        </p:tgtEl>
+                                        <p:attrNameLst>
+                                          <p:attrName>ppt_y</p:attrName>
+                                        </p:attrNameLst>
+                                      </p:cBhvr>
+                                      <p:tavLst>
+                                        <p:tav tm="0">
+                                          <p:val>
+                                            <p:strVal val="#ppt_y"/>
+                                          </p:val>
+                                        </p:tav>
+                                        <p:tav tm="100000">
+                                          <p:val>
+                                            <p:strVal val="#ppt_y"/>
+                                          </p:val>
+                                        </p:tav>
+                                      </p:tavLst>
+                                    </p:anim>
+                                  </p:childTnLst>
+                                </p:cTn>
+                              </p:par>
+                              <p:par>
+                                <p:cTn id="39" presetID="2" presetClass="entr" presetSubtype="8" fill="hold" grpId="0" nodeType="withEffect">
+                                  <p:stCondLst>
+                                    <p:cond delay="0"/>
+                                  </p:stCondLst>
+                                  <p:childTnLst>
+                                    <p:set>
+                                      <p:cBhvr>
+                                        <p:cTn id="40" dur="1" fill="hold">
+                                          <p:stCondLst>
+                                            <p:cond delay="0"/>
+                                          </p:stCondLst>
+                                        </p:cTn>
+                                        <p:tgtEl>
+                                          <p:spTgt spid="3">
+                                            <p:txEl>
+                                              <p:pRg st="7" end="7"/>
+                                            </p:txEl>
+                                          </p:spTgt>
+                                        </p:tgtEl>
+                                        <p:attrNameLst>
+                                          <p:attrName>style.visibility</p:attrName>
+                                        </p:attrNameLst>
+                                      </p:cBhvr>
+                                      <p:to>
+                                        <p:strVal val="visible"/>
+                                      </p:to>
+                                    </p:set>
+                                    <p:anim calcmode="lin" valueType="num">
+                                      <p:cBhvr additive="base">
+                                        <p:cTn id="41" dur="500" fill="hold"/>
+                                        <p:tgtEl>
+                                          <p:spTgt spid="3">
+                                            <p:txEl>
+                                              <p:pRg st="7" end="7"/>
+                                            </p:txEl>
+                                          </p:spTgt>
+                                        </p:tgtEl>
+                                        <p:attrNameLst>
+                                          <p:attrName>ppt_x</p:attrName>
+                                        </p:attrNameLst>
+                                      </p:cBhvr>
+                                      <p:tavLst>
+                                        <p:tav tm="0">
+                                          <p:val>
+                                            <p:strVal val="0-#ppt_w/2"/>
+                                          </p:val>
+                                        </p:tav>
+                                        <p:tav tm="100000">
+                                          <p:val>
+                                            <p:strVal val="#ppt_x"/>
+                                          </p:val>
+                                        </p:tav>
+                                      </p:tavLst>
+                                    </p:anim>
+                                    <p:anim calcmode="lin" valueType="num">
+                                      <p:cBhvr additive="base">
+                                        <p:cTn id="42" dur="500" fill="hold"/>
+                                        <p:tgtEl>
+                                          <p:spTgt spid="3">
+                                            <p:txEl>
+                                              <p:pRg st="7" end="7"/>
+                                            </p:txEl>
+                                          </p:spTgt>
+                                        </p:tgtEl>
+                                        <p:attrNameLst>
+                                          <p:attrName>ppt_y</p:attrName>
+                                        </p:attrNameLst>
+                                      </p:cBhvr>
+                                      <p:tavLst>
+                                        <p:tav tm="0">
+                                          <p:val>
+                                            <p:strVal val="#ppt_y"/>
+                                          </p:val>
+                                        </p:tav>
+                                        <p:tav tm="100000">
+                                          <p:val>
+                                            <p:strVal val="#ppt_y"/>
+                                          </p:val>
+                                        </p:tav>
+                                      </p:tavLst>
+                                    </p:anim>
+                                  </p:childTnLst>
+                                </p:cTn>
+                              </p:par>
+                            </p:childTnLst>
+                          </p:cTn>
+                        </p:par>
+                      </p:childTnLst>
+                    </p:cTn>
+                  </p:par>
+                  <p:par>
+                    <p:cTn id="43" fill="hold">
+                      <p:stCondLst>
+                        <p:cond delay="indefinite"/>
+                      </p:stCondLst>
+                      <p:childTnLst>
+                        <p:par>
+                          <p:cTn id="44" fill="hold">
+                            <p:stCondLst>
+                              <p:cond delay="0"/>
+                            </p:stCondLst>
+                            <p:childTnLst>
+                              <p:par>
+                                <p:cTn id="45" presetID="2" presetClass="entr" presetSubtype="8" fill="hold" grpId="0" nodeType="clickEffect">
+                                  <p:stCondLst>
+                                    <p:cond delay="0"/>
+                                  </p:stCondLst>
+                                  <p:childTnLst>
+                                    <p:set>
+                                      <p:cBhvr>
+                                        <p:cTn id="46" dur="1" fill="hold">
+                                          <p:stCondLst>
+                                            <p:cond delay="0"/>
+                                          </p:stCondLst>
+                                        </p:cTn>
+                                        <p:tgtEl>
+                                          <p:spTgt spid="3">
+                                            <p:txEl>
+                                              <p:pRg st="8" end="8"/>
+                                            </p:txEl>
+                                          </p:spTgt>
+                                        </p:tgtEl>
+                                        <p:attrNameLst>
+                                          <p:attrName>style.visibility</p:attrName>
+                                        </p:attrNameLst>
+                                      </p:cBhvr>
+                                      <p:to>
+                                        <p:strVal val="visible"/>
+                                      </p:to>
+                                    </p:set>
+                                    <p:anim calcmode="lin" valueType="num">
+                                      <p:cBhvr additive="base">
+                                        <p:cTn id="47" dur="500" fill="hold"/>
+                                        <p:tgtEl>
+                                          <p:spTgt spid="3">
+                                            <p:txEl>
+                                              <p:pRg st="8" end="8"/>
+                                            </p:txEl>
+                                          </p:spTgt>
+                                        </p:tgtEl>
+                                        <p:attrNameLst>
+                                          <p:attrName>ppt_x</p:attrName>
+                                        </p:attrNameLst>
+                                      </p:cBhvr>
+                                      <p:tavLst>
+                                        <p:tav tm="0">
+                                          <p:val>
+                                            <p:strVal val="0-#ppt_w/2"/>
+                                          </p:val>
+                                        </p:tav>
+                                        <p:tav tm="100000">
+                                          <p:val>
+                                            <p:strVal val="#ppt_x"/>
+                                          </p:val>
+                                        </p:tav>
+                                      </p:tavLst>
+                                    </p:anim>
+                                    <p:anim calcmode="lin" valueType="num">
+                                      <p:cBhvr additive="base">
+                                        <p:cTn id="48" dur="500" fill="hold"/>
+                                        <p:tgtEl>
+                                          <p:spTgt spid="3">
+                                            <p:txEl>
+                                              <p:pRg st="8" end="8"/>
+                                            </p:txEl>
+                                          </p:spTgt>
+                                        </p:tgtEl>
+                                        <p:attrNameLst>
+                                          <p:attrName>ppt_y</p:attrName>
+                                        </p:attrNameLst>
+                                      </p:cBhvr>
+                                      <p:tavLst>
+                                        <p:tav tm="0">
+                                          <p:val>
+                                            <p:strVal val="#ppt_y"/>
+                                          </p:val>
+                                        </p:tav>
+                                        <p:tav tm="100000">
+                                          <p:val>
+                                            <p:strVal val="#ppt_y"/>
+                                          </p:val>
+                                        </p:tav>
+                                      </p:tavLst>
+                                    </p:anim>
+                                  </p:childTnLst>
+                                </p:cTn>
+                              </p:par>
+                            </p:childTnLst>
+                          </p:cTn>
+                        </p:par>
+                      </p:childTnLst>
+                    </p:cTn>
+                  </p:par>
+                  <p:par>
+                    <p:cTn id="49" fill="hold">
+                      <p:stCondLst>
+                        <p:cond delay="indefinite"/>
+                      </p:stCondLst>
+                      <p:childTnLst>
+                        <p:par>
+                          <p:cTn id="50" fill="hold">
+                            <p:stCondLst>
+                              <p:cond delay="0"/>
+                            </p:stCondLst>
+                            <p:childTnLst>
+                              <p:par>
+                                <p:cTn id="51" presetID="2" presetClass="entr" presetSubtype="8" fill="hold" grpId="0" nodeType="clickEffect">
+                                  <p:stCondLst>
+                                    <p:cond delay="0"/>
+                                  </p:stCondLst>
+                                  <p:childTnLst>
+                                    <p:set>
+                                      <p:cBhvr>
+                                        <p:cTn id="52" dur="1" fill="hold">
+                                          <p:stCondLst>
+                                            <p:cond delay="0"/>
+                                          </p:stCondLst>
+                                        </p:cTn>
+                                        <p:tgtEl>
+                                          <p:spTgt spid="3">
+                                            <p:txEl>
+                                              <p:pRg st="9" end="9"/>
+                                            </p:txEl>
+                                          </p:spTgt>
+                                        </p:tgtEl>
+                                        <p:attrNameLst>
+                                          <p:attrName>style.visibility</p:attrName>
+                                        </p:attrNameLst>
+                                      </p:cBhvr>
+                                      <p:to>
+                                        <p:strVal val="visible"/>
+                                      </p:to>
+                                    </p:set>
+                                    <p:anim calcmode="lin" valueType="num">
+                                      <p:cBhvr additive="base">
+                                        <p:cTn id="53" dur="500" fill="hold"/>
+                                        <p:tgtEl>
+                                          <p:spTgt spid="3">
+                                            <p:txEl>
+                                              <p:pRg st="9" end="9"/>
+                                            </p:txEl>
+                                          </p:spTgt>
+                                        </p:tgtEl>
+                                        <p:attrNameLst>
+                                          <p:attrName>ppt_x</p:attrName>
+                                        </p:attrNameLst>
+                                      </p:cBhvr>
+                                      <p:tavLst>
+                                        <p:tav tm="0">
+                                          <p:val>
+                                            <p:strVal val="0-#ppt_w/2"/>
+                                          </p:val>
+                                        </p:tav>
+                                        <p:tav tm="100000">
+                                          <p:val>
+                                            <p:strVal val="#ppt_x"/>
+                                          </p:val>
+                                        </p:tav>
+                                      </p:tavLst>
+                                    </p:anim>
+                                    <p:anim calcmode="lin" valueType="num">
+                                      <p:cBhvr additive="base">
+                                        <p:cTn id="54" dur="500" fill="hold"/>
+                                        <p:tgtEl>
+                                          <p:spTgt spid="3">
+                                            <p:txEl>
+                                              <p:pRg st="9" end="9"/>
+                                            </p:txEl>
+                                          </p:spTgt>
+                                        </p:tgtEl>
+                                        <p:attrNameLst>
+                                          <p:attrName>ppt_y</p:attrName>
+                                        </p:attrNameLst>
+                                      </p:cBhvr>
+                                      <p:tavLst>
+                                        <p:tav tm="0">
+                                          <p:val>
+                                            <p:strVal val="#ppt_y"/>
+                                          </p:val>
+                                        </p:tav>
+                                        <p:tav tm="100000">
+                                          <p:val>
+                                            <p:strVal val="#ppt_y"/>
+                                          </p:val>
+                                        </p:tav>
+                                      </p:tavLst>
+                                    </p:anim>
+                                  </p:childTnLst>
+                                </p:cTn>
+                              </p:par>
+                            </p:childTnLst>
+                          </p:cTn>
+                        </p:par>
+                      </p:childTnLst>
+                    </p:cTn>
+                  </p:par>
+                  <p:par>
+                    <p:cTn id="55" fill="hold">
+                      <p:stCondLst>
+                        <p:cond delay="indefinite"/>
+                      </p:stCondLst>
+                      <p:childTnLst>
+                        <p:par>
+                          <p:cTn id="56" fill="hold">
+                            <p:stCondLst>
+                              <p:cond delay="0"/>
+                            </p:stCondLst>
+                            <p:childTnLst>
+                              <p:par>
+                                <p:cTn id="57" presetID="2" presetClass="entr" presetSubtype="8" fill="hold" grpId="0" nodeType="clickEffect">
+                                  <p:stCondLst>
+                                    <p:cond delay="0"/>
+                                  </p:stCondLst>
+                                  <p:childTnLst>
+                                    <p:set>
+                                      <p:cBhvr>
+                                        <p:cTn id="58" dur="1" fill="hold">
+                                          <p:stCondLst>
+                                            <p:cond delay="0"/>
+                                          </p:stCondLst>
+                                        </p:cTn>
+                                        <p:tgtEl>
+                                          <p:spTgt spid="3">
+                                            <p:txEl>
+                                              <p:pRg st="10" end="10"/>
+                                            </p:txEl>
+                                          </p:spTgt>
+                                        </p:tgtEl>
+                                        <p:attrNameLst>
+                                          <p:attrName>style.visibility</p:attrName>
+                                        </p:attrNameLst>
+                                      </p:cBhvr>
+                                      <p:to>
+                                        <p:strVal val="visible"/>
+                                      </p:to>
+                                    </p:set>
+                                    <p:anim calcmode="lin" valueType="num">
+                                      <p:cBhvr additive="base">
+                                        <p:cTn id="59" dur="500" fill="hold"/>
+                                        <p:tgtEl>
+                                          <p:spTgt spid="3">
+                                            <p:txEl>
+                                              <p:pRg st="10" end="10"/>
+                                            </p:txEl>
+                                          </p:spTgt>
+                                        </p:tgtEl>
+                                        <p:attrNameLst>
+                                          <p:attrName>ppt_x</p:attrName>
+                                        </p:attrNameLst>
+                                      </p:cBhvr>
+                                      <p:tavLst>
+                                        <p:tav tm="0">
+                                          <p:val>
+                                            <p:strVal val="0-#ppt_w/2"/>
+                                          </p:val>
+                                        </p:tav>
+                                        <p:tav tm="100000">
+                                          <p:val>
+                                            <p:strVal val="#ppt_x"/>
+                                          </p:val>
+                                        </p:tav>
+                                      </p:tavLst>
+                                    </p:anim>
+                                    <p:anim calcmode="lin" valueType="num">
+                                      <p:cBhvr additive="base">
+                                        <p:cTn id="60" dur="500" fill="hold"/>
+                                        <p:tgtEl>
+                                          <p:spTgt spid="3">
+                                            <p:txEl>
+                                              <p:pRg st="10" end="10"/>
+                                            </p:txEl>
+                                          </p:spTgt>
+                                        </p:tgtEl>
+                                        <p:attrNameLst>
+                                          <p:attrName>ppt_y</p:attrName>
+                                        </p:attrNameLst>
+                                      </p:cBhvr>
+                                      <p:tavLst>
+                                        <p:tav tm="0">
+                                          <p:val>
+                                            <p:strVal val="#ppt_y"/>
+                                          </p:val>
+                                        </p:tav>
+                                        <p:tav tm="100000">
+                                          <p:val>
+                                            <p:strVal val="#ppt_y"/>
+                                          </p:val>
+                                        </p:tav>
+                                      </p:tavLst>
+                                    </p:anim>
+                                  </p:childTnLst>
+                                </p:cTn>
+                              </p:par>
+                            </p:childTnLst>
+                          </p:cTn>
+                        </p:par>
+                      </p:childTnLst>
+                    </p:cTn>
+                  </p:par>
+                </p:childTnLst>
+              </p:cTn>
+              <p:prevCondLst>
+                <p:cond evt="onPrev" delay="0">
+                  <p:tgtEl>
+                    <p:sldTgt/>
+                  </p:tgtEl>
+                </p:cond>
+              </p:prevCondLst>
+              <p:nextCondLst>
+                <p:cond evt="onNext" delay="0">
+                  <p:tgtEl>
+                    <p:sldTgt/>
+                  </p:tgtEl>
+                </p:cond>
+              </p:nextCondLst>
+            </p:seq>
+          </p:childTnLst>
+        </p:cTn>
       </p:par>
     </p:tnLst>
+    <p:bldLst>
+      <p:bldP spid="3" grpId="0" build="p"/>
+    </p:bldLst>
   </p:timing>
 </p:sld>
 </file>
 
-<file path=ppt/slides/slide19.xml><?xml version="1.0" encoding="utf-8"?>
+<file path=ppt/slides/slide20.xml><?xml version="1.0" encoding="utf-8"?>
 <p:sld xmlns:a="http://schemas.openxmlformats.org/drawingml/2006/main" xmlns:r="http://schemas.openxmlformats.org/officeDocument/2006/relationships" xmlns:p="http://schemas.openxmlformats.org/presentationml/2006/main">
   <p:cSld>
     <p:spTree>
@@ -12424,10 +15086,9 @@
           <a:lstStyle/>
           <a:p>
             <a:r>
-              <a:rPr lang="en-US" dirty="0" smtClean="0"/>
+              <a:rPr lang="en-US" dirty="0"/>
               <a:t>If you’re a fan of Class Diagrams…</a:t>
             </a:r>
-            <a:endParaRPr lang="en-US" dirty="0"/>
           </a:p>
         </p:txBody>
       </p:sp>
@@ -12557,1161 +15218,7 @@
 </p:sld>
 </file>
 
-<file path=ppt/slides/slide2.xml><?xml version="1.0" encoding="utf-8"?>
-<p:sld xmlns:a="http://schemas.openxmlformats.org/drawingml/2006/main" xmlns:r="http://schemas.openxmlformats.org/officeDocument/2006/relationships" xmlns:p="http://schemas.openxmlformats.org/presentationml/2006/main">
-  <p:cSld>
-    <p:spTree>
-      <p:nvGrpSpPr>
-        <p:cNvPr id="1" name=""/>
-        <p:cNvGrpSpPr/>
-        <p:nvPr/>
-      </p:nvGrpSpPr>
-      <p:grpSpPr>
-        <a:xfrm>
-          <a:off x="0" y="0"/>
-          <a:ext cx="0" cy="0"/>
-          <a:chOff x="0" y="0"/>
-          <a:chExt cx="0" cy="0"/>
-        </a:xfrm>
-      </p:grpSpPr>
-      <p:sp>
-        <p:nvSpPr>
-          <p:cNvPr id="2" name="Title 1">
-            <a:extLst>
-              <a:ext uri="{FF2B5EF4-FFF2-40B4-BE49-F238E27FC236}">
-                <a16:creationId xmlns:a16="http://schemas.microsoft.com/office/drawing/2014/main" xmlns="" id="{711A129A-07ED-4E1B-AFEB-CF200266B6C8}"/>
-              </a:ext>
-            </a:extLst>
-          </p:cNvPr>
-          <p:cNvSpPr>
-            <a:spLocks noGrp="1"/>
-          </p:cNvSpPr>
-          <p:nvPr>
-            <p:ph type="title"/>
-          </p:nvPr>
-        </p:nvSpPr>
-        <p:spPr>
-          <a:xfrm>
-            <a:off x="695703" y="470182"/>
-            <a:ext cx="10309370" cy="777706"/>
-          </a:xfrm>
-          <a:effectLst/>
-        </p:spPr>
-        <p:txBody>
-          <a:bodyPr anchor="t">
-            <a:normAutofit fontScale="90000"/>
-          </a:bodyPr>
-          <a:lstStyle/>
-          <a:p>
-            <a:r>
-              <a:rPr lang="en-US" sz="5400" dirty="0">
-                <a:solidFill>
-                  <a:schemeClr val="tx2"/>
-                </a:solidFill>
-              </a:rPr>
-              <a:t>In This </a:t>
-            </a:r>
-            <a:r>
-              <a:rPr lang="en-US" sz="5400" dirty="0">
-                <a:solidFill>
-                  <a:schemeClr val="tx2"/>
-                </a:solidFill>
-                <a:latin typeface="Showcard Gothic" panose="04020904020102020604" pitchFamily="82" charset="0"/>
-              </a:rPr>
-              <a:t>Exciting</a:t>
-            </a:r>
-            <a:r>
-              <a:rPr lang="en-US" sz="5400" dirty="0">
-                <a:solidFill>
-                  <a:schemeClr val="tx2"/>
-                </a:solidFill>
-              </a:rPr>
-              <a:t> Hour we will cover…</a:t>
-            </a:r>
-          </a:p>
-        </p:txBody>
-      </p:sp>
-      <p:sp>
-        <p:nvSpPr>
-          <p:cNvPr id="3" name="Content Placeholder 2">
-            <a:extLst>
-              <a:ext uri="{FF2B5EF4-FFF2-40B4-BE49-F238E27FC236}">
-                <a16:creationId xmlns:a16="http://schemas.microsoft.com/office/drawing/2014/main" xmlns="" id="{9A4A3620-412D-4C56-A812-2B1F3F305BCE}"/>
-              </a:ext>
-            </a:extLst>
-          </p:cNvPr>
-          <p:cNvSpPr>
-            <a:spLocks noGrp="1"/>
-          </p:cNvSpPr>
-          <p:nvPr>
-            <p:ph idx="1"/>
-          </p:nvPr>
-        </p:nvSpPr>
-        <p:spPr>
-          <a:xfrm>
-            <a:off x="1523232" y="1839839"/>
-            <a:ext cx="9813250" cy="4196287"/>
-          </a:xfrm>
-        </p:spPr>
-        <p:txBody>
-          <a:bodyPr anchor="t">
-            <a:noAutofit/>
-          </a:bodyPr>
-          <a:lstStyle/>
-          <a:p>
-            <a:pPr>
-              <a:lnSpc>
-                <a:spcPct val="90000"/>
-              </a:lnSpc>
-            </a:pPr>
-            <a:r>
-              <a:rPr lang="en-US" dirty="0"/>
-              <a:t>What problems are we trying to </a:t>
-            </a:r>
-            <a:r>
-              <a:rPr lang="en-US" dirty="0" smtClean="0"/>
-              <a:t>solve?</a:t>
-            </a:r>
-            <a:endParaRPr lang="en-US" dirty="0"/>
-          </a:p>
-          <a:p>
-            <a:pPr>
-              <a:lnSpc>
-                <a:spcPct val="90000"/>
-              </a:lnSpc>
-            </a:pPr>
-            <a:r>
-              <a:rPr lang="en-US" dirty="0"/>
-              <a:t>What is a Markov </a:t>
-            </a:r>
-            <a:r>
-              <a:rPr lang="en-US" dirty="0" smtClean="0"/>
-              <a:t>Chain?</a:t>
-            </a:r>
-            <a:endParaRPr lang="en-US" dirty="0"/>
-          </a:p>
-          <a:p>
-            <a:pPr lvl="1"/>
-            <a:r>
-              <a:rPr lang="en-US" dirty="0"/>
-              <a:t>Some applications</a:t>
-            </a:r>
-          </a:p>
-          <a:p>
-            <a:pPr lvl="1"/>
-            <a:r>
-              <a:rPr lang="en-US" dirty="0"/>
-              <a:t>Examples</a:t>
-            </a:r>
-          </a:p>
-          <a:p>
-            <a:pPr>
-              <a:lnSpc>
-                <a:spcPct val="90000"/>
-              </a:lnSpc>
-            </a:pPr>
-            <a:r>
-              <a:rPr lang="en-US" dirty="0"/>
-              <a:t>How Markov Chain can be used to analyze service tickets</a:t>
-            </a:r>
-          </a:p>
-          <a:p>
-            <a:pPr>
-              <a:lnSpc>
-                <a:spcPct val="90000"/>
-              </a:lnSpc>
-            </a:pPr>
-            <a:r>
-              <a:rPr lang="en-US" dirty="0"/>
-              <a:t>The Collector-Producer Pattern</a:t>
-            </a:r>
-          </a:p>
-          <a:p>
-            <a:pPr lvl="1"/>
-            <a:r>
-              <a:rPr lang="en-US" dirty="0"/>
-              <a:t>Using Markov chain structure to </a:t>
-            </a:r>
-            <a:r>
-              <a:rPr lang="en-US" dirty="0" smtClean="0"/>
-              <a:t>analyze and produce </a:t>
-            </a:r>
-            <a:r>
-              <a:rPr lang="en-US" dirty="0"/>
-              <a:t>all kinds of data</a:t>
-            </a:r>
-          </a:p>
-          <a:p>
-            <a:pPr>
-              <a:lnSpc>
-                <a:spcPct val="90000"/>
-              </a:lnSpc>
-            </a:pPr>
-            <a:r>
-              <a:rPr lang="en-US" dirty="0"/>
-              <a:t>Live demos</a:t>
-            </a:r>
-          </a:p>
-          <a:p>
-            <a:pPr>
-              <a:lnSpc>
-                <a:spcPct val="90000"/>
-              </a:lnSpc>
-            </a:pPr>
-            <a:r>
-              <a:rPr lang="en-US" dirty="0"/>
-              <a:t>And more!</a:t>
-            </a:r>
-          </a:p>
-          <a:p>
-            <a:pPr>
-              <a:lnSpc>
-                <a:spcPct val="90000"/>
-              </a:lnSpc>
-            </a:pPr>
-            <a:endParaRPr lang="en-US" dirty="0"/>
-          </a:p>
-          <a:p>
-            <a:pPr>
-              <a:lnSpc>
-                <a:spcPct val="90000"/>
-              </a:lnSpc>
-            </a:pPr>
-            <a:endParaRPr lang="en-US" dirty="0"/>
-          </a:p>
-          <a:p>
-            <a:pPr>
-              <a:lnSpc>
-                <a:spcPct val="90000"/>
-              </a:lnSpc>
-            </a:pPr>
-            <a:endParaRPr lang="en-US" dirty="0"/>
-          </a:p>
-          <a:p>
-            <a:endParaRPr lang="en-US" dirty="0"/>
-          </a:p>
-        </p:txBody>
-      </p:sp>
-    </p:spTree>
-    <p:extLst>
-      <p:ext uri="{BB962C8B-B14F-4D97-AF65-F5344CB8AC3E}">
-        <p14:creationId xmlns:p14="http://schemas.microsoft.com/office/powerpoint/2010/main" val="3885298594"/>
-      </p:ext>
-    </p:extLst>
-  </p:cSld>
-  <p:clrMapOvr>
-    <a:masterClrMapping/>
-  </p:clrMapOvr>
-  <p:timing>
-    <p:tnLst>
-      <p:par>
-        <p:cTn id="1" dur="indefinite" restart="never" nodeType="tmRoot">
-          <p:childTnLst>
-            <p:seq concurrent="1" nextAc="seek">
-              <p:cTn id="2" dur="indefinite" nodeType="mainSeq">
-                <p:childTnLst>
-                  <p:par>
-                    <p:cTn id="3" fill="hold">
-                      <p:stCondLst>
-                        <p:cond delay="indefinite"/>
-                      </p:stCondLst>
-                      <p:childTnLst>
-                        <p:par>
-                          <p:cTn id="4" fill="hold">
-                            <p:stCondLst>
-                              <p:cond delay="0"/>
-                            </p:stCondLst>
-                            <p:childTnLst>
-                              <p:par>
-                                <p:cTn id="5" presetID="2" presetClass="entr" presetSubtype="8" fill="hold" grpId="0" nodeType="clickEffect">
-                                  <p:stCondLst>
-                                    <p:cond delay="0"/>
-                                  </p:stCondLst>
-                                  <p:childTnLst>
-                                    <p:set>
-                                      <p:cBhvr>
-                                        <p:cTn id="6" dur="1" fill="hold">
-                                          <p:stCondLst>
-                                            <p:cond delay="0"/>
-                                          </p:stCondLst>
-                                        </p:cTn>
-                                        <p:tgtEl>
-                                          <p:spTgt spid="3">
-                                            <p:txEl>
-                                              <p:pRg st="0" end="0"/>
-                                            </p:txEl>
-                                          </p:spTgt>
-                                        </p:tgtEl>
-                                        <p:attrNameLst>
-                                          <p:attrName>style.visibility</p:attrName>
-                                        </p:attrNameLst>
-                                      </p:cBhvr>
-                                      <p:to>
-                                        <p:strVal val="visible"/>
-                                      </p:to>
-                                    </p:set>
-                                    <p:anim calcmode="lin" valueType="num">
-                                      <p:cBhvr additive="base">
-                                        <p:cTn id="7" dur="500" fill="hold"/>
-                                        <p:tgtEl>
-                                          <p:spTgt spid="3">
-                                            <p:txEl>
-                                              <p:pRg st="0" end="0"/>
-                                            </p:txEl>
-                                          </p:spTgt>
-                                        </p:tgtEl>
-                                        <p:attrNameLst>
-                                          <p:attrName>ppt_x</p:attrName>
-                                        </p:attrNameLst>
-                                      </p:cBhvr>
-                                      <p:tavLst>
-                                        <p:tav tm="0">
-                                          <p:val>
-                                            <p:strVal val="0-#ppt_w/2"/>
-                                          </p:val>
-                                        </p:tav>
-                                        <p:tav tm="100000">
-                                          <p:val>
-                                            <p:strVal val="#ppt_x"/>
-                                          </p:val>
-                                        </p:tav>
-                                      </p:tavLst>
-                                    </p:anim>
-                                    <p:anim calcmode="lin" valueType="num">
-                                      <p:cBhvr additive="base">
-                                        <p:cTn id="8" dur="500" fill="hold"/>
-                                        <p:tgtEl>
-                                          <p:spTgt spid="3">
-                                            <p:txEl>
-                                              <p:pRg st="0" end="0"/>
-                                            </p:txEl>
-                                          </p:spTgt>
-                                        </p:tgtEl>
-                                        <p:attrNameLst>
-                                          <p:attrName>ppt_y</p:attrName>
-                                        </p:attrNameLst>
-                                      </p:cBhvr>
-                                      <p:tavLst>
-                                        <p:tav tm="0">
-                                          <p:val>
-                                            <p:strVal val="#ppt_y"/>
-                                          </p:val>
-                                        </p:tav>
-                                        <p:tav tm="100000">
-                                          <p:val>
-                                            <p:strVal val="#ppt_y"/>
-                                          </p:val>
-                                        </p:tav>
-                                      </p:tavLst>
-                                    </p:anim>
-                                  </p:childTnLst>
-                                </p:cTn>
-                              </p:par>
-                            </p:childTnLst>
-                          </p:cTn>
-                        </p:par>
-                      </p:childTnLst>
-                    </p:cTn>
-                  </p:par>
-                  <p:par>
-                    <p:cTn id="9" fill="hold">
-                      <p:stCondLst>
-                        <p:cond delay="indefinite"/>
-                      </p:stCondLst>
-                      <p:childTnLst>
-                        <p:par>
-                          <p:cTn id="10" fill="hold">
-                            <p:stCondLst>
-                              <p:cond delay="0"/>
-                            </p:stCondLst>
-                            <p:childTnLst>
-                              <p:par>
-                                <p:cTn id="11" presetID="2" presetClass="entr" presetSubtype="8" fill="hold" grpId="0" nodeType="clickEffect">
-                                  <p:stCondLst>
-                                    <p:cond delay="0"/>
-                                  </p:stCondLst>
-                                  <p:childTnLst>
-                                    <p:set>
-                                      <p:cBhvr>
-                                        <p:cTn id="12" dur="1" fill="hold">
-                                          <p:stCondLst>
-                                            <p:cond delay="0"/>
-                                          </p:stCondLst>
-                                        </p:cTn>
-                                        <p:tgtEl>
-                                          <p:spTgt spid="3">
-                                            <p:txEl>
-                                              <p:pRg st="1" end="1"/>
-                                            </p:txEl>
-                                          </p:spTgt>
-                                        </p:tgtEl>
-                                        <p:attrNameLst>
-                                          <p:attrName>style.visibility</p:attrName>
-                                        </p:attrNameLst>
-                                      </p:cBhvr>
-                                      <p:to>
-                                        <p:strVal val="visible"/>
-                                      </p:to>
-                                    </p:set>
-                                    <p:anim calcmode="lin" valueType="num">
-                                      <p:cBhvr additive="base">
-                                        <p:cTn id="13" dur="500" fill="hold"/>
-                                        <p:tgtEl>
-                                          <p:spTgt spid="3">
-                                            <p:txEl>
-                                              <p:pRg st="1" end="1"/>
-                                            </p:txEl>
-                                          </p:spTgt>
-                                        </p:tgtEl>
-                                        <p:attrNameLst>
-                                          <p:attrName>ppt_x</p:attrName>
-                                        </p:attrNameLst>
-                                      </p:cBhvr>
-                                      <p:tavLst>
-                                        <p:tav tm="0">
-                                          <p:val>
-                                            <p:strVal val="0-#ppt_w/2"/>
-                                          </p:val>
-                                        </p:tav>
-                                        <p:tav tm="100000">
-                                          <p:val>
-                                            <p:strVal val="#ppt_x"/>
-                                          </p:val>
-                                        </p:tav>
-                                      </p:tavLst>
-                                    </p:anim>
-                                    <p:anim calcmode="lin" valueType="num">
-                                      <p:cBhvr additive="base">
-                                        <p:cTn id="14" dur="500" fill="hold"/>
-                                        <p:tgtEl>
-                                          <p:spTgt spid="3">
-                                            <p:txEl>
-                                              <p:pRg st="1" end="1"/>
-                                            </p:txEl>
-                                          </p:spTgt>
-                                        </p:tgtEl>
-                                        <p:attrNameLst>
-                                          <p:attrName>ppt_y</p:attrName>
-                                        </p:attrNameLst>
-                                      </p:cBhvr>
-                                      <p:tavLst>
-                                        <p:tav tm="0">
-                                          <p:val>
-                                            <p:strVal val="#ppt_y"/>
-                                          </p:val>
-                                        </p:tav>
-                                        <p:tav tm="100000">
-                                          <p:val>
-                                            <p:strVal val="#ppt_y"/>
-                                          </p:val>
-                                        </p:tav>
-                                      </p:tavLst>
-                                    </p:anim>
-                                  </p:childTnLst>
-                                </p:cTn>
-                              </p:par>
-                              <p:par>
-                                <p:cTn id="15" presetID="2" presetClass="entr" presetSubtype="8" fill="hold" grpId="0" nodeType="withEffect">
-                                  <p:stCondLst>
-                                    <p:cond delay="0"/>
-                                  </p:stCondLst>
-                                  <p:childTnLst>
-                                    <p:set>
-                                      <p:cBhvr>
-                                        <p:cTn id="16" dur="1" fill="hold">
-                                          <p:stCondLst>
-                                            <p:cond delay="0"/>
-                                          </p:stCondLst>
-                                        </p:cTn>
-                                        <p:tgtEl>
-                                          <p:spTgt spid="3">
-                                            <p:txEl>
-                                              <p:pRg st="2" end="2"/>
-                                            </p:txEl>
-                                          </p:spTgt>
-                                        </p:tgtEl>
-                                        <p:attrNameLst>
-                                          <p:attrName>style.visibility</p:attrName>
-                                        </p:attrNameLst>
-                                      </p:cBhvr>
-                                      <p:to>
-                                        <p:strVal val="visible"/>
-                                      </p:to>
-                                    </p:set>
-                                    <p:anim calcmode="lin" valueType="num">
-                                      <p:cBhvr additive="base">
-                                        <p:cTn id="17" dur="500" fill="hold"/>
-                                        <p:tgtEl>
-                                          <p:spTgt spid="3">
-                                            <p:txEl>
-                                              <p:pRg st="2" end="2"/>
-                                            </p:txEl>
-                                          </p:spTgt>
-                                        </p:tgtEl>
-                                        <p:attrNameLst>
-                                          <p:attrName>ppt_x</p:attrName>
-                                        </p:attrNameLst>
-                                      </p:cBhvr>
-                                      <p:tavLst>
-                                        <p:tav tm="0">
-                                          <p:val>
-                                            <p:strVal val="0-#ppt_w/2"/>
-                                          </p:val>
-                                        </p:tav>
-                                        <p:tav tm="100000">
-                                          <p:val>
-                                            <p:strVal val="#ppt_x"/>
-                                          </p:val>
-                                        </p:tav>
-                                      </p:tavLst>
-                                    </p:anim>
-                                    <p:anim calcmode="lin" valueType="num">
-                                      <p:cBhvr additive="base">
-                                        <p:cTn id="18" dur="500" fill="hold"/>
-                                        <p:tgtEl>
-                                          <p:spTgt spid="3">
-                                            <p:txEl>
-                                              <p:pRg st="2" end="2"/>
-                                            </p:txEl>
-                                          </p:spTgt>
-                                        </p:tgtEl>
-                                        <p:attrNameLst>
-                                          <p:attrName>ppt_y</p:attrName>
-                                        </p:attrNameLst>
-                                      </p:cBhvr>
-                                      <p:tavLst>
-                                        <p:tav tm="0">
-                                          <p:val>
-                                            <p:strVal val="#ppt_y"/>
-                                          </p:val>
-                                        </p:tav>
-                                        <p:tav tm="100000">
-                                          <p:val>
-                                            <p:strVal val="#ppt_y"/>
-                                          </p:val>
-                                        </p:tav>
-                                      </p:tavLst>
-                                    </p:anim>
-                                  </p:childTnLst>
-                                </p:cTn>
-                              </p:par>
-                              <p:par>
-                                <p:cTn id="19" presetID="2" presetClass="entr" presetSubtype="8" fill="hold" grpId="0" nodeType="withEffect">
-                                  <p:stCondLst>
-                                    <p:cond delay="0"/>
-                                  </p:stCondLst>
-                                  <p:childTnLst>
-                                    <p:set>
-                                      <p:cBhvr>
-                                        <p:cTn id="20" dur="1" fill="hold">
-                                          <p:stCondLst>
-                                            <p:cond delay="0"/>
-                                          </p:stCondLst>
-                                        </p:cTn>
-                                        <p:tgtEl>
-                                          <p:spTgt spid="3">
-                                            <p:txEl>
-                                              <p:pRg st="3" end="3"/>
-                                            </p:txEl>
-                                          </p:spTgt>
-                                        </p:tgtEl>
-                                        <p:attrNameLst>
-                                          <p:attrName>style.visibility</p:attrName>
-                                        </p:attrNameLst>
-                                      </p:cBhvr>
-                                      <p:to>
-                                        <p:strVal val="visible"/>
-                                      </p:to>
-                                    </p:set>
-                                    <p:anim calcmode="lin" valueType="num">
-                                      <p:cBhvr additive="base">
-                                        <p:cTn id="21" dur="500" fill="hold"/>
-                                        <p:tgtEl>
-                                          <p:spTgt spid="3">
-                                            <p:txEl>
-                                              <p:pRg st="3" end="3"/>
-                                            </p:txEl>
-                                          </p:spTgt>
-                                        </p:tgtEl>
-                                        <p:attrNameLst>
-                                          <p:attrName>ppt_x</p:attrName>
-                                        </p:attrNameLst>
-                                      </p:cBhvr>
-                                      <p:tavLst>
-                                        <p:tav tm="0">
-                                          <p:val>
-                                            <p:strVal val="0-#ppt_w/2"/>
-                                          </p:val>
-                                        </p:tav>
-                                        <p:tav tm="100000">
-                                          <p:val>
-                                            <p:strVal val="#ppt_x"/>
-                                          </p:val>
-                                        </p:tav>
-                                      </p:tavLst>
-                                    </p:anim>
-                                    <p:anim calcmode="lin" valueType="num">
-                                      <p:cBhvr additive="base">
-                                        <p:cTn id="22" dur="500" fill="hold"/>
-                                        <p:tgtEl>
-                                          <p:spTgt spid="3">
-                                            <p:txEl>
-                                              <p:pRg st="3" end="3"/>
-                                            </p:txEl>
-                                          </p:spTgt>
-                                        </p:tgtEl>
-                                        <p:attrNameLst>
-                                          <p:attrName>ppt_y</p:attrName>
-                                        </p:attrNameLst>
-                                      </p:cBhvr>
-                                      <p:tavLst>
-                                        <p:tav tm="0">
-                                          <p:val>
-                                            <p:strVal val="#ppt_y"/>
-                                          </p:val>
-                                        </p:tav>
-                                        <p:tav tm="100000">
-                                          <p:val>
-                                            <p:strVal val="#ppt_y"/>
-                                          </p:val>
-                                        </p:tav>
-                                      </p:tavLst>
-                                    </p:anim>
-                                  </p:childTnLst>
-                                </p:cTn>
-                              </p:par>
-                            </p:childTnLst>
-                          </p:cTn>
-                        </p:par>
-                      </p:childTnLst>
-                    </p:cTn>
-                  </p:par>
-                  <p:par>
-                    <p:cTn id="23" fill="hold">
-                      <p:stCondLst>
-                        <p:cond delay="indefinite"/>
-                      </p:stCondLst>
-                      <p:childTnLst>
-                        <p:par>
-                          <p:cTn id="24" fill="hold">
-                            <p:stCondLst>
-                              <p:cond delay="0"/>
-                            </p:stCondLst>
-                            <p:childTnLst>
-                              <p:par>
-                                <p:cTn id="25" presetID="2" presetClass="entr" presetSubtype="8" fill="hold" grpId="0" nodeType="clickEffect">
-                                  <p:stCondLst>
-                                    <p:cond delay="0"/>
-                                  </p:stCondLst>
-                                  <p:childTnLst>
-                                    <p:set>
-                                      <p:cBhvr>
-                                        <p:cTn id="26" dur="1" fill="hold">
-                                          <p:stCondLst>
-                                            <p:cond delay="0"/>
-                                          </p:stCondLst>
-                                        </p:cTn>
-                                        <p:tgtEl>
-                                          <p:spTgt spid="3">
-                                            <p:txEl>
-                                              <p:pRg st="4" end="4"/>
-                                            </p:txEl>
-                                          </p:spTgt>
-                                        </p:tgtEl>
-                                        <p:attrNameLst>
-                                          <p:attrName>style.visibility</p:attrName>
-                                        </p:attrNameLst>
-                                      </p:cBhvr>
-                                      <p:to>
-                                        <p:strVal val="visible"/>
-                                      </p:to>
-                                    </p:set>
-                                    <p:anim calcmode="lin" valueType="num">
-                                      <p:cBhvr additive="base">
-                                        <p:cTn id="27" dur="500" fill="hold"/>
-                                        <p:tgtEl>
-                                          <p:spTgt spid="3">
-                                            <p:txEl>
-                                              <p:pRg st="4" end="4"/>
-                                            </p:txEl>
-                                          </p:spTgt>
-                                        </p:tgtEl>
-                                        <p:attrNameLst>
-                                          <p:attrName>ppt_x</p:attrName>
-                                        </p:attrNameLst>
-                                      </p:cBhvr>
-                                      <p:tavLst>
-                                        <p:tav tm="0">
-                                          <p:val>
-                                            <p:strVal val="0-#ppt_w/2"/>
-                                          </p:val>
-                                        </p:tav>
-                                        <p:tav tm="100000">
-                                          <p:val>
-                                            <p:strVal val="#ppt_x"/>
-                                          </p:val>
-                                        </p:tav>
-                                      </p:tavLst>
-                                    </p:anim>
-                                    <p:anim calcmode="lin" valueType="num">
-                                      <p:cBhvr additive="base">
-                                        <p:cTn id="28" dur="500" fill="hold"/>
-                                        <p:tgtEl>
-                                          <p:spTgt spid="3">
-                                            <p:txEl>
-                                              <p:pRg st="4" end="4"/>
-                                            </p:txEl>
-                                          </p:spTgt>
-                                        </p:tgtEl>
-                                        <p:attrNameLst>
-                                          <p:attrName>ppt_y</p:attrName>
-                                        </p:attrNameLst>
-                                      </p:cBhvr>
-                                      <p:tavLst>
-                                        <p:tav tm="0">
-                                          <p:val>
-                                            <p:strVal val="#ppt_y"/>
-                                          </p:val>
-                                        </p:tav>
-                                        <p:tav tm="100000">
-                                          <p:val>
-                                            <p:strVal val="#ppt_y"/>
-                                          </p:val>
-                                        </p:tav>
-                                      </p:tavLst>
-                                    </p:anim>
-                                  </p:childTnLst>
-                                </p:cTn>
-                              </p:par>
-                            </p:childTnLst>
-                          </p:cTn>
-                        </p:par>
-                      </p:childTnLst>
-                    </p:cTn>
-                  </p:par>
-                  <p:par>
-                    <p:cTn id="29" fill="hold">
-                      <p:stCondLst>
-                        <p:cond delay="indefinite"/>
-                      </p:stCondLst>
-                      <p:childTnLst>
-                        <p:par>
-                          <p:cTn id="30" fill="hold">
-                            <p:stCondLst>
-                              <p:cond delay="0"/>
-                            </p:stCondLst>
-                            <p:childTnLst>
-                              <p:par>
-                                <p:cTn id="31" presetID="2" presetClass="entr" presetSubtype="8" fill="hold" grpId="0" nodeType="clickEffect">
-                                  <p:stCondLst>
-                                    <p:cond delay="0"/>
-                                  </p:stCondLst>
-                                  <p:childTnLst>
-                                    <p:set>
-                                      <p:cBhvr>
-                                        <p:cTn id="32" dur="1" fill="hold">
-                                          <p:stCondLst>
-                                            <p:cond delay="0"/>
-                                          </p:stCondLst>
-                                        </p:cTn>
-                                        <p:tgtEl>
-                                          <p:spTgt spid="3">
-                                            <p:txEl>
-                                              <p:pRg st="5" end="5"/>
-                                            </p:txEl>
-                                          </p:spTgt>
-                                        </p:tgtEl>
-                                        <p:attrNameLst>
-                                          <p:attrName>style.visibility</p:attrName>
-                                        </p:attrNameLst>
-                                      </p:cBhvr>
-                                      <p:to>
-                                        <p:strVal val="visible"/>
-                                      </p:to>
-                                    </p:set>
-                                    <p:anim calcmode="lin" valueType="num">
-                                      <p:cBhvr additive="base">
-                                        <p:cTn id="33" dur="500" fill="hold"/>
-                                        <p:tgtEl>
-                                          <p:spTgt spid="3">
-                                            <p:txEl>
-                                              <p:pRg st="5" end="5"/>
-                                            </p:txEl>
-                                          </p:spTgt>
-                                        </p:tgtEl>
-                                        <p:attrNameLst>
-                                          <p:attrName>ppt_x</p:attrName>
-                                        </p:attrNameLst>
-                                      </p:cBhvr>
-                                      <p:tavLst>
-                                        <p:tav tm="0">
-                                          <p:val>
-                                            <p:strVal val="0-#ppt_w/2"/>
-                                          </p:val>
-                                        </p:tav>
-                                        <p:tav tm="100000">
-                                          <p:val>
-                                            <p:strVal val="#ppt_x"/>
-                                          </p:val>
-                                        </p:tav>
-                                      </p:tavLst>
-                                    </p:anim>
-                                    <p:anim calcmode="lin" valueType="num">
-                                      <p:cBhvr additive="base">
-                                        <p:cTn id="34" dur="500" fill="hold"/>
-                                        <p:tgtEl>
-                                          <p:spTgt spid="3">
-                                            <p:txEl>
-                                              <p:pRg st="5" end="5"/>
-                                            </p:txEl>
-                                          </p:spTgt>
-                                        </p:tgtEl>
-                                        <p:attrNameLst>
-                                          <p:attrName>ppt_y</p:attrName>
-                                        </p:attrNameLst>
-                                      </p:cBhvr>
-                                      <p:tavLst>
-                                        <p:tav tm="0">
-                                          <p:val>
-                                            <p:strVal val="#ppt_y"/>
-                                          </p:val>
-                                        </p:tav>
-                                        <p:tav tm="100000">
-                                          <p:val>
-                                            <p:strVal val="#ppt_y"/>
-                                          </p:val>
-                                        </p:tav>
-                                      </p:tavLst>
-                                    </p:anim>
-                                  </p:childTnLst>
-                                </p:cTn>
-                              </p:par>
-                              <p:par>
-                                <p:cTn id="35" presetID="2" presetClass="entr" presetSubtype="8" fill="hold" grpId="0" nodeType="withEffect">
-                                  <p:stCondLst>
-                                    <p:cond delay="0"/>
-                                  </p:stCondLst>
-                                  <p:childTnLst>
-                                    <p:set>
-                                      <p:cBhvr>
-                                        <p:cTn id="36" dur="1" fill="hold">
-                                          <p:stCondLst>
-                                            <p:cond delay="0"/>
-                                          </p:stCondLst>
-                                        </p:cTn>
-                                        <p:tgtEl>
-                                          <p:spTgt spid="3">
-                                            <p:txEl>
-                                              <p:pRg st="6" end="6"/>
-                                            </p:txEl>
-                                          </p:spTgt>
-                                        </p:tgtEl>
-                                        <p:attrNameLst>
-                                          <p:attrName>style.visibility</p:attrName>
-                                        </p:attrNameLst>
-                                      </p:cBhvr>
-                                      <p:to>
-                                        <p:strVal val="visible"/>
-                                      </p:to>
-                                    </p:set>
-                                    <p:anim calcmode="lin" valueType="num">
-                                      <p:cBhvr additive="base">
-                                        <p:cTn id="37" dur="500" fill="hold"/>
-                                        <p:tgtEl>
-                                          <p:spTgt spid="3">
-                                            <p:txEl>
-                                              <p:pRg st="6" end="6"/>
-                                            </p:txEl>
-                                          </p:spTgt>
-                                        </p:tgtEl>
-                                        <p:attrNameLst>
-                                          <p:attrName>ppt_x</p:attrName>
-                                        </p:attrNameLst>
-                                      </p:cBhvr>
-                                      <p:tavLst>
-                                        <p:tav tm="0">
-                                          <p:val>
-                                            <p:strVal val="0-#ppt_w/2"/>
-                                          </p:val>
-                                        </p:tav>
-                                        <p:tav tm="100000">
-                                          <p:val>
-                                            <p:strVal val="#ppt_x"/>
-                                          </p:val>
-                                        </p:tav>
-                                      </p:tavLst>
-                                    </p:anim>
-                                    <p:anim calcmode="lin" valueType="num">
-                                      <p:cBhvr additive="base">
-                                        <p:cTn id="38" dur="500" fill="hold"/>
-                                        <p:tgtEl>
-                                          <p:spTgt spid="3">
-                                            <p:txEl>
-                                              <p:pRg st="6" end="6"/>
-                                            </p:txEl>
-                                          </p:spTgt>
-                                        </p:tgtEl>
-                                        <p:attrNameLst>
-                                          <p:attrName>ppt_y</p:attrName>
-                                        </p:attrNameLst>
-                                      </p:cBhvr>
-                                      <p:tavLst>
-                                        <p:tav tm="0">
-                                          <p:val>
-                                            <p:strVal val="#ppt_y"/>
-                                          </p:val>
-                                        </p:tav>
-                                        <p:tav tm="100000">
-                                          <p:val>
-                                            <p:strVal val="#ppt_y"/>
-                                          </p:val>
-                                        </p:tav>
-                                      </p:tavLst>
-                                    </p:anim>
-                                  </p:childTnLst>
-                                </p:cTn>
-                              </p:par>
-                            </p:childTnLst>
-                          </p:cTn>
-                        </p:par>
-                      </p:childTnLst>
-                    </p:cTn>
-                  </p:par>
-                  <p:par>
-                    <p:cTn id="39" fill="hold">
-                      <p:stCondLst>
-                        <p:cond delay="indefinite"/>
-                      </p:stCondLst>
-                      <p:childTnLst>
-                        <p:par>
-                          <p:cTn id="40" fill="hold">
-                            <p:stCondLst>
-                              <p:cond delay="0"/>
-                            </p:stCondLst>
-                            <p:childTnLst>
-                              <p:par>
-                                <p:cTn id="41" presetID="2" presetClass="entr" presetSubtype="8" fill="hold" grpId="0" nodeType="clickEffect">
-                                  <p:stCondLst>
-                                    <p:cond delay="0"/>
-                                  </p:stCondLst>
-                                  <p:childTnLst>
-                                    <p:set>
-                                      <p:cBhvr>
-                                        <p:cTn id="42" dur="1" fill="hold">
-                                          <p:stCondLst>
-                                            <p:cond delay="0"/>
-                                          </p:stCondLst>
-                                        </p:cTn>
-                                        <p:tgtEl>
-                                          <p:spTgt spid="3">
-                                            <p:txEl>
-                                              <p:pRg st="7" end="7"/>
-                                            </p:txEl>
-                                          </p:spTgt>
-                                        </p:tgtEl>
-                                        <p:attrNameLst>
-                                          <p:attrName>style.visibility</p:attrName>
-                                        </p:attrNameLst>
-                                      </p:cBhvr>
-                                      <p:to>
-                                        <p:strVal val="visible"/>
-                                      </p:to>
-                                    </p:set>
-                                    <p:anim calcmode="lin" valueType="num">
-                                      <p:cBhvr additive="base">
-                                        <p:cTn id="43" dur="500" fill="hold"/>
-                                        <p:tgtEl>
-                                          <p:spTgt spid="3">
-                                            <p:txEl>
-                                              <p:pRg st="7" end="7"/>
-                                            </p:txEl>
-                                          </p:spTgt>
-                                        </p:tgtEl>
-                                        <p:attrNameLst>
-                                          <p:attrName>ppt_x</p:attrName>
-                                        </p:attrNameLst>
-                                      </p:cBhvr>
-                                      <p:tavLst>
-                                        <p:tav tm="0">
-                                          <p:val>
-                                            <p:strVal val="0-#ppt_w/2"/>
-                                          </p:val>
-                                        </p:tav>
-                                        <p:tav tm="100000">
-                                          <p:val>
-                                            <p:strVal val="#ppt_x"/>
-                                          </p:val>
-                                        </p:tav>
-                                      </p:tavLst>
-                                    </p:anim>
-                                    <p:anim calcmode="lin" valueType="num">
-                                      <p:cBhvr additive="base">
-                                        <p:cTn id="44" dur="500" fill="hold"/>
-                                        <p:tgtEl>
-                                          <p:spTgt spid="3">
-                                            <p:txEl>
-                                              <p:pRg st="7" end="7"/>
-                                            </p:txEl>
-                                          </p:spTgt>
-                                        </p:tgtEl>
-                                        <p:attrNameLst>
-                                          <p:attrName>ppt_y</p:attrName>
-                                        </p:attrNameLst>
-                                      </p:cBhvr>
-                                      <p:tavLst>
-                                        <p:tav tm="0">
-                                          <p:val>
-                                            <p:strVal val="#ppt_y"/>
-                                          </p:val>
-                                        </p:tav>
-                                        <p:tav tm="100000">
-                                          <p:val>
-                                            <p:strVal val="#ppt_y"/>
-                                          </p:val>
-                                        </p:tav>
-                                      </p:tavLst>
-                                    </p:anim>
-                                  </p:childTnLst>
-                                </p:cTn>
-                              </p:par>
-                            </p:childTnLst>
-                          </p:cTn>
-                        </p:par>
-                      </p:childTnLst>
-                    </p:cTn>
-                  </p:par>
-                  <p:par>
-                    <p:cTn id="45" fill="hold">
-                      <p:stCondLst>
-                        <p:cond delay="indefinite"/>
-                      </p:stCondLst>
-                      <p:childTnLst>
-                        <p:par>
-                          <p:cTn id="46" fill="hold">
-                            <p:stCondLst>
-                              <p:cond delay="0"/>
-                            </p:stCondLst>
-                            <p:childTnLst>
-                              <p:par>
-                                <p:cTn id="47" presetID="2" presetClass="entr" presetSubtype="8" fill="hold" grpId="0" nodeType="clickEffect">
-                                  <p:stCondLst>
-                                    <p:cond delay="0"/>
-                                  </p:stCondLst>
-                                  <p:childTnLst>
-                                    <p:set>
-                                      <p:cBhvr>
-                                        <p:cTn id="48" dur="1" fill="hold">
-                                          <p:stCondLst>
-                                            <p:cond delay="0"/>
-                                          </p:stCondLst>
-                                        </p:cTn>
-                                        <p:tgtEl>
-                                          <p:spTgt spid="3">
-                                            <p:txEl>
-                                              <p:pRg st="8" end="8"/>
-                                            </p:txEl>
-                                          </p:spTgt>
-                                        </p:tgtEl>
-                                        <p:attrNameLst>
-                                          <p:attrName>style.visibility</p:attrName>
-                                        </p:attrNameLst>
-                                      </p:cBhvr>
-                                      <p:to>
-                                        <p:strVal val="visible"/>
-                                      </p:to>
-                                    </p:set>
-                                    <p:anim calcmode="lin" valueType="num">
-                                      <p:cBhvr additive="base">
-                                        <p:cTn id="49" dur="500" fill="hold"/>
-                                        <p:tgtEl>
-                                          <p:spTgt spid="3">
-                                            <p:txEl>
-                                              <p:pRg st="8" end="8"/>
-                                            </p:txEl>
-                                          </p:spTgt>
-                                        </p:tgtEl>
-                                        <p:attrNameLst>
-                                          <p:attrName>ppt_x</p:attrName>
-                                        </p:attrNameLst>
-                                      </p:cBhvr>
-                                      <p:tavLst>
-                                        <p:tav tm="0">
-                                          <p:val>
-                                            <p:strVal val="0-#ppt_w/2"/>
-                                          </p:val>
-                                        </p:tav>
-                                        <p:tav tm="100000">
-                                          <p:val>
-                                            <p:strVal val="#ppt_x"/>
-                                          </p:val>
-                                        </p:tav>
-                                      </p:tavLst>
-                                    </p:anim>
-                                    <p:anim calcmode="lin" valueType="num">
-                                      <p:cBhvr additive="base">
-                                        <p:cTn id="50" dur="500" fill="hold"/>
-                                        <p:tgtEl>
-                                          <p:spTgt spid="3">
-                                            <p:txEl>
-                                              <p:pRg st="8" end="8"/>
-                                            </p:txEl>
-                                          </p:spTgt>
-                                        </p:tgtEl>
-                                        <p:attrNameLst>
-                                          <p:attrName>ppt_y</p:attrName>
-                                        </p:attrNameLst>
-                                      </p:cBhvr>
-                                      <p:tavLst>
-                                        <p:tav tm="0">
-                                          <p:val>
-                                            <p:strVal val="#ppt_y"/>
-                                          </p:val>
-                                        </p:tav>
-                                        <p:tav tm="100000">
-                                          <p:val>
-                                            <p:strVal val="#ppt_y"/>
-                                          </p:val>
-                                        </p:tav>
-                                      </p:tavLst>
-                                    </p:anim>
-                                  </p:childTnLst>
-                                </p:cTn>
-                              </p:par>
-                            </p:childTnLst>
-                          </p:cTn>
-                        </p:par>
-                      </p:childTnLst>
-                    </p:cTn>
-                  </p:par>
-                </p:childTnLst>
-              </p:cTn>
-              <p:prevCondLst>
-                <p:cond evt="onPrev" delay="0">
-                  <p:tgtEl>
-                    <p:sldTgt/>
-                  </p:tgtEl>
-                </p:cond>
-              </p:prevCondLst>
-              <p:nextCondLst>
-                <p:cond evt="onNext" delay="0">
-                  <p:tgtEl>
-                    <p:sldTgt/>
-                  </p:tgtEl>
-                </p:cond>
-              </p:nextCondLst>
-            </p:seq>
-          </p:childTnLst>
-        </p:cTn>
-      </p:par>
-    </p:tnLst>
-    <p:bldLst>
-      <p:bldP spid="3" grpId="0" build="p"/>
-    </p:bldLst>
-  </p:timing>
-</p:sld>
-</file>
-
-<file path=ppt/slides/slide20.xml><?xml version="1.0" encoding="utf-8"?>
+<file path=ppt/slides/slide21.xml><?xml version="1.0" encoding="utf-8"?>
 <p:sld xmlns:a="http://schemas.openxmlformats.org/drawingml/2006/main" xmlns:r="http://schemas.openxmlformats.org/officeDocument/2006/relationships" xmlns:p="http://schemas.openxmlformats.org/presentationml/2006/main">
   <p:cSld>
     <p:spTree>
@@ -13749,10 +15256,9 @@
           <a:lstStyle/>
           <a:p>
             <a:r>
-              <a:rPr lang="en-US" dirty="0" smtClean="0"/>
+              <a:rPr lang="en-US" dirty="0"/>
               <a:t>Word - Sentence</a:t>
             </a:r>
-            <a:endParaRPr lang="en-US" dirty="0"/>
           </a:p>
         </p:txBody>
       </p:sp>
@@ -13882,336 +15388,6 @@
 </p:sld>
 </file>
 
-<file path=ppt/slides/slide21.xml><?xml version="1.0" encoding="utf-8"?>
-<p:sld xmlns:a="http://schemas.openxmlformats.org/drawingml/2006/main" xmlns:r="http://schemas.openxmlformats.org/officeDocument/2006/relationships" xmlns:p="http://schemas.openxmlformats.org/presentationml/2006/main">
-  <p:cSld>
-    <p:spTree>
-      <p:nvGrpSpPr>
-        <p:cNvPr id="1" name=""/>
-        <p:cNvGrpSpPr/>
-        <p:nvPr/>
-      </p:nvGrpSpPr>
-      <p:grpSpPr>
-        <a:xfrm>
-          <a:off x="0" y="0"/>
-          <a:ext cx="0" cy="0"/>
-          <a:chOff x="0" y="0"/>
-          <a:chExt cx="0" cy="0"/>
-        </a:xfrm>
-      </p:grpSpPr>
-      <p:sp>
-        <p:nvSpPr>
-          <p:cNvPr id="2" name="Title 1">
-            <a:extLst>
-              <a:ext uri="{FF2B5EF4-FFF2-40B4-BE49-F238E27FC236}">
-                <a16:creationId xmlns:a16="http://schemas.microsoft.com/office/drawing/2014/main" xmlns="" id="{88D82110-49C1-4524-8ECE-67E8C8184D6C}"/>
-              </a:ext>
-            </a:extLst>
-          </p:cNvPr>
-          <p:cNvSpPr>
-            <a:spLocks noGrp="1"/>
-          </p:cNvSpPr>
-          <p:nvPr>
-            <p:ph type="title"/>
-          </p:nvPr>
-        </p:nvSpPr>
-        <p:spPr>
-          <a:xfrm>
-            <a:off x="749106" y="2199056"/>
-            <a:ext cx="2352439" cy="712303"/>
-          </a:xfrm>
-        </p:spPr>
-        <p:txBody>
-          <a:bodyPr>
-            <a:noAutofit/>
-          </a:bodyPr>
-          <a:lstStyle/>
-          <a:p>
-            <a:pPr algn="l"/>
-            <a:r>
-              <a:rPr lang="en-US" sz="4000" b="1" dirty="0">
-                <a:solidFill>
-                  <a:schemeClr val="accent1"/>
-                </a:solidFill>
-              </a:rPr>
-              <a:t>Live Demo</a:t>
-            </a:r>
-            <a:endParaRPr lang="en-US" sz="3200" b="1" dirty="0">
-              <a:solidFill>
-                <a:schemeClr val="accent1"/>
-              </a:solidFill>
-            </a:endParaRPr>
-          </a:p>
-        </p:txBody>
-      </p:sp>
-      <p:sp>
-        <p:nvSpPr>
-          <p:cNvPr id="3" name="TextBox 2">
-            <a:extLst>
-              <a:ext uri="{FF2B5EF4-FFF2-40B4-BE49-F238E27FC236}">
-                <a16:creationId xmlns:a16="http://schemas.microsoft.com/office/drawing/2014/main" xmlns="" id="{2B15EE05-61BF-424B-9317-8B72B112A15B}"/>
-              </a:ext>
-            </a:extLst>
-          </p:cNvPr>
-          <p:cNvSpPr txBox="1"/>
-          <p:nvPr/>
-        </p:nvSpPr>
-        <p:spPr>
-          <a:xfrm>
-            <a:off x="4161183" y="1705955"/>
-            <a:ext cx="6771860" cy="1477328"/>
-          </a:xfrm>
-          <a:prstGeom prst="rect">
-            <a:avLst/>
-          </a:prstGeom>
-          <a:noFill/>
-        </p:spPr>
-        <p:txBody>
-          <a:bodyPr wrap="square" rtlCol="0">
-            <a:spAutoFit/>
-          </a:bodyPr>
-          <a:lstStyle/>
-          <a:p>
-            <a:r>
-              <a:rPr lang="en-US" b="1" dirty="0" err="1"/>
-              <a:t>WordCollector</a:t>
-            </a:r>
-            <a:endParaRPr lang="en-US" b="1" dirty="0"/>
-          </a:p>
-          <a:p>
-            <a:pPr marL="285750" indent="-285750">
-              <a:buFont typeface="Arial" panose="020B0604020202020204" pitchFamily="34" charset="0"/>
-              <a:buChar char="•"/>
-            </a:pPr>
-            <a:r>
-              <a:rPr lang="en-US" dirty="0" err="1"/>
-              <a:t>tickets_out.json</a:t>
-            </a:r>
-            <a:r>
-              <a:rPr lang="en-US" dirty="0"/>
-              <a:t> – 666 records</a:t>
-            </a:r>
-          </a:p>
-          <a:p>
-            <a:pPr marL="285750" indent="-285750">
-              <a:buFont typeface="Arial" panose="020B0604020202020204" pitchFamily="34" charset="0"/>
-              <a:buChar char="•"/>
-            </a:pPr>
-            <a:r>
-              <a:rPr lang="en-US" dirty="0" err="1"/>
-              <a:t>tickets_sample.json</a:t>
-            </a:r>
-            <a:r>
-              <a:rPr lang="en-US" dirty="0"/>
-              <a:t> – small sample of 68 records</a:t>
-            </a:r>
-          </a:p>
-          <a:p>
-            <a:pPr marL="285750" indent="-285750">
-              <a:buFont typeface="Arial" panose="020B0604020202020204" pitchFamily="34" charset="0"/>
-              <a:buChar char="•"/>
-            </a:pPr>
-            <a:r>
-              <a:rPr lang="en-US" dirty="0" err="1"/>
-              <a:t>tickets_out</a:t>
-            </a:r>
-            <a:r>
-              <a:rPr lang="en-US" dirty="0"/>
-              <a:t> Dev-</a:t>
-            </a:r>
-            <a:r>
-              <a:rPr lang="en-US" dirty="0" err="1"/>
-              <a:t>Review.json</a:t>
-            </a:r>
-            <a:r>
-              <a:rPr lang="en-US" dirty="0"/>
-              <a:t> – 1000 records</a:t>
-            </a:r>
-          </a:p>
-          <a:p>
-            <a:pPr marL="285750" indent="-285750">
-              <a:buFont typeface="Arial" panose="020B0604020202020204" pitchFamily="34" charset="0"/>
-              <a:buChar char="•"/>
-            </a:pPr>
-            <a:r>
-              <a:rPr lang="en-US" dirty="0" err="1"/>
-              <a:t>tickets_small_sample.json</a:t>
-            </a:r>
-            <a:r>
-              <a:rPr lang="en-US" dirty="0"/>
-              <a:t> – order 2, csv output</a:t>
-            </a:r>
-          </a:p>
-        </p:txBody>
-      </p:sp>
-      <p:sp>
-        <p:nvSpPr>
-          <p:cNvPr id="4" name="TextBox 3">
-            <a:extLst>
-              <a:ext uri="{FF2B5EF4-FFF2-40B4-BE49-F238E27FC236}">
-                <a16:creationId xmlns:a16="http://schemas.microsoft.com/office/drawing/2014/main" xmlns="" id="{E6EF7806-70E1-4596-8535-8E26EEBAC113}"/>
-              </a:ext>
-            </a:extLst>
-          </p:cNvPr>
-          <p:cNvSpPr txBox="1"/>
-          <p:nvPr/>
-        </p:nvSpPr>
-        <p:spPr>
-          <a:xfrm>
-            <a:off x="4161183" y="562377"/>
-            <a:ext cx="6771860" cy="923330"/>
-          </a:xfrm>
-          <a:prstGeom prst="rect">
-            <a:avLst/>
-          </a:prstGeom>
-          <a:noFill/>
-        </p:spPr>
-        <p:txBody>
-          <a:bodyPr wrap="square" rtlCol="0">
-            <a:spAutoFit/>
-          </a:bodyPr>
-          <a:lstStyle/>
-          <a:p>
-            <a:r>
-              <a:rPr lang="en-US" b="1" dirty="0" err="1"/>
-              <a:t>WordProducer</a:t>
-            </a:r>
-            <a:endParaRPr lang="en-US" b="1" dirty="0"/>
-          </a:p>
-          <a:p>
-            <a:pPr marL="285750" indent="-285750">
-              <a:buFont typeface="Arial" panose="020B0604020202020204" pitchFamily="34" charset="0"/>
-              <a:buChar char="•"/>
-            </a:pPr>
-            <a:r>
-              <a:rPr lang="en-US" dirty="0"/>
-              <a:t>test sample data</a:t>
-            </a:r>
-          </a:p>
-          <a:p>
-            <a:pPr marL="285750" indent="-285750">
-              <a:buFont typeface="Arial" panose="020B0604020202020204" pitchFamily="34" charset="0"/>
-              <a:buChar char="•"/>
-            </a:pPr>
-            <a:r>
-              <a:rPr lang="en-US" dirty="0"/>
-              <a:t>drug names – order 3</a:t>
-            </a:r>
-          </a:p>
-        </p:txBody>
-      </p:sp>
-      <p:sp>
-        <p:nvSpPr>
-          <p:cNvPr id="5" name="TextBox 4">
-            <a:extLst>
-              <a:ext uri="{FF2B5EF4-FFF2-40B4-BE49-F238E27FC236}">
-                <a16:creationId xmlns:a16="http://schemas.microsoft.com/office/drawing/2014/main" xmlns="" id="{E351DD6E-E246-4232-A06E-5CDF51E7EF7C}"/>
-              </a:ext>
-            </a:extLst>
-          </p:cNvPr>
-          <p:cNvSpPr txBox="1"/>
-          <p:nvPr/>
-        </p:nvSpPr>
-        <p:spPr>
-          <a:xfrm>
-            <a:off x="4161183" y="3519237"/>
-            <a:ext cx="6771860" cy="646331"/>
-          </a:xfrm>
-          <a:prstGeom prst="rect">
-            <a:avLst/>
-          </a:prstGeom>
-          <a:noFill/>
-        </p:spPr>
-        <p:txBody>
-          <a:bodyPr wrap="square" rtlCol="0">
-            <a:spAutoFit/>
-          </a:bodyPr>
-          <a:lstStyle/>
-          <a:p>
-            <a:r>
-              <a:rPr lang="en-US" b="1" dirty="0" err="1"/>
-              <a:t>HarmonyChordCollector</a:t>
-            </a:r>
-            <a:endParaRPr lang="en-US" b="1" dirty="0"/>
-          </a:p>
-          <a:p>
-            <a:pPr marL="285750" indent="-285750">
-              <a:buFont typeface="Arial" panose="020B0604020202020204" pitchFamily="34" charset="0"/>
-              <a:buChar char="•"/>
-            </a:pPr>
-            <a:r>
-              <a:rPr lang="en-US" dirty="0"/>
-              <a:t>Beatles – order 2</a:t>
-            </a:r>
-          </a:p>
-        </p:txBody>
-      </p:sp>
-      <p:sp>
-        <p:nvSpPr>
-          <p:cNvPr id="6" name="TextBox 5">
-            <a:extLst>
-              <a:ext uri="{FF2B5EF4-FFF2-40B4-BE49-F238E27FC236}">
-                <a16:creationId xmlns:a16="http://schemas.microsoft.com/office/drawing/2014/main" xmlns="" id="{1A50E33B-B044-4E04-9267-C28F2015AD3C}"/>
-              </a:ext>
-            </a:extLst>
-          </p:cNvPr>
-          <p:cNvSpPr txBox="1"/>
-          <p:nvPr/>
-        </p:nvSpPr>
-        <p:spPr>
-          <a:xfrm>
-            <a:off x="4161183" y="4662815"/>
-            <a:ext cx="6771860" cy="646331"/>
-          </a:xfrm>
-          <a:prstGeom prst="rect">
-            <a:avLst/>
-          </a:prstGeom>
-          <a:noFill/>
-        </p:spPr>
-        <p:txBody>
-          <a:bodyPr wrap="square" rtlCol="0">
-            <a:spAutoFit/>
-          </a:bodyPr>
-          <a:lstStyle/>
-          <a:p>
-            <a:r>
-              <a:rPr lang="en-US" b="1" dirty="0" err="1"/>
-              <a:t>ChordProgressionProducer</a:t>
-            </a:r>
-            <a:endParaRPr lang="en-US" b="1" dirty="0"/>
-          </a:p>
-          <a:p>
-            <a:pPr marL="285750" indent="-285750">
-              <a:buFont typeface="Arial" panose="020B0604020202020204" pitchFamily="34" charset="0"/>
-              <a:buChar char="•"/>
-            </a:pPr>
-            <a:r>
-              <a:rPr lang="en-US" dirty="0"/>
-              <a:t>Beatles – order 3</a:t>
-            </a:r>
-          </a:p>
-        </p:txBody>
-      </p:sp>
-    </p:spTree>
-    <p:extLst>
-      <p:ext uri="{BB962C8B-B14F-4D97-AF65-F5344CB8AC3E}">
-        <p14:creationId xmlns:p14="http://schemas.microsoft.com/office/powerpoint/2010/main" val="3963184675"/>
-      </p:ext>
-    </p:extLst>
-  </p:cSld>
-  <p:clrMapOvr>
-    <a:masterClrMapping/>
-  </p:clrMapOvr>
-  <p:timing>
-    <p:tnLst>
-      <p:par>
-        <p:cTn id="1" dur="indefinite" restart="never" nodeType="tmRoot"/>
-      </p:par>
-    </p:tnLst>
-  </p:timing>
-</p:sld>
-</file>
-
 <file path=ppt/slides/slide22.xml><?xml version="1.0" encoding="utf-8"?>
 <p:sld xmlns:a="http://schemas.openxmlformats.org/drawingml/2006/main" xmlns:r="http://schemas.openxmlformats.org/officeDocument/2006/relationships" xmlns:p="http://schemas.openxmlformats.org/presentationml/2006/main">
   <p:cSld>
@@ -14234,7 +15410,7 @@
           <p:cNvPr id="2" name="Title 1">
             <a:extLst>
               <a:ext uri="{FF2B5EF4-FFF2-40B4-BE49-F238E27FC236}">
-                <a16:creationId xmlns:a16="http://schemas.microsoft.com/office/drawing/2014/main" xmlns="" id="{56D96A64-C11B-4546-9E2D-076A85967972}"/>
+                <a16:creationId xmlns:a16="http://schemas.microsoft.com/office/drawing/2014/main" id="{88D82110-49C1-4524-8ECE-67E8C8184D6C}"/>
               </a:ext>
             </a:extLst>
           </p:cNvPr>
@@ -14247,35 +15423,49 @@
         </p:nvSpPr>
         <p:spPr>
           <a:xfrm>
-            <a:off x="760926" y="506792"/>
-            <a:ext cx="8980482" cy="819731"/>
+            <a:off x="1236786" y="1249803"/>
+            <a:ext cx="2352439" cy="481461"/>
           </a:xfrm>
         </p:spPr>
         <p:txBody>
           <a:bodyPr>
-            <a:normAutofit/>
+            <a:noAutofit/>
           </a:bodyPr>
           <a:lstStyle/>
           <a:p>
-            <a:r>
-              <a:rPr lang="en-US" dirty="0">
-                <a:latin typeface="Berlin Sans FB" panose="020E0602020502020306" pitchFamily="34" charset="0"/>
+            <a:pPr algn="l"/>
+            <a:r>
+              <a:rPr lang="en-US" sz="4000" b="1" dirty="0">
+                <a:solidFill>
+                  <a:schemeClr val="accent1"/>
+                </a:solidFill>
               </a:rPr>
-              <a:t>Opportunities for improvement</a:t>
-            </a:r>
+              <a:t>Live Demo</a:t>
+            </a:r>
+            <a:endParaRPr lang="en-US" sz="3200" b="1" dirty="0">
+              <a:solidFill>
+                <a:schemeClr val="accent1"/>
+              </a:solidFill>
+            </a:endParaRPr>
           </a:p>
         </p:txBody>
       </p:sp>
       <p:sp>
         <p:nvSpPr>
-          <p:cNvPr id="3" name="TextBox 2"/>
+          <p:cNvPr id="3" name="TextBox 2">
+            <a:extLst>
+              <a:ext uri="{FF2B5EF4-FFF2-40B4-BE49-F238E27FC236}">
+                <a16:creationId xmlns:a16="http://schemas.microsoft.com/office/drawing/2014/main" id="{2B15EE05-61BF-424B-9317-8B72B112A15B}"/>
+              </a:ext>
+            </a:extLst>
+          </p:cNvPr>
           <p:cNvSpPr txBox="1"/>
           <p:nvPr/>
         </p:nvSpPr>
         <p:spPr>
           <a:xfrm>
-            <a:off x="1685759" y="1490008"/>
-            <a:ext cx="7830355" cy="1938992"/>
+            <a:off x="5982733" y="2048881"/>
+            <a:ext cx="5385153" cy="1200329"/>
           </a:xfrm>
           <a:prstGeom prst="rect">
             <a:avLst/>
@@ -14288,13 +15478,24 @@
           </a:bodyPr>
           <a:lstStyle/>
           <a:p>
+            <a:r>
+              <a:rPr lang="en-US" b="1" dirty="0" err="1"/>
+              <a:t>WordCollector</a:t>
+            </a:r>
+            <a:endParaRPr lang="en-US" dirty="0"/>
+          </a:p>
+          <a:p>
             <a:pPr marL="285750" indent="-285750">
               <a:buFont typeface="Arial" panose="020B0604020202020204" pitchFamily="34" charset="0"/>
               <a:buChar char="•"/>
             </a:pPr>
             <a:r>
-              <a:rPr lang="en-US" sz="2400" dirty="0"/>
-              <a:t>Collection Data Preparation</a:t>
+              <a:rPr lang="en-US" dirty="0" err="1"/>
+              <a:t>tickets_sample.json</a:t>
+            </a:r>
+            <a:r>
+              <a:rPr lang="en-US" dirty="0"/>
+              <a:t> – small sample of 68 records</a:t>
             </a:r>
           </a:p>
           <a:p>
@@ -14303,8 +15504,20 @@
               <a:buChar char="•"/>
             </a:pPr>
             <a:r>
-              <a:rPr lang="en-US" sz="2400" dirty="0"/>
-              <a:t>Collector results presentation</a:t>
+              <a:rPr lang="en-US" dirty="0" err="1"/>
+              <a:t>tickets_out</a:t>
+            </a:r>
+            <a:r>
+              <a:rPr lang="en-US" dirty="0"/>
+              <a:t> Dev-</a:t>
+            </a:r>
+            <a:r>
+              <a:rPr lang="en-US" dirty="0" err="1"/>
+              <a:t>Review.json</a:t>
+            </a:r>
+            <a:r>
+              <a:rPr lang="en-US" dirty="0"/>
+              <a:t> – 1000 records, order 2</a:t>
             </a:r>
           </a:p>
           <a:p>
@@ -14313,9 +15526,57 @@
               <a:buChar char="•"/>
             </a:pPr>
             <a:r>
-              <a:rPr lang="en-US" sz="2400" dirty="0"/>
-              <a:t>Results interpretation</a:t>
-            </a:r>
+              <a:rPr lang="en-US" dirty="0" err="1"/>
+              <a:t>tickets_small_sample.json</a:t>
+            </a:r>
+            <a:r>
+              <a:rPr lang="en-US" dirty="0"/>
+              <a:t> – order 2, csv output</a:t>
+            </a:r>
+          </a:p>
+        </p:txBody>
+      </p:sp>
+      <p:sp>
+        <p:nvSpPr>
+          <p:cNvPr id="4" name="TextBox 3">
+            <a:extLst>
+              <a:ext uri="{FF2B5EF4-FFF2-40B4-BE49-F238E27FC236}">
+                <a16:creationId xmlns:a16="http://schemas.microsoft.com/office/drawing/2014/main" id="{E6EF7806-70E1-4596-8535-8E26EEBAC113}"/>
+              </a:ext>
+            </a:extLst>
+          </p:cNvPr>
+          <p:cNvSpPr txBox="1"/>
+          <p:nvPr/>
+        </p:nvSpPr>
+        <p:spPr>
+          <a:xfrm>
+            <a:off x="5982733" y="758057"/>
+            <a:ext cx="4972481" cy="923330"/>
+          </a:xfrm>
+          <a:prstGeom prst="rect">
+            <a:avLst/>
+          </a:prstGeom>
+          <a:noFill/>
+        </p:spPr>
+        <p:txBody>
+          <a:bodyPr wrap="square" rtlCol="0">
+            <a:spAutoFit/>
+          </a:bodyPr>
+          <a:lstStyle/>
+          <a:p>
+            <a:r>
+              <a:rPr lang="en-US" b="1" dirty="0" err="1"/>
+              <a:t>CharacterCollector</a:t>
+            </a:r>
+            <a:r>
+              <a:rPr lang="en-US" b="1" dirty="0"/>
+              <a:t> / </a:t>
+            </a:r>
+            <a:r>
+              <a:rPr lang="en-US" b="1" dirty="0" err="1"/>
+              <a:t>WordProducer</a:t>
+            </a:r>
+            <a:endParaRPr lang="en-US" b="1" dirty="0"/>
           </a:p>
           <a:p>
             <a:pPr marL="285750" indent="-285750">
@@ -14323,8 +15584,8 @@
               <a:buChar char="•"/>
             </a:pPr>
             <a:r>
-              <a:rPr lang="en-US" sz="2400" dirty="0"/>
-              <a:t>Framework flexibility</a:t>
+              <a:rPr lang="en-US" dirty="0"/>
+              <a:t>Order 1 text (abracadabra)</a:t>
             </a:r>
           </a:p>
           <a:p>
@@ -14332,27 +15593,145 @@
               <a:buFont typeface="Arial" panose="020B0604020202020204" pitchFamily="34" charset="0"/>
               <a:buChar char="•"/>
             </a:pPr>
-            <a:endParaRPr lang="en-US" sz="2400" dirty="0"/>
+            <a:r>
+              <a:rPr lang="en-US" dirty="0"/>
+              <a:t>Order 3 drug names</a:t>
+            </a:r>
           </a:p>
         </p:txBody>
       </p:sp>
+      <p:sp>
+        <p:nvSpPr>
+          <p:cNvPr id="5" name="TextBox 4">
+            <a:extLst>
+              <a:ext uri="{FF2B5EF4-FFF2-40B4-BE49-F238E27FC236}">
+                <a16:creationId xmlns:a16="http://schemas.microsoft.com/office/drawing/2014/main" id="{E351DD6E-E246-4232-A06E-5CDF51E7EF7C}"/>
+              </a:ext>
+            </a:extLst>
+          </p:cNvPr>
+          <p:cNvSpPr txBox="1"/>
+          <p:nvPr/>
+        </p:nvSpPr>
+        <p:spPr>
+          <a:xfrm>
+            <a:off x="6057741" y="3665541"/>
+            <a:ext cx="2617569" cy="646331"/>
+          </a:xfrm>
+          <a:prstGeom prst="rect">
+            <a:avLst/>
+          </a:prstGeom>
+          <a:noFill/>
+        </p:spPr>
+        <p:txBody>
+          <a:bodyPr wrap="square" rtlCol="0">
+            <a:spAutoFit/>
+          </a:bodyPr>
+          <a:lstStyle/>
+          <a:p>
+            <a:r>
+              <a:rPr lang="en-US" b="1" dirty="0" err="1"/>
+              <a:t>HarmonyChordCollector</a:t>
+            </a:r>
+            <a:endParaRPr lang="en-US" b="1" dirty="0"/>
+          </a:p>
+          <a:p>
+            <a:pPr marL="285750" indent="-285750">
+              <a:buFont typeface="Arial" panose="020B0604020202020204" pitchFamily="34" charset="0"/>
+              <a:buChar char="•"/>
+            </a:pPr>
+            <a:r>
+              <a:rPr lang="en-US" dirty="0"/>
+              <a:t>Beatles – order 3</a:t>
+            </a:r>
+          </a:p>
+        </p:txBody>
+      </p:sp>
+      <p:sp>
+        <p:nvSpPr>
+          <p:cNvPr id="6" name="TextBox 5">
+            <a:extLst>
+              <a:ext uri="{FF2B5EF4-FFF2-40B4-BE49-F238E27FC236}">
+                <a16:creationId xmlns:a16="http://schemas.microsoft.com/office/drawing/2014/main" id="{1A50E33B-B044-4E04-9267-C28F2015AD3C}"/>
+              </a:ext>
+            </a:extLst>
+          </p:cNvPr>
+          <p:cNvSpPr txBox="1"/>
+          <p:nvPr/>
+        </p:nvSpPr>
+        <p:spPr>
+          <a:xfrm>
+            <a:off x="6057741" y="4809119"/>
+            <a:ext cx="2885793" cy="646331"/>
+          </a:xfrm>
+          <a:prstGeom prst="rect">
+            <a:avLst/>
+          </a:prstGeom>
+          <a:noFill/>
+        </p:spPr>
+        <p:txBody>
+          <a:bodyPr wrap="square" rtlCol="0">
+            <a:spAutoFit/>
+          </a:bodyPr>
+          <a:lstStyle/>
+          <a:p>
+            <a:r>
+              <a:rPr lang="en-US" b="1" dirty="0" err="1"/>
+              <a:t>ChordProgressionProducer</a:t>
+            </a:r>
+            <a:endParaRPr lang="en-US" b="1" dirty="0"/>
+          </a:p>
+          <a:p>
+            <a:pPr marL="285750" indent="-285750">
+              <a:buFont typeface="Arial" panose="020B0604020202020204" pitchFamily="34" charset="0"/>
+              <a:buChar char="•"/>
+            </a:pPr>
+            <a:r>
+              <a:rPr lang="en-US" dirty="0"/>
+              <a:t>Beatles – order 2</a:t>
+            </a:r>
+          </a:p>
+        </p:txBody>
+      </p:sp>
+      <p:pic>
+        <p:nvPicPr>
+          <p:cNvPr id="7" name="Picture 6">
+            <a:extLst>
+              <a:ext uri="{FF2B5EF4-FFF2-40B4-BE49-F238E27FC236}">
+                <a16:creationId xmlns:a16="http://schemas.microsoft.com/office/drawing/2014/main" id="{00E760EE-B00D-46DC-AB28-95407F2DAB94}"/>
+              </a:ext>
+            </a:extLst>
+          </p:cNvPr>
+          <p:cNvPicPr>
+            <a:picLocks noChangeAspect="1"/>
+          </p:cNvPicPr>
+          <p:nvPr/>
+        </p:nvPicPr>
+        <p:blipFill>
+          <a:blip r:embed="rId2"/>
+          <a:stretch>
+            <a:fillRect/>
+          </a:stretch>
+        </p:blipFill>
+        <p:spPr>
+          <a:xfrm>
+            <a:off x="416001" y="2000657"/>
+            <a:ext cx="4323809" cy="2895238"/>
+          </a:xfrm>
+          <a:prstGeom prst="rect">
+            <a:avLst/>
+          </a:prstGeom>
+        </p:spPr>
+      </p:pic>
     </p:spTree>
     <p:extLst>
       <p:ext uri="{BB962C8B-B14F-4D97-AF65-F5344CB8AC3E}">
-        <p14:creationId xmlns:p14="http://schemas.microsoft.com/office/powerpoint/2010/main" val="4171783583"/>
+        <p14:creationId xmlns:p14="http://schemas.microsoft.com/office/powerpoint/2010/main" val="3963184675"/>
       </p:ext>
     </p:extLst>
   </p:cSld>
   <p:clrMapOvr>
     <a:masterClrMapping/>
   </p:clrMapOvr>
-  <p:timing>
-    <p:tnLst>
-      <p:par>
-        <p:cTn id="1" dur="indefinite" restart="never" nodeType="tmRoot"/>
-      </p:par>
-    </p:tnLst>
-  </p:timing>
 </p:sld>
 </file>
 
@@ -14378,7 +15757,766 @@
           <p:cNvPr id="2" name="Title 1">
             <a:extLst>
               <a:ext uri="{FF2B5EF4-FFF2-40B4-BE49-F238E27FC236}">
-                <a16:creationId xmlns:a16="http://schemas.microsoft.com/office/drawing/2014/main" xmlns="" id="{56D96A64-C11B-4546-9E2D-076A85967972}"/>
+                <a16:creationId xmlns:a16="http://schemas.microsoft.com/office/drawing/2014/main" id="{56D96A64-C11B-4546-9E2D-076A85967972}"/>
+              </a:ext>
+            </a:extLst>
+          </p:cNvPr>
+          <p:cNvSpPr>
+            <a:spLocks noGrp="1"/>
+          </p:cNvSpPr>
+          <p:nvPr>
+            <p:ph type="title"/>
+          </p:nvPr>
+        </p:nvSpPr>
+        <p:spPr>
+          <a:xfrm>
+            <a:off x="792457" y="380668"/>
+            <a:ext cx="8980482" cy="819731"/>
+          </a:xfrm>
+        </p:spPr>
+        <p:txBody>
+          <a:bodyPr>
+            <a:normAutofit/>
+          </a:bodyPr>
+          <a:lstStyle/>
+          <a:p>
+            <a:r>
+              <a:rPr lang="en-US" dirty="0">
+                <a:latin typeface="Berlin Sans FB" panose="020E0602020502020306" pitchFamily="34" charset="0"/>
+              </a:rPr>
+              <a:t>Opportunities for improvement</a:t>
+            </a:r>
+          </a:p>
+        </p:txBody>
+      </p:sp>
+      <p:sp>
+        <p:nvSpPr>
+          <p:cNvPr id="3" name="TextBox 2"/>
+          <p:cNvSpPr txBox="1"/>
+          <p:nvPr/>
+        </p:nvSpPr>
+        <p:spPr>
+          <a:xfrm>
+            <a:off x="792457" y="1425080"/>
+            <a:ext cx="10169909" cy="4647426"/>
+          </a:xfrm>
+          <a:prstGeom prst="rect">
+            <a:avLst/>
+          </a:prstGeom>
+          <a:noFill/>
+        </p:spPr>
+        <p:txBody>
+          <a:bodyPr wrap="square" rtlCol="0">
+            <a:spAutoFit/>
+          </a:bodyPr>
+          <a:lstStyle/>
+          <a:p>
+            <a:pPr marL="457200" indent="-457200">
+              <a:buFont typeface="Arial" panose="020B0604020202020204" pitchFamily="34" charset="0"/>
+              <a:buChar char="•"/>
+            </a:pPr>
+            <a:r>
+              <a:rPr lang="en-US" sz="3200" dirty="0"/>
+              <a:t>Collection Data Preparation</a:t>
+            </a:r>
+          </a:p>
+          <a:p>
+            <a:pPr marL="914400" lvl="1" indent="-457200">
+              <a:buFont typeface="Arial" panose="020B0604020202020204" pitchFamily="34" charset="0"/>
+              <a:buChar char="•"/>
+            </a:pPr>
+            <a:r>
+              <a:rPr lang="en-US" sz="2800" dirty="0"/>
+              <a:t>Easy to get close – hard to get right</a:t>
+            </a:r>
+          </a:p>
+          <a:p>
+            <a:pPr marL="914400" lvl="1" indent="-457200">
+              <a:buFont typeface="Arial" panose="020B0604020202020204" pitchFamily="34" charset="0"/>
+              <a:buChar char="•"/>
+            </a:pPr>
+            <a:r>
+              <a:rPr lang="en-US" sz="2800" dirty="0"/>
+              <a:t>Extended character sets, Unicode, punctuation</a:t>
+            </a:r>
+          </a:p>
+          <a:p>
+            <a:pPr marL="914400" lvl="1" indent="-457200">
+              <a:buFont typeface="Arial" panose="020B0604020202020204" pitchFamily="34" charset="0"/>
+              <a:buChar char="•"/>
+            </a:pPr>
+            <a:r>
+              <a:rPr lang="en-US" sz="2800" dirty="0"/>
+              <a:t>Similar words, verb tense, singular/plural</a:t>
+            </a:r>
+          </a:p>
+          <a:p>
+            <a:pPr marL="1371600" lvl="2" indent="-457200">
+              <a:buFont typeface="Courier New" panose="02070309020205020404" pitchFamily="49" charset="0"/>
+              <a:buChar char="o"/>
+            </a:pPr>
+            <a:r>
+              <a:rPr lang="en-US" sz="2800" dirty="0" err="1"/>
+              <a:t>eg.</a:t>
+            </a:r>
+            <a:r>
+              <a:rPr lang="en-US" sz="2800" dirty="0"/>
+              <a:t> tool – tools, config - configuration</a:t>
+            </a:r>
+          </a:p>
+          <a:p>
+            <a:pPr marL="457200" indent="-457200">
+              <a:buFont typeface="Arial" panose="020B0604020202020204" pitchFamily="34" charset="0"/>
+              <a:buChar char="•"/>
+            </a:pPr>
+            <a:r>
+              <a:rPr lang="en-US" sz="3200" dirty="0"/>
+              <a:t>Collector results presentation</a:t>
+            </a:r>
+          </a:p>
+          <a:p>
+            <a:pPr marL="914400" lvl="1" indent="-457200">
+              <a:buFont typeface="Arial" panose="020B0604020202020204" pitchFamily="34" charset="0"/>
+              <a:buChar char="•"/>
+            </a:pPr>
+            <a:r>
+              <a:rPr lang="en-US" sz="2800" dirty="0"/>
+              <a:t>Viewing Markov chains unwieldy</a:t>
+            </a:r>
+          </a:p>
+          <a:p>
+            <a:pPr marL="914400" lvl="1" indent="-457200">
+              <a:buFont typeface="Arial" panose="020B0604020202020204" pitchFamily="34" charset="0"/>
+              <a:buChar char="•"/>
+            </a:pPr>
+            <a:r>
+              <a:rPr lang="en-US" sz="2800" dirty="0"/>
+              <a:t>Need interactive approach</a:t>
+            </a:r>
+          </a:p>
+          <a:p>
+            <a:pPr marL="914400" lvl="1" indent="-457200">
+              <a:buFont typeface="Arial" panose="020B0604020202020204" pitchFamily="34" charset="0"/>
+              <a:buChar char="•"/>
+            </a:pPr>
+            <a:r>
+              <a:rPr lang="en-US" sz="2800" dirty="0"/>
+              <a:t>Context is everything (</a:t>
+            </a:r>
+            <a:r>
+              <a:rPr lang="en-US" sz="2800" dirty="0" err="1"/>
+              <a:t>eg.</a:t>
+            </a:r>
+            <a:r>
+              <a:rPr lang="en-US" sz="2800" dirty="0"/>
+              <a:t> service board)</a:t>
+            </a:r>
+            <a:endParaRPr lang="en-US" sz="3200" dirty="0"/>
+          </a:p>
+          <a:p>
+            <a:pPr marL="285750" indent="-285750">
+              <a:buFont typeface="Arial" panose="020B0604020202020204" pitchFamily="34" charset="0"/>
+              <a:buChar char="•"/>
+            </a:pPr>
+            <a:endParaRPr lang="en-US" sz="3200" dirty="0"/>
+          </a:p>
+        </p:txBody>
+      </p:sp>
+    </p:spTree>
+    <p:extLst>
+      <p:ext uri="{BB962C8B-B14F-4D97-AF65-F5344CB8AC3E}">
+        <p14:creationId xmlns:p14="http://schemas.microsoft.com/office/powerpoint/2010/main" val="4171783583"/>
+      </p:ext>
+    </p:extLst>
+  </p:cSld>
+  <p:clrMapOvr>
+    <a:masterClrMapping/>
+  </p:clrMapOvr>
+</p:sld>
+</file>
+
+<file path=ppt/slides/slide24.xml><?xml version="1.0" encoding="utf-8"?>
+<p:sld xmlns:a="http://schemas.openxmlformats.org/drawingml/2006/main" xmlns:r="http://schemas.openxmlformats.org/officeDocument/2006/relationships" xmlns:p="http://schemas.openxmlformats.org/presentationml/2006/main">
+  <p:cSld>
+    <p:spTree>
+      <p:nvGrpSpPr>
+        <p:cNvPr id="1" name=""/>
+        <p:cNvGrpSpPr/>
+        <p:nvPr/>
+      </p:nvGrpSpPr>
+      <p:grpSpPr>
+        <a:xfrm>
+          <a:off x="0" y="0"/>
+          <a:ext cx="0" cy="0"/>
+          <a:chOff x="0" y="0"/>
+          <a:chExt cx="0" cy="0"/>
+        </a:xfrm>
+      </p:grpSpPr>
+      <p:sp>
+        <p:nvSpPr>
+          <p:cNvPr id="3" name="Title 1">
+            <a:extLst>
+              <a:ext uri="{FF2B5EF4-FFF2-40B4-BE49-F238E27FC236}">
+                <a16:creationId xmlns:a16="http://schemas.microsoft.com/office/drawing/2014/main" id="{DF78B393-D23E-4BE1-A515-891E149AE651}"/>
+              </a:ext>
+            </a:extLst>
+          </p:cNvPr>
+          <p:cNvSpPr>
+            <a:spLocks noGrp="1"/>
+          </p:cNvSpPr>
+          <p:nvPr>
+            <p:ph type="title"/>
+          </p:nvPr>
+        </p:nvSpPr>
+        <p:spPr>
+          <a:xfrm>
+            <a:off x="792457" y="380668"/>
+            <a:ext cx="8980482" cy="819731"/>
+          </a:xfrm>
+        </p:spPr>
+        <p:txBody>
+          <a:bodyPr>
+            <a:normAutofit/>
+          </a:bodyPr>
+          <a:lstStyle/>
+          <a:p>
+            <a:r>
+              <a:rPr lang="en-US" dirty="0">
+                <a:latin typeface="Berlin Sans FB" panose="020E0602020502020306" pitchFamily="34" charset="0"/>
+              </a:rPr>
+              <a:t>Opportunities for improvement </a:t>
+            </a:r>
+            <a:r>
+              <a:rPr lang="en-US" sz="3200" dirty="0">
+                <a:latin typeface="Berlin Sans FB" panose="020E0602020502020306" pitchFamily="34" charset="0"/>
+              </a:rPr>
+              <a:t>contd.</a:t>
+            </a:r>
+            <a:endParaRPr lang="en-US" dirty="0">
+              <a:latin typeface="Berlin Sans FB" panose="020E0602020502020306" pitchFamily="34" charset="0"/>
+            </a:endParaRPr>
+          </a:p>
+        </p:txBody>
+      </p:sp>
+      <p:sp>
+        <p:nvSpPr>
+          <p:cNvPr id="4" name="Rectangle 3">
+            <a:extLst>
+              <a:ext uri="{FF2B5EF4-FFF2-40B4-BE49-F238E27FC236}">
+                <a16:creationId xmlns:a16="http://schemas.microsoft.com/office/drawing/2014/main" id="{EA1A7303-8247-4BC5-8A6B-92B769EB142F}"/>
+              </a:ext>
+            </a:extLst>
+          </p:cNvPr>
+          <p:cNvSpPr/>
+          <p:nvPr/>
+        </p:nvSpPr>
+        <p:spPr>
+          <a:xfrm>
+            <a:off x="1061543" y="1423537"/>
+            <a:ext cx="9364719" cy="4278094"/>
+          </a:xfrm>
+          <a:prstGeom prst="rect">
+            <a:avLst/>
+          </a:prstGeom>
+        </p:spPr>
+        <p:txBody>
+          <a:bodyPr wrap="square">
+            <a:spAutoFit/>
+          </a:bodyPr>
+          <a:lstStyle/>
+          <a:p>
+            <a:pPr marL="457200" indent="-457200">
+              <a:buFont typeface="Arial" panose="020B0604020202020204" pitchFamily="34" charset="0"/>
+              <a:buChar char="•"/>
+            </a:pPr>
+            <a:r>
+              <a:rPr lang="en-US" sz="3200" dirty="0"/>
+              <a:t>Framework extensions</a:t>
+            </a:r>
+          </a:p>
+          <a:p>
+            <a:pPr marL="914400" lvl="1" indent="-457200">
+              <a:buFont typeface="Arial" panose="020B0604020202020204" pitchFamily="34" charset="0"/>
+              <a:buChar char="•"/>
+            </a:pPr>
+            <a:r>
+              <a:rPr lang="en-US" sz="2400" dirty="0"/>
+              <a:t>Multi-dimensional Markov chain (related topics)</a:t>
+            </a:r>
+          </a:p>
+          <a:p>
+            <a:pPr marL="1371600" lvl="2" indent="-457200">
+              <a:buFont typeface="Arial" panose="020B0604020202020204" pitchFamily="34" charset="0"/>
+              <a:buChar char="•"/>
+            </a:pPr>
+            <a:r>
+              <a:rPr lang="en-US" sz="2000" dirty="0"/>
+              <a:t>For example, ticket summary + resource to auto-assign</a:t>
+            </a:r>
+          </a:p>
+          <a:p>
+            <a:pPr marL="914400" lvl="1" indent="-457200">
+              <a:buFont typeface="Arial" panose="020B0604020202020204" pitchFamily="34" charset="0"/>
+              <a:buChar char="•"/>
+            </a:pPr>
+            <a:r>
+              <a:rPr lang="en-US" sz="2400" dirty="0"/>
+              <a:t>Combining sets of Markov chains of different orders</a:t>
+            </a:r>
+          </a:p>
+          <a:p>
+            <a:pPr marL="914400" lvl="1" indent="-457200">
+              <a:buFont typeface="Arial" panose="020B0604020202020204" pitchFamily="34" charset="0"/>
+              <a:buChar char="•"/>
+            </a:pPr>
+            <a:r>
+              <a:rPr lang="en-US" sz="2400" dirty="0"/>
+              <a:t>Real-time collecting and user interaction</a:t>
+            </a:r>
+          </a:p>
+          <a:p>
+            <a:pPr marL="1371600" lvl="2" indent="-457200">
+              <a:buFont typeface="Arial" panose="020B0604020202020204" pitchFamily="34" charset="0"/>
+              <a:buChar char="•"/>
+            </a:pPr>
+            <a:r>
+              <a:rPr lang="en-US" sz="2000" dirty="0"/>
+              <a:t>Dynamically adjust probabilities, keys etc.</a:t>
+            </a:r>
+          </a:p>
+          <a:p>
+            <a:pPr marL="914400" lvl="1" indent="-457200">
+              <a:buFont typeface="Arial" panose="020B0604020202020204" pitchFamily="34" charset="0"/>
+              <a:buChar char="•"/>
+            </a:pPr>
+            <a:r>
+              <a:rPr lang="en-US" sz="2400" dirty="0"/>
+              <a:t>Integrations with host applications</a:t>
+            </a:r>
+          </a:p>
+          <a:p>
+            <a:pPr marL="914400" lvl="1" indent="-457200">
+              <a:buFont typeface="Arial" panose="020B0604020202020204" pitchFamily="34" charset="0"/>
+              <a:buChar char="•"/>
+            </a:pPr>
+            <a:r>
+              <a:rPr lang="en-US" sz="2400" dirty="0"/>
+              <a:t>Part of a pipeline, for example to feed Python for post-processing</a:t>
+            </a:r>
+          </a:p>
+          <a:p>
+            <a:pPr marL="914400" lvl="1" indent="-457200">
+              <a:buFont typeface="Arial" panose="020B0604020202020204" pitchFamily="34" charset="0"/>
+              <a:buChar char="•"/>
+            </a:pPr>
+            <a:r>
+              <a:rPr lang="en-US" sz="2400" dirty="0"/>
+              <a:t>As a web service</a:t>
+            </a:r>
+          </a:p>
+          <a:p>
+            <a:pPr marL="914400" lvl="1" indent="-457200">
+              <a:buFont typeface="Arial" panose="020B0604020202020204" pitchFamily="34" charset="0"/>
+              <a:buChar char="•"/>
+            </a:pPr>
+            <a:r>
+              <a:rPr lang="en-US" sz="2400" dirty="0"/>
+              <a:t>Formalize notion of context (hidden Markov models)</a:t>
+            </a:r>
+          </a:p>
+          <a:p>
+            <a:pPr marL="914400" lvl="1" indent="-457200">
+              <a:buFont typeface="Arial" panose="020B0604020202020204" pitchFamily="34" charset="0"/>
+              <a:buChar char="•"/>
+            </a:pPr>
+            <a:r>
+              <a:rPr lang="en-US" sz="2400" dirty="0"/>
+              <a:t>Other ideas?</a:t>
+            </a:r>
+          </a:p>
+        </p:txBody>
+      </p:sp>
+    </p:spTree>
+    <p:extLst>
+      <p:ext uri="{BB962C8B-B14F-4D97-AF65-F5344CB8AC3E}">
+        <p14:creationId xmlns:p14="http://schemas.microsoft.com/office/powerpoint/2010/main" val="2170662"/>
+      </p:ext>
+    </p:extLst>
+  </p:cSld>
+  <p:clrMapOvr>
+    <a:masterClrMapping/>
+  </p:clrMapOvr>
+</p:sld>
+</file>
+
+<file path=ppt/slides/slide25.xml><?xml version="1.0" encoding="utf-8"?>
+<p:sld xmlns:a="http://schemas.openxmlformats.org/drawingml/2006/main" xmlns:r="http://schemas.openxmlformats.org/officeDocument/2006/relationships" xmlns:p="http://schemas.openxmlformats.org/presentationml/2006/main">
+  <p:cSld>
+    <p:spTree>
+      <p:nvGrpSpPr>
+        <p:cNvPr id="1" name=""/>
+        <p:cNvGrpSpPr/>
+        <p:nvPr/>
+      </p:nvGrpSpPr>
+      <p:grpSpPr>
+        <a:xfrm>
+          <a:off x="0" y="0"/>
+          <a:ext cx="0" cy="0"/>
+          <a:chOff x="0" y="0"/>
+          <a:chExt cx="0" cy="0"/>
+        </a:xfrm>
+      </p:grpSpPr>
+      <p:sp>
+        <p:nvSpPr>
+          <p:cNvPr id="2" name="Title 1">
+            <a:extLst>
+              <a:ext uri="{FF2B5EF4-FFF2-40B4-BE49-F238E27FC236}">
+                <a16:creationId xmlns:a16="http://schemas.microsoft.com/office/drawing/2014/main" id="{66856741-5348-4F00-9B56-C3A9D509DDCB}"/>
+              </a:ext>
+            </a:extLst>
+          </p:cNvPr>
+          <p:cNvSpPr>
+            <a:spLocks noGrp="1"/>
+          </p:cNvSpPr>
+          <p:nvPr>
+            <p:ph type="title"/>
+          </p:nvPr>
+        </p:nvSpPr>
+        <p:spPr>
+          <a:xfrm>
+            <a:off x="838200" y="365126"/>
+            <a:ext cx="2609193" cy="833054"/>
+          </a:xfrm>
+        </p:spPr>
+        <p:txBody>
+          <a:bodyPr>
+            <a:normAutofit fontScale="90000"/>
+          </a:bodyPr>
+          <a:lstStyle/>
+          <a:p>
+            <a:r>
+              <a:rPr lang="en-US" dirty="0"/>
+              <a:t>Take-Aways</a:t>
+            </a:r>
+          </a:p>
+        </p:txBody>
+      </p:sp>
+      <p:sp>
+        <p:nvSpPr>
+          <p:cNvPr id="3" name="TextBox 2">
+            <a:extLst>
+              <a:ext uri="{FF2B5EF4-FFF2-40B4-BE49-F238E27FC236}">
+                <a16:creationId xmlns:a16="http://schemas.microsoft.com/office/drawing/2014/main" id="{F1BC7A10-96E6-411E-8FD1-4A9FD3137150}"/>
+              </a:ext>
+            </a:extLst>
+          </p:cNvPr>
+          <p:cNvSpPr txBox="1"/>
+          <p:nvPr/>
+        </p:nvSpPr>
+        <p:spPr>
+          <a:xfrm>
+            <a:off x="1481957" y="1755227"/>
+            <a:ext cx="8250621" cy="2677656"/>
+          </a:xfrm>
+          <a:prstGeom prst="rect">
+            <a:avLst/>
+          </a:prstGeom>
+          <a:noFill/>
+        </p:spPr>
+        <p:txBody>
+          <a:bodyPr wrap="square" rtlCol="0">
+            <a:spAutoFit/>
+          </a:bodyPr>
+          <a:lstStyle/>
+          <a:p>
+            <a:r>
+              <a:rPr lang="en-US" sz="2800" dirty="0"/>
+              <a:t>Markov chain and Collector-Producer are technologies that can be leveraged to provide insights into large data sets and even suggest where to focus investigation and resources.</a:t>
+            </a:r>
+          </a:p>
+          <a:p>
+            <a:r>
+              <a:rPr lang="en-US" sz="2800" dirty="0"/>
+              <a:t>It can be used to create data for testing and other creative uses.</a:t>
+            </a:r>
+          </a:p>
+        </p:txBody>
+      </p:sp>
+    </p:spTree>
+    <p:extLst>
+      <p:ext uri="{BB962C8B-B14F-4D97-AF65-F5344CB8AC3E}">
+        <p14:creationId xmlns:p14="http://schemas.microsoft.com/office/powerpoint/2010/main" val="3997686182"/>
+      </p:ext>
+    </p:extLst>
+  </p:cSld>
+  <p:clrMapOvr>
+    <a:masterClrMapping/>
+  </p:clrMapOvr>
+  <p:timing>
+    <p:tnLst>
+      <p:par>
+        <p:cTn id="1" dur="indefinite" restart="never" nodeType="tmRoot">
+          <p:childTnLst>
+            <p:seq concurrent="1" nextAc="seek">
+              <p:cTn id="2" dur="indefinite" nodeType="mainSeq">
+                <p:childTnLst>
+                  <p:par>
+                    <p:cTn id="3" fill="hold">
+                      <p:stCondLst>
+                        <p:cond delay="indefinite"/>
+                      </p:stCondLst>
+                      <p:childTnLst>
+                        <p:par>
+                          <p:cTn id="4" fill="hold">
+                            <p:stCondLst>
+                              <p:cond delay="0"/>
+                            </p:stCondLst>
+                            <p:childTnLst>
+                              <p:par>
+                                <p:cTn id="5" presetID="2" presetClass="entr" presetSubtype="2" fill="hold" grpId="0" nodeType="clickEffect">
+                                  <p:stCondLst>
+                                    <p:cond delay="0"/>
+                                  </p:stCondLst>
+                                  <p:childTnLst>
+                                    <p:set>
+                                      <p:cBhvr>
+                                        <p:cTn id="6" dur="1" fill="hold">
+                                          <p:stCondLst>
+                                            <p:cond delay="0"/>
+                                          </p:stCondLst>
+                                        </p:cTn>
+                                        <p:tgtEl>
+                                          <p:spTgt spid="3">
+                                            <p:txEl>
+                                              <p:pRg st="0" end="0"/>
+                                            </p:txEl>
+                                          </p:spTgt>
+                                        </p:tgtEl>
+                                        <p:attrNameLst>
+                                          <p:attrName>style.visibility</p:attrName>
+                                        </p:attrNameLst>
+                                      </p:cBhvr>
+                                      <p:to>
+                                        <p:strVal val="visible"/>
+                                      </p:to>
+                                    </p:set>
+                                    <p:anim calcmode="lin" valueType="num">
+                                      <p:cBhvr additive="base">
+                                        <p:cTn id="7" dur="500" fill="hold"/>
+                                        <p:tgtEl>
+                                          <p:spTgt spid="3">
+                                            <p:txEl>
+                                              <p:pRg st="0" end="0"/>
+                                            </p:txEl>
+                                          </p:spTgt>
+                                        </p:tgtEl>
+                                        <p:attrNameLst>
+                                          <p:attrName>ppt_x</p:attrName>
+                                        </p:attrNameLst>
+                                      </p:cBhvr>
+                                      <p:tavLst>
+                                        <p:tav tm="0">
+                                          <p:val>
+                                            <p:strVal val="1+#ppt_w/2"/>
+                                          </p:val>
+                                        </p:tav>
+                                        <p:tav tm="100000">
+                                          <p:val>
+                                            <p:strVal val="#ppt_x"/>
+                                          </p:val>
+                                        </p:tav>
+                                      </p:tavLst>
+                                    </p:anim>
+                                    <p:anim calcmode="lin" valueType="num">
+                                      <p:cBhvr additive="base">
+                                        <p:cTn id="8" dur="500" fill="hold"/>
+                                        <p:tgtEl>
+                                          <p:spTgt spid="3">
+                                            <p:txEl>
+                                              <p:pRg st="0" end="0"/>
+                                            </p:txEl>
+                                          </p:spTgt>
+                                        </p:tgtEl>
+                                        <p:attrNameLst>
+                                          <p:attrName>ppt_y</p:attrName>
+                                        </p:attrNameLst>
+                                      </p:cBhvr>
+                                      <p:tavLst>
+                                        <p:tav tm="0">
+                                          <p:val>
+                                            <p:strVal val="#ppt_y"/>
+                                          </p:val>
+                                        </p:tav>
+                                        <p:tav tm="100000">
+                                          <p:val>
+                                            <p:strVal val="#ppt_y"/>
+                                          </p:val>
+                                        </p:tav>
+                                      </p:tavLst>
+                                    </p:anim>
+                                  </p:childTnLst>
+                                </p:cTn>
+                              </p:par>
+                            </p:childTnLst>
+                          </p:cTn>
+                        </p:par>
+                      </p:childTnLst>
+                    </p:cTn>
+                  </p:par>
+                  <p:par>
+                    <p:cTn id="9" fill="hold">
+                      <p:stCondLst>
+                        <p:cond delay="indefinite"/>
+                      </p:stCondLst>
+                      <p:childTnLst>
+                        <p:par>
+                          <p:cTn id="10" fill="hold">
+                            <p:stCondLst>
+                              <p:cond delay="0"/>
+                            </p:stCondLst>
+                            <p:childTnLst>
+                              <p:par>
+                                <p:cTn id="11" presetID="2" presetClass="entr" presetSubtype="2" fill="hold" grpId="0" nodeType="clickEffect">
+                                  <p:stCondLst>
+                                    <p:cond delay="0"/>
+                                  </p:stCondLst>
+                                  <p:childTnLst>
+                                    <p:set>
+                                      <p:cBhvr>
+                                        <p:cTn id="12" dur="1" fill="hold">
+                                          <p:stCondLst>
+                                            <p:cond delay="0"/>
+                                          </p:stCondLst>
+                                        </p:cTn>
+                                        <p:tgtEl>
+                                          <p:spTgt spid="3">
+                                            <p:txEl>
+                                              <p:pRg st="1" end="1"/>
+                                            </p:txEl>
+                                          </p:spTgt>
+                                        </p:tgtEl>
+                                        <p:attrNameLst>
+                                          <p:attrName>style.visibility</p:attrName>
+                                        </p:attrNameLst>
+                                      </p:cBhvr>
+                                      <p:to>
+                                        <p:strVal val="visible"/>
+                                      </p:to>
+                                    </p:set>
+                                    <p:anim calcmode="lin" valueType="num">
+                                      <p:cBhvr additive="base">
+                                        <p:cTn id="13" dur="500" fill="hold"/>
+                                        <p:tgtEl>
+                                          <p:spTgt spid="3">
+                                            <p:txEl>
+                                              <p:pRg st="1" end="1"/>
+                                            </p:txEl>
+                                          </p:spTgt>
+                                        </p:tgtEl>
+                                        <p:attrNameLst>
+                                          <p:attrName>ppt_x</p:attrName>
+                                        </p:attrNameLst>
+                                      </p:cBhvr>
+                                      <p:tavLst>
+                                        <p:tav tm="0">
+                                          <p:val>
+                                            <p:strVal val="1+#ppt_w/2"/>
+                                          </p:val>
+                                        </p:tav>
+                                        <p:tav tm="100000">
+                                          <p:val>
+                                            <p:strVal val="#ppt_x"/>
+                                          </p:val>
+                                        </p:tav>
+                                      </p:tavLst>
+                                    </p:anim>
+                                    <p:anim calcmode="lin" valueType="num">
+                                      <p:cBhvr additive="base">
+                                        <p:cTn id="14" dur="500" fill="hold"/>
+                                        <p:tgtEl>
+                                          <p:spTgt spid="3">
+                                            <p:txEl>
+                                              <p:pRg st="1" end="1"/>
+                                            </p:txEl>
+                                          </p:spTgt>
+                                        </p:tgtEl>
+                                        <p:attrNameLst>
+                                          <p:attrName>ppt_y</p:attrName>
+                                        </p:attrNameLst>
+                                      </p:cBhvr>
+                                      <p:tavLst>
+                                        <p:tav tm="0">
+                                          <p:val>
+                                            <p:strVal val="#ppt_y"/>
+                                          </p:val>
+                                        </p:tav>
+                                        <p:tav tm="100000">
+                                          <p:val>
+                                            <p:strVal val="#ppt_y"/>
+                                          </p:val>
+                                        </p:tav>
+                                      </p:tavLst>
+                                    </p:anim>
+                                  </p:childTnLst>
+                                </p:cTn>
+                              </p:par>
+                            </p:childTnLst>
+                          </p:cTn>
+                        </p:par>
+                      </p:childTnLst>
+                    </p:cTn>
+                  </p:par>
+                </p:childTnLst>
+              </p:cTn>
+              <p:prevCondLst>
+                <p:cond evt="onPrev" delay="0">
+                  <p:tgtEl>
+                    <p:sldTgt/>
+                  </p:tgtEl>
+                </p:cond>
+              </p:prevCondLst>
+              <p:nextCondLst>
+                <p:cond evt="onNext" delay="0">
+                  <p:tgtEl>
+                    <p:sldTgt/>
+                  </p:tgtEl>
+                </p:cond>
+              </p:nextCondLst>
+            </p:seq>
+          </p:childTnLst>
+        </p:cTn>
+      </p:par>
+    </p:tnLst>
+    <p:bldLst>
+      <p:bldP spid="3" grpId="0" build="p"/>
+    </p:bldLst>
+  </p:timing>
+</p:sld>
+</file>
+
+<file path=ppt/slides/slide26.xml><?xml version="1.0" encoding="utf-8"?>
+<p:sld xmlns:a="http://schemas.openxmlformats.org/drawingml/2006/main" xmlns:r="http://schemas.openxmlformats.org/officeDocument/2006/relationships" xmlns:p="http://schemas.openxmlformats.org/presentationml/2006/main">
+  <p:cSld>
+    <p:spTree>
+      <p:nvGrpSpPr>
+        <p:cNvPr id="1" name=""/>
+        <p:cNvGrpSpPr/>
+        <p:nvPr/>
+      </p:nvGrpSpPr>
+      <p:grpSpPr>
+        <a:xfrm>
+          <a:off x="0" y="0"/>
+          <a:ext cx="0" cy="0"/>
+          <a:chOff x="0" y="0"/>
+          <a:chExt cx="0" cy="0"/>
+        </a:xfrm>
+      </p:grpSpPr>
+      <p:sp>
+        <p:nvSpPr>
+          <p:cNvPr id="2" name="Title 1">
+            <a:extLst>
+              <a:ext uri="{FF2B5EF4-FFF2-40B4-BE49-F238E27FC236}">
+                <a16:creationId xmlns:a16="http://schemas.microsoft.com/office/drawing/2014/main" id="{56D96A64-C11B-4546-9E2D-076A85967972}"/>
               </a:ext>
             </a:extLst>
           </p:cNvPr>
@@ -14417,7 +16555,7 @@
           <p:cNvPr id="3" name="Title 1">
             <a:extLst>
               <a:ext uri="{FF2B5EF4-FFF2-40B4-BE49-F238E27FC236}">
-                <a16:creationId xmlns:a16="http://schemas.microsoft.com/office/drawing/2014/main" xmlns="" id="{A2D12ED6-176D-43F3-BDE0-7BB4B19918F3}"/>
+                <a16:creationId xmlns:a16="http://schemas.microsoft.com/office/drawing/2014/main" id="{A2D12ED6-176D-43F3-BDE0-7BB4B19918F3}"/>
               </a:ext>
             </a:extLst>
           </p:cNvPr>
@@ -14471,7 +16609,7 @@
           <p:cNvPr id="4" name="TextBox 3">
             <a:extLst>
               <a:ext uri="{FF2B5EF4-FFF2-40B4-BE49-F238E27FC236}">
-                <a16:creationId xmlns:a16="http://schemas.microsoft.com/office/drawing/2014/main" xmlns="" id="{A54DD422-E291-4E7B-A33E-7DF63F848E5C}"/>
+                <a16:creationId xmlns:a16="http://schemas.microsoft.com/office/drawing/2014/main" id="{A54DD422-E291-4E7B-A33E-7DF63F848E5C}"/>
               </a:ext>
             </a:extLst>
           </p:cNvPr>
@@ -14610,17 +16748,10 @@
   <p:clrMapOvr>
     <a:masterClrMapping/>
   </p:clrMapOvr>
-  <p:timing>
-    <p:tnLst>
-      <p:par>
-        <p:cTn id="1" dur="indefinite" restart="never" nodeType="tmRoot"/>
-      </p:par>
-    </p:tnLst>
-  </p:timing>
 </p:sld>
 </file>
 
-<file path=ppt/slides/slide24.xml><?xml version="1.0" encoding="utf-8"?>
+<file path=ppt/slides/slide27.xml><?xml version="1.0" encoding="utf-8"?>
 <p:sld xmlns:a="http://schemas.openxmlformats.org/drawingml/2006/main" xmlns:r="http://schemas.openxmlformats.org/officeDocument/2006/relationships" xmlns:p="http://schemas.openxmlformats.org/presentationml/2006/main">
   <p:cSld>
     <p:spTree>
@@ -14639,7 +16770,13 @@
       </p:grpSpPr>
       <p:pic>
         <p:nvPicPr>
-          <p:cNvPr id="4" name="Picture 3"/>
+          <p:cNvPr id="3" name="Picture 2">
+            <a:extLst>
+              <a:ext uri="{FF2B5EF4-FFF2-40B4-BE49-F238E27FC236}">
+                <a16:creationId xmlns:a16="http://schemas.microsoft.com/office/drawing/2014/main" id="{0F5DD841-7FDF-4D47-87BC-9BE058DEEE71}"/>
+              </a:ext>
+            </a:extLst>
+          </p:cNvPr>
           <p:cNvPicPr>
             <a:picLocks noChangeAspect="1"/>
           </p:cNvPicPr>
@@ -14659,7 +16796,43 @@
         </p:blipFill>
         <p:spPr>
           <a:xfrm>
-            <a:off x="2638185" y="0"/>
+            <a:off x="9988315" y="4800600"/>
+            <a:ext cx="1907178" cy="1917700"/>
+          </a:xfrm>
+          <a:prstGeom prst="rect">
+            <a:avLst/>
+          </a:prstGeom>
+        </p:spPr>
+      </p:pic>
+      <p:pic>
+        <p:nvPicPr>
+          <p:cNvPr id="6" name="Picture 5">
+            <a:extLst>
+              <a:ext uri="{FF2B5EF4-FFF2-40B4-BE49-F238E27FC236}">
+                <a16:creationId xmlns:a16="http://schemas.microsoft.com/office/drawing/2014/main" id="{0B2B3A7D-CB98-457C-9F90-171926BB7A90}"/>
+              </a:ext>
+            </a:extLst>
+          </p:cNvPr>
+          <p:cNvPicPr>
+            <a:picLocks noChangeAspect="1"/>
+          </p:cNvPicPr>
+          <p:nvPr/>
+        </p:nvPicPr>
+        <p:blipFill>
+          <a:blip r:embed="rId3">
+            <a:extLst>
+              <a:ext uri="{28A0092B-C50C-407E-A947-70E740481C1C}">
+                <a14:useLocalDpi xmlns:a14="http://schemas.microsoft.com/office/drawing/2010/main" val="0"/>
+              </a:ext>
+            </a:extLst>
+          </a:blip>
+          <a:stretch>
+            <a:fillRect/>
+          </a:stretch>
+        </p:blipFill>
+        <p:spPr>
+          <a:xfrm>
+            <a:off x="1558685" y="0"/>
             <a:ext cx="6915630" cy="6858000"/>
           </a:xfrm>
           <a:prstGeom prst="rect">
@@ -14677,17 +16850,10 @@
   <p:clrMapOvr>
     <a:masterClrMapping/>
   </p:clrMapOvr>
-  <p:timing>
-    <p:tnLst>
-      <p:par>
-        <p:cTn id="1" dur="indefinite" restart="never" nodeType="tmRoot"/>
-      </p:par>
-    </p:tnLst>
-  </p:timing>
 </p:sld>
 </file>
 
-<file path=ppt/slides/slide25.xml><?xml version="1.0" encoding="utf-8"?>
+<file path=ppt/slides/slide28.xml><?xml version="1.0" encoding="utf-8"?>
 <p:sld xmlns:a="http://schemas.openxmlformats.org/drawingml/2006/main" xmlns:r="http://schemas.openxmlformats.org/officeDocument/2006/relationships" xmlns:p="http://schemas.openxmlformats.org/presentationml/2006/main">
   <p:cSld>
     <p:spTree>
@@ -14725,10 +16891,9 @@
           <a:lstStyle/>
           <a:p>
             <a:r>
-              <a:rPr lang="en-US" dirty="0" smtClean="0"/>
+              <a:rPr lang="en-US" dirty="0"/>
               <a:t>Extras</a:t>
             </a:r>
-            <a:endParaRPr lang="en-US" dirty="0"/>
           </a:p>
         </p:txBody>
       </p:sp>
@@ -14772,13 +16937,6 @@
   <p:clrMapOvr>
     <a:masterClrMapping/>
   </p:clrMapOvr>
-  <p:timing>
-    <p:tnLst>
-      <p:par>
-        <p:cTn id="1" dur="indefinite" restart="never" nodeType="tmRoot"/>
-      </p:par>
-    </p:tnLst>
-  </p:timing>
 </p:sld>
 </file>
 
@@ -14804,7 +16962,7 @@
           <p:cNvPr id="2" name="Title 1">
             <a:extLst>
               <a:ext uri="{FF2B5EF4-FFF2-40B4-BE49-F238E27FC236}">
-                <a16:creationId xmlns:a16="http://schemas.microsoft.com/office/drawing/2014/main" xmlns="" id="{74ECC5D7-F104-4F42-989D-B92A09A929C2}"/>
+                <a16:creationId xmlns:a16="http://schemas.microsoft.com/office/drawing/2014/main" id="{74ECC5D7-F104-4F42-989D-B92A09A929C2}"/>
               </a:ext>
             </a:extLst>
           </p:cNvPr>
@@ -14841,7 +16999,7 @@
           <p:cNvPr id="3" name="Content Placeholder 2">
             <a:extLst>
               <a:ext uri="{FF2B5EF4-FFF2-40B4-BE49-F238E27FC236}">
-                <a16:creationId xmlns:a16="http://schemas.microsoft.com/office/drawing/2014/main" xmlns="" id="{DEF1F8EC-EEB8-4B01-B078-1C454AD976BB}"/>
+                <a16:creationId xmlns:a16="http://schemas.microsoft.com/office/drawing/2014/main" id="{DEF1F8EC-EEB8-4B01-B078-1C454AD976BB}"/>
               </a:ext>
             </a:extLst>
           </p:cNvPr>
@@ -17693,7 +19851,7 @@
           <p:cNvPr id="2" name="Title 1">
             <a:extLst>
               <a:ext uri="{FF2B5EF4-FFF2-40B4-BE49-F238E27FC236}">
-                <a16:creationId xmlns:a16="http://schemas.microsoft.com/office/drawing/2014/main" xmlns="" id="{EE233C90-88E7-4696-8134-7B4C91BD8F17}"/>
+                <a16:creationId xmlns:a16="http://schemas.microsoft.com/office/drawing/2014/main" id="{EE233C90-88E7-4696-8134-7B4C91BD8F17}"/>
               </a:ext>
             </a:extLst>
           </p:cNvPr>
@@ -17726,7 +19884,7 @@
           <p:cNvPr id="4" name="Title 1">
             <a:extLst>
               <a:ext uri="{FF2B5EF4-FFF2-40B4-BE49-F238E27FC236}">
-                <a16:creationId xmlns:a16="http://schemas.microsoft.com/office/drawing/2014/main" xmlns="" id="{2076CA96-9A63-4397-87A3-722D4938F3EB}"/>
+                <a16:creationId xmlns:a16="http://schemas.microsoft.com/office/drawing/2014/main" id="{2076CA96-9A63-4397-87A3-722D4938F3EB}"/>
               </a:ext>
             </a:extLst>
           </p:cNvPr>
@@ -17780,7 +19938,7 @@
           <p:cNvPr id="5" name="Picture 4">
             <a:extLst>
               <a:ext uri="{FF2B5EF4-FFF2-40B4-BE49-F238E27FC236}">
-                <a16:creationId xmlns:a16="http://schemas.microsoft.com/office/drawing/2014/main" xmlns="" id="{7DA08A62-B3D9-44E1-B189-079287BB9B58}"/>
+                <a16:creationId xmlns:a16="http://schemas.microsoft.com/office/drawing/2014/main" id="{7DA08A62-B3D9-44E1-B189-079287BB9B58}"/>
               </a:ext>
             </a:extLst>
           </p:cNvPr>
@@ -17810,7 +19968,7 @@
           <p:cNvPr id="3" name="Picture 2">
             <a:extLst>
               <a:ext uri="{FF2B5EF4-FFF2-40B4-BE49-F238E27FC236}">
-                <a16:creationId xmlns:a16="http://schemas.microsoft.com/office/drawing/2014/main" xmlns="" id="{8AF06C13-0192-4CD8-95B8-92DDA6413B42}"/>
+                <a16:creationId xmlns:a16="http://schemas.microsoft.com/office/drawing/2014/main" id="{8AF06C13-0192-4CD8-95B8-92DDA6413B42}"/>
               </a:ext>
             </a:extLst>
           </p:cNvPr>
@@ -17840,7 +19998,7 @@
           <p:cNvPr id="6" name="Rectangle 5">
             <a:extLst>
               <a:ext uri="{FF2B5EF4-FFF2-40B4-BE49-F238E27FC236}">
-                <a16:creationId xmlns:a16="http://schemas.microsoft.com/office/drawing/2014/main" xmlns="" id="{DC6EEFDB-A9FB-4663-967C-5D3D2E62A33C}"/>
+                <a16:creationId xmlns:a16="http://schemas.microsoft.com/office/drawing/2014/main" id="{DC6EEFDB-A9FB-4663-967C-5D3D2E62A33C}"/>
               </a:ext>
             </a:extLst>
           </p:cNvPr>
@@ -17876,7 +20034,7 @@
           <p:cNvPr id="7" name="Rectangle 6">
             <a:extLst>
               <a:ext uri="{FF2B5EF4-FFF2-40B4-BE49-F238E27FC236}">
-                <a16:creationId xmlns:a16="http://schemas.microsoft.com/office/drawing/2014/main" xmlns="" id="{0DB27BCE-B9C8-4785-B435-C7080088C498}"/>
+                <a16:creationId xmlns:a16="http://schemas.microsoft.com/office/drawing/2014/main" id="{0DB27BCE-B9C8-4785-B435-C7080088C498}"/>
               </a:ext>
             </a:extLst>
           </p:cNvPr>
@@ -17912,7 +20070,7 @@
           <p:cNvPr id="8" name="Rectangle 7">
             <a:extLst>
               <a:ext uri="{FF2B5EF4-FFF2-40B4-BE49-F238E27FC236}">
-                <a16:creationId xmlns:a16="http://schemas.microsoft.com/office/drawing/2014/main" xmlns="" id="{E7F1D3B6-D5EF-4012-8DDF-EB5B04FEAE2E}"/>
+                <a16:creationId xmlns:a16="http://schemas.microsoft.com/office/drawing/2014/main" id="{E7F1D3B6-D5EF-4012-8DDF-EB5B04FEAE2E}"/>
               </a:ext>
             </a:extLst>
           </p:cNvPr>
@@ -19167,7 +21325,7 @@
           <p:cNvPr id="4" name="TextBox 3">
             <a:extLst>
               <a:ext uri="{FF2B5EF4-FFF2-40B4-BE49-F238E27FC236}">
-                <a16:creationId xmlns:a16="http://schemas.microsoft.com/office/drawing/2014/main" xmlns="" id="{193C1F94-3223-4B5D-9311-72B2F4428BED}"/>
+                <a16:creationId xmlns:a16="http://schemas.microsoft.com/office/drawing/2014/main" id="{193C1F94-3223-4B5D-9311-72B2F4428BED}"/>
               </a:ext>
             </a:extLst>
           </p:cNvPr>
@@ -19202,7 +21360,7 @@
           <p:cNvPr id="6" name="Picture 5">
             <a:extLst>
               <a:ext uri="{FF2B5EF4-FFF2-40B4-BE49-F238E27FC236}">
-                <a16:creationId xmlns:a16="http://schemas.microsoft.com/office/drawing/2014/main" xmlns="" id="{AC7F2288-FC11-4022-AB7C-9D67FBA93850}"/>
+                <a16:creationId xmlns:a16="http://schemas.microsoft.com/office/drawing/2014/main" id="{AC7F2288-FC11-4022-AB7C-9D67FBA93850}"/>
               </a:ext>
             </a:extLst>
           </p:cNvPr>
@@ -19232,7 +21390,7 @@
           <p:cNvPr id="7" name="TextBox 6">
             <a:extLst>
               <a:ext uri="{FF2B5EF4-FFF2-40B4-BE49-F238E27FC236}">
-                <a16:creationId xmlns:a16="http://schemas.microsoft.com/office/drawing/2014/main" xmlns="" id="{35816B5B-9BFD-4533-8088-5FD2D6611401}"/>
+                <a16:creationId xmlns:a16="http://schemas.microsoft.com/office/drawing/2014/main" id="{35816B5B-9BFD-4533-8088-5FD2D6611401}"/>
               </a:ext>
             </a:extLst>
           </p:cNvPr>
@@ -19272,13 +21430,6 @@
   <p:clrMapOvr>
     <a:masterClrMapping/>
   </p:clrMapOvr>
-  <p:timing>
-    <p:tnLst>
-      <p:par>
-        <p:cTn id="1" dur="indefinite" restart="never" nodeType="tmRoot"/>
-      </p:par>
-    </p:tnLst>
-  </p:timing>
 </p:sld>
 </file>
 
@@ -19304,7 +21455,7 @@
           <p:cNvPr id="2" name="Title 1">
             <a:extLst>
               <a:ext uri="{FF2B5EF4-FFF2-40B4-BE49-F238E27FC236}">
-                <a16:creationId xmlns:a16="http://schemas.microsoft.com/office/drawing/2014/main" xmlns="" id="{DB1EB4B3-80FB-421E-9CFA-7C3A6D284CCC}"/>
+                <a16:creationId xmlns:a16="http://schemas.microsoft.com/office/drawing/2014/main" id="{DB1EB4B3-80FB-421E-9CFA-7C3A6D284CCC}"/>
               </a:ext>
             </a:extLst>
           </p:cNvPr>
@@ -19342,7 +21493,7 @@
           <p:cNvPr id="3" name="Content Placeholder 2">
             <a:extLst>
               <a:ext uri="{FF2B5EF4-FFF2-40B4-BE49-F238E27FC236}">
-                <a16:creationId xmlns:a16="http://schemas.microsoft.com/office/drawing/2014/main" xmlns="" id="{AB6D8E7D-1590-45D1-96A9-616779A78156}"/>
+                <a16:creationId xmlns:a16="http://schemas.microsoft.com/office/drawing/2014/main" id="{AB6D8E7D-1590-45D1-96A9-616779A78156}"/>
               </a:ext>
             </a:extLst>
           </p:cNvPr>
@@ -19441,7 +21592,7 @@
           <p:cNvPr id="4" name="TextBox 3">
             <a:extLst>
               <a:ext uri="{FF2B5EF4-FFF2-40B4-BE49-F238E27FC236}">
-                <a16:creationId xmlns:a16="http://schemas.microsoft.com/office/drawing/2014/main" xmlns="" id="{7DA1E521-8F4B-4310-883E-BF747E463CF5}"/>
+                <a16:creationId xmlns:a16="http://schemas.microsoft.com/office/drawing/2014/main" id="{7DA1E521-8F4B-4310-883E-BF747E463CF5}"/>
               </a:ext>
             </a:extLst>
           </p:cNvPr>

--- a/doc/Markov Chain Lunch and Learn.pptx
+++ b/doc/Markov Chain Lunch and Learn.pptx
@@ -16013,7 +16013,7 @@
         <p:spPr>
           <a:xfrm>
             <a:off x="1061543" y="1423537"/>
-            <a:ext cx="9364719" cy="4278094"/>
+            <a:ext cx="9364719" cy="4893647"/>
           </a:xfrm>
           <a:prstGeom prst="rect">
             <a:avLst/>
@@ -16122,6 +16122,26 @@
             <a:r>
               <a:rPr lang="en-US" sz="2400" dirty="0"/>
               <a:t>Formalize notion of context (hidden Markov models)</a:t>
+            </a:r>
+          </a:p>
+          <a:p>
+            <a:pPr marL="914400" lvl="1" indent="-457200">
+              <a:buFont typeface="Arial" panose="020B0604020202020204" pitchFamily="34" charset="0"/>
+              <a:buChar char="•"/>
+            </a:pPr>
+            <a:r>
+              <a:rPr lang="en-US" sz="2400" dirty="0"/>
+              <a:t>Structure that supports “appears together”</a:t>
+            </a:r>
+          </a:p>
+          <a:p>
+            <a:pPr marL="1371600" lvl="2" indent="-457200">
+              <a:buFont typeface="Arial" panose="020B0604020202020204" pitchFamily="34" charset="0"/>
+              <a:buChar char="•"/>
+            </a:pPr>
+            <a:r>
+              <a:rPr lang="en-US" sz="2000" dirty="0"/>
+              <a:t>Markov models only support “follows” </a:t>
             </a:r>
           </a:p>
           <a:p>

--- a/doc/Markov Chain Lunch and Learn.pptx
+++ b/doc/Markov Chain Lunch and Learn.pptx
@@ -224,7 +224,7 @@
           <a:p>
             <a:fld id="{28BC0915-5B17-4E5F-8287-0C50086ECCA8}" type="datetimeFigureOut">
               <a:rPr lang="en-US" smtClean="0"/>
-              <a:t>11/14/2018</a:t>
+              <a:t>11/15/2018</a:t>
             </a:fld>
             <a:endParaRPr lang="en-US"/>
           </a:p>
@@ -638,7 +638,7 @@
           <a:p>
             <a:fld id="{57A526C2-240B-4AB0-9B61-CAAC81A366B2}" type="datetimeFigureOut">
               <a:rPr lang="en-US" smtClean="0"/>
-              <a:t>11/14/2018</a:t>
+              <a:t>11/15/2018</a:t>
             </a:fld>
             <a:endParaRPr lang="en-US"/>
           </a:p>
@@ -836,7 +836,7 @@
           <a:p>
             <a:fld id="{57A526C2-240B-4AB0-9B61-CAAC81A366B2}" type="datetimeFigureOut">
               <a:rPr lang="en-US" smtClean="0"/>
-              <a:t>11/14/2018</a:t>
+              <a:t>11/15/2018</a:t>
             </a:fld>
             <a:endParaRPr lang="en-US"/>
           </a:p>
@@ -1044,7 +1044,7 @@
           <a:p>
             <a:fld id="{57A526C2-240B-4AB0-9B61-CAAC81A366B2}" type="datetimeFigureOut">
               <a:rPr lang="en-US" smtClean="0"/>
-              <a:t>11/14/2018</a:t>
+              <a:t>11/15/2018</a:t>
             </a:fld>
             <a:endParaRPr lang="en-US"/>
           </a:p>
@@ -1242,7 +1242,7 @@
           <a:p>
             <a:fld id="{57A526C2-240B-4AB0-9B61-CAAC81A366B2}" type="datetimeFigureOut">
               <a:rPr lang="en-US" smtClean="0"/>
-              <a:t>11/14/2018</a:t>
+              <a:t>11/15/2018</a:t>
             </a:fld>
             <a:endParaRPr lang="en-US"/>
           </a:p>
@@ -1517,7 +1517,7 @@
           <a:p>
             <a:fld id="{57A526C2-240B-4AB0-9B61-CAAC81A366B2}" type="datetimeFigureOut">
               <a:rPr lang="en-US" smtClean="0"/>
-              <a:t>11/14/2018</a:t>
+              <a:t>11/15/2018</a:t>
             </a:fld>
             <a:endParaRPr lang="en-US"/>
           </a:p>
@@ -1782,7 +1782,7 @@
           <a:p>
             <a:fld id="{57A526C2-240B-4AB0-9B61-CAAC81A366B2}" type="datetimeFigureOut">
               <a:rPr lang="en-US" smtClean="0"/>
-              <a:t>11/14/2018</a:t>
+              <a:t>11/15/2018</a:t>
             </a:fld>
             <a:endParaRPr lang="en-US"/>
           </a:p>
@@ -2194,7 +2194,7 @@
           <a:p>
             <a:fld id="{57A526C2-240B-4AB0-9B61-CAAC81A366B2}" type="datetimeFigureOut">
               <a:rPr lang="en-US" smtClean="0"/>
-              <a:t>11/14/2018</a:t>
+              <a:t>11/15/2018</a:t>
             </a:fld>
             <a:endParaRPr lang="en-US"/>
           </a:p>
@@ -2335,7 +2335,7 @@
           <a:p>
             <a:fld id="{57A526C2-240B-4AB0-9B61-CAAC81A366B2}" type="datetimeFigureOut">
               <a:rPr lang="en-US" smtClean="0"/>
-              <a:t>11/14/2018</a:t>
+              <a:t>11/15/2018</a:t>
             </a:fld>
             <a:endParaRPr lang="en-US"/>
           </a:p>
@@ -2448,7 +2448,7 @@
           <a:p>
             <a:fld id="{57A526C2-240B-4AB0-9B61-CAAC81A366B2}" type="datetimeFigureOut">
               <a:rPr lang="en-US" smtClean="0"/>
-              <a:t>11/14/2018</a:t>
+              <a:t>11/15/2018</a:t>
             </a:fld>
             <a:endParaRPr lang="en-US"/>
           </a:p>
@@ -2759,7 +2759,7 @@
           <a:p>
             <a:fld id="{57A526C2-240B-4AB0-9B61-CAAC81A366B2}" type="datetimeFigureOut">
               <a:rPr lang="en-US" smtClean="0"/>
-              <a:t>11/14/2018</a:t>
+              <a:t>11/15/2018</a:t>
             </a:fld>
             <a:endParaRPr lang="en-US"/>
           </a:p>
@@ -3047,7 +3047,7 @@
           <a:p>
             <a:fld id="{57A526C2-240B-4AB0-9B61-CAAC81A366B2}" type="datetimeFigureOut">
               <a:rPr lang="en-US" smtClean="0"/>
-              <a:t>11/14/2018</a:t>
+              <a:t>11/15/2018</a:t>
             </a:fld>
             <a:endParaRPr lang="en-US"/>
           </a:p>
@@ -3308,7 +3308,7 @@
           <a:p>
             <a:fld id="{57A526C2-240B-4AB0-9B61-CAAC81A366B2}" type="datetimeFigureOut">
               <a:rPr lang="en-US" smtClean="0"/>
-              <a:t>11/14/2018</a:t>
+              <a:t>11/15/2018</a:t>
             </a:fld>
             <a:endParaRPr lang="en-US"/>
           </a:p>
@@ -3756,8 +3756,13 @@
             <a:pPr algn="ctr"/>
             <a:r>
               <a:rPr lang="en-US" dirty="0"/>
-              <a:t>Ticket Analysis with Markov Chain</a:t>
-            </a:r>
+              <a:t>Ticket Analysis with </a:t>
+            </a:r>
+            <a:r>
+              <a:rPr lang="en-US"/>
+              <a:t>Markov Chains</a:t>
+            </a:r>
+            <a:endParaRPr lang="en-US" dirty="0"/>
           </a:p>
         </p:txBody>
       </p:sp>
